--- a/VEEPortingGuide/images/mjvm_block-diagram.pptx
+++ b/VEEPortingGuide/images/mjvm_block-diagram.pptx
@@ -5,13 +5,14 @@
     <p:sldMasterId id="2147483690" r:id="rId1"/>
   </p:sldMasterIdLst>
   <p:notesMasterIdLst>
-    <p:notesMasterId r:id="rId3"/>
+    <p:notesMasterId r:id="rId4"/>
   </p:notesMasterIdLst>
   <p:handoutMasterIdLst>
-    <p:handoutMasterId r:id="rId4"/>
+    <p:handoutMasterId r:id="rId5"/>
   </p:handoutMasterIdLst>
   <p:sldIdLst>
-    <p:sldId id="317" r:id="rId2"/>
+    <p:sldId id="318" r:id="rId2"/>
+    <p:sldId id="322" r:id="rId3"/>
   </p:sldIdLst>
   <p:sldSz cx="12192000" cy="6858000"/>
   <p:notesSz cx="6858000" cy="9144000"/>
@@ -239,7 +240,7 @@
               <a:rPr lang="fr-FR" smtClean="0">
                 <a:latin typeface="Calibri Regular" charset="0"/>
               </a:rPr>
-              <a:t>novembre 23</a:t>
+              <a:t>décembre 23</a:t>
             </a:fld>
             <a:endParaRPr lang="en-US" dirty="0">
               <a:latin typeface="Calibri Regular" charset="0"/>
@@ -418,7 +419,7 @@
             <a:fld id="{79958FA1-9FE8-F149-AB4B-7DC9950B39E9}" type="datetime6">
               <a:rPr lang="fr-FR" smtClean="0"/>
               <a:pPr/>
-              <a:t>novembre 23</a:t>
+              <a:t>décembre 23</a:t>
             </a:fld>
             <a:endParaRPr lang="en-US" dirty="0"/>
           </a:p>
@@ -5383,41 +5384,6 @@
           </a:p>
         </p:txBody>
       </p:sp>
-      <p:cxnSp>
-        <p:nvCxnSpPr>
-          <p:cNvPr id="9" name="Straight Connector 8"/>
-          <p:cNvCxnSpPr/>
-          <p:nvPr/>
-        </p:nvCxnSpPr>
-        <p:spPr>
-          <a:xfrm>
-            <a:off x="550863" y="1566197"/>
-            <a:ext cx="10129837" cy="0"/>
-          </a:xfrm>
-          <a:prstGeom prst="line">
-            <a:avLst/>
-          </a:prstGeom>
-          <a:ln>
-            <a:solidFill>
-              <a:schemeClr val="bg2"/>
-            </a:solidFill>
-          </a:ln>
-        </p:spPr>
-        <p:style>
-          <a:lnRef idx="1">
-            <a:schemeClr val="accent1"/>
-          </a:lnRef>
-          <a:fillRef idx="0">
-            <a:schemeClr val="accent1"/>
-          </a:fillRef>
-          <a:effectRef idx="0">
-            <a:schemeClr val="accent1"/>
-          </a:effectRef>
-          <a:fontRef idx="minor">
-            <a:schemeClr val="tx1"/>
-          </a:fontRef>
-        </p:style>
-      </p:cxnSp>
     </p:spTree>
   </p:cSld>
   <p:clrMapOvr>
@@ -6933,10 +6899,10 @@
       </p:grpSpPr>
       <p:sp>
         <p:nvSpPr>
-          <p:cNvPr id="86" name="Rounded Rectangle 64">
+          <p:cNvPr id="2" name="Rounded Rectangle 64">
             <a:extLst>
               <a:ext uri="{FF2B5EF4-FFF2-40B4-BE49-F238E27FC236}">
-                <a16:creationId xmlns:a16="http://schemas.microsoft.com/office/drawing/2014/main" id="{7BF2F664-C39B-75A9-CA44-30CA725CF03A}"/>
+                <a16:creationId xmlns:a16="http://schemas.microsoft.com/office/drawing/2014/main" id="{4C8DEBDD-2D43-874A-B2FB-4604C9822544}"/>
               </a:ext>
             </a:extLst>
           </p:cNvPr>
@@ -6945,8 +6911,8 @@
         </p:nvSpPr>
         <p:spPr>
           <a:xfrm>
-            <a:off x="3365424" y="1793910"/>
-            <a:ext cx="7115669" cy="2976470"/>
+            <a:off x="3142763" y="1852015"/>
+            <a:ext cx="6072118" cy="2756989"/>
           </a:xfrm>
           <a:prstGeom prst="roundRect">
             <a:avLst>
@@ -6954,13 +6920,16 @@
             </a:avLst>
           </a:prstGeom>
           <a:solidFill>
-            <a:schemeClr val="tx1">
-              <a:lumMod val="20000"/>
-              <a:lumOff val="80000"/>
+            <a:schemeClr val="bg1">
+              <a:lumMod val="75000"/>
             </a:schemeClr>
           </a:solidFill>
-          <a:ln w="12700">
-            <a:noFill/>
+          <a:ln w="19050">
+            <a:solidFill>
+              <a:schemeClr val="tx1">
+                <a:lumMod val="50000"/>
+              </a:schemeClr>
+            </a:solidFill>
           </a:ln>
           <a:effectLst/>
         </p:spPr>
@@ -6985,22 +6954,63 @@
           <a:lstStyle/>
           <a:p>
             <a:pPr algn="ctr"/>
-            <a:endParaRPr lang="en-US" sz="1200" b="1" dirty="0">
+            <a:endParaRPr lang="en-US" sz="1000" dirty="0">
               <a:solidFill>
                 <a:schemeClr val="bg1"/>
               </a:solidFill>
-              <a:latin typeface="Source Sans Pro Light" charset="0"/>
-              <a:ea typeface="Source Sans Pro Light" charset="0"/>
+              <a:latin typeface="Source Sans Pro" panose="020B0503030403020204" pitchFamily="34" charset="0"/>
+              <a:ea typeface="Source Sans Pro" panose="020B0503030403020204" pitchFamily="34" charset="0"/>
             </a:endParaRPr>
           </a:p>
         </p:txBody>
       </p:sp>
+      <p:cxnSp>
+        <p:nvCxnSpPr>
+          <p:cNvPr id="130" name="Straight Arrow Connector 129">
+            <a:extLst>
+              <a:ext uri="{FF2B5EF4-FFF2-40B4-BE49-F238E27FC236}">
+                <a16:creationId xmlns:a16="http://schemas.microsoft.com/office/drawing/2014/main" id="{A095D997-F139-094A-877F-1714B9C0BE65}"/>
+              </a:ext>
+            </a:extLst>
+          </p:cNvPr>
+          <p:cNvCxnSpPr>
+            <a:cxnSpLocks/>
+          </p:cNvCxnSpPr>
+          <p:nvPr/>
+        </p:nvCxnSpPr>
+        <p:spPr>
+          <a:xfrm flipH="1">
+            <a:off x="5724150" y="2460514"/>
+            <a:ext cx="107" cy="527161"/>
+          </a:xfrm>
+          <a:prstGeom prst="straightConnector1">
+            <a:avLst/>
+          </a:prstGeom>
+          <a:ln w="19050">
+            <a:tailEnd type="triangle"/>
+          </a:ln>
+        </p:spPr>
+        <p:style>
+          <a:lnRef idx="1">
+            <a:schemeClr val="accent1"/>
+          </a:lnRef>
+          <a:fillRef idx="0">
+            <a:schemeClr val="accent1"/>
+          </a:fillRef>
+          <a:effectRef idx="0">
+            <a:schemeClr val="accent1"/>
+          </a:effectRef>
+          <a:fontRef idx="minor">
+            <a:schemeClr val="tx1"/>
+          </a:fontRef>
+        </p:style>
+      </p:cxnSp>
       <p:sp>
         <p:nvSpPr>
-          <p:cNvPr id="26" name="Rectangle: Rounded Corners 25">
+          <p:cNvPr id="4" name="Rectangle: Rounded Corners 23">
             <a:extLst>
               <a:ext uri="{FF2B5EF4-FFF2-40B4-BE49-F238E27FC236}">
-                <a16:creationId xmlns:a16="http://schemas.microsoft.com/office/drawing/2014/main" id="{AC5C0EB8-1007-3610-28D3-5BE1CC3A6C8A}"/>
+                <a16:creationId xmlns:a16="http://schemas.microsoft.com/office/drawing/2014/main" id="{BC494EF4-AF2B-6346-A692-3763118B54CA}"/>
               </a:ext>
             </a:extLst>
           </p:cNvPr>
@@ -7009,14 +7019,19 @@
         </p:nvSpPr>
         <p:spPr>
           <a:xfrm>
-            <a:off x="4253725" y="5082927"/>
-            <a:ext cx="6063682" cy="1415954"/>
+            <a:off x="3142763" y="4882678"/>
+            <a:ext cx="6072118" cy="1264400"/>
           </a:xfrm>
           <a:prstGeom prst="roundRect">
-            <a:avLst/>
+            <a:avLst>
+              <a:gd name="adj" fmla="val 11423"/>
+            </a:avLst>
           </a:prstGeom>
           <a:solidFill>
-            <a:srgbClr val="48A23F"/>
+            <a:schemeClr val="tx2">
+              <a:lumMod val="20000"/>
+              <a:lumOff val="80000"/>
+            </a:schemeClr>
           </a:solidFill>
           <a:ln>
             <a:noFill/>
@@ -7044,18 +7059,24 @@
           <a:p>
             <a:pPr algn="ctr"/>
             <a:r>
-              <a:rPr lang="en-US" dirty="0"/>
-              <a:t>Application Data (ROM)</a:t>
+              <a:rPr lang="en-US" sz="1200" b="1" dirty="0">
+                <a:solidFill>
+                  <a:schemeClr val="tx1"/>
+                </a:solidFill>
+                <a:latin typeface="Source Sans Pro" panose="020B0503030403020204" pitchFamily="34" charset="0"/>
+                <a:ea typeface="Source Sans Pro" panose="020B0503030403020204" pitchFamily="34" charset="0"/>
+              </a:rPr>
+              <a:t>RUNTIME DATA (RAM)</a:t>
             </a:r>
           </a:p>
         </p:txBody>
       </p:sp>
       <p:sp>
         <p:nvSpPr>
-          <p:cNvPr id="24" name="Rectangle: Rounded Corners 23">
+          <p:cNvPr id="7" name="Rounded Rectangle 64">
             <a:extLst>
               <a:ext uri="{FF2B5EF4-FFF2-40B4-BE49-F238E27FC236}">
-                <a16:creationId xmlns:a16="http://schemas.microsoft.com/office/drawing/2014/main" id="{AA1C322E-33C4-5BF6-E902-B080DC103CA7}"/>
+                <a16:creationId xmlns:a16="http://schemas.microsoft.com/office/drawing/2014/main" id="{785DA6EB-9950-2240-88DB-BA6BB2128618}"/>
               </a:ext>
             </a:extLst>
           </p:cNvPr>
@@ -7064,14 +7085,1226 @@
         </p:nvSpPr>
         <p:spPr>
           <a:xfrm>
-            <a:off x="3716323" y="222398"/>
-            <a:ext cx="7138486" cy="1518211"/>
+            <a:off x="6864351" y="5242236"/>
+            <a:ext cx="2182268" cy="759600"/>
           </a:xfrm>
           <a:prstGeom prst="roundRect">
-            <a:avLst/>
+            <a:avLst>
+              <a:gd name="adj" fmla="val 9579"/>
+            </a:avLst>
           </a:prstGeom>
           <a:solidFill>
-            <a:srgbClr val="48A23F"/>
+            <a:schemeClr val="bg1"/>
+          </a:solidFill>
+          <a:ln w="12700">
+            <a:noFill/>
+          </a:ln>
+          <a:effectLst/>
+        </p:spPr>
+        <p:style>
+          <a:lnRef idx="2">
+            <a:schemeClr val="dk1"/>
+          </a:lnRef>
+          <a:fillRef idx="1">
+            <a:schemeClr val="lt1"/>
+          </a:fillRef>
+          <a:effectRef idx="0">
+            <a:schemeClr val="dk1"/>
+          </a:effectRef>
+          <a:fontRef idx="minor">
+            <a:schemeClr val="dk1"/>
+          </a:fontRef>
+        </p:style>
+        <p:txBody>
+          <a:bodyPr wrap="square" lIns="36000" tIns="36000" rIns="36000" bIns="36000" rtlCol="0" anchor="ctr">
+            <a:noAutofit/>
+          </a:bodyPr>
+          <a:lstStyle/>
+          <a:p>
+            <a:pPr algn="ctr"/>
+            <a:r>
+              <a:rPr lang="en-GB" sz="1200" b="1" dirty="0">
+                <a:solidFill>
+                  <a:schemeClr val="tx1"/>
+                </a:solidFill>
+                <a:latin typeface="Source Sans Pro" panose="020B0503030403020204" pitchFamily="34" charset="0"/>
+                <a:ea typeface="Source Sans Pro" panose="020B0503030403020204" pitchFamily="34" charset="0"/>
+              </a:rPr>
+              <a:t>Thread Stacks</a:t>
+            </a:r>
+          </a:p>
+          <a:p>
+            <a:r>
+              <a:rPr lang="en-US" sz="1000" dirty="0">
+                <a:solidFill>
+                  <a:schemeClr val="tx1"/>
+                </a:solidFill>
+                <a:latin typeface="Source Sans Pro" panose="020B0503030403020204" pitchFamily="34" charset="0"/>
+                <a:ea typeface="Source Sans Pro" panose="020B0503030403020204" pitchFamily="34" charset="0"/>
+              </a:rPr>
+              <a:t>• Flexible Stack Blocks Allocation</a:t>
+            </a:r>
+          </a:p>
+          <a:p>
+            <a:r>
+              <a:rPr lang="en-US" sz="1000" dirty="0">
+                <a:solidFill>
+                  <a:schemeClr val="tx1"/>
+                </a:solidFill>
+                <a:latin typeface="Source Sans Pro" panose="020B0503030403020204" pitchFamily="34" charset="0"/>
+                <a:ea typeface="Source Sans Pro" panose="020B0503030403020204" pitchFamily="34" charset="0"/>
+              </a:rPr>
+              <a:t>• Check Stack Overflow</a:t>
+            </a:r>
+          </a:p>
+        </p:txBody>
+      </p:sp>
+      <p:sp>
+        <p:nvSpPr>
+          <p:cNvPr id="9" name="Rounded Rectangle 64">
+            <a:extLst>
+              <a:ext uri="{FF2B5EF4-FFF2-40B4-BE49-F238E27FC236}">
+                <a16:creationId xmlns:a16="http://schemas.microsoft.com/office/drawing/2014/main" id="{5B033F2F-5CDB-5E49-895A-F543A3FECD31}"/>
+              </a:ext>
+            </a:extLst>
+          </p:cNvPr>
+          <p:cNvSpPr/>
+          <p:nvPr/>
+        </p:nvSpPr>
+        <p:spPr>
+          <a:xfrm>
+            <a:off x="3265961" y="5242236"/>
+            <a:ext cx="1006496" cy="759600"/>
+          </a:xfrm>
+          <a:prstGeom prst="roundRect">
+            <a:avLst>
+              <a:gd name="adj" fmla="val 13402"/>
+            </a:avLst>
+          </a:prstGeom>
+          <a:solidFill>
+            <a:schemeClr val="bg1"/>
+          </a:solidFill>
+          <a:ln w="12700">
+            <a:noFill/>
+          </a:ln>
+          <a:effectLst/>
+        </p:spPr>
+        <p:style>
+          <a:lnRef idx="2">
+            <a:schemeClr val="dk1"/>
+          </a:lnRef>
+          <a:fillRef idx="1">
+            <a:schemeClr val="lt1"/>
+          </a:fillRef>
+          <a:effectRef idx="0">
+            <a:schemeClr val="dk1"/>
+          </a:effectRef>
+          <a:fontRef idx="minor">
+            <a:schemeClr val="dk1"/>
+          </a:fontRef>
+        </p:style>
+        <p:txBody>
+          <a:bodyPr wrap="square" lIns="36000" tIns="36000" rIns="36000" bIns="36000" rtlCol="0" anchor="ctr">
+            <a:noAutofit/>
+          </a:bodyPr>
+          <a:lstStyle/>
+          <a:p>
+            <a:pPr algn="ctr"/>
+            <a:r>
+              <a:rPr lang="en-GB" sz="1200" b="1" dirty="0">
+                <a:solidFill>
+                  <a:schemeClr val="tx1"/>
+                </a:solidFill>
+                <a:latin typeface="Source Sans Pro" panose="020B0503030403020204" pitchFamily="34" charset="0"/>
+                <a:ea typeface="Source Sans Pro" panose="020B0503030403020204" pitchFamily="34" charset="0"/>
+              </a:rPr>
+              <a:t>Immortal</a:t>
+            </a:r>
+          </a:p>
+          <a:p>
+            <a:pPr algn="ctr"/>
+            <a:r>
+              <a:rPr lang="en-GB" sz="1200" b="1" dirty="0">
+                <a:solidFill>
+                  <a:schemeClr val="tx1"/>
+                </a:solidFill>
+                <a:latin typeface="Source Sans Pro" panose="020B0503030403020204" pitchFamily="34" charset="0"/>
+                <a:ea typeface="Source Sans Pro" panose="020B0503030403020204" pitchFamily="34" charset="0"/>
+              </a:rPr>
+              <a:t>Objects</a:t>
+            </a:r>
+          </a:p>
+          <a:p>
+            <a:pPr algn="ctr"/>
+            <a:r>
+              <a:rPr lang="en-GB" sz="1200" b="1" dirty="0">
+                <a:solidFill>
+                  <a:schemeClr val="tx1"/>
+                </a:solidFill>
+                <a:latin typeface="Source Sans Pro" panose="020B0503030403020204" pitchFamily="34" charset="0"/>
+                <a:ea typeface="Source Sans Pro" panose="020B0503030403020204" pitchFamily="34" charset="0"/>
+              </a:rPr>
+              <a:t>Heap</a:t>
+            </a:r>
+            <a:endParaRPr lang="en-US" sz="1200" b="1" dirty="0">
+              <a:solidFill>
+                <a:schemeClr val="tx1"/>
+              </a:solidFill>
+              <a:latin typeface="Source Sans Pro" panose="020B0503030403020204" pitchFamily="34" charset="0"/>
+              <a:ea typeface="Source Sans Pro" panose="020B0503030403020204" pitchFamily="34" charset="0"/>
+            </a:endParaRPr>
+          </a:p>
+        </p:txBody>
+      </p:sp>
+      <p:sp>
+        <p:nvSpPr>
+          <p:cNvPr id="13" name="Rounded Rectangle 64">
+            <a:extLst>
+              <a:ext uri="{FF2B5EF4-FFF2-40B4-BE49-F238E27FC236}">
+                <a16:creationId xmlns:a16="http://schemas.microsoft.com/office/drawing/2014/main" id="{F6F5FDE2-41BA-C24F-AD34-190FE779FEF3}"/>
+              </a:ext>
+            </a:extLst>
+          </p:cNvPr>
+          <p:cNvSpPr/>
+          <p:nvPr/>
+        </p:nvSpPr>
+        <p:spPr>
+          <a:xfrm>
+            <a:off x="5745144" y="5242236"/>
+            <a:ext cx="1006496" cy="759600"/>
+          </a:xfrm>
+          <a:prstGeom prst="roundRect">
+            <a:avLst>
+              <a:gd name="adj" fmla="val 12237"/>
+            </a:avLst>
+          </a:prstGeom>
+          <a:solidFill>
+            <a:schemeClr val="bg1"/>
+          </a:solidFill>
+          <a:ln w="12700">
+            <a:noFill/>
+          </a:ln>
+          <a:effectLst/>
+        </p:spPr>
+        <p:style>
+          <a:lnRef idx="2">
+            <a:schemeClr val="dk1"/>
+          </a:lnRef>
+          <a:fillRef idx="1">
+            <a:schemeClr val="lt1"/>
+          </a:fillRef>
+          <a:effectRef idx="0">
+            <a:schemeClr val="dk1"/>
+          </a:effectRef>
+          <a:fontRef idx="minor">
+            <a:schemeClr val="dk1"/>
+          </a:fontRef>
+        </p:style>
+        <p:txBody>
+          <a:bodyPr wrap="square" lIns="36000" tIns="36000" rIns="36000" bIns="36000" rtlCol="0" anchor="ctr">
+            <a:noAutofit/>
+          </a:bodyPr>
+          <a:lstStyle/>
+          <a:p>
+            <a:pPr algn="ctr"/>
+            <a:r>
+              <a:rPr lang="en-GB" sz="1200" b="1" dirty="0">
+                <a:solidFill>
+                  <a:schemeClr val="tx1"/>
+                </a:solidFill>
+                <a:latin typeface="Source Sans Pro" panose="020B0503030403020204" pitchFamily="34" charset="0"/>
+                <a:ea typeface="Source Sans Pro" panose="020B0503030403020204" pitchFamily="34" charset="0"/>
+              </a:rPr>
+              <a:t>Internal</a:t>
+            </a:r>
+          </a:p>
+          <a:p>
+            <a:pPr algn="ctr"/>
+            <a:r>
+              <a:rPr lang="en-GB" sz="1200" b="1" dirty="0">
+                <a:solidFill>
+                  <a:schemeClr val="tx1"/>
+                </a:solidFill>
+                <a:latin typeface="Source Sans Pro" panose="020B0503030403020204" pitchFamily="34" charset="0"/>
+                <a:ea typeface="Source Sans Pro" panose="020B0503030403020204" pitchFamily="34" charset="0"/>
+              </a:rPr>
+              <a:t>Structures</a:t>
+            </a:r>
+            <a:endParaRPr lang="en-US" sz="1200" b="1" dirty="0">
+              <a:solidFill>
+                <a:schemeClr val="tx1"/>
+              </a:solidFill>
+              <a:latin typeface="Source Sans Pro" panose="020B0503030403020204" pitchFamily="34" charset="0"/>
+              <a:ea typeface="Source Sans Pro" panose="020B0503030403020204" pitchFamily="34" charset="0"/>
+            </a:endParaRPr>
+          </a:p>
+        </p:txBody>
+      </p:sp>
+      <p:grpSp>
+        <p:nvGrpSpPr>
+          <p:cNvPr id="84" name="Group 83">
+            <a:extLst>
+              <a:ext uri="{FF2B5EF4-FFF2-40B4-BE49-F238E27FC236}">
+                <a16:creationId xmlns:a16="http://schemas.microsoft.com/office/drawing/2014/main" id="{F189A6B0-CD77-7940-8780-DB608EA6CBAE}"/>
+              </a:ext>
+            </a:extLst>
+          </p:cNvPr>
+          <p:cNvGrpSpPr/>
+          <p:nvPr/>
+        </p:nvGrpSpPr>
+        <p:grpSpPr>
+          <a:xfrm>
+            <a:off x="4762410" y="2481743"/>
+            <a:ext cx="3267260" cy="1700409"/>
+            <a:chOff x="4765964" y="1757553"/>
+            <a:chExt cx="3267260" cy="1700409"/>
+          </a:xfrm>
+        </p:grpSpPr>
+        <p:cxnSp>
+          <p:nvCxnSpPr>
+            <p:cNvPr id="67" name="Straight Arrow Connector 66">
+              <a:extLst>
+                <a:ext uri="{FF2B5EF4-FFF2-40B4-BE49-F238E27FC236}">
+                  <a16:creationId xmlns:a16="http://schemas.microsoft.com/office/drawing/2014/main" id="{B9F061A1-CB24-A84C-A2D8-EB8BF256FB3C}"/>
+                </a:ext>
+              </a:extLst>
+            </p:cNvPr>
+            <p:cNvCxnSpPr>
+              <a:cxnSpLocks/>
+            </p:cNvCxnSpPr>
+            <p:nvPr/>
+          </p:nvCxnSpPr>
+          <p:spPr>
+            <a:xfrm>
+              <a:off x="6561513" y="1757553"/>
+              <a:ext cx="0" cy="565586"/>
+            </a:xfrm>
+            <a:prstGeom prst="straightConnector1">
+              <a:avLst/>
+            </a:prstGeom>
+            <a:ln w="19050">
+              <a:tailEnd type="triangle"/>
+            </a:ln>
+          </p:spPr>
+          <p:style>
+            <a:lnRef idx="1">
+              <a:schemeClr val="accent1"/>
+            </a:lnRef>
+            <a:fillRef idx="0">
+              <a:schemeClr val="accent1"/>
+            </a:fillRef>
+            <a:effectRef idx="0">
+              <a:schemeClr val="accent1"/>
+            </a:effectRef>
+            <a:fontRef idx="minor">
+              <a:schemeClr val="tx1"/>
+            </a:fontRef>
+          </p:style>
+        </p:cxnSp>
+        <p:cxnSp>
+          <p:nvCxnSpPr>
+            <p:cNvPr id="68" name="Straight Arrow Connector 67">
+              <a:extLst>
+                <a:ext uri="{FF2B5EF4-FFF2-40B4-BE49-F238E27FC236}">
+                  <a16:creationId xmlns:a16="http://schemas.microsoft.com/office/drawing/2014/main" id="{E6AD74B9-0B6B-8843-B7E1-857F471C4045}"/>
+                </a:ext>
+              </a:extLst>
+            </p:cNvPr>
+            <p:cNvCxnSpPr/>
+            <p:nvPr/>
+          </p:nvCxnSpPr>
+          <p:spPr>
+            <a:xfrm>
+              <a:off x="8033224" y="2881498"/>
+              <a:ext cx="0" cy="405761"/>
+            </a:xfrm>
+            <a:prstGeom prst="straightConnector1">
+              <a:avLst/>
+            </a:prstGeom>
+            <a:ln w="19050">
+              <a:tailEnd type="triangle"/>
+            </a:ln>
+          </p:spPr>
+          <p:style>
+            <a:lnRef idx="1">
+              <a:schemeClr val="accent1"/>
+            </a:lnRef>
+            <a:fillRef idx="0">
+              <a:schemeClr val="accent1"/>
+            </a:fillRef>
+            <a:effectRef idx="0">
+              <a:schemeClr val="accent1"/>
+            </a:effectRef>
+            <a:fontRef idx="minor">
+              <a:schemeClr val="tx1"/>
+            </a:fontRef>
+          </p:style>
+        </p:cxnSp>
+        <p:cxnSp>
+          <p:nvCxnSpPr>
+            <p:cNvPr id="70" name="Straight Arrow Connector 69">
+              <a:extLst>
+                <a:ext uri="{FF2B5EF4-FFF2-40B4-BE49-F238E27FC236}">
+                  <a16:creationId xmlns:a16="http://schemas.microsoft.com/office/drawing/2014/main" id="{CFEFCAD9-A52E-774F-85A3-EA595D45247A}"/>
+                </a:ext>
+              </a:extLst>
+            </p:cNvPr>
+            <p:cNvCxnSpPr/>
+            <p:nvPr/>
+          </p:nvCxnSpPr>
+          <p:spPr>
+            <a:xfrm flipH="1">
+              <a:off x="6744393" y="2499227"/>
+              <a:ext cx="653934" cy="0"/>
+            </a:xfrm>
+            <a:prstGeom prst="straightConnector1">
+              <a:avLst/>
+            </a:prstGeom>
+            <a:ln w="19050">
+              <a:tailEnd type="triangle"/>
+            </a:ln>
+          </p:spPr>
+          <p:style>
+            <a:lnRef idx="1">
+              <a:schemeClr val="accent1"/>
+            </a:lnRef>
+            <a:fillRef idx="0">
+              <a:schemeClr val="accent1"/>
+            </a:fillRef>
+            <a:effectRef idx="0">
+              <a:schemeClr val="accent1"/>
+            </a:effectRef>
+            <a:fontRef idx="minor">
+              <a:schemeClr val="tx1"/>
+            </a:fontRef>
+          </p:style>
+        </p:cxnSp>
+        <p:cxnSp>
+          <p:nvCxnSpPr>
+            <p:cNvPr id="71" name="Straight Arrow Connector 70">
+              <a:extLst>
+                <a:ext uri="{FF2B5EF4-FFF2-40B4-BE49-F238E27FC236}">
+                  <a16:creationId xmlns:a16="http://schemas.microsoft.com/office/drawing/2014/main" id="{8574D056-9C88-9244-8842-96B0BFDDC762}"/>
+                </a:ext>
+              </a:extLst>
+            </p:cNvPr>
+            <p:cNvCxnSpPr/>
+            <p:nvPr/>
+          </p:nvCxnSpPr>
+          <p:spPr>
+            <a:xfrm flipH="1">
+              <a:off x="6744393" y="3452553"/>
+              <a:ext cx="653934" cy="0"/>
+            </a:xfrm>
+            <a:prstGeom prst="straightConnector1">
+              <a:avLst/>
+            </a:prstGeom>
+            <a:ln w="19050">
+              <a:tailEnd type="triangle"/>
+            </a:ln>
+          </p:spPr>
+          <p:style>
+            <a:lnRef idx="1">
+              <a:schemeClr val="accent1"/>
+            </a:lnRef>
+            <a:fillRef idx="0">
+              <a:schemeClr val="accent1"/>
+            </a:fillRef>
+            <a:effectRef idx="0">
+              <a:schemeClr val="accent1"/>
+            </a:effectRef>
+            <a:fontRef idx="minor">
+              <a:schemeClr val="tx1"/>
+            </a:fontRef>
+          </p:style>
+        </p:cxnSp>
+        <p:cxnSp>
+          <p:nvCxnSpPr>
+            <p:cNvPr id="72" name="Straight Arrow Connector 71">
+              <a:extLst>
+                <a:ext uri="{FF2B5EF4-FFF2-40B4-BE49-F238E27FC236}">
+                  <a16:creationId xmlns:a16="http://schemas.microsoft.com/office/drawing/2014/main" id="{2D138004-C406-DC46-BAE2-6D181D50B75C}"/>
+                </a:ext>
+              </a:extLst>
+            </p:cNvPr>
+            <p:cNvCxnSpPr/>
+            <p:nvPr/>
+          </p:nvCxnSpPr>
+          <p:spPr>
+            <a:xfrm flipH="1">
+              <a:off x="4765964" y="2499227"/>
+              <a:ext cx="653934" cy="0"/>
+            </a:xfrm>
+            <a:prstGeom prst="straightConnector1">
+              <a:avLst/>
+            </a:prstGeom>
+            <a:ln w="19050">
+              <a:tailEnd type="triangle"/>
+            </a:ln>
+          </p:spPr>
+          <p:style>
+            <a:lnRef idx="1">
+              <a:schemeClr val="accent1"/>
+            </a:lnRef>
+            <a:fillRef idx="0">
+              <a:schemeClr val="accent1"/>
+            </a:fillRef>
+            <a:effectRef idx="0">
+              <a:schemeClr val="accent1"/>
+            </a:effectRef>
+            <a:fontRef idx="minor">
+              <a:schemeClr val="tx1"/>
+            </a:fontRef>
+          </p:style>
+        </p:cxnSp>
+        <p:cxnSp>
+          <p:nvCxnSpPr>
+            <p:cNvPr id="73" name="Straight Arrow Connector 72">
+              <a:extLst>
+                <a:ext uri="{FF2B5EF4-FFF2-40B4-BE49-F238E27FC236}">
+                  <a16:creationId xmlns:a16="http://schemas.microsoft.com/office/drawing/2014/main" id="{E986C3C7-7050-1642-A95D-6AD9C09EF1A4}"/>
+                </a:ext>
+              </a:extLst>
+            </p:cNvPr>
+            <p:cNvCxnSpPr/>
+            <p:nvPr/>
+          </p:nvCxnSpPr>
+          <p:spPr>
+            <a:xfrm flipH="1">
+              <a:off x="4765964" y="3457962"/>
+              <a:ext cx="653934" cy="0"/>
+            </a:xfrm>
+            <a:prstGeom prst="straightConnector1">
+              <a:avLst/>
+            </a:prstGeom>
+            <a:ln w="19050">
+              <a:tailEnd type="triangle"/>
+            </a:ln>
+          </p:spPr>
+          <p:style>
+            <a:lnRef idx="1">
+              <a:schemeClr val="accent1"/>
+            </a:lnRef>
+            <a:fillRef idx="0">
+              <a:schemeClr val="accent1"/>
+            </a:fillRef>
+            <a:effectRef idx="0">
+              <a:schemeClr val="accent1"/>
+            </a:effectRef>
+            <a:fontRef idx="minor">
+              <a:schemeClr val="tx1"/>
+            </a:fontRef>
+          </p:style>
+        </p:cxnSp>
+        <p:cxnSp>
+          <p:nvCxnSpPr>
+            <p:cNvPr id="83" name="Straight Arrow Connector 82">
+              <a:extLst>
+                <a:ext uri="{FF2B5EF4-FFF2-40B4-BE49-F238E27FC236}">
+                  <a16:creationId xmlns:a16="http://schemas.microsoft.com/office/drawing/2014/main" id="{9E6396C4-7F1E-574F-8D5F-F797A4A271CA}"/>
+                </a:ext>
+              </a:extLst>
+            </p:cNvPr>
+            <p:cNvCxnSpPr/>
+            <p:nvPr/>
+          </p:nvCxnSpPr>
+          <p:spPr>
+            <a:xfrm>
+              <a:off x="8022141" y="1757553"/>
+              <a:ext cx="0" cy="405761"/>
+            </a:xfrm>
+            <a:prstGeom prst="straightConnector1">
+              <a:avLst/>
+            </a:prstGeom>
+            <a:ln w="19050">
+              <a:tailEnd type="triangle"/>
+            </a:ln>
+          </p:spPr>
+          <p:style>
+            <a:lnRef idx="1">
+              <a:schemeClr val="accent1"/>
+            </a:lnRef>
+            <a:fillRef idx="0">
+              <a:schemeClr val="accent1"/>
+            </a:fillRef>
+            <a:effectRef idx="0">
+              <a:schemeClr val="accent1"/>
+            </a:effectRef>
+            <a:fontRef idx="minor">
+              <a:schemeClr val="tx1"/>
+            </a:fontRef>
+          </p:style>
+        </p:cxnSp>
+      </p:grpSp>
+      <p:grpSp>
+        <p:nvGrpSpPr>
+          <p:cNvPr id="76" name="Group 75">
+            <a:extLst>
+              <a:ext uri="{FF2B5EF4-FFF2-40B4-BE49-F238E27FC236}">
+                <a16:creationId xmlns:a16="http://schemas.microsoft.com/office/drawing/2014/main" id="{E60B5AE7-55E8-F849-BA4A-4B036E5EE364}"/>
+              </a:ext>
+            </a:extLst>
+          </p:cNvPr>
+          <p:cNvGrpSpPr/>
+          <p:nvPr/>
+        </p:nvGrpSpPr>
+        <p:grpSpPr>
+          <a:xfrm>
+            <a:off x="3264031" y="1910891"/>
+            <a:ext cx="5789970" cy="2609973"/>
+            <a:chOff x="3264031" y="1186701"/>
+            <a:chExt cx="5789970" cy="2609973"/>
+          </a:xfrm>
+        </p:grpSpPr>
+        <p:sp>
+          <p:nvSpPr>
+            <p:cNvPr id="77" name="Rounded Rectangle 64">
+              <a:extLst>
+                <a:ext uri="{FF2B5EF4-FFF2-40B4-BE49-F238E27FC236}">
+                  <a16:creationId xmlns:a16="http://schemas.microsoft.com/office/drawing/2014/main" id="{1DCB4E68-6CF9-AE45-8D9E-DA1EB5A53EA5}"/>
+                </a:ext>
+              </a:extLst>
+            </p:cNvPr>
+            <p:cNvSpPr/>
+            <p:nvPr/>
+          </p:nvSpPr>
+          <p:spPr>
+            <a:xfrm>
+              <a:off x="7218002" y="3163613"/>
+              <a:ext cx="1835999" cy="614336"/>
+            </a:xfrm>
+            <a:prstGeom prst="roundRect">
+              <a:avLst>
+                <a:gd name="adj" fmla="val 14879"/>
+              </a:avLst>
+            </a:prstGeom>
+            <a:solidFill>
+              <a:schemeClr val="bg1"/>
+            </a:solidFill>
+            <a:ln w="12700">
+              <a:solidFill>
+                <a:schemeClr val="accent1"/>
+              </a:solidFill>
+            </a:ln>
+            <a:effectLst/>
+          </p:spPr>
+          <p:style>
+            <a:lnRef idx="2">
+              <a:schemeClr val="dk1"/>
+            </a:lnRef>
+            <a:fillRef idx="1">
+              <a:schemeClr val="lt1"/>
+            </a:fillRef>
+            <a:effectRef idx="0">
+              <a:schemeClr val="dk1"/>
+            </a:effectRef>
+            <a:fontRef idx="minor">
+              <a:schemeClr val="dk1"/>
+            </a:fontRef>
+          </p:style>
+          <p:txBody>
+            <a:bodyPr wrap="square" lIns="72000" tIns="36000" rIns="36000" bIns="36000" rtlCol="0" anchor="ctr">
+              <a:spAutoFit/>
+            </a:bodyPr>
+            <a:lstStyle/>
+            <a:p>
+              <a:pPr algn="ctr"/>
+              <a:r>
+                <a:rPr lang="en-GB" sz="1200" b="1" dirty="0">
+                  <a:solidFill>
+                    <a:schemeClr val="tx1"/>
+                  </a:solidFill>
+                  <a:latin typeface="Source Sans Pro" panose="020B0503030403020204" pitchFamily="34" charset="0"/>
+                  <a:ea typeface="Source Sans Pro" panose="020B0503030403020204" pitchFamily="34" charset="0"/>
+                </a:rPr>
+                <a:t>Scheduler</a:t>
+              </a:r>
+            </a:p>
+            <a:p>
+              <a:r>
+                <a:rPr lang="en-US" sz="1000" dirty="0">
+                  <a:solidFill>
+                    <a:schemeClr val="tx1"/>
+                  </a:solidFill>
+                  <a:latin typeface="Source Sans Pro" panose="020B0503030403020204" pitchFamily="34" charset="0"/>
+                  <a:ea typeface="Source Sans Pro" panose="020B0503030403020204" pitchFamily="34" charset="0"/>
+                </a:rPr>
+                <a:t>• Green Threads Policy</a:t>
+              </a:r>
+            </a:p>
+            <a:p>
+              <a:r>
+                <a:rPr lang="en-US" sz="1000" dirty="0">
+                  <a:solidFill>
+                    <a:schemeClr val="tx1"/>
+                  </a:solidFill>
+                  <a:latin typeface="Source Sans Pro" panose="020B0503030403020204" pitchFamily="34" charset="0"/>
+                  <a:ea typeface="Source Sans Pro" panose="020B0503030403020204" pitchFamily="34" charset="0"/>
+                </a:rPr>
+                <a:t>• Synchronization Monitors</a:t>
+              </a:r>
+            </a:p>
+          </p:txBody>
+        </p:sp>
+        <p:sp>
+          <p:nvSpPr>
+            <p:cNvPr id="78" name="Rounded Rectangle 64">
+              <a:extLst>
+                <a:ext uri="{FF2B5EF4-FFF2-40B4-BE49-F238E27FC236}">
+                  <a16:creationId xmlns:a16="http://schemas.microsoft.com/office/drawing/2014/main" id="{72E5D810-D4D8-244A-A685-F6BA86677516}"/>
+                </a:ext>
+              </a:extLst>
+            </p:cNvPr>
+            <p:cNvSpPr/>
+            <p:nvPr/>
+          </p:nvSpPr>
+          <p:spPr>
+            <a:xfrm>
+              <a:off x="7210620" y="1988646"/>
+              <a:ext cx="1835999" cy="1032215"/>
+            </a:xfrm>
+            <a:prstGeom prst="roundRect">
+              <a:avLst>
+                <a:gd name="adj" fmla="val 10061"/>
+              </a:avLst>
+            </a:prstGeom>
+            <a:solidFill>
+              <a:schemeClr val="bg1"/>
+            </a:solidFill>
+            <a:ln w="12700">
+              <a:solidFill>
+                <a:schemeClr val="accent1"/>
+              </a:solidFill>
+            </a:ln>
+            <a:effectLst/>
+          </p:spPr>
+          <p:style>
+            <a:lnRef idx="2">
+              <a:schemeClr val="dk1"/>
+            </a:lnRef>
+            <a:fillRef idx="1">
+              <a:schemeClr val="lt1"/>
+            </a:fillRef>
+            <a:effectRef idx="0">
+              <a:schemeClr val="dk1"/>
+            </a:effectRef>
+            <a:fontRef idx="minor">
+              <a:schemeClr val="dk1"/>
+            </a:fontRef>
+          </p:style>
+          <p:txBody>
+            <a:bodyPr wrap="square" lIns="72000" tIns="36000" rIns="36000" bIns="36000" rtlCol="0" anchor="ctr">
+              <a:noAutofit/>
+            </a:bodyPr>
+            <a:lstStyle/>
+            <a:p>
+              <a:pPr algn="ctr"/>
+              <a:r>
+                <a:rPr lang="en-GB" sz="1200" b="1" dirty="0">
+                  <a:solidFill>
+                    <a:schemeClr val="tx1"/>
+                  </a:solidFill>
+                  <a:latin typeface="Source Sans Pro" panose="020B0503030403020204" pitchFamily="34" charset="0"/>
+                  <a:ea typeface="Source Sans Pro" panose="020B0503030403020204" pitchFamily="34" charset="0"/>
+                </a:rPr>
+                <a:t>Multi-Sandbox Mode(*)</a:t>
+              </a:r>
+            </a:p>
+            <a:p>
+              <a:r>
+                <a:rPr lang="en-US" sz="1000" dirty="0">
+                  <a:solidFill>
+                    <a:schemeClr val="tx1"/>
+                  </a:solidFill>
+                  <a:latin typeface="Source Sans Pro" panose="020B0503030403020204" pitchFamily="34" charset="0"/>
+                  <a:ea typeface="Source Sans Pro" panose="020B0503030403020204" pitchFamily="34" charset="0"/>
+                </a:rPr>
+                <a:t>• App Execution Control</a:t>
+              </a:r>
+            </a:p>
+            <a:p>
+              <a:r>
+                <a:rPr lang="en-US" sz="1000" dirty="0">
+                  <a:solidFill>
+                    <a:schemeClr val="tx1"/>
+                  </a:solidFill>
+                  <a:latin typeface="Source Sans Pro" panose="020B0503030403020204" pitchFamily="34" charset="0"/>
+                  <a:ea typeface="Source Sans Pro" panose="020B0503030403020204" pitchFamily="34" charset="0"/>
+                </a:rPr>
+                <a:t>• CPU Control</a:t>
+              </a:r>
+            </a:p>
+            <a:p>
+              <a:r>
+                <a:rPr lang="en-US" sz="1000" dirty="0">
+                  <a:solidFill>
+                    <a:schemeClr val="tx1"/>
+                  </a:solidFill>
+                  <a:latin typeface="Source Sans Pro" panose="020B0503030403020204" pitchFamily="34" charset="0"/>
+                  <a:ea typeface="Source Sans Pro" panose="020B0503030403020204" pitchFamily="34" charset="0"/>
+                </a:rPr>
+                <a:t>• RAM Control</a:t>
+              </a:r>
+            </a:p>
+          </p:txBody>
+        </p:sp>
+        <p:sp>
+          <p:nvSpPr>
+            <p:cNvPr id="79" name="Rounded Rectangle 64">
+              <a:extLst>
+                <a:ext uri="{FF2B5EF4-FFF2-40B4-BE49-F238E27FC236}">
+                  <a16:creationId xmlns:a16="http://schemas.microsoft.com/office/drawing/2014/main" id="{2CA119AF-F873-2E4E-8528-57BFB2194CE1}"/>
+                </a:ext>
+              </a:extLst>
+            </p:cNvPr>
+            <p:cNvSpPr/>
+            <p:nvPr/>
+          </p:nvSpPr>
+          <p:spPr>
+            <a:xfrm>
+              <a:off x="3265955" y="2020396"/>
+              <a:ext cx="1835999" cy="1040509"/>
+            </a:xfrm>
+            <a:prstGeom prst="roundRect">
+              <a:avLst>
+                <a:gd name="adj" fmla="val 8984"/>
+              </a:avLst>
+            </a:prstGeom>
+            <a:solidFill>
+              <a:schemeClr val="bg1"/>
+            </a:solidFill>
+            <a:ln w="12700">
+              <a:solidFill>
+                <a:schemeClr val="accent1"/>
+              </a:solidFill>
+            </a:ln>
+            <a:effectLst/>
+          </p:spPr>
+          <p:style>
+            <a:lnRef idx="2">
+              <a:schemeClr val="dk1"/>
+            </a:lnRef>
+            <a:fillRef idx="1">
+              <a:schemeClr val="lt1"/>
+            </a:fillRef>
+            <a:effectRef idx="0">
+              <a:schemeClr val="dk1"/>
+            </a:effectRef>
+            <a:fontRef idx="minor">
+              <a:schemeClr val="dk1"/>
+            </a:fontRef>
+          </p:style>
+          <p:txBody>
+            <a:bodyPr wrap="square" lIns="72000" tIns="36000" rIns="36000" bIns="36000" rtlCol="0" anchor="ctr">
+              <a:noAutofit/>
+            </a:bodyPr>
+            <a:lstStyle/>
+            <a:p>
+              <a:pPr algn="ctr"/>
+              <a:r>
+                <a:rPr lang="en-US" sz="1200" b="1" dirty="0">
+                  <a:solidFill>
+                    <a:schemeClr val="tx1"/>
+                  </a:solidFill>
+                  <a:latin typeface="Source Sans Pro" panose="020B0503030403020204" pitchFamily="34" charset="0"/>
+                  <a:ea typeface="Source Sans Pro" panose="020B0503030403020204" pitchFamily="34" charset="0"/>
+                </a:rPr>
+                <a:t>Exceptions Manager</a:t>
+              </a:r>
+            </a:p>
+            <a:p>
+              <a:r>
+                <a:rPr lang="en-US" sz="1000" dirty="0">
+                  <a:solidFill>
+                    <a:schemeClr val="tx1"/>
+                  </a:solidFill>
+                  <a:latin typeface="Source Sans Pro" panose="020B0503030403020204" pitchFamily="34" charset="0"/>
+                  <a:ea typeface="Source Sans Pro" panose="020B0503030403020204" pitchFamily="34" charset="0"/>
+                </a:rPr>
+                <a:t>• Zero Division &amp; Null Pointer </a:t>
+              </a:r>
+            </a:p>
+            <a:p>
+              <a:r>
+                <a:rPr lang="en-US" sz="1000" dirty="0">
+                  <a:solidFill>
+                    <a:schemeClr val="tx1"/>
+                  </a:solidFill>
+                  <a:latin typeface="Source Sans Pro" panose="020B0503030403020204" pitchFamily="34" charset="0"/>
+                  <a:ea typeface="Source Sans Pro" panose="020B0503030403020204" pitchFamily="34" charset="0"/>
+                </a:rPr>
+                <a:t>• Array Index Out of Bounds</a:t>
+              </a:r>
+            </a:p>
+            <a:p>
+              <a:r>
+                <a:rPr lang="en-US" sz="1000" dirty="0">
+                  <a:solidFill>
+                    <a:schemeClr val="tx1"/>
+                  </a:solidFill>
+                  <a:latin typeface="Source Sans Pro" panose="020B0503030403020204" pitchFamily="34" charset="0"/>
+                  <a:ea typeface="Source Sans Pro" panose="020B0503030403020204" pitchFamily="34" charset="0"/>
+                </a:rPr>
+                <a:t>• Invalid Reference Cast</a:t>
+              </a:r>
+            </a:p>
+            <a:p>
+              <a:r>
+                <a:rPr lang="en-US" sz="1000" dirty="0">
+                  <a:solidFill>
+                    <a:schemeClr val="tx1"/>
+                  </a:solidFill>
+                  <a:latin typeface="Source Sans Pro" panose="020B0503030403020204" pitchFamily="34" charset="0"/>
+                  <a:ea typeface="Source Sans Pro" panose="020B0503030403020204" pitchFamily="34" charset="0"/>
+                </a:rPr>
+                <a:t>• Stack &amp; Memory Overflow</a:t>
+              </a:r>
+            </a:p>
+            <a:p>
+              <a:r>
+                <a:rPr lang="en-US" sz="1000" dirty="0">
+                  <a:solidFill>
+                    <a:schemeClr val="tx1"/>
+                  </a:solidFill>
+                  <a:latin typeface="Source Sans Pro" panose="020B0503030403020204" pitchFamily="34" charset="0"/>
+                  <a:ea typeface="Source Sans Pro" panose="020B0503030403020204" pitchFamily="34" charset="0"/>
+                </a:rPr>
+                <a:t>• Catch &amp; Finally Semantic </a:t>
+              </a:r>
+            </a:p>
+          </p:txBody>
+        </p:sp>
+        <p:sp>
+          <p:nvSpPr>
+            <p:cNvPr id="80" name="Rounded Rectangle 64">
+              <a:extLst>
+                <a:ext uri="{FF2B5EF4-FFF2-40B4-BE49-F238E27FC236}">
+                  <a16:creationId xmlns:a16="http://schemas.microsoft.com/office/drawing/2014/main" id="{CDBB7CAD-57FF-D045-B64E-5682765F0518}"/>
+                </a:ext>
+              </a:extLst>
+            </p:cNvPr>
+            <p:cNvSpPr/>
+            <p:nvPr/>
+          </p:nvSpPr>
+          <p:spPr>
+            <a:xfrm>
+              <a:off x="6426200" y="1186701"/>
+              <a:ext cx="1799892" cy="614336"/>
+            </a:xfrm>
+            <a:prstGeom prst="roundRect">
+              <a:avLst>
+                <a:gd name="adj" fmla="val 14022"/>
+              </a:avLst>
+            </a:prstGeom>
+            <a:solidFill>
+              <a:schemeClr val="bg1"/>
+            </a:solidFill>
+            <a:ln w="12700">
+              <a:solidFill>
+                <a:schemeClr val="accent1"/>
+              </a:solidFill>
+            </a:ln>
+            <a:effectLst/>
+          </p:spPr>
+          <p:style>
+            <a:lnRef idx="2">
+              <a:schemeClr val="dk1"/>
+            </a:lnRef>
+            <a:fillRef idx="1">
+              <a:schemeClr val="lt1"/>
+            </a:fillRef>
+            <a:effectRef idx="0">
+              <a:schemeClr val="dk1"/>
+            </a:effectRef>
+            <a:fontRef idx="minor">
+              <a:schemeClr val="dk1"/>
+            </a:fontRef>
+          </p:style>
+          <p:txBody>
+            <a:bodyPr wrap="square" lIns="36000" tIns="36000" rIns="36000" bIns="36000" rtlCol="0" anchor="ctr">
+              <a:spAutoFit/>
+            </a:bodyPr>
+            <a:lstStyle/>
+            <a:p>
+              <a:pPr algn="ctr"/>
+              <a:r>
+                <a:rPr lang="en-GB" sz="1200" b="1" dirty="0">
+                  <a:solidFill>
+                    <a:schemeClr val="tx1"/>
+                  </a:solidFill>
+                  <a:latin typeface="Source Sans Pro" panose="020B0503030403020204" pitchFamily="34" charset="0"/>
+                  <a:ea typeface="Source Sans Pro" panose="020B0503030403020204" pitchFamily="34" charset="0"/>
+                </a:rPr>
+                <a:t>Dynamic Loader(*)</a:t>
+              </a:r>
+            </a:p>
+            <a:p>
+              <a:r>
+                <a:rPr lang="en-US" sz="1000" dirty="0">
+                  <a:solidFill>
+                    <a:schemeClr val="tx1"/>
+                  </a:solidFill>
+                  <a:latin typeface="Source Sans Pro" panose="020B0503030403020204" pitchFamily="34" charset="0"/>
+                  <a:ea typeface="Source Sans Pro" panose="020B0503030403020204" pitchFamily="34" charset="0"/>
+                </a:rPr>
+                <a:t>• Streaming Linker </a:t>
+              </a:r>
+            </a:p>
+            <a:p>
+              <a:r>
+                <a:rPr lang="en-US" sz="1000" dirty="0">
+                  <a:solidFill>
+                    <a:schemeClr val="tx1"/>
+                  </a:solidFill>
+                  <a:latin typeface="Source Sans Pro" panose="020B0503030403020204" pitchFamily="34" charset="0"/>
+                  <a:ea typeface="Source Sans Pro" panose="020B0503030403020204" pitchFamily="34" charset="0"/>
+                </a:rPr>
+                <a:t>• with/without symbols</a:t>
+              </a:r>
+            </a:p>
+          </p:txBody>
+        </p:sp>
+        <p:sp>
+          <p:nvSpPr>
+            <p:cNvPr id="81" name="Rounded Rectangle 64">
+              <a:extLst>
+                <a:ext uri="{FF2B5EF4-FFF2-40B4-BE49-F238E27FC236}">
+                  <a16:creationId xmlns:a16="http://schemas.microsoft.com/office/drawing/2014/main" id="{A1515842-3512-0E4B-BFAD-3B78CC0F79D2}"/>
+                </a:ext>
+              </a:extLst>
+            </p:cNvPr>
+            <p:cNvSpPr/>
+            <p:nvPr/>
+          </p:nvSpPr>
+          <p:spPr>
+            <a:xfrm>
+              <a:off x="3264031" y="3165941"/>
+              <a:ext cx="1835999" cy="630733"/>
+            </a:xfrm>
+            <a:prstGeom prst="roundRect">
+              <a:avLst>
+                <a:gd name="adj" fmla="val 19127"/>
+              </a:avLst>
+            </a:prstGeom>
+            <a:solidFill>
+              <a:schemeClr val="bg1"/>
+            </a:solidFill>
+            <a:ln w="12700">
+              <a:solidFill>
+                <a:schemeClr val="accent1"/>
+              </a:solidFill>
+            </a:ln>
+            <a:effectLst/>
+          </p:spPr>
+          <p:style>
+            <a:lnRef idx="2">
+              <a:schemeClr val="dk1"/>
+            </a:lnRef>
+            <a:fillRef idx="1">
+              <a:schemeClr val="lt1"/>
+            </a:fillRef>
+            <a:effectRef idx="0">
+              <a:schemeClr val="dk1"/>
+            </a:effectRef>
+            <a:fontRef idx="minor">
+              <a:schemeClr val="dk1"/>
+            </a:fontRef>
+          </p:style>
+          <p:txBody>
+            <a:bodyPr wrap="square" lIns="72000" tIns="36000" rIns="36000" bIns="36000" rtlCol="0" anchor="ctr">
+              <a:spAutoFit/>
+            </a:bodyPr>
+            <a:lstStyle/>
+            <a:p>
+              <a:pPr algn="ctr"/>
+              <a:r>
+                <a:rPr lang="en-GB" sz="1200" b="1" dirty="0">
+                  <a:solidFill>
+                    <a:schemeClr val="tx1"/>
+                  </a:solidFill>
+                  <a:latin typeface="Source Sans Pro" panose="020B0503030403020204" pitchFamily="34" charset="0"/>
+                  <a:ea typeface="Source Sans Pro" panose="020B0503030403020204" pitchFamily="34" charset="0"/>
+                </a:rPr>
+                <a:t>Native Interface</a:t>
+              </a:r>
+            </a:p>
+            <a:p>
+              <a:r>
+                <a:rPr lang="en-US" sz="1000" dirty="0">
+                  <a:solidFill>
+                    <a:schemeClr val="tx1"/>
+                  </a:solidFill>
+                  <a:latin typeface="Source Sans Pro" panose="020B0503030403020204" pitchFamily="34" charset="0"/>
+                  <a:ea typeface="Source Sans Pro" panose="020B0503030403020204" pitchFamily="34" charset="0"/>
+                </a:rPr>
+                <a:t>• Procedure Call Standard ABI</a:t>
+              </a:r>
+            </a:p>
+            <a:p>
+              <a:r>
+                <a:rPr lang="en-US" sz="1000" dirty="0">
+                  <a:solidFill>
+                    <a:schemeClr val="tx1"/>
+                  </a:solidFill>
+                  <a:latin typeface="Source Sans Pro" panose="020B0503030403020204" pitchFamily="34" charset="0"/>
+                  <a:ea typeface="Source Sans Pro" panose="020B0503030403020204" pitchFamily="34" charset="0"/>
+                </a:rPr>
+                <a:t>• Native Resources Manager</a:t>
+              </a:r>
+            </a:p>
+          </p:txBody>
+        </p:sp>
+        <p:sp>
+          <p:nvSpPr>
+            <p:cNvPr id="82" name="Rounded Rectangle 64">
+              <a:extLst>
+                <a:ext uri="{FF2B5EF4-FFF2-40B4-BE49-F238E27FC236}">
+                  <a16:creationId xmlns:a16="http://schemas.microsoft.com/office/drawing/2014/main" id="{E2D7539F-9236-6446-AB93-37D436E13DD1}"/>
+                </a:ext>
+              </a:extLst>
+            </p:cNvPr>
+            <p:cNvSpPr/>
+            <p:nvPr/>
+          </p:nvSpPr>
+          <p:spPr>
+            <a:xfrm>
+              <a:off x="5215416" y="2144560"/>
+              <a:ext cx="1841706" cy="1649785"/>
+            </a:xfrm>
+            <a:prstGeom prst="roundRect">
+              <a:avLst>
+                <a:gd name="adj" fmla="val 6348"/>
+              </a:avLst>
+            </a:prstGeom>
+            <a:solidFill>
+              <a:schemeClr val="bg1"/>
+            </a:solidFill>
+            <a:ln w="12700">
+              <a:solidFill>
+                <a:schemeClr val="accent1"/>
+              </a:solidFill>
+            </a:ln>
+            <a:effectLst/>
+          </p:spPr>
+          <p:style>
+            <a:lnRef idx="2">
+              <a:schemeClr val="dk1"/>
+            </a:lnRef>
+            <a:fillRef idx="1">
+              <a:schemeClr val="lt1"/>
+            </a:fillRef>
+            <a:effectRef idx="0">
+              <a:schemeClr val="dk1"/>
+            </a:effectRef>
+            <a:fontRef idx="minor">
+              <a:schemeClr val="dk1"/>
+            </a:fontRef>
+          </p:style>
+          <p:txBody>
+            <a:bodyPr wrap="square" lIns="72000" tIns="36000" rIns="36000" bIns="36000" rtlCol="0" anchor="ctr">
+              <a:noAutofit/>
+            </a:bodyPr>
+            <a:lstStyle/>
+            <a:p>
+              <a:pPr algn="ctr"/>
+              <a:r>
+                <a:rPr lang="en-GB" sz="1200" b="1" dirty="0">
+                  <a:solidFill>
+                    <a:schemeClr val="tx1"/>
+                  </a:solidFill>
+                  <a:latin typeface="Source Sans Pro" panose="020B0503030403020204" pitchFamily="34" charset="0"/>
+                  <a:ea typeface="Source Sans Pro" panose="020B0503030403020204" pitchFamily="34" charset="0"/>
+                </a:rPr>
+                <a:t>Processing Unit</a:t>
+              </a:r>
+            </a:p>
+            <a:p>
+              <a:endParaRPr lang="en-GB" sz="1000" dirty="0">
+                <a:solidFill>
+                  <a:schemeClr val="tx1"/>
+                </a:solidFill>
+                <a:latin typeface="Source Sans Pro" panose="020B0503030403020204" pitchFamily="34" charset="0"/>
+                <a:ea typeface="Source Sans Pro" panose="020B0503030403020204" pitchFamily="34" charset="0"/>
+              </a:endParaRPr>
+            </a:p>
+            <a:p>
+              <a:r>
+                <a:rPr lang="en-US" sz="1000" dirty="0">
+                  <a:solidFill>
+                    <a:schemeClr val="tx1"/>
+                  </a:solidFill>
+                  <a:latin typeface="Source Sans Pro" panose="020B0503030403020204" pitchFamily="34" charset="0"/>
+                  <a:ea typeface="Source Sans Pro" panose="020B0503030403020204" pitchFamily="34" charset="0"/>
+                </a:rPr>
+                <a:t>• High Density Instructions (ISA)</a:t>
+              </a:r>
+            </a:p>
+            <a:p>
+              <a:r>
+                <a:rPr lang="en-US" sz="1000" dirty="0">
+                  <a:solidFill>
+                    <a:schemeClr val="tx1"/>
+                  </a:solidFill>
+                  <a:latin typeface="Source Sans Pro" panose="020B0503030403020204" pitchFamily="34" charset="0"/>
+                  <a:ea typeface="Source Sans Pro" panose="020B0503030403020204" pitchFamily="34" charset="0"/>
+                </a:rPr>
+                <a:t>• FPU 32bits &amp; 64bits</a:t>
+              </a:r>
+            </a:p>
+            <a:p>
+              <a:r>
+                <a:rPr lang="en-US" sz="1000" dirty="0">
+                  <a:solidFill>
+                    <a:schemeClr val="tx1"/>
+                  </a:solidFill>
+                  <a:latin typeface="Source Sans Pro" panose="020B0503030403020204" pitchFamily="34" charset="0"/>
+                  <a:ea typeface="Source Sans Pro" panose="020B0503030403020204" pitchFamily="34" charset="0"/>
+                </a:rPr>
+                <a:t>• 16bits Pointers(*)</a:t>
+              </a:r>
+            </a:p>
+            <a:p>
+              <a:r>
+                <a:rPr lang="en-US" sz="1000" dirty="0">
+                  <a:solidFill>
+                    <a:schemeClr val="tx1"/>
+                  </a:solidFill>
+                  <a:latin typeface="Source Sans Pro" panose="020B0503030403020204" pitchFamily="34" charset="0"/>
+                  <a:ea typeface="Source Sans Pro" panose="020B0503030403020204" pitchFamily="34" charset="0"/>
+                </a:rPr>
+                <a:t>• Software MPU</a:t>
+              </a:r>
+            </a:p>
+          </p:txBody>
+        </p:sp>
+      </p:grpSp>
+      <p:sp>
+        <p:nvSpPr>
+          <p:cNvPr id="86" name="Rectangle: Rounded Corners 25">
+            <a:extLst>
+              <a:ext uri="{FF2B5EF4-FFF2-40B4-BE49-F238E27FC236}">
+                <a16:creationId xmlns:a16="http://schemas.microsoft.com/office/drawing/2014/main" id="{597E8CA4-0126-884C-BDD5-63D27B50D044}"/>
+              </a:ext>
+            </a:extLst>
+          </p:cNvPr>
+          <p:cNvSpPr/>
+          <p:nvPr/>
+        </p:nvSpPr>
+        <p:spPr>
+          <a:xfrm>
+            <a:off x="3142763" y="650139"/>
+            <a:ext cx="6059389" cy="924647"/>
+          </a:xfrm>
+          <a:prstGeom prst="roundRect">
+            <a:avLst>
+              <a:gd name="adj" fmla="val 18368"/>
+            </a:avLst>
+          </a:prstGeom>
+          <a:solidFill>
+            <a:schemeClr val="tx2">
+              <a:lumMod val="20000"/>
+              <a:lumOff val="80000"/>
+            </a:schemeClr>
           </a:solidFill>
           <a:ln>
             <a:noFill/>
@@ -7099,18 +8332,24 @@
           <a:p>
             <a:pPr algn="ctr"/>
             <a:r>
-              <a:rPr lang="en-US" dirty="0"/>
-              <a:t>Runtime Data (RAM)</a:t>
+              <a:rPr lang="en-US" sz="1200" b="1" dirty="0">
+                <a:solidFill>
+                  <a:schemeClr val="tx1"/>
+                </a:solidFill>
+                <a:latin typeface="Source Sans Pro" panose="020B0503030403020204" pitchFamily="34" charset="0"/>
+                <a:ea typeface="Source Sans Pro" panose="020B0503030403020204" pitchFamily="34" charset="0"/>
+              </a:rPr>
+              <a:t>APPLICATION DATA (ROM)</a:t>
             </a:r>
           </a:p>
         </p:txBody>
       </p:sp>
       <p:sp>
         <p:nvSpPr>
-          <p:cNvPr id="8" name="Rounded Rectangle 64">
+          <p:cNvPr id="87" name="Rounded Rectangle 64">
             <a:extLst>
               <a:ext uri="{FF2B5EF4-FFF2-40B4-BE49-F238E27FC236}">
-                <a16:creationId xmlns:a16="http://schemas.microsoft.com/office/drawing/2014/main" id="{EBA5949E-A646-46E3-358F-811C6D1BC9CC}"/>
+                <a16:creationId xmlns:a16="http://schemas.microsoft.com/office/drawing/2014/main" id="{57FB36B9-4D8D-A74D-B500-893805181DA1}"/>
               </a:ext>
             </a:extLst>
           </p:cNvPr>
@@ -7119,120 +8358,8 @@
         </p:nvSpPr>
         <p:spPr>
           <a:xfrm>
-            <a:off x="5885413" y="2294578"/>
-            <a:ext cx="2086185" cy="1134422"/>
-          </a:xfrm>
-          <a:prstGeom prst="roundRect">
-            <a:avLst>
-              <a:gd name="adj" fmla="val 13841"/>
-            </a:avLst>
-          </a:prstGeom>
-          <a:solidFill>
-            <a:srgbClr val="F8A331"/>
-          </a:solidFill>
-          <a:ln w="12700">
-            <a:noFill/>
-          </a:ln>
-          <a:effectLst/>
-        </p:spPr>
-        <p:style>
-          <a:lnRef idx="2">
-            <a:schemeClr val="dk1"/>
-          </a:lnRef>
-          <a:fillRef idx="1">
-            <a:schemeClr val="lt1"/>
-          </a:fillRef>
-          <a:effectRef idx="0">
-            <a:schemeClr val="dk1"/>
-          </a:effectRef>
-          <a:fontRef idx="minor">
-            <a:schemeClr val="dk1"/>
-          </a:fontRef>
-        </p:style>
-        <p:txBody>
-          <a:bodyPr wrap="square" tIns="36000" bIns="36000" rtlCol="0" anchor="t">
-            <a:noAutofit/>
-          </a:bodyPr>
-          <a:lstStyle/>
-          <a:p>
-            <a:pPr algn="ctr"/>
-            <a:r>
-              <a:rPr lang="en-GB" sz="1200" b="1" dirty="0">
-                <a:solidFill>
-                  <a:schemeClr val="tx1"/>
-                </a:solidFill>
-                <a:latin typeface="Source Sans Pro Light" charset="0"/>
-                <a:ea typeface="Source Sans Pro Light" charset="0"/>
-              </a:rPr>
-              <a:t>Processing Unit</a:t>
-            </a:r>
-          </a:p>
-          <a:p>
-            <a:pPr marL="171450" indent="-171450">
-              <a:buFont typeface="Arial" panose="020B0604020202020204" pitchFamily="34" charset="0"/>
-              <a:buChar char="•"/>
-            </a:pPr>
-            <a:r>
-              <a:rPr lang="en-US" sz="1200" b="1" dirty="0">
-                <a:solidFill>
-                  <a:schemeClr val="bg1"/>
-                </a:solidFill>
-                <a:latin typeface="Source Sans Pro Light" charset="0"/>
-                <a:ea typeface="Source Sans Pro Light" charset="0"/>
-              </a:rPr>
-              <a:t>High Density Instructions</a:t>
-            </a:r>
-          </a:p>
-          <a:p>
-            <a:pPr marL="171450" indent="-171450">
-              <a:buFont typeface="Arial" panose="020B0604020202020204" pitchFamily="34" charset="0"/>
-              <a:buChar char="•"/>
-            </a:pPr>
-            <a:r>
-              <a:rPr lang="en-US" sz="1200" b="1" dirty="0">
-                <a:solidFill>
-                  <a:schemeClr val="bg1"/>
-                </a:solidFill>
-                <a:latin typeface="Source Sans Pro Light" charset="0"/>
-                <a:ea typeface="Source Sans Pro Light" charset="0"/>
-              </a:rPr>
-              <a:t>FPU 32bits &amp; 64bits</a:t>
-            </a:r>
-          </a:p>
-          <a:p>
-            <a:pPr marL="171450" indent="-171450">
-              <a:buFont typeface="Arial" panose="020B0604020202020204" pitchFamily="34" charset="0"/>
-              <a:buChar char="•"/>
-            </a:pPr>
-            <a:r>
-              <a:rPr lang="en-US" sz="1200" b="1" dirty="0">
-                <a:solidFill>
-                  <a:schemeClr val="bg1"/>
-                </a:solidFill>
-                <a:latin typeface="Source Sans Pro Light" charset="0"/>
-                <a:ea typeface="Source Sans Pro Light" charset="0"/>
-              </a:rPr>
-              <a:t>Compacted Pointers(*)</a:t>
-            </a:r>
-          </a:p>
-        </p:txBody>
-      </p:sp>
-      <p:sp>
-        <p:nvSpPr>
-          <p:cNvPr id="14" name="Rounded Rectangle 64">
-            <a:extLst>
-              <a:ext uri="{FF2B5EF4-FFF2-40B4-BE49-F238E27FC236}">
-                <a16:creationId xmlns:a16="http://schemas.microsoft.com/office/drawing/2014/main" id="{2C10701F-CDD4-7162-AB44-B869AA6866AB}"/>
-              </a:ext>
-            </a:extLst>
-          </p:cNvPr>
-          <p:cNvSpPr/>
-          <p:nvPr/>
-        </p:nvSpPr>
-        <p:spPr>
-          <a:xfrm>
-            <a:off x="3427803" y="1873834"/>
-            <a:ext cx="2206307" cy="717615"/>
+            <a:off x="7122141" y="1004613"/>
+            <a:ext cx="1931860" cy="470918"/>
           </a:xfrm>
           <a:prstGeom prst="roundRect">
             <a:avLst>
@@ -7240,7 +8367,7 @@
             </a:avLst>
           </a:prstGeom>
           <a:solidFill>
-            <a:srgbClr val="F8A331"/>
+            <a:schemeClr val="bg1"/>
           </a:solidFill>
           <a:ln w="12700">
             <a:noFill/>
@@ -7273,52 +8400,33 @@
                 <a:solidFill>
                   <a:schemeClr val="tx1"/>
                 </a:solidFill>
-                <a:latin typeface="Source Sans Pro Light" charset="0"/>
-                <a:ea typeface="Source Sans Pro Light" charset="0"/>
+                <a:latin typeface="Source Sans Pro" panose="020B0503030403020204" pitchFamily="34" charset="0"/>
+                <a:ea typeface="Source Sans Pro" panose="020B0503030403020204" pitchFamily="34" charset="0"/>
               </a:rPr>
-              <a:t>Scheduler</a:t>
-            </a:r>
-          </a:p>
-          <a:p>
-            <a:pPr marL="171450" indent="-171450">
-              <a:buFont typeface="Arial" panose="020B0604020202020204" pitchFamily="34" charset="0"/>
-              <a:buChar char="•"/>
-            </a:pPr>
-            <a:r>
-              <a:rPr lang="en-US" sz="1200" b="1" dirty="0">
+              <a:t>Code</a:t>
+            </a:r>
+          </a:p>
+          <a:p>
+            <a:pPr algn="ctr"/>
+            <a:r>
+              <a:rPr lang="en-US" sz="1000" dirty="0">
                 <a:solidFill>
-                  <a:schemeClr val="bg1"/>
+                  <a:schemeClr val="tx1"/>
                 </a:solidFill>
-                <a:latin typeface="Source Sans Pro Light" charset="0"/>
-                <a:ea typeface="Source Sans Pro Light" charset="0"/>
+                <a:latin typeface="Source Sans Pro" panose="020B0503030403020204" pitchFamily="34" charset="0"/>
+                <a:ea typeface="Source Sans Pro" panose="020B0503030403020204" pitchFamily="34" charset="0"/>
               </a:rPr>
-              <a:t>Green Threads Policy</a:t>
-            </a:r>
-          </a:p>
-          <a:p>
-            <a:pPr marL="171450" indent="-171450">
-              <a:buFont typeface="Arial" panose="020B0604020202020204" pitchFamily="34" charset="0"/>
-              <a:buChar char="•"/>
-            </a:pPr>
-            <a:r>
-              <a:rPr lang="en-US" sz="1200" b="1" dirty="0">
-                <a:solidFill>
-                  <a:schemeClr val="bg1"/>
-                </a:solidFill>
-                <a:latin typeface="Source Sans Pro Light" charset="0"/>
-                <a:ea typeface="Source Sans Pro Light" charset="0"/>
-              </a:rPr>
-              <a:t>Synchronization Monitors</a:t>
+              <a:t>Execution In Place (XIP)</a:t>
             </a:r>
           </a:p>
         </p:txBody>
       </p:sp>
       <p:sp>
         <p:nvSpPr>
-          <p:cNvPr id="15" name="Rounded Rectangle 64">
+          <p:cNvPr id="88" name="Rounded Rectangle 64">
             <a:extLst>
               <a:ext uri="{FF2B5EF4-FFF2-40B4-BE49-F238E27FC236}">
-                <a16:creationId xmlns:a16="http://schemas.microsoft.com/office/drawing/2014/main" id="{EE6CEA3F-0F24-5440-263C-87648A7AC3D9}"/>
+                <a16:creationId xmlns:a16="http://schemas.microsoft.com/office/drawing/2014/main" id="{08D2BB00-4D93-9348-B92D-5EB7412C328A}"/>
               </a:ext>
             </a:extLst>
           </p:cNvPr>
@@ -7327,8 +8435,8 @@
         </p:nvSpPr>
         <p:spPr>
           <a:xfrm>
-            <a:off x="3783211" y="567719"/>
-            <a:ext cx="2206307" cy="929070"/>
+            <a:off x="3261628" y="1004613"/>
+            <a:ext cx="3714110" cy="470918"/>
           </a:xfrm>
           <a:prstGeom prst="roundRect">
             <a:avLst>
@@ -7336,7 +8444,7 @@
             </a:avLst>
           </a:prstGeom>
           <a:solidFill>
-            <a:srgbClr val="6CC24A"/>
+            <a:schemeClr val="bg1"/>
           </a:solidFill>
           <a:ln w="12700">
             <a:noFill/>
@@ -7369,52 +8477,32 @@
                 <a:solidFill>
                   <a:schemeClr val="tx1"/>
                 </a:solidFill>
-                <a:latin typeface="Source Sans Pro Light" charset="0"/>
-                <a:ea typeface="Source Sans Pro Light" charset="0"/>
+                <a:latin typeface="Source Sans Pro" panose="020B0503030403020204" pitchFamily="34" charset="0"/>
+                <a:ea typeface="Source Sans Pro" panose="020B0503030403020204" pitchFamily="34" charset="0"/>
               </a:rPr>
-              <a:t>Thread Stacks</a:t>
-            </a:r>
-          </a:p>
-          <a:p>
-            <a:pPr marL="171450" indent="-171450">
-              <a:buFont typeface="Arial" panose="020B0604020202020204" pitchFamily="34" charset="0"/>
-              <a:buChar char="•"/>
-            </a:pPr>
-            <a:r>
-              <a:rPr lang="en-US" sz="1200" b="1" dirty="0">
+              <a:t>Resources</a:t>
+            </a:r>
+          </a:p>
+          <a:p>
+            <a:r>
+              <a:rPr lang="en-US" sz="1000" dirty="0">
                 <a:solidFill>
-                  <a:schemeClr val="bg1"/>
+                  <a:schemeClr val="tx1"/>
                 </a:solidFill>
-                <a:latin typeface="Source Sans Pro Light" charset="0"/>
-                <a:ea typeface="Source Sans Pro Light" charset="0"/>
+                <a:latin typeface="Source Sans Pro" panose="020B0503030403020204" pitchFamily="34" charset="0"/>
+                <a:ea typeface="Source Sans Pro" panose="020B0503030403020204" pitchFamily="34" charset="0"/>
               </a:rPr>
-              <a:t>Flexible Stack Blocks Allocation</a:t>
-            </a:r>
-          </a:p>
-          <a:p>
-            <a:pPr marL="171450" indent="-171450">
-              <a:buFont typeface="Arial" panose="020B0604020202020204" pitchFamily="34" charset="0"/>
-              <a:buChar char="•"/>
-            </a:pPr>
-            <a:r>
-              <a:rPr lang="en-US" sz="1200" b="1" dirty="0">
-                <a:solidFill>
-                  <a:schemeClr val="bg1"/>
-                </a:solidFill>
-                <a:latin typeface="Source Sans Pro Light" charset="0"/>
-                <a:ea typeface="Source Sans Pro Light" charset="0"/>
-              </a:rPr>
-              <a:t>Check Stack Overflow</a:t>
+              <a:t>External Resources Loader (non byte-addressable memories)</a:t>
             </a:r>
           </a:p>
         </p:txBody>
       </p:sp>
       <p:sp>
         <p:nvSpPr>
-          <p:cNvPr id="16" name="Rounded Rectangle 64">
+          <p:cNvPr id="91" name="Rectangle: Rounded Corners 28">
             <a:extLst>
               <a:ext uri="{FF2B5EF4-FFF2-40B4-BE49-F238E27FC236}">
-                <a16:creationId xmlns:a16="http://schemas.microsoft.com/office/drawing/2014/main" id="{4D667B41-61F4-7B8E-58AC-C4EB7830B5BA}"/>
+                <a16:creationId xmlns:a16="http://schemas.microsoft.com/office/drawing/2014/main" id="{80F92206-2787-1C4D-BC9E-CB585DD15340}"/>
               </a:ext>
             </a:extLst>
           </p:cNvPr>
@@ -7423,16 +8511,82 @@
         </p:nvSpPr>
         <p:spPr>
           <a:xfrm>
-            <a:off x="6090400" y="684800"/>
-            <a:ext cx="2513344" cy="929070"/>
+            <a:off x="615534" y="1726678"/>
+            <a:ext cx="2156338" cy="2993477"/>
           </a:xfrm>
           <a:prstGeom prst="roundRect">
             <a:avLst>
-              <a:gd name="adj" fmla="val 22586"/>
+              <a:gd name="adj" fmla="val 6661"/>
             </a:avLst>
           </a:prstGeom>
           <a:solidFill>
-            <a:srgbClr val="6CC24A"/>
+            <a:schemeClr val="tx2">
+              <a:lumMod val="20000"/>
+              <a:lumOff val="80000"/>
+            </a:schemeClr>
+          </a:solidFill>
+          <a:ln>
+            <a:noFill/>
+          </a:ln>
+        </p:spPr>
+        <p:style>
+          <a:lnRef idx="2">
+            <a:schemeClr val="accent1">
+              <a:shade val="50000"/>
+            </a:schemeClr>
+          </a:lnRef>
+          <a:fillRef idx="1">
+            <a:schemeClr val="accent1"/>
+          </a:fillRef>
+          <a:effectRef idx="0">
+            <a:schemeClr val="accent1"/>
+          </a:effectRef>
+          <a:fontRef idx="minor">
+            <a:schemeClr val="lt1"/>
+          </a:fontRef>
+        </p:style>
+        <p:txBody>
+          <a:bodyPr rtlCol="0" anchor="t"/>
+          <a:lstStyle/>
+          <a:p>
+            <a:pPr algn="ctr"/>
+            <a:r>
+              <a:rPr lang="en-US" sz="1200" b="1" dirty="0">
+                <a:solidFill>
+                  <a:schemeClr val="tx1"/>
+                </a:solidFill>
+                <a:latin typeface="Source Sans Pro" panose="020B0503030403020204" pitchFamily="34" charset="0"/>
+                <a:ea typeface="Source Sans Pro" panose="020B0503030403020204" pitchFamily="34" charset="0"/>
+              </a:rPr>
+              <a:t>DEBUG INTERFACE</a:t>
+            </a:r>
+          </a:p>
+        </p:txBody>
+      </p:sp>
+      <p:sp>
+        <p:nvSpPr>
+          <p:cNvPr id="92" name="Rounded Rectangle 64">
+            <a:extLst>
+              <a:ext uri="{FF2B5EF4-FFF2-40B4-BE49-F238E27FC236}">
+                <a16:creationId xmlns:a16="http://schemas.microsoft.com/office/drawing/2014/main" id="{5C22A8EC-AA3D-524E-93BE-1E61FC51FAEE}"/>
+              </a:ext>
+            </a:extLst>
+          </p:cNvPr>
+          <p:cNvSpPr/>
+          <p:nvPr/>
+        </p:nvSpPr>
+        <p:spPr>
+          <a:xfrm>
+            <a:off x="783566" y="2088732"/>
+            <a:ext cx="1800000" cy="263845"/>
+          </a:xfrm>
+          <a:prstGeom prst="roundRect">
+            <a:avLst>
+              <a:gd name="adj" fmla="val 25033"/>
+            </a:avLst>
+          </a:prstGeom>
+          <a:solidFill>
+            <a:schemeClr val="bg1"/>
           </a:solidFill>
           <a:ln w="12700">
             <a:noFill/>
@@ -7461,56 +8615,24 @@
           <a:p>
             <a:pPr algn="ctr"/>
             <a:r>
-              <a:rPr lang="en-GB" sz="1200" b="1" dirty="0">
+              <a:rPr lang="en-GB" sz="1000" b="1" dirty="0">
                 <a:solidFill>
                   <a:schemeClr val="tx1"/>
                 </a:solidFill>
-                <a:latin typeface="Source Sans Pro Light" charset="0"/>
-                <a:ea typeface="Source Sans Pro Light" charset="0"/>
+                <a:latin typeface="Source Sans Pro" panose="020B0503030403020204" pitchFamily="34" charset="0"/>
+                <a:ea typeface="Source Sans Pro" panose="020B0503030403020204" pitchFamily="34" charset="0"/>
               </a:rPr>
-              <a:t>Heap</a:t>
-            </a:r>
-          </a:p>
-          <a:p>
-            <a:pPr marL="171450" indent="-171450">
-              <a:buFont typeface="Arial" panose="020B0604020202020204" pitchFamily="34" charset="0"/>
-              <a:buChar char="•"/>
-            </a:pPr>
-            <a:r>
-              <a:rPr lang="en-US" sz="1200" b="1" dirty="0">
-                <a:solidFill>
-                  <a:schemeClr val="bg1"/>
-                </a:solidFill>
-                <a:latin typeface="Source Sans Pro Light" charset="0"/>
-                <a:ea typeface="Source Sans Pro Light" charset="0"/>
-              </a:rPr>
-              <a:t>Automatic Memory Management (GC)</a:t>
-            </a:r>
-          </a:p>
-          <a:p>
-            <a:pPr marL="171450" indent="-171450">
-              <a:buFont typeface="Arial" panose="020B0604020202020204" pitchFamily="34" charset="0"/>
-              <a:buChar char="•"/>
-            </a:pPr>
-            <a:r>
-              <a:rPr lang="en-US" sz="1200" b="1" dirty="0">
-                <a:solidFill>
-                  <a:schemeClr val="bg1"/>
-                </a:solidFill>
-                <a:latin typeface="Source Sans Pro Light" charset="0"/>
-                <a:ea typeface="Source Sans Pro Light" charset="0"/>
-              </a:rPr>
-              <a:t>Check Heap Overflow</a:t>
+              <a:t>Debugger Proxy</a:t>
             </a:r>
           </a:p>
         </p:txBody>
       </p:sp>
       <p:sp>
         <p:nvSpPr>
-          <p:cNvPr id="17" name="Rounded Rectangle 64">
+          <p:cNvPr id="93" name="Rounded Rectangle 64">
             <a:extLst>
               <a:ext uri="{FF2B5EF4-FFF2-40B4-BE49-F238E27FC236}">
-                <a16:creationId xmlns:a16="http://schemas.microsoft.com/office/drawing/2014/main" id="{99CEB14A-1DC6-0D4A-4672-2EDD0145FB2E}"/>
+                <a16:creationId xmlns:a16="http://schemas.microsoft.com/office/drawing/2014/main" id="{A4E77C73-F199-6D47-9802-F489C52F248C}"/>
               </a:ext>
             </a:extLst>
           </p:cNvPr>
@@ -7519,16 +8641,16 @@
         </p:nvSpPr>
         <p:spPr>
           <a:xfrm>
-            <a:off x="8757532" y="728423"/>
-            <a:ext cx="968363" cy="506160"/>
+            <a:off x="783564" y="2458678"/>
+            <a:ext cx="1800000" cy="259463"/>
           </a:xfrm>
           <a:prstGeom prst="roundRect">
             <a:avLst>
-              <a:gd name="adj" fmla="val 22586"/>
+              <a:gd name="adj" fmla="val 26257"/>
             </a:avLst>
           </a:prstGeom>
           <a:solidFill>
-            <a:srgbClr val="6CC24A"/>
+            <a:schemeClr val="bg1"/>
           </a:solidFill>
           <a:ln w="12700">
             <a:noFill/>
@@ -7557,44 +8679,24 @@
           <a:p>
             <a:pPr algn="ctr"/>
             <a:r>
-              <a:rPr lang="en-GB" sz="1200" b="1" dirty="0">
+              <a:rPr lang="en-GB" sz="1000" b="1" dirty="0">
                 <a:solidFill>
                   <a:schemeClr val="tx1"/>
                 </a:solidFill>
-                <a:latin typeface="Source Sans Pro Light" charset="0"/>
-                <a:ea typeface="Source Sans Pro Light" charset="0"/>
+                <a:latin typeface="Source Sans Pro" panose="020B0503030403020204" pitchFamily="34" charset="0"/>
+                <a:ea typeface="Source Sans Pro" panose="020B0503030403020204" pitchFamily="34" charset="0"/>
               </a:rPr>
-              <a:t>Immortal</a:t>
-            </a:r>
-          </a:p>
-          <a:p>
-            <a:pPr algn="ctr"/>
-            <a:r>
-              <a:rPr lang="en-GB" sz="1200" b="1" dirty="0">
-                <a:solidFill>
-                  <a:schemeClr val="tx1"/>
-                </a:solidFill>
-                <a:latin typeface="Source Sans Pro Light" charset="0"/>
-                <a:ea typeface="Source Sans Pro Light" charset="0"/>
-              </a:rPr>
-              <a:t>Heap</a:t>
-            </a:r>
-            <a:endParaRPr lang="en-US" sz="1200" b="1" dirty="0">
-              <a:solidFill>
-                <a:schemeClr val="bg1"/>
-              </a:solidFill>
-              <a:latin typeface="Source Sans Pro Light" charset="0"/>
-              <a:ea typeface="Source Sans Pro Light" charset="0"/>
-            </a:endParaRPr>
+              <a:t>Integrity Check</a:t>
+            </a:r>
           </a:p>
         </p:txBody>
       </p:sp>
       <p:sp>
         <p:nvSpPr>
-          <p:cNvPr id="18" name="Rounded Rectangle 64">
+          <p:cNvPr id="94" name="Rounded Rectangle 64">
             <a:extLst>
               <a:ext uri="{FF2B5EF4-FFF2-40B4-BE49-F238E27FC236}">
-                <a16:creationId xmlns:a16="http://schemas.microsoft.com/office/drawing/2014/main" id="{85471E85-1BF1-30F9-239E-9ED79774AE73}"/>
+                <a16:creationId xmlns:a16="http://schemas.microsoft.com/office/drawing/2014/main" id="{213108D2-5926-FB42-B8BC-139A14481E01}"/>
               </a:ext>
             </a:extLst>
           </p:cNvPr>
@@ -7603,16 +8705,16 @@
         </p:nvSpPr>
         <p:spPr>
           <a:xfrm>
-            <a:off x="3463834" y="2831393"/>
-            <a:ext cx="1903098" cy="1140525"/>
+            <a:off x="783565" y="2822364"/>
+            <a:ext cx="1800000" cy="259463"/>
           </a:xfrm>
           <a:prstGeom prst="roundRect">
             <a:avLst>
-              <a:gd name="adj" fmla="val 22586"/>
+              <a:gd name="adj" fmla="val 22912"/>
             </a:avLst>
           </a:prstGeom>
           <a:solidFill>
-            <a:srgbClr val="F8A331"/>
+            <a:schemeClr val="bg1"/>
           </a:solidFill>
           <a:ln w="12700">
             <a:noFill/>
@@ -7641,72 +8743,24 @@
           <a:p>
             <a:pPr algn="ctr"/>
             <a:r>
-              <a:rPr lang="en-GB" sz="1200" b="1" dirty="0">
+              <a:rPr lang="en-GB" sz="1000" b="1" dirty="0">
                 <a:solidFill>
                   <a:schemeClr val="tx1"/>
                 </a:solidFill>
-                <a:latin typeface="Source Sans Pro Light" charset="0"/>
-                <a:ea typeface="Source Sans Pro Light" charset="0"/>
+                <a:latin typeface="Source Sans Pro" panose="020B0503030403020204" pitchFamily="34" charset="0"/>
+                <a:ea typeface="Source Sans Pro" panose="020B0503030403020204" pitchFamily="34" charset="0"/>
               </a:rPr>
-              <a:t>Multi-Sandbox Mode(*)</a:t>
-            </a:r>
-          </a:p>
-          <a:p>
-            <a:pPr marL="171450" indent="-171450">
-              <a:buFont typeface="Arial" panose="020B0604020202020204" pitchFamily="34" charset="0"/>
-              <a:buChar char="•"/>
-            </a:pPr>
-            <a:r>
-              <a:rPr lang="en-US" sz="1200" b="1" dirty="0">
-                <a:solidFill>
-                  <a:schemeClr val="bg1"/>
-                </a:solidFill>
-                <a:latin typeface="Source Sans Pro Light" charset="0"/>
-                <a:ea typeface="Source Sans Pro Light" charset="0"/>
-              </a:rPr>
-              <a:t>App Execution Control (START/STOP)</a:t>
-            </a:r>
-          </a:p>
-          <a:p>
-            <a:pPr marL="171450" indent="-171450">
-              <a:buFont typeface="Arial" panose="020B0604020202020204" pitchFamily="34" charset="0"/>
-              <a:buChar char="•"/>
-            </a:pPr>
-            <a:r>
-              <a:rPr lang="en-US" sz="1200" b="1" dirty="0">
-                <a:solidFill>
-                  <a:schemeClr val="bg1"/>
-                </a:solidFill>
-                <a:latin typeface="Source Sans Pro Light" charset="0"/>
-                <a:ea typeface="Source Sans Pro Light" charset="0"/>
-              </a:rPr>
-              <a:t>CPU Control</a:t>
-            </a:r>
-          </a:p>
-          <a:p>
-            <a:pPr marL="171450" indent="-171450">
-              <a:buFont typeface="Arial" panose="020B0604020202020204" pitchFamily="34" charset="0"/>
-              <a:buChar char="•"/>
-            </a:pPr>
-            <a:r>
-              <a:rPr lang="en-US" sz="1200" b="1" dirty="0">
-                <a:solidFill>
-                  <a:schemeClr val="bg1"/>
-                </a:solidFill>
-                <a:latin typeface="Source Sans Pro Light" charset="0"/>
-                <a:ea typeface="Source Sans Pro Light" charset="0"/>
-              </a:rPr>
-              <a:t>RAM Control</a:t>
+              <a:t>Core Dump</a:t>
             </a:r>
           </a:p>
         </p:txBody>
       </p:sp>
       <p:sp>
         <p:nvSpPr>
-          <p:cNvPr id="19" name="Rounded Rectangle 64">
+          <p:cNvPr id="95" name="Rounded Rectangle 64">
             <a:extLst>
               <a:ext uri="{FF2B5EF4-FFF2-40B4-BE49-F238E27FC236}">
-                <a16:creationId xmlns:a16="http://schemas.microsoft.com/office/drawing/2014/main" id="{40C9D5CF-13F4-5BBC-DCB2-3454E1824F6B}"/>
+                <a16:creationId xmlns:a16="http://schemas.microsoft.com/office/drawing/2014/main" id="{9183D5D0-EDC8-D843-BB7B-F2F69FC0DFDA}"/>
               </a:ext>
             </a:extLst>
           </p:cNvPr>
@@ -7715,16 +8769,16 @@
         </p:nvSpPr>
         <p:spPr>
           <a:xfrm>
-            <a:off x="8210995" y="3221878"/>
-            <a:ext cx="2206307" cy="999555"/>
+            <a:off x="781646" y="3190119"/>
+            <a:ext cx="1800000" cy="259463"/>
           </a:xfrm>
           <a:prstGeom prst="roundRect">
             <a:avLst>
-              <a:gd name="adj" fmla="val 22586"/>
+              <a:gd name="adj" fmla="val 24136"/>
             </a:avLst>
           </a:prstGeom>
           <a:solidFill>
-            <a:srgbClr val="F8A331"/>
+            <a:schemeClr val="bg1"/>
           </a:solidFill>
           <a:ln w="12700">
             <a:noFill/>
@@ -7751,89 +8805,26 @@
           </a:bodyPr>
           <a:lstStyle/>
           <a:p>
-            <a:r>
-              <a:rPr lang="en-US" sz="1200" b="1" dirty="0">
+            <a:pPr algn="ctr"/>
+            <a:r>
+              <a:rPr lang="en-GB" sz="1000" b="1" dirty="0">
                 <a:solidFill>
                   <a:schemeClr val="tx1"/>
                 </a:solidFill>
-                <a:latin typeface="Source Sans Pro Light" charset="0"/>
-                <a:ea typeface="Source Sans Pro Light" charset="0"/>
+                <a:latin typeface="Source Sans Pro" panose="020B0503030403020204" pitchFamily="34" charset="0"/>
+                <a:ea typeface="Source Sans Pro" panose="020B0503030403020204" pitchFamily="34" charset="0"/>
               </a:rPr>
-              <a:t>Exceptions Management</a:t>
-            </a:r>
-          </a:p>
-          <a:p>
-            <a:pPr marL="171450" indent="-171450">
-              <a:buFont typeface="Arial" panose="020B0604020202020204" pitchFamily="34" charset="0"/>
-              <a:buChar char="•"/>
-            </a:pPr>
-            <a:r>
-              <a:rPr lang="en-US" sz="1000" b="1" dirty="0">
-                <a:solidFill>
-                  <a:schemeClr val="bg1"/>
-                </a:solidFill>
-                <a:latin typeface="Source Sans Pro Light" charset="0"/>
-                <a:ea typeface="Source Sans Pro Light" charset="0"/>
-              </a:rPr>
-              <a:t>Divide by Zero</a:t>
-            </a:r>
-          </a:p>
-          <a:p>
-            <a:pPr marL="171450" indent="-171450">
-              <a:buFont typeface="Arial" panose="020B0604020202020204" pitchFamily="34" charset="0"/>
-              <a:buChar char="•"/>
-            </a:pPr>
-            <a:r>
-              <a:rPr lang="en-US" sz="1000" b="1" dirty="0">
-                <a:solidFill>
-                  <a:schemeClr val="bg1"/>
-                </a:solidFill>
-                <a:latin typeface="Source Sans Pro Light" charset="0"/>
-                <a:ea typeface="Source Sans Pro Light" charset="0"/>
-              </a:rPr>
-              <a:t>Null Pointer Access</a:t>
-            </a:r>
-          </a:p>
-          <a:p>
-            <a:pPr marL="171450" indent="-171450">
-              <a:buFont typeface="Arial" panose="020B0604020202020204" pitchFamily="34" charset="0"/>
-              <a:buChar char="•"/>
-            </a:pPr>
-            <a:r>
-              <a:rPr lang="en-US" sz="1000" b="1" dirty="0">
-                <a:solidFill>
-                  <a:schemeClr val="bg1"/>
-                </a:solidFill>
-                <a:latin typeface="Source Sans Pro Light" charset="0"/>
-                <a:ea typeface="Source Sans Pro Light" charset="0"/>
-              </a:rPr>
-              <a:t>Array Index Out of Bounds</a:t>
-            </a:r>
-          </a:p>
-          <a:p>
-            <a:pPr marL="171450" indent="-171450">
-              <a:buFont typeface="Arial" panose="020B0604020202020204" pitchFamily="34" charset="0"/>
-              <a:buChar char="•"/>
-            </a:pPr>
-            <a:r>
-              <a:rPr lang="en-US" sz="1000" b="1" dirty="0">
-                <a:solidFill>
-                  <a:schemeClr val="bg1"/>
-                </a:solidFill>
-                <a:latin typeface="Source Sans Pro Light" charset="0"/>
-                <a:ea typeface="Source Sans Pro Light" charset="0"/>
-              </a:rPr>
-              <a:t>Invalid Reference Cast</a:t>
+              <a:t>Heap Dump</a:t>
             </a:r>
           </a:p>
         </p:txBody>
       </p:sp>
       <p:sp>
         <p:nvSpPr>
-          <p:cNvPr id="22" name="Rounded Rectangle 64">
+          <p:cNvPr id="96" name="Rounded Rectangle 64">
             <a:extLst>
               <a:ext uri="{FF2B5EF4-FFF2-40B4-BE49-F238E27FC236}">
-                <a16:creationId xmlns:a16="http://schemas.microsoft.com/office/drawing/2014/main" id="{424B1EAF-C0F8-20C3-17FB-D9CA893A7C24}"/>
+                <a16:creationId xmlns:a16="http://schemas.microsoft.com/office/drawing/2014/main" id="{385682CC-690C-3144-B485-992DF77ADF66}"/>
               </a:ext>
             </a:extLst>
           </p:cNvPr>
@@ -7842,16 +8833,93 @@
         </p:nvSpPr>
         <p:spPr>
           <a:xfrm>
-            <a:off x="5777691" y="3875323"/>
-            <a:ext cx="2086185" cy="717615"/>
+            <a:off x="781646" y="3557874"/>
+            <a:ext cx="1800000" cy="360000"/>
           </a:xfrm>
           <a:prstGeom prst="roundRect">
             <a:avLst>
-              <a:gd name="adj" fmla="val 22586"/>
+              <a:gd name="adj" fmla="val 19058"/>
             </a:avLst>
           </a:prstGeom>
           <a:solidFill>
-            <a:srgbClr val="F8A331"/>
+            <a:schemeClr val="bg1"/>
+          </a:solidFill>
+          <a:ln w="12700">
+            <a:noFill/>
+          </a:ln>
+          <a:effectLst/>
+        </p:spPr>
+        <p:style>
+          <a:lnRef idx="2">
+            <a:schemeClr val="dk1"/>
+          </a:lnRef>
+          <a:fillRef idx="1">
+            <a:schemeClr val="lt1"/>
+          </a:fillRef>
+          <a:effectRef idx="0">
+            <a:schemeClr val="dk1"/>
+          </a:effectRef>
+          <a:fontRef idx="minor">
+            <a:schemeClr val="dk1"/>
+          </a:fontRef>
+        </p:style>
+        <p:txBody>
+          <a:bodyPr wrap="square" tIns="36000" bIns="36000" rtlCol="0" anchor="ctr">
+            <a:noAutofit/>
+          </a:bodyPr>
+          <a:lstStyle/>
+          <a:p>
+            <a:pPr algn="ctr"/>
+            <a:r>
+              <a:rPr lang="en-GB" sz="1000" b="1" dirty="0">
+                <a:solidFill>
+                  <a:schemeClr val="tx1"/>
+                </a:solidFill>
+                <a:latin typeface="Source Sans Pro" panose="020B0503030403020204" pitchFamily="34" charset="0"/>
+                <a:ea typeface="Source Sans Pro" panose="020B0503030403020204" pitchFamily="34" charset="0"/>
+              </a:rPr>
+              <a:t>Task/Threads </a:t>
+            </a:r>
+          </a:p>
+          <a:p>
+            <a:pPr algn="ctr"/>
+            <a:r>
+              <a:rPr lang="en-GB" sz="1000" b="1" dirty="0">
+                <a:solidFill>
+                  <a:schemeClr val="tx1"/>
+                </a:solidFill>
+                <a:latin typeface="Source Sans Pro" panose="020B0503030403020204" pitchFamily="34" charset="0"/>
+                <a:ea typeface="Source Sans Pro" panose="020B0503030403020204" pitchFamily="34" charset="0"/>
+              </a:rPr>
+              <a:t>Execution Tracing</a:t>
+            </a:r>
+          </a:p>
+        </p:txBody>
+      </p:sp>
+      <p:sp>
+        <p:nvSpPr>
+          <p:cNvPr id="97" name="Rounded Rectangle 64">
+            <a:extLst>
+              <a:ext uri="{FF2B5EF4-FFF2-40B4-BE49-F238E27FC236}">
+                <a16:creationId xmlns:a16="http://schemas.microsoft.com/office/drawing/2014/main" id="{4719CA8E-D4A2-164F-8F44-AF0E6A443AB5}"/>
+              </a:ext>
+            </a:extLst>
+          </p:cNvPr>
+          <p:cNvSpPr/>
+          <p:nvPr/>
+        </p:nvSpPr>
+        <p:spPr>
+          <a:xfrm>
+            <a:off x="781647" y="4015446"/>
+            <a:ext cx="1800000" cy="580880"/>
+          </a:xfrm>
+          <a:prstGeom prst="roundRect">
+            <a:avLst>
+              <a:gd name="adj" fmla="val 14724"/>
+            </a:avLst>
+          </a:prstGeom>
+          <a:solidFill>
+            <a:schemeClr val="bg1"/>
           </a:solidFill>
           <a:ln w="12700">
             <a:noFill/>
@@ -7880,160 +8948,180 @@
           <a:p>
             <a:pPr algn="ctr"/>
             <a:r>
-              <a:rPr lang="en-GB" sz="1200" b="1" dirty="0">
+              <a:rPr lang="en-GB" sz="1000" b="1" dirty="0">
                 <a:solidFill>
                   <a:schemeClr val="tx1"/>
                 </a:solidFill>
-                <a:latin typeface="Source Sans Pro Light" charset="0"/>
-                <a:ea typeface="Source Sans Pro Light" charset="0"/>
+                <a:latin typeface="Source Sans Pro" panose="020B0503030403020204" pitchFamily="34" charset="0"/>
+                <a:ea typeface="Source Sans Pro" panose="020B0503030403020204" pitchFamily="34" charset="0"/>
               </a:rPr>
-              <a:t>Dynamic Loader(*)</a:t>
-            </a:r>
-          </a:p>
-          <a:p>
-            <a:pPr marL="171450" indent="-171450">
-              <a:buFont typeface="Arial" panose="020B0604020202020204" pitchFamily="34" charset="0"/>
-              <a:buChar char="•"/>
-            </a:pPr>
-            <a:r>
-              <a:rPr lang="en-US" sz="1200" b="1" dirty="0">
+              <a:t>Advanced Profiling</a:t>
+            </a:r>
+          </a:p>
+          <a:p>
+            <a:r>
+              <a:rPr lang="en-GB" sz="1000" dirty="0">
                 <a:solidFill>
-                  <a:schemeClr val="bg1"/>
+                  <a:schemeClr val="tx1"/>
                 </a:solidFill>
-                <a:latin typeface="Source Sans Pro Light" charset="0"/>
-                <a:ea typeface="Source Sans Pro Light" charset="0"/>
+                <a:latin typeface="Source Sans Pro" panose="020B0503030403020204" pitchFamily="34" charset="0"/>
+                <a:ea typeface="Source Sans Pro" panose="020B0503030403020204" pitchFamily="34" charset="0"/>
               </a:rPr>
-              <a:t>Streaming </a:t>
-            </a:r>
-            <a:r>
-              <a:rPr lang="en-US" sz="1200" b="1">
+              <a:t>• Method calls (Flame Graph)</a:t>
+            </a:r>
+          </a:p>
+          <a:p>
+            <a:r>
+              <a:rPr lang="en-GB" sz="1000" dirty="0">
                 <a:solidFill>
-                  <a:schemeClr val="bg1"/>
+                  <a:schemeClr val="tx1"/>
                 </a:solidFill>
-                <a:latin typeface="Source Sans Pro Light" charset="0"/>
-                <a:ea typeface="Source Sans Pro Light" charset="0"/>
+                <a:latin typeface="Source Sans Pro" panose="020B0503030403020204" pitchFamily="34" charset="0"/>
+                <a:ea typeface="Source Sans Pro" panose="020B0503030403020204" pitchFamily="34" charset="0"/>
               </a:rPr>
-              <a:t>Linker </a:t>
-            </a:r>
-          </a:p>
-          <a:p>
-            <a:pPr marL="171450" indent="-171450">
-              <a:buFont typeface="Arial" panose="020B0604020202020204" pitchFamily="34" charset="0"/>
-              <a:buChar char="•"/>
-            </a:pPr>
-            <a:r>
-              <a:rPr lang="en-US" sz="1200" b="1">
-                <a:solidFill>
-                  <a:schemeClr val="bg1"/>
-                </a:solidFill>
-                <a:latin typeface="Source Sans Pro Light" charset="0"/>
-                <a:ea typeface="Source Sans Pro Light" charset="0"/>
-              </a:rPr>
-              <a:t>App </a:t>
-            </a:r>
-            <a:r>
-              <a:rPr lang="en-US" sz="1200" b="1" dirty="0">
-                <a:solidFill>
-                  <a:schemeClr val="bg1"/>
-                </a:solidFill>
-                <a:latin typeface="Source Sans Pro Light" charset="0"/>
-                <a:ea typeface="Source Sans Pro Light" charset="0"/>
-              </a:rPr>
-              <a:t>Build on Device (*)</a:t>
+              <a:t>• Object Allocations</a:t>
             </a:r>
           </a:p>
         </p:txBody>
       </p:sp>
-      <p:sp>
-        <p:nvSpPr>
-          <p:cNvPr id="23" name="Rounded Rectangle 64">
+      <p:cxnSp>
+        <p:nvCxnSpPr>
+          <p:cNvPr id="120" name="Straight Arrow Connector 119">
             <a:extLst>
               <a:ext uri="{FF2B5EF4-FFF2-40B4-BE49-F238E27FC236}">
-                <a16:creationId xmlns:a16="http://schemas.microsoft.com/office/drawing/2014/main" id="{C5E2C1A5-EE05-B5E6-3CCF-8CEB9E998AE5}"/>
+                <a16:creationId xmlns:a16="http://schemas.microsoft.com/office/drawing/2014/main" id="{743083DE-42B4-AB41-A615-932E1796C6F9}"/>
               </a:ext>
             </a:extLst>
           </p:cNvPr>
-          <p:cNvSpPr/>
+          <p:cNvCxnSpPr>
+            <a:cxnSpLocks/>
+            <a:stCxn id="91" idx="3"/>
+            <a:endCxn id="2" idx="1"/>
+          </p:cNvCxnSpPr>
           <p:nvPr/>
-        </p:nvSpPr>
-        <p:spPr>
-          <a:xfrm>
-            <a:off x="9777654" y="745575"/>
-            <a:ext cx="943476" cy="506160"/>
-          </a:xfrm>
-          <a:prstGeom prst="roundRect">
-            <a:avLst>
-              <a:gd name="adj" fmla="val 22586"/>
-            </a:avLst>
-          </a:prstGeom>
-          <a:solidFill>
-            <a:srgbClr val="6CC24A"/>
-          </a:solidFill>
-          <a:ln w="12700">
-            <a:noFill/>
+        </p:nvCxnSpPr>
+        <p:spPr>
+          <a:xfrm>
+            <a:off x="2771872" y="3223417"/>
+            <a:ext cx="370891" cy="7093"/>
+          </a:xfrm>
+          <a:prstGeom prst="straightConnector1">
+            <a:avLst/>
+          </a:prstGeom>
+          <a:ln>
+            <a:headEnd type="triangle"/>
+            <a:tailEnd type="triangle"/>
           </a:ln>
-          <a:effectLst/>
         </p:spPr>
         <p:style>
-          <a:lnRef idx="2">
-            <a:schemeClr val="dk1"/>
+          <a:lnRef idx="1">
+            <a:schemeClr val="accent1"/>
           </a:lnRef>
-          <a:fillRef idx="1">
-            <a:schemeClr val="lt1"/>
+          <a:fillRef idx="0">
+            <a:schemeClr val="accent1"/>
           </a:fillRef>
           <a:effectRef idx="0">
-            <a:schemeClr val="dk1"/>
+            <a:schemeClr val="accent1"/>
           </a:effectRef>
           <a:fontRef idx="minor">
-            <a:schemeClr val="dk1"/>
+            <a:schemeClr val="tx1"/>
           </a:fontRef>
         </p:style>
-        <p:txBody>
-          <a:bodyPr wrap="square" tIns="36000" bIns="36000" rtlCol="0" anchor="ctr">
-            <a:spAutoFit/>
-          </a:bodyPr>
-          <a:lstStyle/>
-          <a:p>
-            <a:pPr algn="ctr"/>
-            <a:r>
-              <a:rPr lang="en-GB" sz="1200" b="1" dirty="0">
-                <a:solidFill>
-                  <a:schemeClr val="tx1"/>
-                </a:solidFill>
-                <a:latin typeface="Source Sans Pro Light" charset="0"/>
-                <a:ea typeface="Source Sans Pro Light" charset="0"/>
-              </a:rPr>
-              <a:t>Internal</a:t>
-            </a:r>
-          </a:p>
-          <a:p>
-            <a:pPr algn="ctr"/>
-            <a:r>
-              <a:rPr lang="en-GB" sz="1200" b="1" dirty="0">
-                <a:solidFill>
-                  <a:schemeClr val="tx1"/>
-                </a:solidFill>
-                <a:latin typeface="Source Sans Pro Light" charset="0"/>
-                <a:ea typeface="Source Sans Pro Light" charset="0"/>
-              </a:rPr>
-              <a:t>Structures</a:t>
-            </a:r>
-            <a:endParaRPr lang="en-US" sz="1200" b="1" dirty="0">
-              <a:solidFill>
-                <a:schemeClr val="bg1"/>
-              </a:solidFill>
-              <a:latin typeface="Source Sans Pro Light" charset="0"/>
-              <a:ea typeface="Source Sans Pro Light" charset="0"/>
-            </a:endParaRPr>
-          </a:p>
-        </p:txBody>
-      </p:sp>
+      </p:cxnSp>
+      <p:cxnSp>
+        <p:nvCxnSpPr>
+          <p:cNvPr id="125" name="Straight Arrow Connector 124">
+            <a:extLst>
+              <a:ext uri="{FF2B5EF4-FFF2-40B4-BE49-F238E27FC236}">
+                <a16:creationId xmlns:a16="http://schemas.microsoft.com/office/drawing/2014/main" id="{EF10700B-CEEB-6C4B-B549-1775EC8105EF}"/>
+              </a:ext>
+            </a:extLst>
+          </p:cNvPr>
+          <p:cNvCxnSpPr>
+            <a:cxnSpLocks/>
+            <a:stCxn id="86" idx="2"/>
+            <a:endCxn id="2" idx="0"/>
+          </p:cNvCxnSpPr>
+          <p:nvPr/>
+        </p:nvCxnSpPr>
+        <p:spPr>
+          <a:xfrm>
+            <a:off x="6172458" y="1574786"/>
+            <a:ext cx="6364" cy="277229"/>
+          </a:xfrm>
+          <a:prstGeom prst="straightConnector1">
+            <a:avLst/>
+          </a:prstGeom>
+          <a:ln>
+            <a:headEnd type="triangle"/>
+            <a:tailEnd type="triangle"/>
+          </a:ln>
+        </p:spPr>
+        <p:style>
+          <a:lnRef idx="1">
+            <a:schemeClr val="accent1"/>
+          </a:lnRef>
+          <a:fillRef idx="0">
+            <a:schemeClr val="accent1"/>
+          </a:fillRef>
+          <a:effectRef idx="0">
+            <a:schemeClr val="accent1"/>
+          </a:effectRef>
+          <a:fontRef idx="minor">
+            <a:schemeClr val="tx1"/>
+          </a:fontRef>
+        </p:style>
+      </p:cxnSp>
+      <p:cxnSp>
+        <p:nvCxnSpPr>
+          <p:cNvPr id="137" name="Straight Arrow Connector 136">
+            <a:extLst>
+              <a:ext uri="{FF2B5EF4-FFF2-40B4-BE49-F238E27FC236}">
+                <a16:creationId xmlns:a16="http://schemas.microsoft.com/office/drawing/2014/main" id="{B0E55BEC-89A1-7B4A-A945-CA0E2116DF56}"/>
+              </a:ext>
+            </a:extLst>
+          </p:cNvPr>
+          <p:cNvCxnSpPr>
+            <a:cxnSpLocks/>
+            <a:stCxn id="2" idx="2"/>
+            <a:endCxn id="4" idx="0"/>
+          </p:cNvCxnSpPr>
+          <p:nvPr/>
+        </p:nvCxnSpPr>
+        <p:spPr>
+          <a:xfrm>
+            <a:off x="6178822" y="4609004"/>
+            <a:ext cx="0" cy="273674"/>
+          </a:xfrm>
+          <a:prstGeom prst="straightConnector1">
+            <a:avLst/>
+          </a:prstGeom>
+          <a:ln>
+            <a:headEnd type="triangle"/>
+            <a:tailEnd type="triangle"/>
+          </a:ln>
+        </p:spPr>
+        <p:style>
+          <a:lnRef idx="1">
+            <a:schemeClr val="accent1"/>
+          </a:lnRef>
+          <a:fillRef idx="0">
+            <a:schemeClr val="accent1"/>
+          </a:fillRef>
+          <a:effectRef idx="0">
+            <a:schemeClr val="accent1"/>
+          </a:effectRef>
+          <a:fontRef idx="minor">
+            <a:schemeClr val="tx1"/>
+          </a:fontRef>
+        </p:style>
+      </p:cxnSp>
       <p:pic>
         <p:nvPicPr>
-          <p:cNvPr id="25" name="Picture 24">
+          <p:cNvPr id="152" name="Picture 151">
             <a:extLst>
               <a:ext uri="{FF2B5EF4-FFF2-40B4-BE49-F238E27FC236}">
-                <a16:creationId xmlns:a16="http://schemas.microsoft.com/office/drawing/2014/main" id="{E224E875-2DE3-950E-3CB8-60C45AB72552}"/>
+                <a16:creationId xmlns:a16="http://schemas.microsoft.com/office/drawing/2014/main" id="{1B1A000E-F51C-FF47-9A46-628E89225D93}"/>
               </a:ext>
             </a:extLst>
           </p:cNvPr>
@@ -8056,20 +9144,65 @@
         </p:blipFill>
         <p:spPr>
           <a:xfrm>
-            <a:off x="3746089" y="4211863"/>
-            <a:ext cx="387471" cy="390580"/>
+            <a:off x="2977119" y="1703820"/>
+            <a:ext cx="680280" cy="685740"/>
           </a:xfrm>
           <a:prstGeom prst="rect">
             <a:avLst/>
           </a:prstGeom>
+          <a:ln w="19050">
+            <a:noFill/>
+          </a:ln>
         </p:spPr>
       </p:pic>
       <p:sp>
         <p:nvSpPr>
-          <p:cNvPr id="27" name="Rounded Rectangle 64">
+          <p:cNvPr id="153" name="TextBox 152">
             <a:extLst>
               <a:ext uri="{FF2B5EF4-FFF2-40B4-BE49-F238E27FC236}">
-                <a16:creationId xmlns:a16="http://schemas.microsoft.com/office/drawing/2014/main" id="{9BBBA201-E7B8-FEAF-D0F2-CA82A90E9ED5}"/>
+                <a16:creationId xmlns:a16="http://schemas.microsoft.com/office/drawing/2014/main" id="{73845779-2E79-654A-B05A-18F5C7364506}"/>
+              </a:ext>
+            </a:extLst>
+          </p:cNvPr>
+          <p:cNvSpPr txBox="1"/>
+          <p:nvPr/>
+        </p:nvSpPr>
+        <p:spPr>
+          <a:xfrm>
+            <a:off x="3109873" y="4554555"/>
+            <a:ext cx="1318672" cy="246221"/>
+          </a:xfrm>
+          <a:prstGeom prst="rect">
+            <a:avLst/>
+          </a:prstGeom>
+          <a:noFill/>
+        </p:spPr>
+        <p:txBody>
+          <a:bodyPr wrap="square">
+            <a:spAutoFit/>
+          </a:bodyPr>
+          <a:lstStyle/>
+          <a:p>
+            <a:r>
+              <a:rPr lang="en-GB" sz="1000" i="1" dirty="0">
+                <a:solidFill>
+                  <a:schemeClr val="tx1"/>
+                </a:solidFill>
+                <a:latin typeface="Source Sans Pro Light" charset="0"/>
+                <a:ea typeface="Source Sans Pro Light" charset="0"/>
+              </a:rPr>
+              <a:t>(*) = optional</a:t>
+            </a:r>
+            <a:endParaRPr lang="en-US" sz="1000" i="1" dirty="0"/>
+          </a:p>
+        </p:txBody>
+      </p:sp>
+      <p:sp>
+        <p:nvSpPr>
+          <p:cNvPr id="154" name="Rounded Rectangle 64">
+            <a:extLst>
+              <a:ext uri="{FF2B5EF4-FFF2-40B4-BE49-F238E27FC236}">
+                <a16:creationId xmlns:a16="http://schemas.microsoft.com/office/drawing/2014/main" id="{CEB6110E-772D-794B-9E39-2FF9F05E216E}"/>
               </a:ext>
             </a:extLst>
           </p:cNvPr>
@@ -8078,16 +9211,82 @@
         </p:nvSpPr>
         <p:spPr>
           <a:xfrm>
-            <a:off x="5038141" y="5615676"/>
-            <a:ext cx="1930807" cy="506160"/>
+            <a:off x="9573407" y="2481743"/>
+            <a:ext cx="1949684" cy="1845054"/>
           </a:xfrm>
           <a:prstGeom prst="roundRect">
             <a:avLst>
-              <a:gd name="adj" fmla="val 22586"/>
+              <a:gd name="adj" fmla="val 6646"/>
             </a:avLst>
           </a:prstGeom>
           <a:solidFill>
-            <a:srgbClr val="6CC24A"/>
+            <a:schemeClr val="tx2">
+              <a:lumMod val="20000"/>
+              <a:lumOff val="80000"/>
+            </a:schemeClr>
+          </a:solidFill>
+          <a:ln>
+            <a:noFill/>
+          </a:ln>
+        </p:spPr>
+        <p:style>
+          <a:lnRef idx="2">
+            <a:schemeClr val="accent1">
+              <a:shade val="50000"/>
+            </a:schemeClr>
+          </a:lnRef>
+          <a:fillRef idx="1">
+            <a:schemeClr val="accent1"/>
+          </a:fillRef>
+          <a:effectRef idx="0">
+            <a:schemeClr val="accent1"/>
+          </a:effectRef>
+          <a:fontRef idx="minor">
+            <a:schemeClr val="lt1"/>
+          </a:fontRef>
+        </p:style>
+        <p:txBody>
+          <a:bodyPr rtlCol="0" anchor="t"/>
+          <a:lstStyle/>
+          <a:p>
+            <a:pPr algn="ctr"/>
+            <a:r>
+              <a:rPr lang="en-GB" sz="1200" b="1" dirty="0">
+                <a:solidFill>
+                  <a:schemeClr val="tx1"/>
+                </a:solidFill>
+                <a:latin typeface="Source Sans Pro" panose="020B0503030403020204" pitchFamily="34" charset="0"/>
+                <a:ea typeface="Source Sans Pro" panose="020B0503030403020204" pitchFamily="34" charset="0"/>
+              </a:rPr>
+              <a:t>BINARY INTERFACE</a:t>
+            </a:r>
+          </a:p>
+        </p:txBody>
+      </p:sp>
+      <p:sp>
+        <p:nvSpPr>
+          <p:cNvPr id="155" name="Rounded Rectangle 64">
+            <a:extLst>
+              <a:ext uri="{FF2B5EF4-FFF2-40B4-BE49-F238E27FC236}">
+                <a16:creationId xmlns:a16="http://schemas.microsoft.com/office/drawing/2014/main" id="{C29D47E1-AC6A-F343-87D7-F611527E467E}"/>
+              </a:ext>
+            </a:extLst>
+          </p:cNvPr>
+          <p:cNvSpPr/>
+          <p:nvPr/>
+        </p:nvSpPr>
+        <p:spPr>
+          <a:xfrm>
+            <a:off x="9638438" y="3433276"/>
+            <a:ext cx="1800000" cy="259463"/>
+          </a:xfrm>
+          <a:prstGeom prst="roundRect">
+            <a:avLst>
+              <a:gd name="adj" fmla="val 26257"/>
+            </a:avLst>
+          </a:prstGeom>
+          <a:solidFill>
+            <a:schemeClr val="bg1"/>
           </a:solidFill>
           <a:ln w="12700">
             <a:noFill/>
@@ -8116,40 +9315,24 @@
           <a:p>
             <a:pPr algn="ctr"/>
             <a:r>
-              <a:rPr lang="en-GB" sz="1200" b="1" dirty="0">
+              <a:rPr lang="en-GB" sz="1000" b="1" dirty="0">
                 <a:solidFill>
                   <a:schemeClr val="tx1"/>
                 </a:solidFill>
-                <a:latin typeface="Source Sans Pro Light" charset="0"/>
-                <a:ea typeface="Source Sans Pro Light" charset="0"/>
+                <a:latin typeface="Source Sans Pro" panose="020B0503030403020204" pitchFamily="34" charset="0"/>
+                <a:ea typeface="Source Sans Pro" panose="020B0503030403020204" pitchFamily="34" charset="0"/>
               </a:rPr>
-              <a:t>Code</a:t>
-            </a:r>
-          </a:p>
-          <a:p>
-            <a:pPr marL="171450" indent="-171450">
-              <a:buFont typeface="Arial" panose="020B0604020202020204" pitchFamily="34" charset="0"/>
-              <a:buChar char="•"/>
-            </a:pPr>
-            <a:r>
-              <a:rPr lang="en-US" sz="1200" b="1" dirty="0">
-                <a:solidFill>
-                  <a:schemeClr val="bg1"/>
-                </a:solidFill>
-                <a:latin typeface="Source Sans Pro Light" charset="0"/>
-                <a:ea typeface="Source Sans Pro Light" charset="0"/>
-              </a:rPr>
-              <a:t>Execution In Place (XIP)</a:t>
+              <a:t>ELF Linker</a:t>
             </a:r>
           </a:p>
         </p:txBody>
       </p:sp>
       <p:sp>
         <p:nvSpPr>
-          <p:cNvPr id="28" name="Rounded Rectangle 64">
+          <p:cNvPr id="156" name="Rounded Rectangle 64">
             <a:extLst>
               <a:ext uri="{FF2B5EF4-FFF2-40B4-BE49-F238E27FC236}">
-                <a16:creationId xmlns:a16="http://schemas.microsoft.com/office/drawing/2014/main" id="{73B72CB4-A91D-0E55-180C-DB7A1D4DF9DE}"/>
+                <a16:creationId xmlns:a16="http://schemas.microsoft.com/office/drawing/2014/main" id="{EFDA9BF2-0C1D-2E4B-8F32-4BD0A985EF95}"/>
               </a:ext>
             </a:extLst>
           </p:cNvPr>
@@ -8158,16 +9341,16 @@
         </p:nvSpPr>
         <p:spPr>
           <a:xfrm>
-            <a:off x="8014193" y="5476226"/>
-            <a:ext cx="2139486" cy="929070"/>
+            <a:off x="9638438" y="2779101"/>
+            <a:ext cx="1800000" cy="268228"/>
           </a:xfrm>
           <a:prstGeom prst="roundRect">
             <a:avLst>
-              <a:gd name="adj" fmla="val 22586"/>
+              <a:gd name="adj" fmla="val 27481"/>
             </a:avLst>
           </a:prstGeom>
           <a:solidFill>
-            <a:srgbClr val="6CC24A"/>
+            <a:schemeClr val="bg1"/>
           </a:solidFill>
           <a:ln w="12700">
             <a:noFill/>
@@ -8196,40 +9379,24 @@
           <a:p>
             <a:pPr algn="ctr"/>
             <a:r>
-              <a:rPr lang="en-GB" sz="1200" b="1" dirty="0">
+              <a:rPr lang="en-GB" sz="1000" b="1" dirty="0">
                 <a:solidFill>
                   <a:schemeClr val="tx1"/>
                 </a:solidFill>
-                <a:latin typeface="Source Sans Pro Light" charset="0"/>
-                <a:ea typeface="Source Sans Pro Light" charset="0"/>
+                <a:latin typeface="Source Sans Pro" panose="020B0503030403020204" pitchFamily="34" charset="0"/>
+                <a:ea typeface="Source Sans Pro" panose="020B0503030403020204" pitchFamily="34" charset="0"/>
               </a:rPr>
-              <a:t>Resources</a:t>
-            </a:r>
-          </a:p>
-          <a:p>
-            <a:pPr marL="171450" indent="-171450">
-              <a:buFont typeface="Arial" panose="020B0604020202020204" pitchFamily="34" charset="0"/>
-              <a:buChar char="•"/>
-            </a:pPr>
-            <a:r>
-              <a:rPr lang="en-US" sz="1200" b="1" dirty="0">
-                <a:solidFill>
-                  <a:schemeClr val="bg1"/>
-                </a:solidFill>
-                <a:latin typeface="Source Sans Pro Light" charset="0"/>
-                <a:ea typeface="Source Sans Pro Light" charset="0"/>
-              </a:rPr>
-              <a:t>External Resources Loader (non byte-addressable memories)</a:t>
+              <a:t>Few Lib Dependencies</a:t>
             </a:r>
           </a:p>
         </p:txBody>
       </p:sp>
       <p:sp>
         <p:nvSpPr>
-          <p:cNvPr id="29" name="Rectangle: Rounded Corners 28">
+          <p:cNvPr id="157" name="Rounded Rectangle 64">
             <a:extLst>
               <a:ext uri="{FF2B5EF4-FFF2-40B4-BE49-F238E27FC236}">
-                <a16:creationId xmlns:a16="http://schemas.microsoft.com/office/drawing/2014/main" id="{779DE565-D206-EBDB-B255-21D81FEEA466}"/>
+                <a16:creationId xmlns:a16="http://schemas.microsoft.com/office/drawing/2014/main" id="{C28A150B-5971-DE41-9EA1-D58EAD38AC55}"/>
               </a:ext>
             </a:extLst>
           </p:cNvPr>
@@ -8238,67 +9405,12 @@
         </p:nvSpPr>
         <p:spPr>
           <a:xfrm>
-            <a:off x="10904351" y="488840"/>
-            <a:ext cx="2383871" cy="5170325"/>
-          </a:xfrm>
-          <a:prstGeom prst="roundRect">
-            <a:avLst/>
-          </a:prstGeom>
-          <a:solidFill>
-            <a:srgbClr val="00AEC7"/>
-          </a:solidFill>
-          <a:ln>
-            <a:noFill/>
-          </a:ln>
-        </p:spPr>
-        <p:style>
-          <a:lnRef idx="2">
-            <a:schemeClr val="accent1">
-              <a:shade val="50000"/>
-            </a:schemeClr>
-          </a:lnRef>
-          <a:fillRef idx="1">
-            <a:schemeClr val="accent1"/>
-          </a:fillRef>
-          <a:effectRef idx="0">
-            <a:schemeClr val="accent1"/>
-          </a:effectRef>
-          <a:fontRef idx="minor">
-            <a:schemeClr val="lt1"/>
-          </a:fontRef>
-        </p:style>
-        <p:txBody>
-          <a:bodyPr rtlCol="0" anchor="t"/>
-          <a:lstStyle/>
-          <a:p>
-            <a:pPr algn="ctr"/>
-            <a:r>
-              <a:rPr lang="en-US" dirty="0"/>
-              <a:t>Debug Interface</a:t>
-            </a:r>
-          </a:p>
-        </p:txBody>
-      </p:sp>
-      <p:sp>
-        <p:nvSpPr>
-          <p:cNvPr id="30" name="Rounded Rectangle 64">
-            <a:extLst>
-              <a:ext uri="{FF2B5EF4-FFF2-40B4-BE49-F238E27FC236}">
-                <a16:creationId xmlns:a16="http://schemas.microsoft.com/office/drawing/2014/main" id="{09F70DC9-DA8F-D771-7548-7B178103E211}"/>
-              </a:ext>
-            </a:extLst>
-          </p:cNvPr>
-          <p:cNvSpPr/>
-          <p:nvPr/>
-        </p:nvSpPr>
-        <p:spPr>
-          <a:xfrm>
-            <a:off x="11106114" y="1226176"/>
-            <a:ext cx="1930807" cy="294705"/>
+            <a:off x="9638438" y="3779440"/>
+            <a:ext cx="1800000" cy="360000"/>
           </a:xfrm>
           <a:prstGeom prst="roundRect">
             <a:avLst>
-              <a:gd name="adj" fmla="val 22586"/>
+              <a:gd name="adj" fmla="val 27054"/>
             </a:avLst>
           </a:prstGeom>
           <a:solidFill>
@@ -8329,26 +9441,37 @@
           </a:bodyPr>
           <a:lstStyle/>
           <a:p>
-            <a:pPr algn="ctr"/>
-            <a:r>
-              <a:rPr lang="en-GB" sz="1200" b="1" dirty="0">
+            <a:r>
+              <a:rPr lang="en-GB" sz="1000" dirty="0">
                 <a:solidFill>
                   <a:schemeClr val="tx1"/>
                 </a:solidFill>
-                <a:latin typeface="Source Sans Pro Light" charset="0"/>
-                <a:ea typeface="Source Sans Pro Light" charset="0"/>
+                <a:latin typeface="Source Sans Pro" panose="020B0503030403020204" pitchFamily="34" charset="0"/>
+                <a:ea typeface="Source Sans Pro" panose="020B0503030403020204" pitchFamily="34" charset="0"/>
               </a:rPr>
-              <a:t>Static Debugger Proxy</a:t>
+              <a:t>• Software or Interrupt Timer</a:t>
+            </a:r>
+          </a:p>
+          <a:p>
+            <a:r>
+              <a:rPr lang="en-GB" sz="1000" dirty="0">
+                <a:solidFill>
+                  <a:schemeClr val="tx1"/>
+                </a:solidFill>
+                <a:latin typeface="Source Sans Pro" panose="020B0503030403020204" pitchFamily="34" charset="0"/>
+                <a:ea typeface="Source Sans Pro" panose="020B0503030403020204" pitchFamily="34" charset="0"/>
+              </a:rPr>
+              <a:t>• Application Time</a:t>
             </a:r>
           </a:p>
         </p:txBody>
       </p:sp>
       <p:sp>
         <p:nvSpPr>
-          <p:cNvPr id="31" name="Rounded Rectangle 64">
+          <p:cNvPr id="158" name="Rounded Rectangle 64">
             <a:extLst>
               <a:ext uri="{FF2B5EF4-FFF2-40B4-BE49-F238E27FC236}">
-                <a16:creationId xmlns:a16="http://schemas.microsoft.com/office/drawing/2014/main" id="{7B108FAF-6726-220B-A709-1BED21E67FFE}"/>
+                <a16:creationId xmlns:a16="http://schemas.microsoft.com/office/drawing/2014/main" id="{31229942-31A1-6F43-AE0D-DF76A0BB2330}"/>
               </a:ext>
             </a:extLst>
           </p:cNvPr>
@@ -8357,12 +9480,12 @@
         </p:nvSpPr>
         <p:spPr>
           <a:xfrm>
-            <a:off x="11106112" y="1740609"/>
-            <a:ext cx="1930807" cy="294705"/>
+            <a:off x="9638438" y="3104334"/>
+            <a:ext cx="1800000" cy="248505"/>
           </a:xfrm>
           <a:prstGeom prst="roundRect">
             <a:avLst>
-              <a:gd name="adj" fmla="val 22586"/>
+              <a:gd name="adj" fmla="val 15299"/>
             </a:avLst>
           </a:prstGeom>
           <a:solidFill>
@@ -8395,24 +9518,67 @@
           <a:p>
             <a:pPr algn="ctr"/>
             <a:r>
-              <a:rPr lang="en-GB" sz="1200" b="1" dirty="0">
+              <a:rPr lang="en-GB" sz="1000" b="1" dirty="0">
                 <a:solidFill>
                   <a:schemeClr val="tx1"/>
                 </a:solidFill>
-                <a:latin typeface="Source Sans Pro Light" charset="0"/>
-                <a:ea typeface="Source Sans Pro Light" charset="0"/>
+                <a:latin typeface="Source Sans Pro" panose="020B0503030403020204" pitchFamily="34" charset="0"/>
+                <a:ea typeface="Source Sans Pro" panose="020B0503030403020204" pitchFamily="34" charset="0"/>
               </a:rPr>
-              <a:t>Integrity Check</a:t>
+              <a:t>I/O &amp; Character Print</a:t>
             </a:r>
           </a:p>
         </p:txBody>
       </p:sp>
+      <p:cxnSp>
+        <p:nvCxnSpPr>
+          <p:cNvPr id="159" name="Straight Arrow Connector 158">
+            <a:extLst>
+              <a:ext uri="{FF2B5EF4-FFF2-40B4-BE49-F238E27FC236}">
+                <a16:creationId xmlns:a16="http://schemas.microsoft.com/office/drawing/2014/main" id="{B9B5D951-FA28-B146-887B-9A6ED0DE30BE}"/>
+              </a:ext>
+            </a:extLst>
+          </p:cNvPr>
+          <p:cNvCxnSpPr>
+            <a:cxnSpLocks/>
+            <a:endCxn id="154" idx="1"/>
+          </p:cNvCxnSpPr>
+          <p:nvPr/>
+        </p:nvCxnSpPr>
+        <p:spPr>
+          <a:xfrm>
+            <a:off x="9202152" y="3404270"/>
+            <a:ext cx="371255" cy="0"/>
+          </a:xfrm>
+          <a:prstGeom prst="straightConnector1">
+            <a:avLst/>
+          </a:prstGeom>
+          <a:ln>
+            <a:headEnd type="triangle"/>
+            <a:tailEnd type="triangle"/>
+          </a:ln>
+        </p:spPr>
+        <p:style>
+          <a:lnRef idx="1">
+            <a:schemeClr val="accent1"/>
+          </a:lnRef>
+          <a:fillRef idx="0">
+            <a:schemeClr val="accent1"/>
+          </a:fillRef>
+          <a:effectRef idx="0">
+            <a:schemeClr val="accent1"/>
+          </a:effectRef>
+          <a:fontRef idx="minor">
+            <a:schemeClr val="tx1"/>
+          </a:fontRef>
+        </p:style>
+      </p:cxnSp>
       <p:sp>
         <p:nvSpPr>
-          <p:cNvPr id="32" name="Rounded Rectangle 64">
+          <p:cNvPr id="8" name="Rounded Rectangle 64">
             <a:extLst>
               <a:ext uri="{FF2B5EF4-FFF2-40B4-BE49-F238E27FC236}">
-                <a16:creationId xmlns:a16="http://schemas.microsoft.com/office/drawing/2014/main" id="{E18BE8DB-A7A2-C279-F3D3-9439828AAAC0}"/>
+                <a16:creationId xmlns:a16="http://schemas.microsoft.com/office/drawing/2014/main" id="{F8645847-2B7F-014A-827A-AC3404EFEF71}"/>
               </a:ext>
             </a:extLst>
           </p:cNvPr>
@@ -8421,12 +9587,114 @@
         </p:nvSpPr>
         <p:spPr>
           <a:xfrm>
-            <a:off x="11106113" y="2255042"/>
-            <a:ext cx="1930807" cy="294705"/>
+            <a:off x="4272456" y="1904454"/>
+            <a:ext cx="2055252" cy="760757"/>
           </a:xfrm>
           <a:prstGeom prst="roundRect">
             <a:avLst>
-              <a:gd name="adj" fmla="val 22586"/>
+              <a:gd name="adj" fmla="val 9579"/>
+            </a:avLst>
+          </a:prstGeom>
+          <a:solidFill>
+            <a:schemeClr val="bg1"/>
+          </a:solidFill>
+          <a:ln w="12700">
+            <a:solidFill>
+              <a:schemeClr val="accent1"/>
+            </a:solidFill>
+          </a:ln>
+          <a:effectLst/>
+        </p:spPr>
+        <p:style>
+          <a:lnRef idx="2">
+            <a:schemeClr val="dk1"/>
+          </a:lnRef>
+          <a:fillRef idx="1">
+            <a:schemeClr val="lt1"/>
+          </a:fillRef>
+          <a:effectRef idx="0">
+            <a:schemeClr val="dk1"/>
+          </a:effectRef>
+          <a:fontRef idx="minor">
+            <a:schemeClr val="dk1"/>
+          </a:fontRef>
+        </p:style>
+        <p:txBody>
+          <a:bodyPr wrap="square" lIns="36000" tIns="36000" rIns="36000" bIns="36000" rtlCol="0" anchor="ctr">
+            <a:spAutoFit/>
+          </a:bodyPr>
+          <a:lstStyle/>
+          <a:p>
+            <a:pPr algn="ctr"/>
+            <a:r>
+              <a:rPr lang="en-GB" sz="1200" b="1" dirty="0">
+                <a:solidFill>
+                  <a:schemeClr val="tx1"/>
+                </a:solidFill>
+                <a:latin typeface="Source Sans Pro" panose="020B0503030403020204" pitchFamily="34" charset="0"/>
+                <a:ea typeface="Source Sans Pro" panose="020B0503030403020204" pitchFamily="34" charset="0"/>
+              </a:rPr>
+              <a:t>Smart Memory Manager</a:t>
+            </a:r>
+          </a:p>
+          <a:p>
+            <a:r>
+              <a:rPr lang="en-US" sz="1000" dirty="0">
+                <a:solidFill>
+                  <a:schemeClr val="tx1"/>
+                </a:solidFill>
+                <a:latin typeface="Source Sans Pro" panose="020B0503030403020204" pitchFamily="34" charset="0"/>
+                <a:ea typeface="Source Sans Pro" panose="020B0503030403020204" pitchFamily="34" charset="0"/>
+              </a:rPr>
+              <a:t>• Memory Allocator</a:t>
+            </a:r>
+          </a:p>
+          <a:p>
+            <a:r>
+              <a:rPr lang="en-US" sz="1000" dirty="0">
+                <a:solidFill>
+                  <a:schemeClr val="tx1"/>
+                </a:solidFill>
+                <a:latin typeface="Source Sans Pro" panose="020B0503030403020204" pitchFamily="34" charset="0"/>
+                <a:ea typeface="Source Sans Pro" panose="020B0503030403020204" pitchFamily="34" charset="0"/>
+              </a:rPr>
+              <a:t>• Garbage Collector</a:t>
+            </a:r>
+          </a:p>
+          <a:p>
+            <a:r>
+              <a:rPr lang="en-US" sz="1000" dirty="0">
+                <a:solidFill>
+                  <a:schemeClr val="tx1"/>
+                </a:solidFill>
+                <a:latin typeface="Source Sans Pro" panose="020B0503030403020204" pitchFamily="34" charset="0"/>
+                <a:ea typeface="Source Sans Pro" panose="020B0503030403020204" pitchFamily="34" charset="0"/>
+              </a:rPr>
+              <a:t>• Check Heap Overflow</a:t>
+            </a:r>
+          </a:p>
+        </p:txBody>
+      </p:sp>
+      <p:sp>
+        <p:nvSpPr>
+          <p:cNvPr id="6" name="Rounded Rectangle 64">
+            <a:extLst>
+              <a:ext uri="{FF2B5EF4-FFF2-40B4-BE49-F238E27FC236}">
+                <a16:creationId xmlns:a16="http://schemas.microsoft.com/office/drawing/2014/main" id="{4AF867AA-025B-3C16-FE63-345D39D2DB8D}"/>
+              </a:ext>
+            </a:extLst>
+          </p:cNvPr>
+          <p:cNvSpPr/>
+          <p:nvPr/>
+        </p:nvSpPr>
+        <p:spPr>
+          <a:xfrm>
+            <a:off x="4356148" y="5242237"/>
+            <a:ext cx="1301702" cy="759600"/>
+          </a:xfrm>
+          <a:prstGeom prst="roundRect">
+            <a:avLst>
+              <a:gd name="adj" fmla="val 13402"/>
             </a:avLst>
           </a:prstGeom>
           <a:solidFill>
@@ -8434,6 +9702,749 @@
           </a:solidFill>
           <a:ln w="12700">
             <a:noFill/>
+          </a:ln>
+          <a:effectLst/>
+        </p:spPr>
+        <p:style>
+          <a:lnRef idx="2">
+            <a:schemeClr val="dk1"/>
+          </a:lnRef>
+          <a:fillRef idx="1">
+            <a:schemeClr val="lt1"/>
+          </a:fillRef>
+          <a:effectRef idx="0">
+            <a:schemeClr val="dk1"/>
+          </a:effectRef>
+          <a:fontRef idx="minor">
+            <a:schemeClr val="dk1"/>
+          </a:fontRef>
+        </p:style>
+        <p:txBody>
+          <a:bodyPr wrap="square" lIns="36000" tIns="36000" rIns="36000" bIns="36000" rtlCol="0" anchor="ctr">
+            <a:noAutofit/>
+          </a:bodyPr>
+          <a:lstStyle/>
+          <a:p>
+            <a:pPr algn="ctr"/>
+            <a:r>
+              <a:rPr lang="en-GB" sz="1200" b="1" dirty="0">
+                <a:solidFill>
+                  <a:schemeClr val="tx1"/>
+                </a:solidFill>
+                <a:latin typeface="Source Sans Pro" panose="020B0503030403020204" pitchFamily="34" charset="0"/>
+                <a:ea typeface="Source Sans Pro" panose="020B0503030403020204" pitchFamily="34" charset="0"/>
+              </a:rPr>
+              <a:t>Managed</a:t>
+            </a:r>
+          </a:p>
+          <a:p>
+            <a:pPr algn="ctr"/>
+            <a:r>
+              <a:rPr lang="en-GB" sz="1200" b="1" dirty="0">
+                <a:solidFill>
+                  <a:schemeClr val="tx1"/>
+                </a:solidFill>
+                <a:latin typeface="Source Sans Pro" panose="020B0503030403020204" pitchFamily="34" charset="0"/>
+                <a:ea typeface="Source Sans Pro" panose="020B0503030403020204" pitchFamily="34" charset="0"/>
+              </a:rPr>
+              <a:t>Objects</a:t>
+            </a:r>
+          </a:p>
+          <a:p>
+            <a:pPr algn="ctr"/>
+            <a:r>
+              <a:rPr lang="en-GB" sz="1200" b="1" dirty="0">
+                <a:solidFill>
+                  <a:schemeClr val="tx1"/>
+                </a:solidFill>
+                <a:latin typeface="Source Sans Pro" panose="020B0503030403020204" pitchFamily="34" charset="0"/>
+                <a:ea typeface="Source Sans Pro" panose="020B0503030403020204" pitchFamily="34" charset="0"/>
+              </a:rPr>
+              <a:t>Heap</a:t>
+            </a:r>
+            <a:endParaRPr lang="en-US" sz="1200" b="1" dirty="0">
+              <a:solidFill>
+                <a:schemeClr val="tx1"/>
+              </a:solidFill>
+              <a:latin typeface="Source Sans Pro" panose="020B0503030403020204" pitchFamily="34" charset="0"/>
+              <a:ea typeface="Source Sans Pro" panose="020B0503030403020204" pitchFamily="34" charset="0"/>
+            </a:endParaRPr>
+          </a:p>
+        </p:txBody>
+      </p:sp>
+    </p:spTree>
+    <p:extLst>
+      <p:ext uri="{BB962C8B-B14F-4D97-AF65-F5344CB8AC3E}">
+        <p14:creationId xmlns:p14="http://schemas.microsoft.com/office/powerpoint/2010/main" val="2691812123"/>
+      </p:ext>
+    </p:extLst>
+  </p:cSld>
+  <p:clrMapOvr>
+    <a:masterClrMapping/>
+  </p:clrMapOvr>
+</p:sld>
+</file>
+
+<file path=ppt/slides/slide2.xml><?xml version="1.0" encoding="utf-8"?>
+<p:sld xmlns:a="http://schemas.openxmlformats.org/drawingml/2006/main" xmlns:r="http://schemas.openxmlformats.org/officeDocument/2006/relationships" xmlns:p="http://schemas.openxmlformats.org/presentationml/2006/main">
+  <p:cSld>
+    <p:spTree>
+      <p:nvGrpSpPr>
+        <p:cNvPr id="1" name=""/>
+        <p:cNvGrpSpPr/>
+        <p:nvPr/>
+      </p:nvGrpSpPr>
+      <p:grpSpPr>
+        <a:xfrm>
+          <a:off x="0" y="0"/>
+          <a:ext cx="0" cy="0"/>
+          <a:chOff x="0" y="0"/>
+          <a:chExt cx="0" cy="0"/>
+        </a:xfrm>
+      </p:grpSpPr>
+      <p:sp>
+        <p:nvSpPr>
+          <p:cNvPr id="2" name="Rounded Rectangle 78">
+            <a:extLst>
+              <a:ext uri="{FF2B5EF4-FFF2-40B4-BE49-F238E27FC236}">
+                <a16:creationId xmlns:a16="http://schemas.microsoft.com/office/drawing/2014/main" id="{AB604406-3172-629D-FD5C-E5E9A34ACF9E}"/>
+              </a:ext>
+            </a:extLst>
+          </p:cNvPr>
+          <p:cNvSpPr/>
+          <p:nvPr/>
+        </p:nvSpPr>
+        <p:spPr>
+          <a:xfrm>
+            <a:off x="3984220" y="2361538"/>
+            <a:ext cx="4223560" cy="1744479"/>
+          </a:xfrm>
+          <a:prstGeom prst="roundRect">
+            <a:avLst>
+              <a:gd name="adj" fmla="val 3692"/>
+            </a:avLst>
+          </a:prstGeom>
+          <a:gradFill>
+            <a:gsLst>
+              <a:gs pos="0">
+                <a:schemeClr val="accent1"/>
+              </a:gs>
+              <a:gs pos="96000">
+                <a:schemeClr val="tx2"/>
+              </a:gs>
+            </a:gsLst>
+            <a:lin ang="5400000" scaled="0"/>
+          </a:gradFill>
+          <a:ln w="12700">
+            <a:noFill/>
+          </a:ln>
+          <a:effectLst/>
+        </p:spPr>
+        <p:style>
+          <a:lnRef idx="2">
+            <a:schemeClr val="dk1"/>
+          </a:lnRef>
+          <a:fillRef idx="1">
+            <a:schemeClr val="lt1"/>
+          </a:fillRef>
+          <a:effectRef idx="0">
+            <a:schemeClr val="dk1"/>
+          </a:effectRef>
+          <a:fontRef idx="minor">
+            <a:schemeClr val="dk1"/>
+          </a:fontRef>
+        </p:style>
+        <p:txBody>
+          <a:bodyPr rtlCol="0" anchor="ctr"/>
+          <a:lstStyle/>
+          <a:p>
+            <a:pPr algn="ctr"/>
+            <a:endParaRPr lang="en-US" sz="1600" dirty="0">
+              <a:ln w="0">
+                <a:solidFill>
+                  <a:sysClr val="windowText" lastClr="000000"/>
+                </a:solidFill>
+              </a:ln>
+              <a:solidFill>
+                <a:schemeClr val="tx1"/>
+              </a:solidFill>
+            </a:endParaRPr>
+          </a:p>
+        </p:txBody>
+      </p:sp>
+      <p:grpSp>
+        <p:nvGrpSpPr>
+          <p:cNvPr id="3" name="Group 2">
+            <a:extLst>
+              <a:ext uri="{FF2B5EF4-FFF2-40B4-BE49-F238E27FC236}">
+                <a16:creationId xmlns:a16="http://schemas.microsoft.com/office/drawing/2014/main" id="{9E55F925-0FF5-45AD-61FE-5EDFB9DAAE6D}"/>
+              </a:ext>
+            </a:extLst>
+          </p:cNvPr>
+          <p:cNvGrpSpPr/>
+          <p:nvPr/>
+        </p:nvGrpSpPr>
+        <p:grpSpPr>
+          <a:xfrm>
+            <a:off x="4092128" y="2476500"/>
+            <a:ext cx="4032160" cy="1526674"/>
+            <a:chOff x="3671477" y="4458395"/>
+            <a:chExt cx="4538543" cy="1718407"/>
+          </a:xfrm>
+        </p:grpSpPr>
+        <p:sp>
+          <p:nvSpPr>
+            <p:cNvPr id="4" name="Rounded Rectangle 59">
+              <a:extLst>
+                <a:ext uri="{FF2B5EF4-FFF2-40B4-BE49-F238E27FC236}">
+                  <a16:creationId xmlns:a16="http://schemas.microsoft.com/office/drawing/2014/main" id="{2FDBBE9A-BA27-5F3C-38C1-7439447CCC5C}"/>
+                </a:ext>
+              </a:extLst>
+            </p:cNvPr>
+            <p:cNvSpPr/>
+            <p:nvPr/>
+          </p:nvSpPr>
+          <p:spPr>
+            <a:xfrm>
+              <a:off x="3671477" y="4458395"/>
+              <a:ext cx="4538543" cy="1718407"/>
+            </a:xfrm>
+            <a:prstGeom prst="roundRect">
+              <a:avLst>
+                <a:gd name="adj" fmla="val 3692"/>
+              </a:avLst>
+            </a:prstGeom>
+            <a:solidFill>
+              <a:schemeClr val="bg1"/>
+            </a:solidFill>
+            <a:ln w="12700">
+              <a:noFill/>
+            </a:ln>
+            <a:effectLst/>
+          </p:spPr>
+          <p:style>
+            <a:lnRef idx="2">
+              <a:schemeClr val="dk1"/>
+            </a:lnRef>
+            <a:fillRef idx="1">
+              <a:schemeClr val="lt1"/>
+            </a:fillRef>
+            <a:effectRef idx="0">
+              <a:schemeClr val="dk1"/>
+            </a:effectRef>
+            <a:fontRef idx="minor">
+              <a:schemeClr val="dk1"/>
+            </a:fontRef>
+          </p:style>
+          <p:txBody>
+            <a:bodyPr wrap="square" tIns="36000" bIns="36000" rtlCol="0" anchor="ctr">
+              <a:noAutofit/>
+            </a:bodyPr>
+            <a:lstStyle/>
+            <a:p>
+              <a:pPr algn="ctr"/>
+              <a:endParaRPr lang="en-US" sz="1200" dirty="0">
+                <a:solidFill>
+                  <a:schemeClr val="bg1"/>
+                </a:solidFill>
+                <a:latin typeface="Source Sans Pro Light" charset="0"/>
+                <a:ea typeface="Source Sans Pro Light" charset="0"/>
+                <a:cs typeface="Source Sans Pro Light" charset="0"/>
+              </a:endParaRPr>
+            </a:p>
+          </p:txBody>
+        </p:sp>
+        <p:grpSp>
+          <p:nvGrpSpPr>
+            <p:cNvPr id="5" name="Group 4">
+              <a:extLst>
+                <a:ext uri="{FF2B5EF4-FFF2-40B4-BE49-F238E27FC236}">
+                  <a16:creationId xmlns:a16="http://schemas.microsoft.com/office/drawing/2014/main" id="{0C7605DB-70D0-97B3-FFE3-FFAE885C633A}"/>
+                </a:ext>
+              </a:extLst>
+            </p:cNvPr>
+            <p:cNvGrpSpPr/>
+            <p:nvPr/>
+          </p:nvGrpSpPr>
+          <p:grpSpPr>
+            <a:xfrm>
+              <a:off x="5208200" y="4534162"/>
+              <a:ext cx="1230087" cy="352081"/>
+              <a:chOff x="5208200" y="4534162"/>
+              <a:chExt cx="1230087" cy="352081"/>
+            </a:xfrm>
+          </p:grpSpPr>
+          <p:pic>
+            <p:nvPicPr>
+              <p:cNvPr id="6" name="Picture 5">
+                <a:extLst>
+                  <a:ext uri="{FF2B5EF4-FFF2-40B4-BE49-F238E27FC236}">
+                    <a16:creationId xmlns:a16="http://schemas.microsoft.com/office/drawing/2014/main" id="{907702B9-012C-A964-6C63-475D2A5344CA}"/>
+                  </a:ext>
+                </a:extLst>
+              </p:cNvPr>
+              <p:cNvPicPr>
+                <a:picLocks noChangeAspect="1"/>
+              </p:cNvPicPr>
+              <p:nvPr/>
+            </p:nvPicPr>
+            <p:blipFill>
+              <a:blip r:embed="rId2" cstate="print">
+                <a:extLst>
+                  <a:ext uri="{28A0092B-C50C-407E-A947-70E740481C1C}">
+                    <a14:useLocalDpi xmlns:a14="http://schemas.microsoft.com/office/drawing/2010/main" val="0"/>
+                  </a:ext>
+                </a:extLst>
+              </a:blip>
+              <a:stretch>
+                <a:fillRect/>
+              </a:stretch>
+            </p:blipFill>
+            <p:spPr>
+              <a:xfrm>
+                <a:off x="5537813" y="4536059"/>
+                <a:ext cx="900474" cy="350184"/>
+              </a:xfrm>
+              <a:prstGeom prst="rect">
+                <a:avLst/>
+              </a:prstGeom>
+            </p:spPr>
+          </p:pic>
+          <p:pic>
+            <p:nvPicPr>
+              <p:cNvPr id="7" name="Picture 6">
+                <a:extLst>
+                  <a:ext uri="{FF2B5EF4-FFF2-40B4-BE49-F238E27FC236}">
+                    <a16:creationId xmlns:a16="http://schemas.microsoft.com/office/drawing/2014/main" id="{E265C011-3AA6-0F33-D330-18E0B0574773}"/>
+                  </a:ext>
+                </a:extLst>
+              </p:cNvPr>
+              <p:cNvPicPr>
+                <a:picLocks noChangeAspect="1"/>
+              </p:cNvPicPr>
+              <p:nvPr/>
+            </p:nvPicPr>
+            <p:blipFill>
+              <a:blip r:embed="rId3" cstate="print">
+                <a:extLst>
+                  <a:ext uri="{28A0092B-C50C-407E-A947-70E740481C1C}">
+                    <a14:useLocalDpi xmlns:a14="http://schemas.microsoft.com/office/drawing/2010/main" val="0"/>
+                  </a:ext>
+                </a:extLst>
+              </a:blip>
+              <a:stretch>
+                <a:fillRect/>
+              </a:stretch>
+            </p:blipFill>
+            <p:spPr>
+              <a:xfrm>
+                <a:off x="5208200" y="4534162"/>
+                <a:ext cx="322073" cy="324658"/>
+              </a:xfrm>
+              <a:prstGeom prst="rect">
+                <a:avLst/>
+              </a:prstGeom>
+            </p:spPr>
+          </p:pic>
+        </p:grpSp>
+      </p:grpSp>
+      <p:sp>
+        <p:nvSpPr>
+          <p:cNvPr id="8" name="Rounded Rectangle 65">
+            <a:extLst>
+              <a:ext uri="{FF2B5EF4-FFF2-40B4-BE49-F238E27FC236}">
+                <a16:creationId xmlns:a16="http://schemas.microsoft.com/office/drawing/2014/main" id="{7C89140B-659D-645A-778E-5CF1949F6901}"/>
+              </a:ext>
+            </a:extLst>
+          </p:cNvPr>
+          <p:cNvSpPr/>
+          <p:nvPr/>
+        </p:nvSpPr>
+        <p:spPr>
+          <a:xfrm>
+            <a:off x="5838145" y="3638196"/>
+            <a:ext cx="2213301" cy="288000"/>
+          </a:xfrm>
+          <a:prstGeom prst="roundRect">
+            <a:avLst>
+              <a:gd name="adj" fmla="val 22586"/>
+            </a:avLst>
+          </a:prstGeom>
+          <a:solidFill>
+            <a:schemeClr val="bg1"/>
+          </a:solidFill>
+          <a:ln w="12700">
+            <a:solidFill>
+              <a:schemeClr val="bg2"/>
+            </a:solidFill>
+          </a:ln>
+          <a:effectLst/>
+        </p:spPr>
+        <p:style>
+          <a:lnRef idx="2">
+            <a:schemeClr val="dk1"/>
+          </a:lnRef>
+          <a:fillRef idx="1">
+            <a:schemeClr val="lt1"/>
+          </a:fillRef>
+          <a:effectRef idx="0">
+            <a:schemeClr val="dk1"/>
+          </a:effectRef>
+          <a:fontRef idx="minor">
+            <a:schemeClr val="dk1"/>
+          </a:fontRef>
+        </p:style>
+        <p:txBody>
+          <a:bodyPr wrap="square" lIns="0" tIns="36000" rIns="0" bIns="36000" rtlCol="0" anchor="ctr">
+            <a:noAutofit/>
+          </a:bodyPr>
+          <a:lstStyle/>
+          <a:p>
+            <a:pPr algn="ctr"/>
+            <a:r>
+              <a:rPr lang="en-GB" sz="1200">
+                <a:solidFill>
+                  <a:schemeClr val="accent1"/>
+                </a:solidFill>
+                <a:latin typeface="Source Sans Pro Light" charset="0"/>
+                <a:ea typeface="Source Sans Pro Light" charset="0"/>
+              </a:rPr>
+              <a:t>Automatic memory management</a:t>
+            </a:r>
+            <a:endParaRPr lang="en-US" sz="1200" dirty="0">
+              <a:solidFill>
+                <a:schemeClr val="accent1"/>
+              </a:solidFill>
+              <a:latin typeface="Source Sans Pro Light" charset="0"/>
+              <a:ea typeface="Source Sans Pro Light" charset="0"/>
+            </a:endParaRPr>
+          </a:p>
+        </p:txBody>
+      </p:sp>
+      <p:sp>
+        <p:nvSpPr>
+          <p:cNvPr id="9" name="Rounded Rectangle 66">
+            <a:extLst>
+              <a:ext uri="{FF2B5EF4-FFF2-40B4-BE49-F238E27FC236}">
+                <a16:creationId xmlns:a16="http://schemas.microsoft.com/office/drawing/2014/main" id="{C6FC0F25-BAE4-1D3B-DB9A-89060CC72A9B}"/>
+              </a:ext>
+            </a:extLst>
+          </p:cNvPr>
+          <p:cNvSpPr/>
+          <p:nvPr/>
+        </p:nvSpPr>
+        <p:spPr>
+          <a:xfrm>
+            <a:off x="6600145" y="3272900"/>
+            <a:ext cx="1451300" cy="288000"/>
+          </a:xfrm>
+          <a:prstGeom prst="roundRect">
+            <a:avLst>
+              <a:gd name="adj" fmla="val 22586"/>
+            </a:avLst>
+          </a:prstGeom>
+          <a:solidFill>
+            <a:schemeClr val="bg1"/>
+          </a:solidFill>
+          <a:ln w="12700">
+            <a:solidFill>
+              <a:schemeClr val="bg2"/>
+            </a:solidFill>
+          </a:ln>
+          <a:effectLst/>
+        </p:spPr>
+        <p:style>
+          <a:lnRef idx="2">
+            <a:schemeClr val="dk1"/>
+          </a:lnRef>
+          <a:fillRef idx="1">
+            <a:schemeClr val="lt1"/>
+          </a:fillRef>
+          <a:effectRef idx="0">
+            <a:schemeClr val="dk1"/>
+          </a:effectRef>
+          <a:fontRef idx="minor">
+            <a:schemeClr val="dk1"/>
+          </a:fontRef>
+        </p:style>
+        <p:txBody>
+          <a:bodyPr wrap="square" lIns="36000" tIns="36000" rIns="36000" bIns="36000" rtlCol="0" anchor="ctr">
+            <a:noAutofit/>
+          </a:bodyPr>
+          <a:lstStyle/>
+          <a:p>
+            <a:pPr algn="ctr"/>
+            <a:r>
+              <a:rPr lang="en-GB" sz="1200">
+                <a:solidFill>
+                  <a:schemeClr val="accent1"/>
+                </a:solidFill>
+                <a:latin typeface="Source Sans Pro Light" charset="0"/>
+                <a:ea typeface="Source Sans Pro Light" charset="0"/>
+              </a:rPr>
+              <a:t>Multi-Sandbox mode</a:t>
+            </a:r>
+            <a:endParaRPr lang="en-US" sz="1200" dirty="0">
+              <a:solidFill>
+                <a:schemeClr val="accent1"/>
+              </a:solidFill>
+              <a:latin typeface="Source Sans Pro Light" charset="0"/>
+              <a:ea typeface="Source Sans Pro Light" charset="0"/>
+            </a:endParaRPr>
+          </a:p>
+        </p:txBody>
+      </p:sp>
+      <p:sp>
+        <p:nvSpPr>
+          <p:cNvPr id="10" name="Rounded Rectangle 67">
+            <a:extLst>
+              <a:ext uri="{FF2B5EF4-FFF2-40B4-BE49-F238E27FC236}">
+                <a16:creationId xmlns:a16="http://schemas.microsoft.com/office/drawing/2014/main" id="{D0E5AAC7-BEE8-CFBD-230D-77E6B6E4DE6A}"/>
+              </a:ext>
+            </a:extLst>
+          </p:cNvPr>
+          <p:cNvSpPr/>
+          <p:nvPr/>
+        </p:nvSpPr>
+        <p:spPr>
+          <a:xfrm>
+            <a:off x="5390550" y="3272900"/>
+            <a:ext cx="1128113" cy="288000"/>
+          </a:xfrm>
+          <a:prstGeom prst="roundRect">
+            <a:avLst>
+              <a:gd name="adj" fmla="val 22586"/>
+            </a:avLst>
+          </a:prstGeom>
+          <a:solidFill>
+            <a:schemeClr val="bg1"/>
+          </a:solidFill>
+          <a:ln w="12700">
+            <a:solidFill>
+              <a:schemeClr val="bg2"/>
+            </a:solidFill>
+          </a:ln>
+          <a:effectLst/>
+        </p:spPr>
+        <p:style>
+          <a:lnRef idx="2">
+            <a:schemeClr val="dk1"/>
+          </a:lnRef>
+          <a:fillRef idx="1">
+            <a:schemeClr val="lt1"/>
+          </a:fillRef>
+          <a:effectRef idx="0">
+            <a:schemeClr val="dk1"/>
+          </a:effectRef>
+          <a:fontRef idx="minor">
+            <a:schemeClr val="dk1"/>
+          </a:fontRef>
+        </p:style>
+        <p:txBody>
+          <a:bodyPr wrap="square" lIns="36000" tIns="36000" rIns="36000" bIns="36000" rtlCol="0" anchor="ctr">
+            <a:noAutofit/>
+          </a:bodyPr>
+          <a:lstStyle/>
+          <a:p>
+            <a:pPr algn="ctr"/>
+            <a:r>
+              <a:rPr lang="en-GB" sz="1200">
+                <a:solidFill>
+                  <a:schemeClr val="accent1"/>
+                </a:solidFill>
+                <a:latin typeface="Source Sans Pro Light" charset="0"/>
+                <a:ea typeface="Source Sans Pro Light" charset="0"/>
+              </a:rPr>
+              <a:t>Processing Unit</a:t>
+            </a:r>
+            <a:endParaRPr lang="en-US" sz="1200" dirty="0">
+              <a:solidFill>
+                <a:schemeClr val="accent1"/>
+              </a:solidFill>
+              <a:latin typeface="Source Sans Pro Light" charset="0"/>
+              <a:ea typeface="Source Sans Pro Light" charset="0"/>
+            </a:endParaRPr>
+          </a:p>
+        </p:txBody>
+      </p:sp>
+      <p:sp>
+        <p:nvSpPr>
+          <p:cNvPr id="11" name="Rounded Rectangle 68">
+            <a:extLst>
+              <a:ext uri="{FF2B5EF4-FFF2-40B4-BE49-F238E27FC236}">
+                <a16:creationId xmlns:a16="http://schemas.microsoft.com/office/drawing/2014/main" id="{18235C9A-AEEF-41D0-D6C0-50D5BDC072F6}"/>
+              </a:ext>
+            </a:extLst>
+          </p:cNvPr>
+          <p:cNvSpPr/>
+          <p:nvPr/>
+        </p:nvSpPr>
+        <p:spPr>
+          <a:xfrm>
+            <a:off x="4146180" y="3638196"/>
+            <a:ext cx="1601095" cy="288000"/>
+          </a:xfrm>
+          <a:prstGeom prst="roundRect">
+            <a:avLst>
+              <a:gd name="adj" fmla="val 22586"/>
+            </a:avLst>
+          </a:prstGeom>
+          <a:solidFill>
+            <a:schemeClr val="bg1"/>
+          </a:solidFill>
+          <a:ln w="12700">
+            <a:solidFill>
+              <a:schemeClr val="bg2"/>
+            </a:solidFill>
+          </a:ln>
+          <a:effectLst/>
+        </p:spPr>
+        <p:style>
+          <a:lnRef idx="2">
+            <a:schemeClr val="dk1"/>
+          </a:lnRef>
+          <a:fillRef idx="1">
+            <a:schemeClr val="lt1"/>
+          </a:fillRef>
+          <a:effectRef idx="0">
+            <a:schemeClr val="dk1"/>
+          </a:effectRef>
+          <a:fontRef idx="minor">
+            <a:schemeClr val="dk1"/>
+          </a:fontRef>
+        </p:style>
+        <p:txBody>
+          <a:bodyPr wrap="square" lIns="36000" tIns="36000" rIns="36000" bIns="36000" rtlCol="0" anchor="ctr">
+            <a:noAutofit/>
+          </a:bodyPr>
+          <a:lstStyle/>
+          <a:p>
+            <a:pPr algn="ctr"/>
+            <a:r>
+              <a:rPr lang="en-GB" sz="1200">
+                <a:solidFill>
+                  <a:schemeClr val="accent1"/>
+                </a:solidFill>
+                <a:latin typeface="Source Sans Pro Light" charset="0"/>
+                <a:ea typeface="Source Sans Pro Light" charset="0"/>
+              </a:rPr>
+              <a:t>Exception Management</a:t>
+            </a:r>
+            <a:endParaRPr lang="en-US" sz="1200" dirty="0">
+              <a:solidFill>
+                <a:schemeClr val="accent1"/>
+              </a:solidFill>
+              <a:latin typeface="Source Sans Pro Light" charset="0"/>
+              <a:ea typeface="Source Sans Pro Light" charset="0"/>
+            </a:endParaRPr>
+          </a:p>
+        </p:txBody>
+      </p:sp>
+      <p:sp>
+        <p:nvSpPr>
+          <p:cNvPr id="12" name="Rounded Rectangle 79">
+            <a:extLst>
+              <a:ext uri="{FF2B5EF4-FFF2-40B4-BE49-F238E27FC236}">
+                <a16:creationId xmlns:a16="http://schemas.microsoft.com/office/drawing/2014/main" id="{2DEC3A71-FD61-0BE4-F3DF-C6BC8B55B700}"/>
+              </a:ext>
+            </a:extLst>
+          </p:cNvPr>
+          <p:cNvSpPr/>
+          <p:nvPr/>
+        </p:nvSpPr>
+        <p:spPr>
+          <a:xfrm>
+            <a:off x="4131265" y="3272900"/>
+            <a:ext cx="1177802" cy="288000"/>
+          </a:xfrm>
+          <a:prstGeom prst="roundRect">
+            <a:avLst>
+              <a:gd name="adj" fmla="val 22586"/>
+            </a:avLst>
+          </a:prstGeom>
+          <a:solidFill>
+            <a:schemeClr val="bg1"/>
+          </a:solidFill>
+          <a:ln w="12700">
+            <a:solidFill>
+              <a:schemeClr val="bg2"/>
+            </a:solidFill>
+          </a:ln>
+          <a:effectLst/>
+        </p:spPr>
+        <p:style>
+          <a:lnRef idx="2">
+            <a:schemeClr val="dk1"/>
+          </a:lnRef>
+          <a:fillRef idx="1">
+            <a:schemeClr val="lt1"/>
+          </a:fillRef>
+          <a:effectRef idx="0">
+            <a:schemeClr val="dk1"/>
+          </a:effectRef>
+          <a:fontRef idx="minor">
+            <a:schemeClr val="dk1"/>
+          </a:fontRef>
+        </p:style>
+        <p:txBody>
+          <a:bodyPr wrap="square" lIns="36000" tIns="36000" rIns="36000" bIns="36000" rtlCol="0" anchor="ctr">
+            <a:noAutofit/>
+          </a:bodyPr>
+          <a:lstStyle/>
+          <a:p>
+            <a:pPr algn="ctr"/>
+            <a:r>
+              <a:rPr lang="en-GB" sz="1200">
+                <a:solidFill>
+                  <a:schemeClr val="accent1"/>
+                </a:solidFill>
+                <a:latin typeface="Source Sans Pro Light" charset="0"/>
+                <a:ea typeface="Source Sans Pro Light" charset="0"/>
+              </a:rPr>
+              <a:t>Optional Loader </a:t>
+            </a:r>
+            <a:endParaRPr lang="en-US" sz="1200" dirty="0">
+              <a:solidFill>
+                <a:schemeClr val="accent1"/>
+              </a:solidFill>
+              <a:latin typeface="Source Sans Pro Light" charset="0"/>
+              <a:ea typeface="Source Sans Pro Light" charset="0"/>
+            </a:endParaRPr>
+          </a:p>
+        </p:txBody>
+      </p:sp>
+      <p:sp>
+        <p:nvSpPr>
+          <p:cNvPr id="13" name="Rounded Rectangle 93">
+            <a:extLst>
+              <a:ext uri="{FF2B5EF4-FFF2-40B4-BE49-F238E27FC236}">
+                <a16:creationId xmlns:a16="http://schemas.microsoft.com/office/drawing/2014/main" id="{3BF66C6D-218B-3420-9412-F26371774489}"/>
+              </a:ext>
+            </a:extLst>
+          </p:cNvPr>
+          <p:cNvSpPr/>
+          <p:nvPr/>
+        </p:nvSpPr>
+        <p:spPr>
+          <a:xfrm>
+            <a:off x="4131265" y="2907604"/>
+            <a:ext cx="3922789" cy="288000"/>
+          </a:xfrm>
+          <a:prstGeom prst="roundRect">
+            <a:avLst>
+              <a:gd name="adj" fmla="val 22586"/>
+            </a:avLst>
+          </a:prstGeom>
+          <a:solidFill>
+            <a:schemeClr val="tx2">
+              <a:lumMod val="20000"/>
+              <a:lumOff val="80000"/>
+            </a:schemeClr>
+          </a:solidFill>
+          <a:ln w="12700">
+            <a:solidFill>
+              <a:schemeClr val="bg2"/>
+            </a:solidFill>
           </a:ln>
           <a:effectLst/>
         </p:spPr>
@@ -8453,1390 +10464,35 @@
         </p:style>
         <p:txBody>
           <a:bodyPr wrap="square" tIns="36000" bIns="36000" rtlCol="0" anchor="ctr">
-            <a:spAutoFit/>
+            <a:noAutofit/>
           </a:bodyPr>
           <a:lstStyle/>
           <a:p>
             <a:pPr algn="ctr"/>
             <a:r>
-              <a:rPr lang="en-GB" sz="1200" b="1" dirty="0">
+              <a:rPr lang="en-GB" sz="1200" dirty="0">
                 <a:solidFill>
-                  <a:schemeClr val="tx1"/>
+                  <a:schemeClr val="accent1"/>
                 </a:solidFill>
                 <a:latin typeface="Source Sans Pro Light" charset="0"/>
                 <a:ea typeface="Source Sans Pro Light" charset="0"/>
               </a:rPr>
-              <a:t>Core Dump</a:t>
-            </a:r>
+              <a:t>Multi-Threading</a:t>
+            </a:r>
+            <a:endParaRPr lang="en-US" sz="1200" dirty="0">
+              <a:solidFill>
+                <a:schemeClr val="accent1"/>
+              </a:solidFill>
+              <a:latin typeface="Source Sans Pro Light" charset="0"/>
+              <a:ea typeface="Source Sans Pro Light" charset="0"/>
+            </a:endParaRPr>
           </a:p>
         </p:txBody>
       </p:sp>
-      <p:cxnSp>
-        <p:nvCxnSpPr>
-          <p:cNvPr id="37" name="Straight Arrow Connector 36">
-            <a:extLst>
-              <a:ext uri="{FF2B5EF4-FFF2-40B4-BE49-F238E27FC236}">
-                <a16:creationId xmlns:a16="http://schemas.microsoft.com/office/drawing/2014/main" id="{1CF22CDA-2746-3DCF-6EEB-355E68A95278}"/>
-              </a:ext>
-            </a:extLst>
-          </p:cNvPr>
-          <p:cNvCxnSpPr>
-            <a:cxnSpLocks/>
-          </p:cNvCxnSpPr>
-          <p:nvPr/>
-        </p:nvCxnSpPr>
-        <p:spPr>
-          <a:xfrm>
-            <a:off x="10481094" y="3084788"/>
-            <a:ext cx="423257" cy="0"/>
-          </a:xfrm>
-          <a:prstGeom prst="straightConnector1">
-            <a:avLst/>
-          </a:prstGeom>
-          <a:ln>
-            <a:headEnd type="triangle"/>
-            <a:tailEnd type="triangle"/>
-          </a:ln>
-        </p:spPr>
-        <p:style>
-          <a:lnRef idx="3">
-            <a:schemeClr val="dk1"/>
-          </a:lnRef>
-          <a:fillRef idx="0">
-            <a:schemeClr val="dk1"/>
-          </a:fillRef>
-          <a:effectRef idx="2">
-            <a:schemeClr val="dk1"/>
-          </a:effectRef>
-          <a:fontRef idx="minor">
-            <a:schemeClr val="tx1"/>
-          </a:fontRef>
-        </p:style>
-      </p:cxnSp>
-      <p:sp>
-        <p:nvSpPr>
-          <p:cNvPr id="38" name="Rounded Rectangle 64">
-            <a:extLst>
-              <a:ext uri="{FF2B5EF4-FFF2-40B4-BE49-F238E27FC236}">
-                <a16:creationId xmlns:a16="http://schemas.microsoft.com/office/drawing/2014/main" id="{D6849B4F-6845-AE63-936B-7343174342B8}"/>
-              </a:ext>
-            </a:extLst>
-          </p:cNvPr>
-          <p:cNvSpPr/>
-          <p:nvPr/>
-        </p:nvSpPr>
-        <p:spPr>
-          <a:xfrm>
-            <a:off x="11103808" y="2717351"/>
-            <a:ext cx="1930807" cy="294705"/>
-          </a:xfrm>
-          <a:prstGeom prst="roundRect">
-            <a:avLst>
-              <a:gd name="adj" fmla="val 22586"/>
-            </a:avLst>
-          </a:prstGeom>
-          <a:solidFill>
-            <a:schemeClr val="bg1"/>
-          </a:solidFill>
-          <a:ln w="12700">
-            <a:noFill/>
-          </a:ln>
-          <a:effectLst/>
-        </p:spPr>
-        <p:style>
-          <a:lnRef idx="2">
-            <a:schemeClr val="dk1"/>
-          </a:lnRef>
-          <a:fillRef idx="1">
-            <a:schemeClr val="lt1"/>
-          </a:fillRef>
-          <a:effectRef idx="0">
-            <a:schemeClr val="dk1"/>
-          </a:effectRef>
-          <a:fontRef idx="minor">
-            <a:schemeClr val="dk1"/>
-          </a:fontRef>
-        </p:style>
-        <p:txBody>
-          <a:bodyPr wrap="square" tIns="36000" bIns="36000" rtlCol="0" anchor="ctr">
-            <a:spAutoFit/>
-          </a:bodyPr>
-          <a:lstStyle/>
-          <a:p>
-            <a:pPr algn="ctr"/>
-            <a:r>
-              <a:rPr lang="en-GB" sz="1200" b="1" dirty="0">
-                <a:solidFill>
-                  <a:schemeClr val="tx1"/>
-                </a:solidFill>
-                <a:latin typeface="Source Sans Pro Light" charset="0"/>
-                <a:ea typeface="Source Sans Pro Light" charset="0"/>
-              </a:rPr>
-              <a:t>Heap Dump</a:t>
-            </a:r>
-          </a:p>
-        </p:txBody>
-      </p:sp>
-      <p:cxnSp>
-        <p:nvCxnSpPr>
-          <p:cNvPr id="40" name="Straight Arrow Connector 39">
-            <a:extLst>
-              <a:ext uri="{FF2B5EF4-FFF2-40B4-BE49-F238E27FC236}">
-                <a16:creationId xmlns:a16="http://schemas.microsoft.com/office/drawing/2014/main" id="{AB268351-6F52-0BCF-AD6A-46BF3B899BDA}"/>
-              </a:ext>
-            </a:extLst>
-          </p:cNvPr>
-          <p:cNvCxnSpPr>
-            <a:cxnSpLocks/>
-            <a:stCxn id="17" idx="2"/>
-          </p:cNvCxnSpPr>
-          <p:nvPr/>
-        </p:nvCxnSpPr>
-        <p:spPr>
-          <a:xfrm flipH="1">
-            <a:off x="9241713" y="1234583"/>
-            <a:ext cx="1" cy="628945"/>
-          </a:xfrm>
-          <a:prstGeom prst="straightConnector1">
-            <a:avLst/>
-          </a:prstGeom>
-          <a:ln>
-            <a:headEnd type="triangle"/>
-            <a:tailEnd type="triangle"/>
-          </a:ln>
-        </p:spPr>
-        <p:style>
-          <a:lnRef idx="3">
-            <a:schemeClr val="dk1"/>
-          </a:lnRef>
-          <a:fillRef idx="0">
-            <a:schemeClr val="dk1"/>
-          </a:fillRef>
-          <a:effectRef idx="2">
-            <a:schemeClr val="dk1"/>
-          </a:effectRef>
-          <a:fontRef idx="minor">
-            <a:schemeClr val="tx1"/>
-          </a:fontRef>
-        </p:style>
-      </p:cxnSp>
-      <p:cxnSp>
-        <p:nvCxnSpPr>
-          <p:cNvPr id="44" name="Straight Arrow Connector 43">
-            <a:extLst>
-              <a:ext uri="{FF2B5EF4-FFF2-40B4-BE49-F238E27FC236}">
-                <a16:creationId xmlns:a16="http://schemas.microsoft.com/office/drawing/2014/main" id="{8F7229A0-C7F9-115A-2BB7-935B67E8863E}"/>
-              </a:ext>
-            </a:extLst>
-          </p:cNvPr>
-          <p:cNvCxnSpPr>
-            <a:cxnSpLocks/>
-          </p:cNvCxnSpPr>
-          <p:nvPr/>
-        </p:nvCxnSpPr>
-        <p:spPr>
-          <a:xfrm flipV="1">
-            <a:off x="5373609" y="3084788"/>
-            <a:ext cx="541626" cy="3835"/>
-          </a:xfrm>
-          <a:prstGeom prst="straightConnector1">
-            <a:avLst/>
-          </a:prstGeom>
-          <a:ln>
-            <a:headEnd type="triangle"/>
-            <a:tailEnd type="triangle"/>
-          </a:ln>
-        </p:spPr>
-        <p:style>
-          <a:lnRef idx="3">
-            <a:schemeClr val="dk1"/>
-          </a:lnRef>
-          <a:fillRef idx="0">
-            <a:schemeClr val="dk1"/>
-          </a:fillRef>
-          <a:effectRef idx="2">
-            <a:schemeClr val="dk1"/>
-          </a:effectRef>
-          <a:fontRef idx="minor">
-            <a:schemeClr val="tx1"/>
-          </a:fontRef>
-        </p:style>
-      </p:cxnSp>
-      <p:cxnSp>
-        <p:nvCxnSpPr>
-          <p:cNvPr id="55" name="Straight Arrow Connector 54">
-            <a:extLst>
-              <a:ext uri="{FF2B5EF4-FFF2-40B4-BE49-F238E27FC236}">
-                <a16:creationId xmlns:a16="http://schemas.microsoft.com/office/drawing/2014/main" id="{89069ED9-44C0-77A1-386A-774F5D17A180}"/>
-              </a:ext>
-            </a:extLst>
-          </p:cNvPr>
-          <p:cNvCxnSpPr>
-            <a:cxnSpLocks/>
-            <a:endCxn id="8" idx="0"/>
-          </p:cNvCxnSpPr>
-          <p:nvPr/>
-        </p:nvCxnSpPr>
-        <p:spPr>
-          <a:xfrm>
-            <a:off x="6928505" y="1740609"/>
-            <a:ext cx="1" cy="553969"/>
-          </a:xfrm>
-          <a:prstGeom prst="straightConnector1">
-            <a:avLst/>
-          </a:prstGeom>
-          <a:ln>
-            <a:headEnd type="triangle"/>
-            <a:tailEnd type="triangle"/>
-          </a:ln>
-        </p:spPr>
-        <p:style>
-          <a:lnRef idx="3">
-            <a:schemeClr val="dk1"/>
-          </a:lnRef>
-          <a:fillRef idx="0">
-            <a:schemeClr val="dk1"/>
-          </a:fillRef>
-          <a:effectRef idx="2">
-            <a:schemeClr val="dk1"/>
-          </a:effectRef>
-          <a:fontRef idx="minor">
-            <a:schemeClr val="tx1"/>
-          </a:fontRef>
-        </p:style>
-      </p:cxnSp>
-      <p:cxnSp>
-        <p:nvCxnSpPr>
-          <p:cNvPr id="59" name="Straight Arrow Connector 58">
-            <a:extLst>
-              <a:ext uri="{FF2B5EF4-FFF2-40B4-BE49-F238E27FC236}">
-                <a16:creationId xmlns:a16="http://schemas.microsoft.com/office/drawing/2014/main" id="{5813FC14-5D7C-EF51-8B0F-62CBD4ABFB80}"/>
-              </a:ext>
-            </a:extLst>
-          </p:cNvPr>
-          <p:cNvCxnSpPr>
-            <a:cxnSpLocks/>
-          </p:cNvCxnSpPr>
-          <p:nvPr/>
-        </p:nvCxnSpPr>
-        <p:spPr>
-          <a:xfrm flipH="1">
-            <a:off x="6928505" y="3411997"/>
-            <a:ext cx="7631" cy="385063"/>
-          </a:xfrm>
-          <a:prstGeom prst="straightConnector1">
-            <a:avLst/>
-          </a:prstGeom>
-          <a:ln>
-            <a:headEnd type="triangle"/>
-            <a:tailEnd type="triangle"/>
-          </a:ln>
-        </p:spPr>
-        <p:style>
-          <a:lnRef idx="3">
-            <a:schemeClr val="dk1"/>
-          </a:lnRef>
-          <a:fillRef idx="0">
-            <a:schemeClr val="dk1"/>
-          </a:fillRef>
-          <a:effectRef idx="2">
-            <a:schemeClr val="dk1"/>
-          </a:effectRef>
-          <a:fontRef idx="minor">
-            <a:schemeClr val="tx1"/>
-          </a:fontRef>
-        </p:style>
-      </p:cxnSp>
-      <p:cxnSp>
-        <p:nvCxnSpPr>
-          <p:cNvPr id="60" name="Straight Arrow Connector 59">
-            <a:extLst>
-              <a:ext uri="{FF2B5EF4-FFF2-40B4-BE49-F238E27FC236}">
-                <a16:creationId xmlns:a16="http://schemas.microsoft.com/office/drawing/2014/main" id="{2BDFEF4C-5277-C4EA-3025-C9303E96BE26}"/>
-              </a:ext>
-            </a:extLst>
-          </p:cNvPr>
-          <p:cNvCxnSpPr>
-            <a:cxnSpLocks/>
-          </p:cNvCxnSpPr>
-          <p:nvPr/>
-        </p:nvCxnSpPr>
-        <p:spPr>
-          <a:xfrm>
-            <a:off x="4682107" y="1470049"/>
-            <a:ext cx="0" cy="402730"/>
-          </a:xfrm>
-          <a:prstGeom prst="straightConnector1">
-            <a:avLst/>
-          </a:prstGeom>
-          <a:ln>
-            <a:headEnd type="triangle"/>
-            <a:tailEnd type="triangle"/>
-          </a:ln>
-        </p:spPr>
-        <p:style>
-          <a:lnRef idx="3">
-            <a:schemeClr val="dk1"/>
-          </a:lnRef>
-          <a:fillRef idx="0">
-            <a:schemeClr val="dk1"/>
-          </a:fillRef>
-          <a:effectRef idx="2">
-            <a:schemeClr val="dk1"/>
-          </a:effectRef>
-          <a:fontRef idx="minor">
-            <a:schemeClr val="tx1"/>
-          </a:fontRef>
-        </p:style>
-      </p:cxnSp>
-      <p:cxnSp>
-        <p:nvCxnSpPr>
-          <p:cNvPr id="63" name="Straight Arrow Connector 62">
-            <a:extLst>
-              <a:ext uri="{FF2B5EF4-FFF2-40B4-BE49-F238E27FC236}">
-                <a16:creationId xmlns:a16="http://schemas.microsoft.com/office/drawing/2014/main" id="{42EF6DFF-B777-C0AF-B6C4-F43B31CF25F3}"/>
-              </a:ext>
-            </a:extLst>
-          </p:cNvPr>
-          <p:cNvCxnSpPr>
-            <a:cxnSpLocks/>
-          </p:cNvCxnSpPr>
-          <p:nvPr/>
-        </p:nvCxnSpPr>
-        <p:spPr>
-          <a:xfrm>
-            <a:off x="5603352" y="2402395"/>
-            <a:ext cx="348679" cy="0"/>
-          </a:xfrm>
-          <a:prstGeom prst="straightConnector1">
-            <a:avLst/>
-          </a:prstGeom>
-          <a:ln>
-            <a:headEnd type="triangle"/>
-            <a:tailEnd type="triangle"/>
-          </a:ln>
-        </p:spPr>
-        <p:style>
-          <a:lnRef idx="3">
-            <a:schemeClr val="dk1"/>
-          </a:lnRef>
-          <a:fillRef idx="0">
-            <a:schemeClr val="dk1"/>
-          </a:fillRef>
-          <a:effectRef idx="2">
-            <a:schemeClr val="dk1"/>
-          </a:effectRef>
-          <a:fontRef idx="minor">
-            <a:schemeClr val="tx1"/>
-          </a:fontRef>
-        </p:style>
-      </p:cxnSp>
-      <p:cxnSp>
-        <p:nvCxnSpPr>
-          <p:cNvPr id="66" name="Straight Arrow Connector 65">
-            <a:extLst>
-              <a:ext uri="{FF2B5EF4-FFF2-40B4-BE49-F238E27FC236}">
-                <a16:creationId xmlns:a16="http://schemas.microsoft.com/office/drawing/2014/main" id="{4B1907AF-BD2F-4153-7F2E-35DA2AA2CE7E}"/>
-              </a:ext>
-            </a:extLst>
-          </p:cNvPr>
-          <p:cNvCxnSpPr>
-            <a:cxnSpLocks/>
-          </p:cNvCxnSpPr>
-          <p:nvPr/>
-        </p:nvCxnSpPr>
-        <p:spPr>
-          <a:xfrm>
-            <a:off x="6087430" y="4698666"/>
-            <a:ext cx="0" cy="880536"/>
-          </a:xfrm>
-          <a:prstGeom prst="straightConnector1">
-            <a:avLst/>
-          </a:prstGeom>
-          <a:ln>
-            <a:headEnd type="triangle"/>
-            <a:tailEnd type="triangle"/>
-          </a:ln>
-        </p:spPr>
-        <p:style>
-          <a:lnRef idx="3">
-            <a:schemeClr val="dk1"/>
-          </a:lnRef>
-          <a:fillRef idx="0">
-            <a:schemeClr val="dk1"/>
-          </a:fillRef>
-          <a:effectRef idx="2">
-            <a:schemeClr val="dk1"/>
-          </a:effectRef>
-          <a:fontRef idx="minor">
-            <a:schemeClr val="tx1"/>
-          </a:fontRef>
-        </p:style>
-      </p:cxnSp>
-      <p:sp>
-        <p:nvSpPr>
-          <p:cNvPr id="68" name="Rounded Rectangle 64">
-            <a:extLst>
-              <a:ext uri="{FF2B5EF4-FFF2-40B4-BE49-F238E27FC236}">
-                <a16:creationId xmlns:a16="http://schemas.microsoft.com/office/drawing/2014/main" id="{56483364-C1E8-B843-595E-C9D30810C858}"/>
-              </a:ext>
-            </a:extLst>
-          </p:cNvPr>
-          <p:cNvSpPr/>
-          <p:nvPr/>
-        </p:nvSpPr>
-        <p:spPr>
-          <a:xfrm>
-            <a:off x="8295573" y="1980261"/>
-            <a:ext cx="2152486" cy="929070"/>
-          </a:xfrm>
-          <a:prstGeom prst="roundRect">
-            <a:avLst>
-              <a:gd name="adj" fmla="val 22586"/>
-            </a:avLst>
-          </a:prstGeom>
-          <a:solidFill>
-            <a:srgbClr val="F8A331"/>
-          </a:solidFill>
-          <a:ln w="12700">
-            <a:noFill/>
-          </a:ln>
-          <a:effectLst/>
-        </p:spPr>
-        <p:style>
-          <a:lnRef idx="2">
-            <a:schemeClr val="dk1"/>
-          </a:lnRef>
-          <a:fillRef idx="1">
-            <a:schemeClr val="lt1"/>
-          </a:fillRef>
-          <a:effectRef idx="0">
-            <a:schemeClr val="dk1"/>
-          </a:effectRef>
-          <a:fontRef idx="minor">
-            <a:schemeClr val="dk1"/>
-          </a:fontRef>
-        </p:style>
-        <p:txBody>
-          <a:bodyPr wrap="square" tIns="36000" bIns="36000" rtlCol="0" anchor="ctr">
-            <a:spAutoFit/>
-          </a:bodyPr>
-          <a:lstStyle/>
-          <a:p>
-            <a:pPr algn="ctr"/>
-            <a:r>
-              <a:rPr lang="en-GB" sz="1200" b="1" dirty="0">
-                <a:solidFill>
-                  <a:schemeClr val="tx1"/>
-                </a:solidFill>
-                <a:latin typeface="Source Sans Pro Light" charset="0"/>
-                <a:ea typeface="Source Sans Pro Light" charset="0"/>
-              </a:rPr>
-              <a:t>Native Interface</a:t>
-            </a:r>
-          </a:p>
-          <a:p>
-            <a:pPr marL="171450" indent="-171450">
-              <a:buFont typeface="Arial" panose="020B0604020202020204" pitchFamily="34" charset="0"/>
-              <a:buChar char="•"/>
-            </a:pPr>
-            <a:r>
-              <a:rPr lang="en-US" sz="1200" b="1" dirty="0">
-                <a:solidFill>
-                  <a:schemeClr val="bg1"/>
-                </a:solidFill>
-                <a:latin typeface="Source Sans Pro Light" charset="0"/>
-                <a:ea typeface="Source Sans Pro Light" charset="0"/>
-              </a:rPr>
-              <a:t>Procedure Call Standard ABI</a:t>
-            </a:r>
-          </a:p>
-          <a:p>
-            <a:pPr marL="171450" indent="-171450">
-              <a:buFont typeface="Arial" panose="020B0604020202020204" pitchFamily="34" charset="0"/>
-              <a:buChar char="•"/>
-            </a:pPr>
-            <a:r>
-              <a:rPr lang="en-US" sz="1200" b="1" dirty="0">
-                <a:solidFill>
-                  <a:schemeClr val="bg1"/>
-                </a:solidFill>
-                <a:latin typeface="Source Sans Pro Light" charset="0"/>
-                <a:ea typeface="Source Sans Pro Light" charset="0"/>
-              </a:rPr>
-              <a:t>Native Resources Manager</a:t>
-            </a:r>
-          </a:p>
-        </p:txBody>
-      </p:sp>
-      <p:cxnSp>
-        <p:nvCxnSpPr>
-          <p:cNvPr id="70" name="Straight Arrow Connector 69">
-            <a:extLst>
-              <a:ext uri="{FF2B5EF4-FFF2-40B4-BE49-F238E27FC236}">
-                <a16:creationId xmlns:a16="http://schemas.microsoft.com/office/drawing/2014/main" id="{6498248E-11AE-6622-EF58-2B2AD5DAB2C4}"/>
-              </a:ext>
-            </a:extLst>
-          </p:cNvPr>
-          <p:cNvCxnSpPr>
-            <a:cxnSpLocks/>
-          </p:cNvCxnSpPr>
-          <p:nvPr/>
-        </p:nvCxnSpPr>
-        <p:spPr>
-          <a:xfrm>
-            <a:off x="7946894" y="2402395"/>
-            <a:ext cx="348679" cy="0"/>
-          </a:xfrm>
-          <a:prstGeom prst="straightConnector1">
-            <a:avLst/>
-          </a:prstGeom>
-          <a:ln>
-            <a:headEnd type="triangle"/>
-            <a:tailEnd type="triangle"/>
-          </a:ln>
-        </p:spPr>
-        <p:style>
-          <a:lnRef idx="3">
-            <a:schemeClr val="dk1"/>
-          </a:lnRef>
-          <a:fillRef idx="0">
-            <a:schemeClr val="dk1"/>
-          </a:fillRef>
-          <a:effectRef idx="2">
-            <a:schemeClr val="dk1"/>
-          </a:effectRef>
-          <a:fontRef idx="minor">
-            <a:schemeClr val="tx1"/>
-          </a:fontRef>
-        </p:style>
-      </p:cxnSp>
-      <p:sp>
-        <p:nvSpPr>
-          <p:cNvPr id="71" name="Rounded Rectangle 64">
-            <a:extLst>
-              <a:ext uri="{FF2B5EF4-FFF2-40B4-BE49-F238E27FC236}">
-                <a16:creationId xmlns:a16="http://schemas.microsoft.com/office/drawing/2014/main" id="{8AC6CB3F-C6A0-A87B-08B0-69119DA81759}"/>
-              </a:ext>
-            </a:extLst>
-          </p:cNvPr>
-          <p:cNvSpPr/>
-          <p:nvPr/>
-        </p:nvSpPr>
-        <p:spPr>
-          <a:xfrm>
-            <a:off x="782542" y="715827"/>
-            <a:ext cx="2341057" cy="4674063"/>
-          </a:xfrm>
-          <a:prstGeom prst="roundRect">
-            <a:avLst>
-              <a:gd name="adj" fmla="val 22586"/>
-            </a:avLst>
-          </a:prstGeom>
-          <a:solidFill>
-            <a:schemeClr val="bg2">
-              <a:lumMod val="75000"/>
-            </a:schemeClr>
-          </a:solidFill>
-          <a:ln w="12700">
-            <a:noFill/>
-          </a:ln>
-          <a:effectLst/>
-        </p:spPr>
-        <p:style>
-          <a:lnRef idx="2">
-            <a:schemeClr val="dk1"/>
-          </a:lnRef>
-          <a:fillRef idx="1">
-            <a:schemeClr val="lt1"/>
-          </a:fillRef>
-          <a:effectRef idx="0">
-            <a:schemeClr val="dk1"/>
-          </a:effectRef>
-          <a:fontRef idx="minor">
-            <a:schemeClr val="dk1"/>
-          </a:fontRef>
-        </p:style>
-        <p:txBody>
-          <a:bodyPr wrap="square" tIns="36000" bIns="36000" rtlCol="0" anchor="t">
-            <a:noAutofit/>
-          </a:bodyPr>
-          <a:lstStyle/>
-          <a:p>
-            <a:pPr algn="ctr"/>
-            <a:r>
-              <a:rPr lang="en-GB" dirty="0">
-                <a:solidFill>
-                  <a:schemeClr val="lt1"/>
-                </a:solidFill>
-              </a:rPr>
-              <a:t>Binary Interface</a:t>
-            </a:r>
-          </a:p>
-        </p:txBody>
-      </p:sp>
-      <p:cxnSp>
-        <p:nvCxnSpPr>
-          <p:cNvPr id="72" name="Straight Arrow Connector 71">
-            <a:extLst>
-              <a:ext uri="{FF2B5EF4-FFF2-40B4-BE49-F238E27FC236}">
-                <a16:creationId xmlns:a16="http://schemas.microsoft.com/office/drawing/2014/main" id="{36CCFBD3-C774-0F43-F021-C56ECEA27F74}"/>
-              </a:ext>
-            </a:extLst>
-          </p:cNvPr>
-          <p:cNvCxnSpPr>
-            <a:cxnSpLocks/>
-          </p:cNvCxnSpPr>
-          <p:nvPr/>
-        </p:nvCxnSpPr>
-        <p:spPr>
-          <a:xfrm flipH="1" flipV="1">
-            <a:off x="5326587" y="3837935"/>
-            <a:ext cx="384371" cy="243419"/>
-          </a:xfrm>
-          <a:prstGeom prst="straightConnector1">
-            <a:avLst/>
-          </a:prstGeom>
-          <a:ln>
-            <a:headEnd type="triangle"/>
-            <a:tailEnd type="triangle"/>
-          </a:ln>
-        </p:spPr>
-        <p:style>
-          <a:lnRef idx="3">
-            <a:schemeClr val="dk1"/>
-          </a:lnRef>
-          <a:fillRef idx="0">
-            <a:schemeClr val="dk1"/>
-          </a:fillRef>
-          <a:effectRef idx="2">
-            <a:schemeClr val="dk1"/>
-          </a:effectRef>
-          <a:fontRef idx="minor">
-            <a:schemeClr val="tx1"/>
-          </a:fontRef>
-        </p:style>
-      </p:cxnSp>
-      <p:cxnSp>
-        <p:nvCxnSpPr>
-          <p:cNvPr id="76" name="Straight Arrow Connector 75">
-            <a:extLst>
-              <a:ext uri="{FF2B5EF4-FFF2-40B4-BE49-F238E27FC236}">
-                <a16:creationId xmlns:a16="http://schemas.microsoft.com/office/drawing/2014/main" id="{554C6CF1-4872-F8BE-AFE1-2E4D73961058}"/>
-              </a:ext>
-            </a:extLst>
-          </p:cNvPr>
-          <p:cNvCxnSpPr>
-            <a:cxnSpLocks/>
-          </p:cNvCxnSpPr>
-          <p:nvPr/>
-        </p:nvCxnSpPr>
-        <p:spPr>
-          <a:xfrm>
-            <a:off x="7874222" y="3366716"/>
-            <a:ext cx="348679" cy="0"/>
-          </a:xfrm>
-          <a:prstGeom prst="straightConnector1">
-            <a:avLst/>
-          </a:prstGeom>
-          <a:ln>
-            <a:headEnd type="triangle"/>
-            <a:tailEnd type="triangle"/>
-          </a:ln>
-        </p:spPr>
-        <p:style>
-          <a:lnRef idx="3">
-            <a:schemeClr val="dk1"/>
-          </a:lnRef>
-          <a:fillRef idx="0">
-            <a:schemeClr val="dk1"/>
-          </a:fillRef>
-          <a:effectRef idx="2">
-            <a:schemeClr val="dk1"/>
-          </a:effectRef>
-          <a:fontRef idx="minor">
-            <a:schemeClr val="tx1"/>
-          </a:fontRef>
-        </p:style>
-      </p:cxnSp>
-      <p:sp>
-        <p:nvSpPr>
-          <p:cNvPr id="77" name="Rounded Rectangle 64">
-            <a:extLst>
-              <a:ext uri="{FF2B5EF4-FFF2-40B4-BE49-F238E27FC236}">
-                <a16:creationId xmlns:a16="http://schemas.microsoft.com/office/drawing/2014/main" id="{45E2645D-33B9-0D85-0392-51D1CA0CFD01}"/>
-              </a:ext>
-            </a:extLst>
-          </p:cNvPr>
-          <p:cNvSpPr/>
-          <p:nvPr/>
-        </p:nvSpPr>
-        <p:spPr>
-          <a:xfrm>
-            <a:off x="1010151" y="2900046"/>
-            <a:ext cx="1930807" cy="294705"/>
-          </a:xfrm>
-          <a:prstGeom prst="roundRect">
-            <a:avLst>
-              <a:gd name="adj" fmla="val 22586"/>
-            </a:avLst>
-          </a:prstGeom>
-          <a:solidFill>
-            <a:schemeClr val="bg1"/>
-          </a:solidFill>
-          <a:ln w="12700">
-            <a:noFill/>
-          </a:ln>
-          <a:effectLst/>
-        </p:spPr>
-        <p:style>
-          <a:lnRef idx="2">
-            <a:schemeClr val="dk1"/>
-          </a:lnRef>
-          <a:fillRef idx="1">
-            <a:schemeClr val="lt1"/>
-          </a:fillRef>
-          <a:effectRef idx="0">
-            <a:schemeClr val="dk1"/>
-          </a:effectRef>
-          <a:fontRef idx="minor">
-            <a:schemeClr val="dk1"/>
-          </a:fontRef>
-        </p:style>
-        <p:txBody>
-          <a:bodyPr wrap="square" tIns="36000" bIns="36000" rtlCol="0" anchor="ctr">
-            <a:spAutoFit/>
-          </a:bodyPr>
-          <a:lstStyle/>
-          <a:p>
-            <a:pPr algn="ctr"/>
-            <a:r>
-              <a:rPr lang="en-GB" sz="1200" b="1" dirty="0">
-                <a:solidFill>
-                  <a:schemeClr val="tx1"/>
-                </a:solidFill>
-                <a:latin typeface="Source Sans Pro Light" charset="0"/>
-                <a:ea typeface="Source Sans Pro Light" charset="0"/>
-              </a:rPr>
-              <a:t>ELF Linker</a:t>
-            </a:r>
-          </a:p>
-        </p:txBody>
-      </p:sp>
-      <p:sp>
-        <p:nvSpPr>
-          <p:cNvPr id="78" name="Rounded Rectangle 64">
-            <a:extLst>
-              <a:ext uri="{FF2B5EF4-FFF2-40B4-BE49-F238E27FC236}">
-                <a16:creationId xmlns:a16="http://schemas.microsoft.com/office/drawing/2014/main" id="{3422D5FB-91AE-B40A-DF66-D10558980AD5}"/>
-              </a:ext>
-            </a:extLst>
-          </p:cNvPr>
-          <p:cNvSpPr/>
-          <p:nvPr/>
-        </p:nvSpPr>
-        <p:spPr>
-          <a:xfrm>
-            <a:off x="987666" y="3474891"/>
-            <a:ext cx="1930807" cy="294705"/>
-          </a:xfrm>
-          <a:prstGeom prst="roundRect">
-            <a:avLst>
-              <a:gd name="adj" fmla="val 22586"/>
-            </a:avLst>
-          </a:prstGeom>
-          <a:solidFill>
-            <a:schemeClr val="bg1"/>
-          </a:solidFill>
-          <a:ln w="12700">
-            <a:noFill/>
-          </a:ln>
-          <a:effectLst/>
-        </p:spPr>
-        <p:style>
-          <a:lnRef idx="2">
-            <a:schemeClr val="dk1"/>
-          </a:lnRef>
-          <a:fillRef idx="1">
-            <a:schemeClr val="lt1"/>
-          </a:fillRef>
-          <a:effectRef idx="0">
-            <a:schemeClr val="dk1"/>
-          </a:effectRef>
-          <a:fontRef idx="minor">
-            <a:schemeClr val="dk1"/>
-          </a:fontRef>
-        </p:style>
-        <p:txBody>
-          <a:bodyPr wrap="square" tIns="36000" bIns="36000" rtlCol="0" anchor="ctr">
-            <a:spAutoFit/>
-          </a:bodyPr>
-          <a:lstStyle/>
-          <a:p>
-            <a:pPr algn="ctr"/>
-            <a:r>
-              <a:rPr lang="en-GB" sz="1200" b="1" dirty="0">
-                <a:solidFill>
-                  <a:schemeClr val="tx1"/>
-                </a:solidFill>
-                <a:latin typeface="Source Sans Pro Light" charset="0"/>
-                <a:ea typeface="Source Sans Pro Light" charset="0"/>
-              </a:rPr>
-              <a:t>Few </a:t>
-            </a:r>
-            <a:r>
-              <a:rPr lang="en-GB" sz="1200" b="1" dirty="0" err="1">
-                <a:solidFill>
-                  <a:schemeClr val="tx1"/>
-                </a:solidFill>
-                <a:latin typeface="Source Sans Pro Light" charset="0"/>
-                <a:ea typeface="Source Sans Pro Light" charset="0"/>
-              </a:rPr>
-              <a:t>Libc</a:t>
-            </a:r>
-            <a:r>
-              <a:rPr lang="en-GB" sz="1200" b="1" dirty="0">
-                <a:solidFill>
-                  <a:schemeClr val="tx1"/>
-                </a:solidFill>
-                <a:latin typeface="Source Sans Pro Light" charset="0"/>
-                <a:ea typeface="Source Sans Pro Light" charset="0"/>
-              </a:rPr>
-              <a:t> Dependencies</a:t>
-            </a:r>
-          </a:p>
-        </p:txBody>
-      </p:sp>
-      <p:sp>
-        <p:nvSpPr>
-          <p:cNvPr id="79" name="Rounded Rectangle 64">
-            <a:extLst>
-              <a:ext uri="{FF2B5EF4-FFF2-40B4-BE49-F238E27FC236}">
-                <a16:creationId xmlns:a16="http://schemas.microsoft.com/office/drawing/2014/main" id="{D8803EF8-9F7A-0910-5344-A4306B4BBD6E}"/>
-              </a:ext>
-            </a:extLst>
-          </p:cNvPr>
-          <p:cNvSpPr/>
-          <p:nvPr/>
-        </p:nvSpPr>
-        <p:spPr>
-          <a:xfrm>
-            <a:off x="860629" y="1963921"/>
-            <a:ext cx="2137192" cy="506160"/>
-          </a:xfrm>
-          <a:prstGeom prst="roundRect">
-            <a:avLst>
-              <a:gd name="adj" fmla="val 22586"/>
-            </a:avLst>
-          </a:prstGeom>
-          <a:solidFill>
-            <a:schemeClr val="bg1"/>
-          </a:solidFill>
-          <a:ln w="12700">
-            <a:noFill/>
-          </a:ln>
-          <a:effectLst/>
-        </p:spPr>
-        <p:style>
-          <a:lnRef idx="2">
-            <a:schemeClr val="dk1"/>
-          </a:lnRef>
-          <a:fillRef idx="1">
-            <a:schemeClr val="lt1"/>
-          </a:fillRef>
-          <a:effectRef idx="0">
-            <a:schemeClr val="dk1"/>
-          </a:effectRef>
-          <a:fontRef idx="minor">
-            <a:schemeClr val="dk1"/>
-          </a:fontRef>
-        </p:style>
-        <p:txBody>
-          <a:bodyPr wrap="square" tIns="36000" bIns="36000" rtlCol="0" anchor="ctr">
-            <a:spAutoFit/>
-          </a:bodyPr>
-          <a:lstStyle/>
-          <a:p>
-            <a:pPr marL="171450" indent="-171450">
-              <a:buFont typeface="Arial" panose="020B0604020202020204" pitchFamily="34" charset="0"/>
-              <a:buChar char="•"/>
-            </a:pPr>
-            <a:r>
-              <a:rPr lang="en-GB" sz="1200" b="1" dirty="0">
-                <a:solidFill>
-                  <a:schemeClr val="tx1"/>
-                </a:solidFill>
-                <a:latin typeface="Source Sans Pro Light" charset="0"/>
-                <a:ea typeface="Source Sans Pro Light" charset="0"/>
-              </a:rPr>
-              <a:t>Software or Interrupt Timer</a:t>
-            </a:r>
-          </a:p>
-          <a:p>
-            <a:pPr marL="171450" indent="-171450">
-              <a:buFont typeface="Arial" panose="020B0604020202020204" pitchFamily="34" charset="0"/>
-              <a:buChar char="•"/>
-            </a:pPr>
-            <a:r>
-              <a:rPr lang="en-GB" sz="1200" b="1" dirty="0">
-                <a:solidFill>
-                  <a:schemeClr val="tx1"/>
-                </a:solidFill>
-                <a:latin typeface="Source Sans Pro Light" charset="0"/>
-                <a:ea typeface="Source Sans Pro Light" charset="0"/>
-              </a:rPr>
-              <a:t>Application Time</a:t>
-            </a:r>
-          </a:p>
-        </p:txBody>
-      </p:sp>
-      <p:sp>
-        <p:nvSpPr>
-          <p:cNvPr id="80" name="Rounded Rectangle 64">
-            <a:extLst>
-              <a:ext uri="{FF2B5EF4-FFF2-40B4-BE49-F238E27FC236}">
-                <a16:creationId xmlns:a16="http://schemas.microsoft.com/office/drawing/2014/main" id="{3C10BB01-7A20-3069-C450-A084CE89E5BD}"/>
-              </a:ext>
-            </a:extLst>
-          </p:cNvPr>
-          <p:cNvSpPr/>
-          <p:nvPr/>
-        </p:nvSpPr>
-        <p:spPr>
-          <a:xfrm>
-            <a:off x="922105" y="3973475"/>
-            <a:ext cx="2048383" cy="506160"/>
-          </a:xfrm>
-          <a:prstGeom prst="roundRect">
-            <a:avLst>
-              <a:gd name="adj" fmla="val 22586"/>
-            </a:avLst>
-          </a:prstGeom>
-          <a:solidFill>
-            <a:schemeClr val="bg1"/>
-          </a:solidFill>
-          <a:ln w="12700">
-            <a:noFill/>
-          </a:ln>
-          <a:effectLst/>
-        </p:spPr>
-        <p:style>
-          <a:lnRef idx="2">
-            <a:schemeClr val="dk1"/>
-          </a:lnRef>
-          <a:fillRef idx="1">
-            <a:schemeClr val="lt1"/>
-          </a:fillRef>
-          <a:effectRef idx="0">
-            <a:schemeClr val="dk1"/>
-          </a:effectRef>
-          <a:fontRef idx="minor">
-            <a:schemeClr val="dk1"/>
-          </a:fontRef>
-        </p:style>
-        <p:txBody>
-          <a:bodyPr wrap="square" tIns="36000" bIns="36000" rtlCol="0" anchor="ctr">
-            <a:spAutoFit/>
-          </a:bodyPr>
-          <a:lstStyle/>
-          <a:p>
-            <a:pPr algn="ctr"/>
-            <a:r>
-              <a:rPr lang="en-GB" sz="1200" b="1" dirty="0" err="1">
-                <a:solidFill>
-                  <a:schemeClr val="tx1"/>
-                </a:solidFill>
-                <a:latin typeface="Source Sans Pro Light" charset="0"/>
-                <a:ea typeface="Source Sans Pro Light" charset="0"/>
-              </a:rPr>
-              <a:t>Stdout</a:t>
-            </a:r>
-            <a:r>
-              <a:rPr lang="en-GB" sz="1200" b="1" dirty="0">
-                <a:solidFill>
-                  <a:schemeClr val="tx1"/>
-                </a:solidFill>
-                <a:latin typeface="Source Sans Pro Light" charset="0"/>
-                <a:ea typeface="Source Sans Pro Light" charset="0"/>
-              </a:rPr>
-              <a:t> Character Print (_</a:t>
-            </a:r>
-            <a:r>
-              <a:rPr lang="en-GB" sz="1200" b="1" dirty="0" err="1">
-                <a:solidFill>
-                  <a:schemeClr val="tx1"/>
-                </a:solidFill>
-                <a:latin typeface="Source Sans Pro Light" charset="0"/>
-                <a:ea typeface="Source Sans Pro Light" charset="0"/>
-              </a:rPr>
-              <a:t>putchar</a:t>
-            </a:r>
-            <a:r>
-              <a:rPr lang="en-GB" sz="1200" b="1" dirty="0">
-                <a:solidFill>
-                  <a:schemeClr val="tx1"/>
-                </a:solidFill>
-                <a:latin typeface="Source Sans Pro Light" charset="0"/>
-                <a:ea typeface="Source Sans Pro Light" charset="0"/>
-              </a:rPr>
-              <a:t>)</a:t>
-            </a:r>
-          </a:p>
-        </p:txBody>
-      </p:sp>
-      <p:sp>
-        <p:nvSpPr>
-          <p:cNvPr id="81" name="Rounded Rectangle 64">
-            <a:extLst>
-              <a:ext uri="{FF2B5EF4-FFF2-40B4-BE49-F238E27FC236}">
-                <a16:creationId xmlns:a16="http://schemas.microsoft.com/office/drawing/2014/main" id="{4749CD38-0FBD-A6B8-4922-908816285E69}"/>
-              </a:ext>
-            </a:extLst>
-          </p:cNvPr>
-          <p:cNvSpPr/>
-          <p:nvPr/>
-        </p:nvSpPr>
-        <p:spPr>
-          <a:xfrm>
-            <a:off x="11116837" y="3178182"/>
-            <a:ext cx="1930807" cy="506160"/>
-          </a:xfrm>
-          <a:prstGeom prst="roundRect">
-            <a:avLst>
-              <a:gd name="adj" fmla="val 22586"/>
-            </a:avLst>
-          </a:prstGeom>
-          <a:solidFill>
-            <a:schemeClr val="bg1"/>
-          </a:solidFill>
-          <a:ln w="12700">
-            <a:noFill/>
-          </a:ln>
-          <a:effectLst/>
-        </p:spPr>
-        <p:style>
-          <a:lnRef idx="2">
-            <a:schemeClr val="dk1"/>
-          </a:lnRef>
-          <a:fillRef idx="1">
-            <a:schemeClr val="lt1"/>
-          </a:fillRef>
-          <a:effectRef idx="0">
-            <a:schemeClr val="dk1"/>
-          </a:effectRef>
-          <a:fontRef idx="minor">
-            <a:schemeClr val="dk1"/>
-          </a:fontRef>
-        </p:style>
-        <p:txBody>
-          <a:bodyPr wrap="square" tIns="36000" bIns="36000" rtlCol="0" anchor="ctr">
-            <a:spAutoFit/>
-          </a:bodyPr>
-          <a:lstStyle/>
-          <a:p>
-            <a:pPr algn="ctr"/>
-            <a:r>
-              <a:rPr lang="en-GB" sz="1200" b="1" dirty="0">
-                <a:solidFill>
-                  <a:schemeClr val="tx1"/>
-                </a:solidFill>
-                <a:latin typeface="Source Sans Pro Light" charset="0"/>
-                <a:ea typeface="Source Sans Pro Light" charset="0"/>
-              </a:rPr>
-              <a:t>Threads Execution Tracing (</a:t>
-            </a:r>
-            <a:r>
-              <a:rPr lang="en-GB" sz="1200" b="1" dirty="0" err="1">
-                <a:solidFill>
-                  <a:schemeClr val="tx1"/>
-                </a:solidFill>
-                <a:latin typeface="Source Sans Pro Light" charset="0"/>
-                <a:ea typeface="Source Sans Pro Light" charset="0"/>
-              </a:rPr>
-              <a:t>SystemView</a:t>
-            </a:r>
-            <a:r>
-              <a:rPr lang="en-GB" sz="1200" b="1" dirty="0">
-                <a:solidFill>
-                  <a:schemeClr val="tx1"/>
-                </a:solidFill>
-                <a:latin typeface="Source Sans Pro Light" charset="0"/>
-                <a:ea typeface="Source Sans Pro Light" charset="0"/>
-              </a:rPr>
-              <a:t>)</a:t>
-            </a:r>
-          </a:p>
-        </p:txBody>
-      </p:sp>
-      <p:sp>
-        <p:nvSpPr>
-          <p:cNvPr id="82" name="Rounded Rectangle 64">
-            <a:extLst>
-              <a:ext uri="{FF2B5EF4-FFF2-40B4-BE49-F238E27FC236}">
-                <a16:creationId xmlns:a16="http://schemas.microsoft.com/office/drawing/2014/main" id="{F6DA74AD-0D05-8972-D614-296EF9BDBB7F}"/>
-              </a:ext>
-            </a:extLst>
-          </p:cNvPr>
-          <p:cNvSpPr/>
-          <p:nvPr/>
-        </p:nvSpPr>
-        <p:spPr>
-          <a:xfrm>
-            <a:off x="11086468" y="3829808"/>
-            <a:ext cx="2077512" cy="929070"/>
-          </a:xfrm>
-          <a:prstGeom prst="roundRect">
-            <a:avLst>
-              <a:gd name="adj" fmla="val 22586"/>
-            </a:avLst>
-          </a:prstGeom>
-          <a:solidFill>
-            <a:schemeClr val="bg1"/>
-          </a:solidFill>
-          <a:ln w="12700">
-            <a:noFill/>
-          </a:ln>
-          <a:effectLst/>
-        </p:spPr>
-        <p:style>
-          <a:lnRef idx="2">
-            <a:schemeClr val="dk1"/>
-          </a:lnRef>
-          <a:fillRef idx="1">
-            <a:schemeClr val="lt1"/>
-          </a:fillRef>
-          <a:effectRef idx="0">
-            <a:schemeClr val="dk1"/>
-          </a:effectRef>
-          <a:fontRef idx="minor">
-            <a:schemeClr val="dk1"/>
-          </a:fontRef>
-        </p:style>
-        <p:txBody>
-          <a:bodyPr wrap="square" tIns="36000" bIns="36000" rtlCol="0" anchor="ctr">
-            <a:spAutoFit/>
-          </a:bodyPr>
-          <a:lstStyle/>
-          <a:p>
-            <a:pPr algn="ctr"/>
-            <a:r>
-              <a:rPr lang="en-GB" sz="1200" b="1" dirty="0">
-                <a:solidFill>
-                  <a:schemeClr val="tx1"/>
-                </a:solidFill>
-                <a:latin typeface="Source Sans Pro Light" charset="0"/>
-                <a:ea typeface="Source Sans Pro Light" charset="0"/>
-              </a:rPr>
-              <a:t>Advanced Profiling</a:t>
-            </a:r>
-          </a:p>
-          <a:p>
-            <a:pPr marL="171450" indent="-171450">
-              <a:buFont typeface="Arial" panose="020B0604020202020204" pitchFamily="34" charset="0"/>
-              <a:buChar char="•"/>
-            </a:pPr>
-            <a:r>
-              <a:rPr lang="en-GB" sz="1200" b="1" dirty="0">
-                <a:solidFill>
-                  <a:schemeClr val="tx1"/>
-                </a:solidFill>
-                <a:latin typeface="Source Sans Pro Light" charset="0"/>
-                <a:ea typeface="Source Sans Pro Light" charset="0"/>
-              </a:rPr>
-              <a:t>Method calls (Flame Graph)</a:t>
-            </a:r>
-          </a:p>
-          <a:p>
-            <a:pPr marL="171450" indent="-171450">
-              <a:buFont typeface="Arial" panose="020B0604020202020204" pitchFamily="34" charset="0"/>
-              <a:buChar char="•"/>
-            </a:pPr>
-            <a:r>
-              <a:rPr lang="en-GB" sz="1200" b="1" dirty="0">
-                <a:solidFill>
-                  <a:schemeClr val="tx1"/>
-                </a:solidFill>
-                <a:latin typeface="Source Sans Pro Light" charset="0"/>
-                <a:ea typeface="Source Sans Pro Light" charset="0"/>
-              </a:rPr>
-              <a:t>Object Allocations</a:t>
-            </a:r>
-          </a:p>
-        </p:txBody>
-      </p:sp>
-      <p:cxnSp>
-        <p:nvCxnSpPr>
-          <p:cNvPr id="85" name="Straight Arrow Connector 84">
-            <a:extLst>
-              <a:ext uri="{FF2B5EF4-FFF2-40B4-BE49-F238E27FC236}">
-                <a16:creationId xmlns:a16="http://schemas.microsoft.com/office/drawing/2014/main" id="{0F1C8885-0E73-F2B9-3491-1C6A1FE61C27}"/>
-              </a:ext>
-            </a:extLst>
-          </p:cNvPr>
-          <p:cNvCxnSpPr>
-            <a:cxnSpLocks/>
-          </p:cNvCxnSpPr>
-          <p:nvPr/>
-        </p:nvCxnSpPr>
-        <p:spPr>
-          <a:xfrm>
-            <a:off x="3068798" y="3084788"/>
-            <a:ext cx="308961" cy="0"/>
-          </a:xfrm>
-          <a:prstGeom prst="straightConnector1">
-            <a:avLst/>
-          </a:prstGeom>
-          <a:ln>
-            <a:headEnd type="triangle"/>
-            <a:tailEnd type="triangle"/>
-          </a:ln>
-        </p:spPr>
-        <p:style>
-          <a:lnRef idx="3">
-            <a:schemeClr val="dk1"/>
-          </a:lnRef>
-          <a:fillRef idx="0">
-            <a:schemeClr val="dk1"/>
-          </a:fillRef>
-          <a:effectRef idx="2">
-            <a:schemeClr val="dk1"/>
-          </a:effectRef>
-          <a:fontRef idx="minor">
-            <a:schemeClr val="tx1"/>
-          </a:fontRef>
-        </p:style>
-      </p:cxnSp>
-      <p:sp>
-        <p:nvSpPr>
-          <p:cNvPr id="3" name="TextBox 2">
-            <a:extLst>
-              <a:ext uri="{FF2B5EF4-FFF2-40B4-BE49-F238E27FC236}">
-                <a16:creationId xmlns:a16="http://schemas.microsoft.com/office/drawing/2014/main" id="{B7F31EE6-B9BD-E621-937B-57978F842ACC}"/>
-              </a:ext>
-            </a:extLst>
-          </p:cNvPr>
-          <p:cNvSpPr txBox="1"/>
-          <p:nvPr/>
-        </p:nvSpPr>
-        <p:spPr>
-          <a:xfrm>
-            <a:off x="641486" y="6114560"/>
-            <a:ext cx="6644080" cy="369332"/>
-          </a:xfrm>
-          <a:prstGeom prst="rect">
-            <a:avLst/>
-          </a:prstGeom>
-          <a:noFill/>
-        </p:spPr>
-        <p:txBody>
-          <a:bodyPr wrap="square">
-            <a:spAutoFit/>
-          </a:bodyPr>
-          <a:lstStyle/>
-          <a:p>
-            <a:r>
-              <a:rPr lang="en-GB" sz="1800" b="1" dirty="0">
-                <a:solidFill>
-                  <a:schemeClr val="tx1"/>
-                </a:solidFill>
-                <a:latin typeface="Source Sans Pro Light" charset="0"/>
-                <a:ea typeface="Source Sans Pro Light" charset="0"/>
-              </a:rPr>
-              <a:t>(*) = optional</a:t>
-            </a:r>
-            <a:endParaRPr lang="en-US" dirty="0"/>
-          </a:p>
-        </p:txBody>
-      </p:sp>
-      <p:cxnSp>
-        <p:nvCxnSpPr>
-          <p:cNvPr id="10" name="Straight Arrow Connector 9">
-            <a:extLst>
-              <a:ext uri="{FF2B5EF4-FFF2-40B4-BE49-F238E27FC236}">
-                <a16:creationId xmlns:a16="http://schemas.microsoft.com/office/drawing/2014/main" id="{060D93D6-A58B-28CF-D822-8BE430BAEE05}"/>
-              </a:ext>
-            </a:extLst>
-          </p:cNvPr>
-          <p:cNvCxnSpPr>
-            <a:cxnSpLocks/>
-          </p:cNvCxnSpPr>
-          <p:nvPr/>
-        </p:nvCxnSpPr>
-        <p:spPr>
-          <a:xfrm>
-            <a:off x="6952093" y="4778629"/>
-            <a:ext cx="0" cy="304298"/>
-          </a:xfrm>
-          <a:prstGeom prst="straightConnector1">
-            <a:avLst/>
-          </a:prstGeom>
-          <a:ln>
-            <a:headEnd type="triangle"/>
-            <a:tailEnd type="triangle"/>
-          </a:ln>
-        </p:spPr>
-        <p:style>
-          <a:lnRef idx="3">
-            <a:schemeClr val="dk1"/>
-          </a:lnRef>
-          <a:fillRef idx="0">
-            <a:schemeClr val="dk1"/>
-          </a:fillRef>
-          <a:effectRef idx="2">
-            <a:schemeClr val="dk1"/>
-          </a:effectRef>
-          <a:fontRef idx="minor">
-            <a:schemeClr val="tx1"/>
-          </a:fontRef>
-        </p:style>
-      </p:cxnSp>
-      <p:cxnSp>
-        <p:nvCxnSpPr>
-          <p:cNvPr id="12" name="Straight Arrow Connector 11">
-            <a:extLst>
-              <a:ext uri="{FF2B5EF4-FFF2-40B4-BE49-F238E27FC236}">
-                <a16:creationId xmlns:a16="http://schemas.microsoft.com/office/drawing/2014/main" id="{019304AC-577C-36CC-A6A2-D68FF3D74CEE}"/>
-              </a:ext>
-            </a:extLst>
-          </p:cNvPr>
-          <p:cNvCxnSpPr>
-            <a:cxnSpLocks/>
-            <a:endCxn id="14" idx="1"/>
-          </p:cNvCxnSpPr>
-          <p:nvPr/>
-        </p:nvCxnSpPr>
-        <p:spPr>
-          <a:xfrm flipV="1">
-            <a:off x="2990703" y="2232642"/>
-            <a:ext cx="437100" cy="22400"/>
-          </a:xfrm>
-          <a:prstGeom prst="straightConnector1">
-            <a:avLst/>
-          </a:prstGeom>
-          <a:ln>
-            <a:headEnd type="triangle"/>
-            <a:tailEnd type="triangle"/>
-          </a:ln>
-        </p:spPr>
-        <p:style>
-          <a:lnRef idx="3">
-            <a:schemeClr val="dk1"/>
-          </a:lnRef>
-          <a:fillRef idx="0">
-            <a:schemeClr val="dk1"/>
-          </a:fillRef>
-          <a:effectRef idx="2">
-            <a:schemeClr val="dk1"/>
-          </a:effectRef>
-          <a:fontRef idx="minor">
-            <a:schemeClr val="tx1"/>
-          </a:fontRef>
-        </p:style>
-      </p:cxnSp>
     </p:spTree>
     <p:extLst>
       <p:ext uri="{BB962C8B-B14F-4D97-AF65-F5344CB8AC3E}">
-        <p14:creationId xmlns:p14="http://schemas.microsoft.com/office/powerpoint/2010/main" val="974409416"/>
+        <p14:creationId xmlns:p14="http://schemas.microsoft.com/office/powerpoint/2010/main" val="870825846"/>
       </p:ext>
     </p:extLst>
   </p:cSld>

--- a/VEEPortingGuide/images/mjvm_block-diagram.pptx
+++ b/VEEPortingGuide/images/mjvm_block-diagram.pptx
@@ -8248,7 +8248,7 @@
                   <a:latin typeface="Source Sans Pro" panose="020B0503030403020204" pitchFamily="34" charset="0"/>
                   <a:ea typeface="Source Sans Pro" panose="020B0503030403020204" pitchFamily="34" charset="0"/>
                 </a:rPr>
-                <a:t>• FPU 32bits &amp; 64bits</a:t>
+                <a:t>• FPU 32-bit &amp; 64-bit</a:t>
               </a:r>
             </a:p>
             <a:p>
@@ -8260,7 +8260,7 @@
                   <a:latin typeface="Source Sans Pro" panose="020B0503030403020204" pitchFamily="34" charset="0"/>
                   <a:ea typeface="Source Sans Pro" panose="020B0503030403020204" pitchFamily="34" charset="0"/>
                 </a:rPr>
-                <a:t>• 16bits Pointers(*)</a:t>
+                <a:t>• 16-bit Pointers(*)</a:t>
               </a:r>
             </a:p>
             <a:p>
@@ -8511,8 +8511,8 @@
         </p:nvSpPr>
         <p:spPr>
           <a:xfrm>
-            <a:off x="615534" y="1726678"/>
-            <a:ext cx="2156338" cy="2993477"/>
+            <a:off x="615534" y="1651176"/>
+            <a:ext cx="2156338" cy="3156001"/>
           </a:xfrm>
           <a:prstGeom prst="roundRect">
             <a:avLst>
@@ -8577,7 +8577,7 @@
         </p:nvSpPr>
         <p:spPr>
           <a:xfrm>
-            <a:off x="783566" y="2088732"/>
+            <a:off x="783566" y="2013231"/>
             <a:ext cx="1800000" cy="263845"/>
           </a:xfrm>
           <a:prstGeom prst="roundRect">
@@ -8641,7 +8641,7 @@
         </p:nvSpPr>
         <p:spPr>
           <a:xfrm>
-            <a:off x="783564" y="2458678"/>
+            <a:off x="783564" y="2383177"/>
             <a:ext cx="1800000" cy="259463"/>
           </a:xfrm>
           <a:prstGeom prst="roundRect">
@@ -8705,7 +8705,7 @@
         </p:nvSpPr>
         <p:spPr>
           <a:xfrm>
-            <a:off x="783565" y="2822364"/>
+            <a:off x="783565" y="2746863"/>
             <a:ext cx="1800000" cy="259463"/>
           </a:xfrm>
           <a:prstGeom prst="roundRect">
@@ -8769,7 +8769,7 @@
         </p:nvSpPr>
         <p:spPr>
           <a:xfrm>
-            <a:off x="781646" y="3190119"/>
+            <a:off x="781646" y="3114618"/>
             <a:ext cx="1800000" cy="259463"/>
           </a:xfrm>
           <a:prstGeom prst="roundRect">
@@ -8833,7 +8833,7 @@
         </p:nvSpPr>
         <p:spPr>
           <a:xfrm>
-            <a:off x="781646" y="3557874"/>
+            <a:off x="781646" y="3482373"/>
             <a:ext cx="1800000" cy="360000"/>
           </a:xfrm>
           <a:prstGeom prst="roundRect">
@@ -8910,8 +8910,8 @@
         </p:nvSpPr>
         <p:spPr>
           <a:xfrm>
-            <a:off x="781647" y="4015446"/>
-            <a:ext cx="1800000" cy="580880"/>
+            <a:off x="781647" y="3931805"/>
+            <a:ext cx="1800000" cy="748163"/>
           </a:xfrm>
           <a:prstGeom prst="roundRect">
             <a:avLst>
@@ -8982,6 +8982,18 @@
               <a:t>• Object Allocations</a:t>
             </a:r>
           </a:p>
+          <a:p>
+            <a:r>
+              <a:rPr lang="en-GB" sz="1000" dirty="0">
+                <a:solidFill>
+                  <a:schemeClr val="tx1"/>
+                </a:solidFill>
+                <a:latin typeface="Source Sans Pro" panose="020B0503030403020204" pitchFamily="34" charset="0"/>
+                <a:ea typeface="Source Sans Pro" panose="020B0503030403020204" pitchFamily="34" charset="0"/>
+              </a:rPr>
+              <a:t>• Exceptions</a:t>
+            </a:r>
+          </a:p>
         </p:txBody>
       </p:sp>
       <p:cxnSp>
@@ -9002,8 +9014,8 @@
         </p:nvCxnSpPr>
         <p:spPr>
           <a:xfrm>
-            <a:off x="2771872" y="3223417"/>
-            <a:ext cx="370891" cy="7093"/>
+            <a:off x="2771872" y="3229177"/>
+            <a:ext cx="370891" cy="1333"/>
           </a:xfrm>
           <a:prstGeom prst="straightConnector1">
             <a:avLst/>

--- a/VEEPortingGuide/images/mjvm_block-diagram.pptx
+++ b/VEEPortingGuide/images/mjvm_block-diagram.pptx
@@ -8292,8 +8292,8 @@
         </p:nvSpPr>
         <p:spPr>
           <a:xfrm>
-            <a:off x="3142763" y="650139"/>
-            <a:ext cx="6059389" cy="924647"/>
+            <a:off x="3142763" y="232615"/>
+            <a:ext cx="6059389" cy="1342172"/>
           </a:xfrm>
           <a:prstGeom prst="roundRect">
             <a:avLst>
@@ -8358,8 +8358,8 @@
         </p:nvSpPr>
         <p:spPr>
           <a:xfrm>
-            <a:off x="7122141" y="1004613"/>
-            <a:ext cx="1931860" cy="470918"/>
+            <a:off x="3282234" y="629093"/>
+            <a:ext cx="1931860" cy="858585"/>
           </a:xfrm>
           <a:prstGeom prst="roundRect">
             <a:avLst>
@@ -8390,7 +8390,7 @@
         </p:style>
         <p:txBody>
           <a:bodyPr wrap="square" tIns="36000" bIns="36000" rtlCol="0" anchor="ctr">
-            <a:spAutoFit/>
+            <a:noAutofit/>
           </a:bodyPr>
           <a:lstStyle/>
           <a:p>
@@ -8408,6 +8408,16 @@
           </a:p>
           <a:p>
             <a:pPr algn="ctr"/>
+            <a:endParaRPr lang="en-GB" sz="1200" b="1" dirty="0">
+              <a:solidFill>
+                <a:schemeClr val="tx1"/>
+              </a:solidFill>
+              <a:latin typeface="Source Sans Pro" panose="020B0503030403020204" pitchFamily="34" charset="0"/>
+              <a:ea typeface="Source Sans Pro" panose="020B0503030403020204" pitchFamily="34" charset="0"/>
+            </a:endParaRPr>
+          </a:p>
+          <a:p>
+            <a:pPr algn="ctr"/>
             <a:r>
               <a:rPr lang="en-US" sz="1000" dirty="0">
                 <a:solidFill>
@@ -8419,81 +8429,15 @@
               <a:t>Execution In Place (XIP)</a:t>
             </a:r>
           </a:p>
-        </p:txBody>
-      </p:sp>
-      <p:sp>
-        <p:nvSpPr>
-          <p:cNvPr id="88" name="Rounded Rectangle 64">
-            <a:extLst>
-              <a:ext uri="{FF2B5EF4-FFF2-40B4-BE49-F238E27FC236}">
-                <a16:creationId xmlns:a16="http://schemas.microsoft.com/office/drawing/2014/main" id="{08D2BB00-4D93-9348-B92D-5EB7412C328A}"/>
-              </a:ext>
-            </a:extLst>
-          </p:cNvPr>
-          <p:cNvSpPr/>
-          <p:nvPr/>
-        </p:nvSpPr>
-        <p:spPr>
-          <a:xfrm>
-            <a:off x="3261628" y="1004613"/>
-            <a:ext cx="3714110" cy="470918"/>
-          </a:xfrm>
-          <a:prstGeom prst="roundRect">
-            <a:avLst>
-              <a:gd name="adj" fmla="val 22586"/>
-            </a:avLst>
-          </a:prstGeom>
-          <a:solidFill>
-            <a:schemeClr val="bg1"/>
-          </a:solidFill>
-          <a:ln w="12700">
-            <a:noFill/>
-          </a:ln>
-          <a:effectLst/>
-        </p:spPr>
-        <p:style>
-          <a:lnRef idx="2">
-            <a:schemeClr val="dk1"/>
-          </a:lnRef>
-          <a:fillRef idx="1">
-            <a:schemeClr val="lt1"/>
-          </a:fillRef>
-          <a:effectRef idx="0">
-            <a:schemeClr val="dk1"/>
-          </a:effectRef>
-          <a:fontRef idx="minor">
-            <a:schemeClr val="dk1"/>
-          </a:fontRef>
-        </p:style>
-        <p:txBody>
-          <a:bodyPr wrap="square" tIns="36000" bIns="36000" rtlCol="0" anchor="ctr">
-            <a:spAutoFit/>
-          </a:bodyPr>
-          <a:lstStyle/>
           <a:p>
             <a:pPr algn="ctr"/>
-            <a:r>
-              <a:rPr lang="en-GB" sz="1200" b="1" dirty="0">
-                <a:solidFill>
-                  <a:schemeClr val="tx1"/>
-                </a:solidFill>
-                <a:latin typeface="Source Sans Pro" panose="020B0503030403020204" pitchFamily="34" charset="0"/>
-                <a:ea typeface="Source Sans Pro" panose="020B0503030403020204" pitchFamily="34" charset="0"/>
-              </a:rPr>
-              <a:t>Resources</a:t>
-            </a:r>
-          </a:p>
-          <a:p>
-            <a:r>
-              <a:rPr lang="en-US" sz="1000" dirty="0">
-                <a:solidFill>
-                  <a:schemeClr val="tx1"/>
-                </a:solidFill>
-                <a:latin typeface="Source Sans Pro" panose="020B0503030403020204" pitchFamily="34" charset="0"/>
-                <a:ea typeface="Source Sans Pro" panose="020B0503030403020204" pitchFamily="34" charset="0"/>
-              </a:rPr>
-              <a:t>External Resources Loader (non byte-addressable memories)</a:t>
-            </a:r>
+            <a:endParaRPr lang="en-US" sz="1000" dirty="0">
+              <a:solidFill>
+                <a:schemeClr val="tx1"/>
+              </a:solidFill>
+              <a:latin typeface="Source Sans Pro" panose="020B0503030403020204" pitchFamily="34" charset="0"/>
+              <a:ea typeface="Source Sans Pro" panose="020B0503030403020204" pitchFamily="34" charset="0"/>
+            </a:endParaRPr>
           </a:p>
         </p:txBody>
       </p:sp>
@@ -9058,8 +9002,8 @@
         </p:nvCxnSpPr>
         <p:spPr>
           <a:xfrm>
-            <a:off x="6172458" y="1574786"/>
-            <a:ext cx="6364" cy="277229"/>
+            <a:off x="6172458" y="1574787"/>
+            <a:ext cx="6364" cy="277228"/>
           </a:xfrm>
           <a:prstGeom prst="straightConnector1">
             <a:avLst/>
@@ -9781,6 +9725,148 @@
               <a:latin typeface="Source Sans Pro" panose="020B0503030403020204" pitchFamily="34" charset="0"/>
               <a:ea typeface="Source Sans Pro" panose="020B0503030403020204" pitchFamily="34" charset="0"/>
             </a:endParaRPr>
+          </a:p>
+        </p:txBody>
+      </p:sp>
+      <p:sp>
+        <p:nvSpPr>
+          <p:cNvPr id="3" name="Rounded Rectangle 64">
+            <a:extLst>
+              <a:ext uri="{FF2B5EF4-FFF2-40B4-BE49-F238E27FC236}">
+                <a16:creationId xmlns:a16="http://schemas.microsoft.com/office/drawing/2014/main" id="{83096020-8DA4-C869-4969-F34BD02510B4}"/>
+              </a:ext>
+            </a:extLst>
+          </p:cNvPr>
+          <p:cNvSpPr/>
+          <p:nvPr/>
+        </p:nvSpPr>
+        <p:spPr>
+          <a:xfrm>
+            <a:off x="5353565" y="629093"/>
+            <a:ext cx="3714110" cy="854232"/>
+          </a:xfrm>
+          <a:prstGeom prst="roundRect">
+            <a:avLst>
+              <a:gd name="adj" fmla="val 22586"/>
+            </a:avLst>
+          </a:prstGeom>
+          <a:solidFill>
+            <a:schemeClr val="bg1"/>
+          </a:solidFill>
+          <a:ln w="12700">
+            <a:noFill/>
+          </a:ln>
+          <a:effectLst/>
+        </p:spPr>
+        <p:style>
+          <a:lnRef idx="2">
+            <a:schemeClr val="dk1"/>
+          </a:lnRef>
+          <a:fillRef idx="1">
+            <a:schemeClr val="lt1"/>
+          </a:fillRef>
+          <a:effectRef idx="0">
+            <a:schemeClr val="dk1"/>
+          </a:effectRef>
+          <a:fontRef idx="minor">
+            <a:schemeClr val="dk1"/>
+          </a:fontRef>
+        </p:style>
+        <p:txBody>
+          <a:bodyPr wrap="square" tIns="36000" bIns="36000" rtlCol="0" anchor="t">
+            <a:noAutofit/>
+          </a:bodyPr>
+          <a:lstStyle/>
+          <a:p>
+            <a:pPr algn="ctr"/>
+            <a:r>
+              <a:rPr lang="en-GB" sz="1200" b="1" dirty="0">
+                <a:solidFill>
+                  <a:schemeClr val="tx1"/>
+                </a:solidFill>
+                <a:latin typeface="Source Sans Pro" panose="020B0503030403020204" pitchFamily="34" charset="0"/>
+                <a:ea typeface="Source Sans Pro" panose="020B0503030403020204" pitchFamily="34" charset="0"/>
+              </a:rPr>
+              <a:t>Resources</a:t>
+            </a:r>
+          </a:p>
+          <a:p>
+            <a:pPr marL="171450" indent="-171450">
+              <a:buFont typeface="Arial" panose="020B0604020202020204" pitchFamily="34" charset="0"/>
+              <a:buChar char="•"/>
+            </a:pPr>
+            <a:r>
+              <a:rPr lang="en-GB" sz="1000" dirty="0">
+                <a:solidFill>
+                  <a:schemeClr val="tx1"/>
+                </a:solidFill>
+                <a:latin typeface="Source Sans Pro" panose="020B0503030403020204" pitchFamily="34" charset="0"/>
+                <a:ea typeface="Source Sans Pro" panose="020B0503030403020204" pitchFamily="34" charset="0"/>
+              </a:rPr>
+              <a:t>Streaming and Seeking access modes</a:t>
+            </a:r>
+          </a:p>
+          <a:p>
+            <a:pPr marL="171450" indent="-171450">
+              <a:buFont typeface="Arial" panose="020B0604020202020204" pitchFamily="34" charset="0"/>
+              <a:buChar char="•"/>
+            </a:pPr>
+            <a:r>
+              <a:rPr lang="en-GB" sz="1000" dirty="0">
+                <a:solidFill>
+                  <a:schemeClr val="tx1"/>
+                </a:solidFill>
+                <a:latin typeface="Source Sans Pro" panose="020B0503030403020204" pitchFamily="34" charset="0"/>
+                <a:ea typeface="Source Sans Pro" panose="020B0503030403020204" pitchFamily="34" charset="0"/>
+              </a:rPr>
+              <a:t>Internal </a:t>
+            </a:r>
+            <a:r>
+              <a:rPr lang="en-US" sz="1000" dirty="0">
+                <a:solidFill>
+                  <a:schemeClr val="tx1"/>
+                </a:solidFill>
+                <a:latin typeface="Source Sans Pro" panose="020B0503030403020204" pitchFamily="34" charset="0"/>
+                <a:ea typeface="Source Sans Pro" panose="020B0503030403020204" pitchFamily="34" charset="0"/>
+              </a:rPr>
+              <a:t>Resources Linker (m</a:t>
+            </a:r>
+            <a:r>
+              <a:rPr lang="en-GB" sz="1000" dirty="0" err="1">
+                <a:solidFill>
+                  <a:schemeClr val="tx1"/>
+                </a:solidFill>
+                <a:latin typeface="Source Sans Pro" panose="020B0503030403020204" pitchFamily="34" charset="0"/>
+                <a:ea typeface="Source Sans Pro" panose="020B0503030403020204" pitchFamily="34" charset="0"/>
+              </a:rPr>
+              <a:t>emory</a:t>
+            </a:r>
+            <a:r>
+              <a:rPr lang="en-GB" sz="1000" dirty="0">
+                <a:solidFill>
+                  <a:schemeClr val="tx1"/>
+                </a:solidFill>
+                <a:latin typeface="Source Sans Pro" panose="020B0503030403020204" pitchFamily="34" charset="0"/>
+                <a:ea typeface="Source Sans Pro" panose="020B0503030403020204" pitchFamily="34" charset="0"/>
+              </a:rPr>
+              <a:t> mapped)</a:t>
+            </a:r>
+          </a:p>
+          <a:p>
+            <a:pPr marL="171450" indent="-171450">
+              <a:buFont typeface="Arial" panose="020B0604020202020204" pitchFamily="34" charset="0"/>
+              <a:buChar char="•"/>
+            </a:pPr>
+            <a:r>
+              <a:rPr lang="en-US" sz="1000" dirty="0">
+                <a:solidFill>
+                  <a:schemeClr val="tx1"/>
+                </a:solidFill>
+                <a:latin typeface="Source Sans Pro" panose="020B0503030403020204" pitchFamily="34" charset="0"/>
+                <a:ea typeface="Source Sans Pro" panose="020B0503030403020204" pitchFamily="34" charset="0"/>
+              </a:rPr>
+              <a:t>External Resources Loader (non byte-addressable memories)</a:t>
+            </a:r>
           </a:p>
         </p:txBody>
       </p:sp>

--- a/VEEPortingGuide/images/mjvm_block-diagram.pptx
+++ b/VEEPortingGuide/images/mjvm_block-diagram.pptx
@@ -240,7 +240,7 @@
               <a:rPr lang="fr-FR" smtClean="0">
                 <a:latin typeface="Calibri Regular" charset="0"/>
               </a:rPr>
-              <a:t>décembre 23</a:t>
+              <a:t>mars 25</a:t>
             </a:fld>
             <a:endParaRPr lang="en-US" dirty="0">
               <a:latin typeface="Calibri Regular" charset="0"/>
@@ -419,7 +419,7 @@
             <a:fld id="{79958FA1-9FE8-F149-AB4B-7DC9950B39E9}" type="datetime6">
               <a:rPr lang="fr-FR" smtClean="0"/>
               <a:pPr/>
-              <a:t>décembre 23</a:t>
+              <a:t>mars 25</a:t>
             </a:fld>
             <a:endParaRPr lang="en-US" dirty="0"/>
           </a:p>
@@ -6897,6 +6897,125 @@
           <a:chExt cx="0" cy="0"/>
         </a:xfrm>
       </p:grpSpPr>
+      <p:cxnSp>
+        <p:nvCxnSpPr>
+          <p:cNvPr id="54" name="Straight Arrow Connector 53">
+            <a:extLst>
+              <a:ext uri="{FF2B5EF4-FFF2-40B4-BE49-F238E27FC236}">
+                <a16:creationId xmlns:a16="http://schemas.microsoft.com/office/drawing/2014/main" id="{E7F2AE44-FE24-2A9E-443D-84DEB5F5D75C}"/>
+              </a:ext>
+            </a:extLst>
+          </p:cNvPr>
+          <p:cNvCxnSpPr>
+            <a:cxnSpLocks/>
+          </p:cNvCxnSpPr>
+          <p:nvPr/>
+        </p:nvCxnSpPr>
+        <p:spPr>
+          <a:xfrm flipV="1">
+            <a:off x="9809147" y="3275679"/>
+            <a:ext cx="0" cy="534260"/>
+          </a:xfrm>
+          <a:prstGeom prst="straightConnector1">
+            <a:avLst/>
+          </a:prstGeom>
+          <a:ln w="19050">
+            <a:tailEnd type="triangle"/>
+          </a:ln>
+        </p:spPr>
+        <p:style>
+          <a:lnRef idx="1">
+            <a:schemeClr val="accent1"/>
+          </a:lnRef>
+          <a:fillRef idx="0">
+            <a:schemeClr val="accent1"/>
+          </a:fillRef>
+          <a:effectRef idx="0">
+            <a:schemeClr val="accent1"/>
+          </a:effectRef>
+          <a:fontRef idx="minor">
+            <a:schemeClr val="tx1"/>
+          </a:fontRef>
+        </p:style>
+      </p:cxnSp>
+      <p:cxnSp>
+        <p:nvCxnSpPr>
+          <p:cNvPr id="53" name="Straight Arrow Connector 52">
+            <a:extLst>
+              <a:ext uri="{FF2B5EF4-FFF2-40B4-BE49-F238E27FC236}">
+                <a16:creationId xmlns:a16="http://schemas.microsoft.com/office/drawing/2014/main" id="{E6B53245-5896-ECFC-29BD-51353CD69F57}"/>
+              </a:ext>
+            </a:extLst>
+          </p:cNvPr>
+          <p:cNvCxnSpPr/>
+          <p:nvPr/>
+        </p:nvCxnSpPr>
+        <p:spPr>
+          <a:xfrm flipH="1">
+            <a:off x="6856245" y="4427528"/>
+            <a:ext cx="653934" cy="0"/>
+          </a:xfrm>
+          <a:prstGeom prst="straightConnector1">
+            <a:avLst/>
+          </a:prstGeom>
+          <a:ln w="19050">
+            <a:tailEnd type="triangle"/>
+          </a:ln>
+        </p:spPr>
+        <p:style>
+          <a:lnRef idx="1">
+            <a:schemeClr val="accent1"/>
+          </a:lnRef>
+          <a:fillRef idx="0">
+            <a:schemeClr val="accent1"/>
+          </a:fillRef>
+          <a:effectRef idx="0">
+            <a:schemeClr val="accent1"/>
+          </a:effectRef>
+          <a:fontRef idx="minor">
+            <a:schemeClr val="tx1"/>
+          </a:fontRef>
+        </p:style>
+      </p:cxnSp>
+      <p:cxnSp>
+        <p:nvCxnSpPr>
+          <p:cNvPr id="52" name="Straight Arrow Connector 51">
+            <a:extLst>
+              <a:ext uri="{FF2B5EF4-FFF2-40B4-BE49-F238E27FC236}">
+                <a16:creationId xmlns:a16="http://schemas.microsoft.com/office/drawing/2014/main" id="{984BEAA5-4416-9647-F675-5619BE8F12BC}"/>
+              </a:ext>
+            </a:extLst>
+          </p:cNvPr>
+          <p:cNvCxnSpPr/>
+          <p:nvPr/>
+        </p:nvCxnSpPr>
+        <p:spPr>
+          <a:xfrm flipH="1">
+            <a:off x="6887668" y="2805570"/>
+            <a:ext cx="653934" cy="0"/>
+          </a:xfrm>
+          <a:prstGeom prst="straightConnector1">
+            <a:avLst/>
+          </a:prstGeom>
+          <a:ln w="19050">
+            <a:tailEnd type="triangle"/>
+          </a:ln>
+        </p:spPr>
+        <p:style>
+          <a:lnRef idx="1">
+            <a:schemeClr val="accent1"/>
+          </a:lnRef>
+          <a:fillRef idx="0">
+            <a:schemeClr val="accent1"/>
+          </a:fillRef>
+          <a:effectRef idx="0">
+            <a:schemeClr val="accent1"/>
+          </a:effectRef>
+          <a:fontRef idx="minor">
+            <a:schemeClr val="tx1"/>
+          </a:fontRef>
+        </p:style>
+      </p:cxnSp>
       <p:sp>
         <p:nvSpPr>
           <p:cNvPr id="2" name="Rounded Rectangle 64">
@@ -6911,8 +7030,8 @@
         </p:nvSpPr>
         <p:spPr>
           <a:xfrm>
-            <a:off x="3142763" y="1852015"/>
-            <a:ext cx="6072118" cy="2756989"/>
+            <a:off x="2771828" y="1877895"/>
+            <a:ext cx="4357006" cy="3076165"/>
           </a:xfrm>
           <a:prstGeom prst="roundRect">
             <a:avLst>
@@ -6980,7 +7099,7 @@
         </p:nvCxnSpPr>
         <p:spPr>
           <a:xfrm flipH="1">
-            <a:off x="5724150" y="2460514"/>
+            <a:off x="5353215" y="2805570"/>
             <a:ext cx="107" cy="527161"/>
           </a:xfrm>
           <a:prstGeom prst="straightConnector1">
@@ -7019,8 +7138,8 @@
         </p:nvSpPr>
         <p:spPr>
           <a:xfrm>
-            <a:off x="3142763" y="4882678"/>
-            <a:ext cx="6072118" cy="1264400"/>
+            <a:off x="2771827" y="5227734"/>
+            <a:ext cx="9199200" cy="1264400"/>
           </a:xfrm>
           <a:prstGeom prst="roundRect">
             <a:avLst>
@@ -7085,12 +7204,88 @@
         </p:nvSpPr>
         <p:spPr>
           <a:xfrm>
-            <a:off x="6864351" y="5242236"/>
+            <a:off x="6493416" y="5587292"/>
             <a:ext cx="2182268" cy="759600"/>
           </a:xfrm>
           <a:prstGeom prst="roundRect">
             <a:avLst>
               <a:gd name="adj" fmla="val 9579"/>
+            </a:avLst>
+          </a:prstGeom>
+          <a:solidFill>
+            <a:schemeClr val="bg1"/>
+          </a:solidFill>
+          <a:ln w="12700">
+            <a:noFill/>
+          </a:ln>
+          <a:effectLst/>
+        </p:spPr>
+        <p:style>
+          <a:lnRef idx="2">
+            <a:schemeClr val="dk1"/>
+          </a:lnRef>
+          <a:fillRef idx="1">
+            <a:schemeClr val="lt1"/>
+          </a:fillRef>
+          <a:effectRef idx="0">
+            <a:schemeClr val="dk1"/>
+          </a:effectRef>
+          <a:fontRef idx="minor">
+            <a:schemeClr val="dk1"/>
+          </a:fontRef>
+        </p:style>
+        <p:txBody>
+          <a:bodyPr wrap="square" lIns="36000" tIns="36000" rIns="36000" bIns="36000" rtlCol="0" anchor="t">
+            <a:noAutofit/>
+          </a:bodyPr>
+          <a:lstStyle/>
+          <a:p>
+            <a:pPr algn="ctr"/>
+            <a:r>
+              <a:rPr lang="en-GB" sz="1200" b="1" dirty="0">
+                <a:solidFill>
+                  <a:schemeClr val="tx1"/>
+                </a:solidFill>
+                <a:latin typeface="Source Sans Pro" panose="020B0503030403020204" pitchFamily="34" charset="0"/>
+                <a:ea typeface="Source Sans Pro" panose="020B0503030403020204" pitchFamily="34" charset="0"/>
+              </a:rPr>
+              <a:t>Thread Stacks</a:t>
+            </a:r>
+          </a:p>
+          <a:p>
+            <a:r>
+              <a:rPr lang="en-US" sz="1000" dirty="0">
+                <a:solidFill>
+                  <a:schemeClr val="tx1"/>
+                </a:solidFill>
+                <a:latin typeface="Source Sans Pro" panose="020B0503030403020204" pitchFamily="34" charset="0"/>
+                <a:ea typeface="Source Sans Pro" panose="020B0503030403020204" pitchFamily="34" charset="0"/>
+              </a:rPr>
+              <a:t>• Flexible Stack Blocks Allocation</a:t>
+            </a:r>
+          </a:p>
+        </p:txBody>
+      </p:sp>
+      <p:sp>
+        <p:nvSpPr>
+          <p:cNvPr id="9" name="Rounded Rectangle 64">
+            <a:extLst>
+              <a:ext uri="{FF2B5EF4-FFF2-40B4-BE49-F238E27FC236}">
+                <a16:creationId xmlns:a16="http://schemas.microsoft.com/office/drawing/2014/main" id="{5B033F2F-5CDB-5E49-895A-F543A3FECD31}"/>
+              </a:ext>
+            </a:extLst>
+          </p:cNvPr>
+          <p:cNvSpPr/>
+          <p:nvPr/>
+        </p:nvSpPr>
+        <p:spPr>
+          <a:xfrm>
+            <a:off x="2895026" y="5587292"/>
+            <a:ext cx="1006496" cy="759600"/>
+          </a:xfrm>
+          <a:prstGeom prst="roundRect">
+            <a:avLst>
+              <a:gd name="adj" fmla="val 13402"/>
             </a:avLst>
           </a:prstGeom>
           <a:solidFill>
@@ -7130,41 +7325,50 @@
                 <a:latin typeface="Source Sans Pro" panose="020B0503030403020204" pitchFamily="34" charset="0"/>
                 <a:ea typeface="Source Sans Pro" panose="020B0503030403020204" pitchFamily="34" charset="0"/>
               </a:rPr>
-              <a:t>Thread Stacks</a:t>
-            </a:r>
-          </a:p>
-          <a:p>
-            <a:r>
-              <a:rPr lang="en-US" sz="1000" dirty="0">
+              <a:t>Immortal</a:t>
+            </a:r>
+          </a:p>
+          <a:p>
+            <a:pPr algn="ctr"/>
+            <a:r>
+              <a:rPr lang="en-GB" sz="1200" b="1" dirty="0">
                 <a:solidFill>
                   <a:schemeClr val="tx1"/>
                 </a:solidFill>
                 <a:latin typeface="Source Sans Pro" panose="020B0503030403020204" pitchFamily="34" charset="0"/>
                 <a:ea typeface="Source Sans Pro" panose="020B0503030403020204" pitchFamily="34" charset="0"/>
               </a:rPr>
-              <a:t>• Flexible Stack Blocks Allocation</a:t>
-            </a:r>
-          </a:p>
-          <a:p>
-            <a:r>
-              <a:rPr lang="en-US" sz="1000" dirty="0">
+              <a:t>Objects</a:t>
+            </a:r>
+          </a:p>
+          <a:p>
+            <a:pPr algn="ctr"/>
+            <a:r>
+              <a:rPr lang="en-GB" sz="1200" b="1" dirty="0">
                 <a:solidFill>
                   <a:schemeClr val="tx1"/>
                 </a:solidFill>
                 <a:latin typeface="Source Sans Pro" panose="020B0503030403020204" pitchFamily="34" charset="0"/>
                 <a:ea typeface="Source Sans Pro" panose="020B0503030403020204" pitchFamily="34" charset="0"/>
               </a:rPr>
-              <a:t>• Check Stack Overflow</a:t>
-            </a:r>
+              <a:t>Heap</a:t>
+            </a:r>
+            <a:endParaRPr lang="en-US" sz="1200" b="1" dirty="0">
+              <a:solidFill>
+                <a:schemeClr val="tx1"/>
+              </a:solidFill>
+              <a:latin typeface="Source Sans Pro" panose="020B0503030403020204" pitchFamily="34" charset="0"/>
+              <a:ea typeface="Source Sans Pro" panose="020B0503030403020204" pitchFamily="34" charset="0"/>
+            </a:endParaRPr>
           </a:p>
         </p:txBody>
       </p:sp>
       <p:sp>
         <p:nvSpPr>
-          <p:cNvPr id="9" name="Rounded Rectangle 64">
+          <p:cNvPr id="13" name="Rounded Rectangle 64">
             <a:extLst>
               <a:ext uri="{FF2B5EF4-FFF2-40B4-BE49-F238E27FC236}">
-                <a16:creationId xmlns:a16="http://schemas.microsoft.com/office/drawing/2014/main" id="{5B033F2F-5CDB-5E49-895A-F543A3FECD31}"/>
+                <a16:creationId xmlns:a16="http://schemas.microsoft.com/office/drawing/2014/main" id="{F6F5FDE2-41BA-C24F-AD34-190FE779FEF3}"/>
               </a:ext>
             </a:extLst>
           </p:cNvPr>
@@ -7173,12 +7377,12 @@
         </p:nvSpPr>
         <p:spPr>
           <a:xfrm>
-            <a:off x="3265961" y="5242236"/>
+            <a:off x="5374209" y="5587292"/>
             <a:ext cx="1006496" cy="759600"/>
           </a:xfrm>
           <a:prstGeom prst="roundRect">
             <a:avLst>
-              <a:gd name="adj" fmla="val 13402"/>
+              <a:gd name="adj" fmla="val 12237"/>
             </a:avLst>
           </a:prstGeom>
           <a:solidFill>
@@ -7218,7 +7422,7 @@
                 <a:latin typeface="Source Sans Pro" panose="020B0503030403020204" pitchFamily="34" charset="0"/>
                 <a:ea typeface="Source Sans Pro" panose="020B0503030403020204" pitchFamily="34" charset="0"/>
               </a:rPr>
-              <a:t>Immortal</a:t>
+              <a:t>Internal</a:t>
             </a:r>
           </a:p>
           <a:p>
@@ -7231,20 +7435,7 @@
                 <a:latin typeface="Source Sans Pro" panose="020B0503030403020204" pitchFamily="34" charset="0"/>
                 <a:ea typeface="Source Sans Pro" panose="020B0503030403020204" pitchFamily="34" charset="0"/>
               </a:rPr>
-              <a:t>Objects</a:t>
-            </a:r>
-          </a:p>
-          <a:p>
-            <a:pPr algn="ctr"/>
-            <a:r>
-              <a:rPr lang="en-GB" sz="1200" b="1" dirty="0">
-                <a:solidFill>
-                  <a:schemeClr val="tx1"/>
-                </a:solidFill>
-                <a:latin typeface="Source Sans Pro" panose="020B0503030403020204" pitchFamily="34" charset="0"/>
-                <a:ea typeface="Source Sans Pro" panose="020B0503030403020204" pitchFamily="34" charset="0"/>
-              </a:rPr>
-              <a:t>Heap</a:t>
+              <a:t>Structures</a:t>
             </a:r>
             <a:endParaRPr lang="en-US" sz="1200" b="1" dirty="0">
               <a:solidFill>
@@ -7256,12 +7447,131 @@
           </a:p>
         </p:txBody>
       </p:sp>
+      <p:cxnSp>
+        <p:nvCxnSpPr>
+          <p:cNvPr id="67" name="Straight Arrow Connector 66">
+            <a:extLst>
+              <a:ext uri="{FF2B5EF4-FFF2-40B4-BE49-F238E27FC236}">
+                <a16:creationId xmlns:a16="http://schemas.microsoft.com/office/drawing/2014/main" id="{B9F061A1-CB24-A84C-A2D8-EB8BF256FB3C}"/>
+              </a:ext>
+            </a:extLst>
+          </p:cNvPr>
+          <p:cNvCxnSpPr>
+            <a:cxnSpLocks/>
+          </p:cNvCxnSpPr>
+          <p:nvPr/>
+        </p:nvCxnSpPr>
+        <p:spPr>
+          <a:xfrm>
+            <a:off x="6187024" y="2826799"/>
+            <a:ext cx="0" cy="565586"/>
+          </a:xfrm>
+          <a:prstGeom prst="straightConnector1">
+            <a:avLst/>
+          </a:prstGeom>
+          <a:ln w="19050">
+            <a:tailEnd type="triangle"/>
+          </a:ln>
+        </p:spPr>
+        <p:style>
+          <a:lnRef idx="1">
+            <a:schemeClr val="accent1"/>
+          </a:lnRef>
+          <a:fillRef idx="0">
+            <a:schemeClr val="accent1"/>
+          </a:fillRef>
+          <a:effectRef idx="0">
+            <a:schemeClr val="accent1"/>
+          </a:effectRef>
+          <a:fontRef idx="minor">
+            <a:schemeClr val="tx1"/>
+          </a:fontRef>
+        </p:style>
+      </p:cxnSp>
+      <p:cxnSp>
+        <p:nvCxnSpPr>
+          <p:cNvPr id="72" name="Straight Arrow Connector 71">
+            <a:extLst>
+              <a:ext uri="{FF2B5EF4-FFF2-40B4-BE49-F238E27FC236}">
+                <a16:creationId xmlns:a16="http://schemas.microsoft.com/office/drawing/2014/main" id="{2D138004-C406-DC46-BAE2-6D181D50B75C}"/>
+              </a:ext>
+            </a:extLst>
+          </p:cNvPr>
+          <p:cNvCxnSpPr/>
+          <p:nvPr/>
+        </p:nvCxnSpPr>
+        <p:spPr>
+          <a:xfrm flipH="1">
+            <a:off x="4391475" y="3568473"/>
+            <a:ext cx="653934" cy="0"/>
+          </a:xfrm>
+          <a:prstGeom prst="straightConnector1">
+            <a:avLst/>
+          </a:prstGeom>
+          <a:ln w="19050">
+            <a:tailEnd type="triangle"/>
+          </a:ln>
+        </p:spPr>
+        <p:style>
+          <a:lnRef idx="1">
+            <a:schemeClr val="accent1"/>
+          </a:lnRef>
+          <a:fillRef idx="0">
+            <a:schemeClr val="accent1"/>
+          </a:fillRef>
+          <a:effectRef idx="0">
+            <a:schemeClr val="accent1"/>
+          </a:effectRef>
+          <a:fontRef idx="minor">
+            <a:schemeClr val="tx1"/>
+          </a:fontRef>
+        </p:style>
+      </p:cxnSp>
+      <p:cxnSp>
+        <p:nvCxnSpPr>
+          <p:cNvPr id="73" name="Straight Arrow Connector 72">
+            <a:extLst>
+              <a:ext uri="{FF2B5EF4-FFF2-40B4-BE49-F238E27FC236}">
+                <a16:creationId xmlns:a16="http://schemas.microsoft.com/office/drawing/2014/main" id="{E986C3C7-7050-1642-A95D-6AD9C09EF1A4}"/>
+              </a:ext>
+            </a:extLst>
+          </p:cNvPr>
+          <p:cNvCxnSpPr/>
+          <p:nvPr/>
+        </p:nvCxnSpPr>
+        <p:spPr>
+          <a:xfrm flipH="1">
+            <a:off x="4391475" y="4527208"/>
+            <a:ext cx="653934" cy="0"/>
+          </a:xfrm>
+          <a:prstGeom prst="straightConnector1">
+            <a:avLst/>
+          </a:prstGeom>
+          <a:ln w="19050">
+            <a:tailEnd type="triangle"/>
+          </a:ln>
+        </p:spPr>
+        <p:style>
+          <a:lnRef idx="1">
+            <a:schemeClr val="accent1"/>
+          </a:lnRef>
+          <a:fillRef idx="0">
+            <a:schemeClr val="accent1"/>
+          </a:fillRef>
+          <a:effectRef idx="0">
+            <a:schemeClr val="accent1"/>
+          </a:effectRef>
+          <a:fontRef idx="minor">
+            <a:schemeClr val="tx1"/>
+          </a:fontRef>
+        </p:style>
+      </p:cxnSp>
       <p:sp>
         <p:nvSpPr>
-          <p:cNvPr id="13" name="Rounded Rectangle 64">
+          <p:cNvPr id="77" name="Rounded Rectangle 64">
             <a:extLst>
               <a:ext uri="{FF2B5EF4-FFF2-40B4-BE49-F238E27FC236}">
-                <a16:creationId xmlns:a16="http://schemas.microsoft.com/office/drawing/2014/main" id="{F6F5FDE2-41BA-C24F-AD34-190FE779FEF3}"/>
+                <a16:creationId xmlns:a16="http://schemas.microsoft.com/office/drawing/2014/main" id="{1DCB4E68-6CF9-AE45-8D9E-DA1EB5A53EA5}"/>
               </a:ext>
             </a:extLst>
           </p:cNvPr>
@@ -7270,19 +7580,21 @@
         </p:nvSpPr>
         <p:spPr>
           <a:xfrm>
-            <a:off x="5745144" y="5242236"/>
-            <a:ext cx="1006496" cy="759600"/>
+            <a:off x="5005291" y="2239925"/>
+            <a:ext cx="1835999" cy="614336"/>
           </a:xfrm>
           <a:prstGeom prst="roundRect">
             <a:avLst>
-              <a:gd name="adj" fmla="val 12237"/>
+              <a:gd name="adj" fmla="val 14879"/>
             </a:avLst>
           </a:prstGeom>
           <a:solidFill>
             <a:schemeClr val="bg1"/>
           </a:solidFill>
           <a:ln w="12700">
-            <a:noFill/>
+            <a:solidFill>
+              <a:schemeClr val="accent1"/>
+            </a:solidFill>
           </a:ln>
           <a:effectLst/>
         </p:spPr>
@@ -7301,36 +7613,331 @@
           </a:fontRef>
         </p:style>
         <p:txBody>
-          <a:bodyPr wrap="square" lIns="36000" tIns="36000" rIns="36000" bIns="36000" rtlCol="0" anchor="ctr">
+          <a:bodyPr wrap="square" lIns="72000" tIns="36000" rIns="36000" bIns="36000" rtlCol="0" anchor="ctr">
+            <a:spAutoFit/>
+          </a:bodyPr>
+          <a:lstStyle/>
+          <a:p>
+            <a:pPr algn="ctr"/>
+            <a:r>
+              <a:rPr lang="en-GB" sz="1200" b="1" dirty="0">
+                <a:solidFill>
+                  <a:schemeClr val="tx1"/>
+                </a:solidFill>
+                <a:latin typeface="Source Sans Pro" panose="020B0503030403020204" pitchFamily="34" charset="0"/>
+                <a:ea typeface="Source Sans Pro" panose="020B0503030403020204" pitchFamily="34" charset="0"/>
+              </a:rPr>
+              <a:t>Scheduler</a:t>
+            </a:r>
+          </a:p>
+          <a:p>
+            <a:r>
+              <a:rPr lang="en-US" sz="1000" dirty="0">
+                <a:solidFill>
+                  <a:schemeClr val="tx1"/>
+                </a:solidFill>
+                <a:latin typeface="Source Sans Pro" panose="020B0503030403020204" pitchFamily="34" charset="0"/>
+                <a:ea typeface="Source Sans Pro" panose="020B0503030403020204" pitchFamily="34" charset="0"/>
+              </a:rPr>
+              <a:t>• Green Threads Policy</a:t>
+            </a:r>
+          </a:p>
+          <a:p>
+            <a:r>
+              <a:rPr lang="en-US" sz="1000" dirty="0">
+                <a:solidFill>
+                  <a:schemeClr val="tx1"/>
+                </a:solidFill>
+                <a:latin typeface="Source Sans Pro" panose="020B0503030403020204" pitchFamily="34" charset="0"/>
+                <a:ea typeface="Source Sans Pro" panose="020B0503030403020204" pitchFamily="34" charset="0"/>
+              </a:rPr>
+              <a:t>• Synchronization Monitors</a:t>
+            </a:r>
+          </a:p>
+        </p:txBody>
+      </p:sp>
+      <p:sp>
+        <p:nvSpPr>
+          <p:cNvPr id="79" name="Rounded Rectangle 64">
+            <a:extLst>
+              <a:ext uri="{FF2B5EF4-FFF2-40B4-BE49-F238E27FC236}">
+                <a16:creationId xmlns:a16="http://schemas.microsoft.com/office/drawing/2014/main" id="{2CA119AF-F873-2E4E-8528-57BFB2194CE1}"/>
+              </a:ext>
+            </a:extLst>
+          </p:cNvPr>
+          <p:cNvSpPr/>
+          <p:nvPr/>
+        </p:nvSpPr>
+        <p:spPr>
+          <a:xfrm>
+            <a:off x="2895020" y="3089642"/>
+            <a:ext cx="1835999" cy="1040509"/>
+          </a:xfrm>
+          <a:prstGeom prst="roundRect">
+            <a:avLst>
+              <a:gd name="adj" fmla="val 8984"/>
+            </a:avLst>
+          </a:prstGeom>
+          <a:solidFill>
+            <a:schemeClr val="bg1"/>
+          </a:solidFill>
+          <a:ln w="12700">
+            <a:solidFill>
+              <a:schemeClr val="accent1"/>
+            </a:solidFill>
+          </a:ln>
+          <a:effectLst/>
+        </p:spPr>
+        <p:style>
+          <a:lnRef idx="2">
+            <a:schemeClr val="dk1"/>
+          </a:lnRef>
+          <a:fillRef idx="1">
+            <a:schemeClr val="lt1"/>
+          </a:fillRef>
+          <a:effectRef idx="0">
+            <a:schemeClr val="dk1"/>
+          </a:effectRef>
+          <a:fontRef idx="minor">
+            <a:schemeClr val="dk1"/>
+          </a:fontRef>
+        </p:style>
+        <p:txBody>
+          <a:bodyPr wrap="square" lIns="72000" tIns="36000" rIns="36000" bIns="36000" rtlCol="0" anchor="ctr">
             <a:noAutofit/>
           </a:bodyPr>
           <a:lstStyle/>
           <a:p>
             <a:pPr algn="ctr"/>
             <a:r>
-              <a:rPr lang="en-GB" sz="1200" b="1" dirty="0">
+              <a:rPr lang="en-US" sz="1200" b="1" dirty="0">
                 <a:solidFill>
                   <a:schemeClr val="tx1"/>
                 </a:solidFill>
                 <a:latin typeface="Source Sans Pro" panose="020B0503030403020204" pitchFamily="34" charset="0"/>
                 <a:ea typeface="Source Sans Pro" panose="020B0503030403020204" pitchFamily="34" charset="0"/>
               </a:rPr>
-              <a:t>Internal</a:t>
-            </a:r>
-          </a:p>
-          <a:p>
-            <a:pPr algn="ctr"/>
-            <a:r>
-              <a:rPr lang="en-GB" sz="1200" b="1" dirty="0">
+              <a:t>Exceptions Manager</a:t>
+            </a:r>
+          </a:p>
+          <a:p>
+            <a:r>
+              <a:rPr lang="en-US" sz="1000" dirty="0">
                 <a:solidFill>
                   <a:schemeClr val="tx1"/>
                 </a:solidFill>
                 <a:latin typeface="Source Sans Pro" panose="020B0503030403020204" pitchFamily="34" charset="0"/>
                 <a:ea typeface="Source Sans Pro" panose="020B0503030403020204" pitchFamily="34" charset="0"/>
               </a:rPr>
-              <a:t>Structures</a:t>
-            </a:r>
-            <a:endParaRPr lang="en-US" sz="1200" b="1" dirty="0">
+              <a:t>• Zero Division &amp; Null Pointer </a:t>
+            </a:r>
+          </a:p>
+          <a:p>
+            <a:r>
+              <a:rPr lang="en-US" sz="1000" dirty="0">
+                <a:solidFill>
+                  <a:schemeClr val="tx1"/>
+                </a:solidFill>
+                <a:latin typeface="Source Sans Pro" panose="020B0503030403020204" pitchFamily="34" charset="0"/>
+                <a:ea typeface="Source Sans Pro" panose="020B0503030403020204" pitchFamily="34" charset="0"/>
+              </a:rPr>
+              <a:t>• Array Index Out of Bounds</a:t>
+            </a:r>
+          </a:p>
+          <a:p>
+            <a:r>
+              <a:rPr lang="en-US" sz="1000" dirty="0">
+                <a:solidFill>
+                  <a:schemeClr val="tx1"/>
+                </a:solidFill>
+                <a:latin typeface="Source Sans Pro" panose="020B0503030403020204" pitchFamily="34" charset="0"/>
+                <a:ea typeface="Source Sans Pro" panose="020B0503030403020204" pitchFamily="34" charset="0"/>
+              </a:rPr>
+              <a:t>• Invalid Reference Cast</a:t>
+            </a:r>
+          </a:p>
+          <a:p>
+            <a:r>
+              <a:rPr lang="en-US" sz="1000" dirty="0">
+                <a:solidFill>
+                  <a:schemeClr val="tx1"/>
+                </a:solidFill>
+                <a:latin typeface="Source Sans Pro" panose="020B0503030403020204" pitchFamily="34" charset="0"/>
+                <a:ea typeface="Source Sans Pro" panose="020B0503030403020204" pitchFamily="34" charset="0"/>
+              </a:rPr>
+              <a:t>• Stack &amp; Memory Overflow</a:t>
+            </a:r>
+          </a:p>
+          <a:p>
+            <a:r>
+              <a:rPr lang="en-US" sz="1000" dirty="0">
+                <a:solidFill>
+                  <a:schemeClr val="tx1"/>
+                </a:solidFill>
+                <a:latin typeface="Source Sans Pro" panose="020B0503030403020204" pitchFamily="34" charset="0"/>
+                <a:ea typeface="Source Sans Pro" panose="020B0503030403020204" pitchFamily="34" charset="0"/>
+              </a:rPr>
+              <a:t>• Catch &amp; Finally Semantic </a:t>
+            </a:r>
+          </a:p>
+        </p:txBody>
+      </p:sp>
+      <p:sp>
+        <p:nvSpPr>
+          <p:cNvPr id="81" name="Rounded Rectangle 64">
+            <a:extLst>
+              <a:ext uri="{FF2B5EF4-FFF2-40B4-BE49-F238E27FC236}">
+                <a16:creationId xmlns:a16="http://schemas.microsoft.com/office/drawing/2014/main" id="{A1515842-3512-0E4B-BFAD-3B78CC0F79D2}"/>
+              </a:ext>
+            </a:extLst>
+          </p:cNvPr>
+          <p:cNvSpPr/>
+          <p:nvPr/>
+        </p:nvSpPr>
+        <p:spPr>
+          <a:xfrm>
+            <a:off x="2893096" y="4235187"/>
+            <a:ext cx="1835999" cy="630733"/>
+          </a:xfrm>
+          <a:prstGeom prst="roundRect">
+            <a:avLst>
+              <a:gd name="adj" fmla="val 19127"/>
+            </a:avLst>
+          </a:prstGeom>
+          <a:solidFill>
+            <a:schemeClr val="bg1"/>
+          </a:solidFill>
+          <a:ln w="12700">
+            <a:solidFill>
+              <a:schemeClr val="accent1"/>
+            </a:solidFill>
+          </a:ln>
+          <a:effectLst/>
+        </p:spPr>
+        <p:style>
+          <a:lnRef idx="2">
+            <a:schemeClr val="dk1"/>
+          </a:lnRef>
+          <a:fillRef idx="1">
+            <a:schemeClr val="lt1"/>
+          </a:fillRef>
+          <a:effectRef idx="0">
+            <a:schemeClr val="dk1"/>
+          </a:effectRef>
+          <a:fontRef idx="minor">
+            <a:schemeClr val="dk1"/>
+          </a:fontRef>
+        </p:style>
+        <p:txBody>
+          <a:bodyPr wrap="square" lIns="72000" tIns="36000" rIns="36000" bIns="36000" rtlCol="0" anchor="ctr">
+            <a:spAutoFit/>
+          </a:bodyPr>
+          <a:lstStyle/>
+          <a:p>
+            <a:pPr algn="ctr"/>
+            <a:r>
+              <a:rPr lang="en-GB" sz="1200" b="1" dirty="0">
+                <a:solidFill>
+                  <a:schemeClr val="tx1"/>
+                </a:solidFill>
+                <a:latin typeface="Source Sans Pro" panose="020B0503030403020204" pitchFamily="34" charset="0"/>
+                <a:ea typeface="Source Sans Pro" panose="020B0503030403020204" pitchFamily="34" charset="0"/>
+              </a:rPr>
+              <a:t>Native Interface</a:t>
+            </a:r>
+          </a:p>
+          <a:p>
+            <a:r>
+              <a:rPr lang="en-US" sz="1000" dirty="0">
+                <a:solidFill>
+                  <a:schemeClr val="tx1"/>
+                </a:solidFill>
+                <a:latin typeface="Source Sans Pro" panose="020B0503030403020204" pitchFamily="34" charset="0"/>
+                <a:ea typeface="Source Sans Pro" panose="020B0503030403020204" pitchFamily="34" charset="0"/>
+              </a:rPr>
+              <a:t>• Procedure Call Standard ABI</a:t>
+            </a:r>
+          </a:p>
+          <a:p>
+            <a:r>
+              <a:rPr lang="en-US" sz="1000" dirty="0">
+                <a:solidFill>
+                  <a:schemeClr val="tx1"/>
+                </a:solidFill>
+                <a:latin typeface="Source Sans Pro" panose="020B0503030403020204" pitchFamily="34" charset="0"/>
+                <a:ea typeface="Source Sans Pro" panose="020B0503030403020204" pitchFamily="34" charset="0"/>
+              </a:rPr>
+              <a:t>• Native Resources Manager</a:t>
+            </a:r>
+          </a:p>
+        </p:txBody>
+      </p:sp>
+      <p:sp>
+        <p:nvSpPr>
+          <p:cNvPr id="82" name="Rounded Rectangle 64">
+            <a:extLst>
+              <a:ext uri="{FF2B5EF4-FFF2-40B4-BE49-F238E27FC236}">
+                <a16:creationId xmlns:a16="http://schemas.microsoft.com/office/drawing/2014/main" id="{E2D7539F-9236-6446-AB93-37D436E13DD1}"/>
+              </a:ext>
+            </a:extLst>
+          </p:cNvPr>
+          <p:cNvSpPr/>
+          <p:nvPr/>
+        </p:nvSpPr>
+        <p:spPr>
+          <a:xfrm>
+            <a:off x="4844480" y="3213806"/>
+            <a:ext cx="2055251" cy="1649785"/>
+          </a:xfrm>
+          <a:prstGeom prst="roundRect">
+            <a:avLst>
+              <a:gd name="adj" fmla="val 6348"/>
+            </a:avLst>
+          </a:prstGeom>
+          <a:solidFill>
+            <a:schemeClr val="bg1"/>
+          </a:solidFill>
+          <a:ln w="12700">
+            <a:solidFill>
+              <a:schemeClr val="accent1"/>
+            </a:solidFill>
+          </a:ln>
+          <a:effectLst/>
+        </p:spPr>
+        <p:style>
+          <a:lnRef idx="2">
+            <a:schemeClr val="dk1"/>
+          </a:lnRef>
+          <a:fillRef idx="1">
+            <a:schemeClr val="lt1"/>
+          </a:fillRef>
+          <a:effectRef idx="0">
+            <a:schemeClr val="dk1"/>
+          </a:effectRef>
+          <a:fontRef idx="minor">
+            <a:schemeClr val="dk1"/>
+          </a:fontRef>
+        </p:style>
+        <p:txBody>
+          <a:bodyPr wrap="square" lIns="72000" tIns="36000" rIns="36000" bIns="36000" rtlCol="0" anchor="ctr">
+            <a:noAutofit/>
+          </a:bodyPr>
+          <a:lstStyle/>
+          <a:p>
+            <a:pPr algn="ctr"/>
+            <a:r>
+              <a:rPr lang="en-GB" sz="1200" b="1" dirty="0">
+                <a:solidFill>
+                  <a:schemeClr val="tx1"/>
+                </a:solidFill>
+                <a:latin typeface="Source Sans Pro" panose="020B0503030403020204" pitchFamily="34" charset="0"/>
+                <a:ea typeface="Source Sans Pro" panose="020B0503030403020204" pitchFamily="34" charset="0"/>
+              </a:rPr>
+              <a:t>Processing Unit</a:t>
+            </a:r>
+          </a:p>
+          <a:p>
+            <a:endParaRPr lang="en-GB" sz="1000" dirty="0">
               <a:solidFill>
                 <a:schemeClr val="tx1"/>
               </a:solidFill>
@@ -7338,946 +7945,56 @@
               <a:ea typeface="Source Sans Pro" panose="020B0503030403020204" pitchFamily="34" charset="0"/>
             </a:endParaRPr>
           </a:p>
+          <a:p>
+            <a:r>
+              <a:rPr lang="en-US" sz="1000" dirty="0">
+                <a:solidFill>
+                  <a:schemeClr val="tx1"/>
+                </a:solidFill>
+                <a:latin typeface="Source Sans Pro" panose="020B0503030403020204" pitchFamily="34" charset="0"/>
+                <a:ea typeface="Source Sans Pro" panose="020B0503030403020204" pitchFamily="34" charset="0"/>
+              </a:rPr>
+              <a:t>• High Density Instructions (ISA)</a:t>
+            </a:r>
+          </a:p>
+          <a:p>
+            <a:r>
+              <a:rPr lang="en-US" sz="1000" dirty="0">
+                <a:solidFill>
+                  <a:schemeClr val="tx1"/>
+                </a:solidFill>
+                <a:latin typeface="Source Sans Pro" panose="020B0503030403020204" pitchFamily="34" charset="0"/>
+                <a:ea typeface="Source Sans Pro" panose="020B0503030403020204" pitchFamily="34" charset="0"/>
+              </a:rPr>
+              <a:t>• FPU 32-bit &amp; 64-bit</a:t>
+            </a:r>
+          </a:p>
+          <a:p>
+            <a:r>
+              <a:rPr lang="en-US" sz="1000" dirty="0">
+                <a:solidFill>
+                  <a:schemeClr val="tx1"/>
+                </a:solidFill>
+                <a:latin typeface="Source Sans Pro" panose="020B0503030403020204" pitchFamily="34" charset="0"/>
+                <a:ea typeface="Source Sans Pro" panose="020B0503030403020204" pitchFamily="34" charset="0"/>
+              </a:rPr>
+              <a:t>• 16-bit Pointers(*)</a:t>
+            </a:r>
+          </a:p>
+          <a:p>
+            <a:r>
+              <a:rPr lang="en-US" sz="1000" dirty="0">
+                <a:solidFill>
+                  <a:schemeClr val="tx1"/>
+                </a:solidFill>
+                <a:latin typeface="Source Sans Pro" panose="020B0503030403020204" pitchFamily="34" charset="0"/>
+                <a:ea typeface="Source Sans Pro" panose="020B0503030403020204" pitchFamily="34" charset="0"/>
+              </a:rPr>
+              <a:t>• Software MPU</a:t>
+            </a:r>
+          </a:p>
         </p:txBody>
       </p:sp>
-      <p:grpSp>
-        <p:nvGrpSpPr>
-          <p:cNvPr id="84" name="Group 83">
-            <a:extLst>
-              <a:ext uri="{FF2B5EF4-FFF2-40B4-BE49-F238E27FC236}">
-                <a16:creationId xmlns:a16="http://schemas.microsoft.com/office/drawing/2014/main" id="{F189A6B0-CD77-7940-8780-DB608EA6CBAE}"/>
-              </a:ext>
-            </a:extLst>
-          </p:cNvPr>
-          <p:cNvGrpSpPr/>
-          <p:nvPr/>
-        </p:nvGrpSpPr>
-        <p:grpSpPr>
-          <a:xfrm>
-            <a:off x="4762410" y="2481743"/>
-            <a:ext cx="3267260" cy="1700409"/>
-            <a:chOff x="4765964" y="1757553"/>
-            <a:chExt cx="3267260" cy="1700409"/>
-          </a:xfrm>
-        </p:grpSpPr>
-        <p:cxnSp>
-          <p:nvCxnSpPr>
-            <p:cNvPr id="67" name="Straight Arrow Connector 66">
-              <a:extLst>
-                <a:ext uri="{FF2B5EF4-FFF2-40B4-BE49-F238E27FC236}">
-                  <a16:creationId xmlns:a16="http://schemas.microsoft.com/office/drawing/2014/main" id="{B9F061A1-CB24-A84C-A2D8-EB8BF256FB3C}"/>
-                </a:ext>
-              </a:extLst>
-            </p:cNvPr>
-            <p:cNvCxnSpPr>
-              <a:cxnSpLocks/>
-            </p:cNvCxnSpPr>
-            <p:nvPr/>
-          </p:nvCxnSpPr>
-          <p:spPr>
-            <a:xfrm>
-              <a:off x="6561513" y="1757553"/>
-              <a:ext cx="0" cy="565586"/>
-            </a:xfrm>
-            <a:prstGeom prst="straightConnector1">
-              <a:avLst/>
-            </a:prstGeom>
-            <a:ln w="19050">
-              <a:tailEnd type="triangle"/>
-            </a:ln>
-          </p:spPr>
-          <p:style>
-            <a:lnRef idx="1">
-              <a:schemeClr val="accent1"/>
-            </a:lnRef>
-            <a:fillRef idx="0">
-              <a:schemeClr val="accent1"/>
-            </a:fillRef>
-            <a:effectRef idx="0">
-              <a:schemeClr val="accent1"/>
-            </a:effectRef>
-            <a:fontRef idx="minor">
-              <a:schemeClr val="tx1"/>
-            </a:fontRef>
-          </p:style>
-        </p:cxnSp>
-        <p:cxnSp>
-          <p:nvCxnSpPr>
-            <p:cNvPr id="68" name="Straight Arrow Connector 67">
-              <a:extLst>
-                <a:ext uri="{FF2B5EF4-FFF2-40B4-BE49-F238E27FC236}">
-                  <a16:creationId xmlns:a16="http://schemas.microsoft.com/office/drawing/2014/main" id="{E6AD74B9-0B6B-8843-B7E1-857F471C4045}"/>
-                </a:ext>
-              </a:extLst>
-            </p:cNvPr>
-            <p:cNvCxnSpPr/>
-            <p:nvPr/>
-          </p:nvCxnSpPr>
-          <p:spPr>
-            <a:xfrm>
-              <a:off x="8033224" y="2881498"/>
-              <a:ext cx="0" cy="405761"/>
-            </a:xfrm>
-            <a:prstGeom prst="straightConnector1">
-              <a:avLst/>
-            </a:prstGeom>
-            <a:ln w="19050">
-              <a:tailEnd type="triangle"/>
-            </a:ln>
-          </p:spPr>
-          <p:style>
-            <a:lnRef idx="1">
-              <a:schemeClr val="accent1"/>
-            </a:lnRef>
-            <a:fillRef idx="0">
-              <a:schemeClr val="accent1"/>
-            </a:fillRef>
-            <a:effectRef idx="0">
-              <a:schemeClr val="accent1"/>
-            </a:effectRef>
-            <a:fontRef idx="minor">
-              <a:schemeClr val="tx1"/>
-            </a:fontRef>
-          </p:style>
-        </p:cxnSp>
-        <p:cxnSp>
-          <p:nvCxnSpPr>
-            <p:cNvPr id="70" name="Straight Arrow Connector 69">
-              <a:extLst>
-                <a:ext uri="{FF2B5EF4-FFF2-40B4-BE49-F238E27FC236}">
-                  <a16:creationId xmlns:a16="http://schemas.microsoft.com/office/drawing/2014/main" id="{CFEFCAD9-A52E-774F-85A3-EA595D45247A}"/>
-                </a:ext>
-              </a:extLst>
-            </p:cNvPr>
-            <p:cNvCxnSpPr/>
-            <p:nvPr/>
-          </p:nvCxnSpPr>
-          <p:spPr>
-            <a:xfrm flipH="1">
-              <a:off x="6744393" y="2499227"/>
-              <a:ext cx="653934" cy="0"/>
-            </a:xfrm>
-            <a:prstGeom prst="straightConnector1">
-              <a:avLst/>
-            </a:prstGeom>
-            <a:ln w="19050">
-              <a:tailEnd type="triangle"/>
-            </a:ln>
-          </p:spPr>
-          <p:style>
-            <a:lnRef idx="1">
-              <a:schemeClr val="accent1"/>
-            </a:lnRef>
-            <a:fillRef idx="0">
-              <a:schemeClr val="accent1"/>
-            </a:fillRef>
-            <a:effectRef idx="0">
-              <a:schemeClr val="accent1"/>
-            </a:effectRef>
-            <a:fontRef idx="minor">
-              <a:schemeClr val="tx1"/>
-            </a:fontRef>
-          </p:style>
-        </p:cxnSp>
-        <p:cxnSp>
-          <p:nvCxnSpPr>
-            <p:cNvPr id="71" name="Straight Arrow Connector 70">
-              <a:extLst>
-                <a:ext uri="{FF2B5EF4-FFF2-40B4-BE49-F238E27FC236}">
-                  <a16:creationId xmlns:a16="http://schemas.microsoft.com/office/drawing/2014/main" id="{8574D056-9C88-9244-8842-96B0BFDDC762}"/>
-                </a:ext>
-              </a:extLst>
-            </p:cNvPr>
-            <p:cNvCxnSpPr/>
-            <p:nvPr/>
-          </p:nvCxnSpPr>
-          <p:spPr>
-            <a:xfrm flipH="1">
-              <a:off x="6744393" y="3452553"/>
-              <a:ext cx="653934" cy="0"/>
-            </a:xfrm>
-            <a:prstGeom prst="straightConnector1">
-              <a:avLst/>
-            </a:prstGeom>
-            <a:ln w="19050">
-              <a:tailEnd type="triangle"/>
-            </a:ln>
-          </p:spPr>
-          <p:style>
-            <a:lnRef idx="1">
-              <a:schemeClr val="accent1"/>
-            </a:lnRef>
-            <a:fillRef idx="0">
-              <a:schemeClr val="accent1"/>
-            </a:fillRef>
-            <a:effectRef idx="0">
-              <a:schemeClr val="accent1"/>
-            </a:effectRef>
-            <a:fontRef idx="minor">
-              <a:schemeClr val="tx1"/>
-            </a:fontRef>
-          </p:style>
-        </p:cxnSp>
-        <p:cxnSp>
-          <p:nvCxnSpPr>
-            <p:cNvPr id="72" name="Straight Arrow Connector 71">
-              <a:extLst>
-                <a:ext uri="{FF2B5EF4-FFF2-40B4-BE49-F238E27FC236}">
-                  <a16:creationId xmlns:a16="http://schemas.microsoft.com/office/drawing/2014/main" id="{2D138004-C406-DC46-BAE2-6D181D50B75C}"/>
-                </a:ext>
-              </a:extLst>
-            </p:cNvPr>
-            <p:cNvCxnSpPr/>
-            <p:nvPr/>
-          </p:nvCxnSpPr>
-          <p:spPr>
-            <a:xfrm flipH="1">
-              <a:off x="4765964" y="2499227"/>
-              <a:ext cx="653934" cy="0"/>
-            </a:xfrm>
-            <a:prstGeom prst="straightConnector1">
-              <a:avLst/>
-            </a:prstGeom>
-            <a:ln w="19050">
-              <a:tailEnd type="triangle"/>
-            </a:ln>
-          </p:spPr>
-          <p:style>
-            <a:lnRef idx="1">
-              <a:schemeClr val="accent1"/>
-            </a:lnRef>
-            <a:fillRef idx="0">
-              <a:schemeClr val="accent1"/>
-            </a:fillRef>
-            <a:effectRef idx="0">
-              <a:schemeClr val="accent1"/>
-            </a:effectRef>
-            <a:fontRef idx="minor">
-              <a:schemeClr val="tx1"/>
-            </a:fontRef>
-          </p:style>
-        </p:cxnSp>
-        <p:cxnSp>
-          <p:nvCxnSpPr>
-            <p:cNvPr id="73" name="Straight Arrow Connector 72">
-              <a:extLst>
-                <a:ext uri="{FF2B5EF4-FFF2-40B4-BE49-F238E27FC236}">
-                  <a16:creationId xmlns:a16="http://schemas.microsoft.com/office/drawing/2014/main" id="{E986C3C7-7050-1642-A95D-6AD9C09EF1A4}"/>
-                </a:ext>
-              </a:extLst>
-            </p:cNvPr>
-            <p:cNvCxnSpPr/>
-            <p:nvPr/>
-          </p:nvCxnSpPr>
-          <p:spPr>
-            <a:xfrm flipH="1">
-              <a:off x="4765964" y="3457962"/>
-              <a:ext cx="653934" cy="0"/>
-            </a:xfrm>
-            <a:prstGeom prst="straightConnector1">
-              <a:avLst/>
-            </a:prstGeom>
-            <a:ln w="19050">
-              <a:tailEnd type="triangle"/>
-            </a:ln>
-          </p:spPr>
-          <p:style>
-            <a:lnRef idx="1">
-              <a:schemeClr val="accent1"/>
-            </a:lnRef>
-            <a:fillRef idx="0">
-              <a:schemeClr val="accent1"/>
-            </a:fillRef>
-            <a:effectRef idx="0">
-              <a:schemeClr val="accent1"/>
-            </a:effectRef>
-            <a:fontRef idx="minor">
-              <a:schemeClr val="tx1"/>
-            </a:fontRef>
-          </p:style>
-        </p:cxnSp>
-        <p:cxnSp>
-          <p:nvCxnSpPr>
-            <p:cNvPr id="83" name="Straight Arrow Connector 82">
-              <a:extLst>
-                <a:ext uri="{FF2B5EF4-FFF2-40B4-BE49-F238E27FC236}">
-                  <a16:creationId xmlns:a16="http://schemas.microsoft.com/office/drawing/2014/main" id="{9E6396C4-7F1E-574F-8D5F-F797A4A271CA}"/>
-                </a:ext>
-              </a:extLst>
-            </p:cNvPr>
-            <p:cNvCxnSpPr/>
-            <p:nvPr/>
-          </p:nvCxnSpPr>
-          <p:spPr>
-            <a:xfrm>
-              <a:off x="8022141" y="1757553"/>
-              <a:ext cx="0" cy="405761"/>
-            </a:xfrm>
-            <a:prstGeom prst="straightConnector1">
-              <a:avLst/>
-            </a:prstGeom>
-            <a:ln w="19050">
-              <a:tailEnd type="triangle"/>
-            </a:ln>
-          </p:spPr>
-          <p:style>
-            <a:lnRef idx="1">
-              <a:schemeClr val="accent1"/>
-            </a:lnRef>
-            <a:fillRef idx="0">
-              <a:schemeClr val="accent1"/>
-            </a:fillRef>
-            <a:effectRef idx="0">
-              <a:schemeClr val="accent1"/>
-            </a:effectRef>
-            <a:fontRef idx="minor">
-              <a:schemeClr val="tx1"/>
-            </a:fontRef>
-          </p:style>
-        </p:cxnSp>
-      </p:grpSp>
-      <p:grpSp>
-        <p:nvGrpSpPr>
-          <p:cNvPr id="76" name="Group 75">
-            <a:extLst>
-              <a:ext uri="{FF2B5EF4-FFF2-40B4-BE49-F238E27FC236}">
-                <a16:creationId xmlns:a16="http://schemas.microsoft.com/office/drawing/2014/main" id="{E60B5AE7-55E8-F849-BA4A-4B036E5EE364}"/>
-              </a:ext>
-            </a:extLst>
-          </p:cNvPr>
-          <p:cNvGrpSpPr/>
-          <p:nvPr/>
-        </p:nvGrpSpPr>
-        <p:grpSpPr>
-          <a:xfrm>
-            <a:off x="3264031" y="1910891"/>
-            <a:ext cx="5789970" cy="2609973"/>
-            <a:chOff x="3264031" y="1186701"/>
-            <a:chExt cx="5789970" cy="2609973"/>
-          </a:xfrm>
-        </p:grpSpPr>
-        <p:sp>
-          <p:nvSpPr>
-            <p:cNvPr id="77" name="Rounded Rectangle 64">
-              <a:extLst>
-                <a:ext uri="{FF2B5EF4-FFF2-40B4-BE49-F238E27FC236}">
-                  <a16:creationId xmlns:a16="http://schemas.microsoft.com/office/drawing/2014/main" id="{1DCB4E68-6CF9-AE45-8D9E-DA1EB5A53EA5}"/>
-                </a:ext>
-              </a:extLst>
-            </p:cNvPr>
-            <p:cNvSpPr/>
-            <p:nvPr/>
-          </p:nvSpPr>
-          <p:spPr>
-            <a:xfrm>
-              <a:off x="7218002" y="3163613"/>
-              <a:ext cx="1835999" cy="614336"/>
-            </a:xfrm>
-            <a:prstGeom prst="roundRect">
-              <a:avLst>
-                <a:gd name="adj" fmla="val 14879"/>
-              </a:avLst>
-            </a:prstGeom>
-            <a:solidFill>
-              <a:schemeClr val="bg1"/>
-            </a:solidFill>
-            <a:ln w="12700">
-              <a:solidFill>
-                <a:schemeClr val="accent1"/>
-              </a:solidFill>
-            </a:ln>
-            <a:effectLst/>
-          </p:spPr>
-          <p:style>
-            <a:lnRef idx="2">
-              <a:schemeClr val="dk1"/>
-            </a:lnRef>
-            <a:fillRef idx="1">
-              <a:schemeClr val="lt1"/>
-            </a:fillRef>
-            <a:effectRef idx="0">
-              <a:schemeClr val="dk1"/>
-            </a:effectRef>
-            <a:fontRef idx="minor">
-              <a:schemeClr val="dk1"/>
-            </a:fontRef>
-          </p:style>
-          <p:txBody>
-            <a:bodyPr wrap="square" lIns="72000" tIns="36000" rIns="36000" bIns="36000" rtlCol="0" anchor="ctr">
-              <a:spAutoFit/>
-            </a:bodyPr>
-            <a:lstStyle/>
-            <a:p>
-              <a:pPr algn="ctr"/>
-              <a:r>
-                <a:rPr lang="en-GB" sz="1200" b="1" dirty="0">
-                  <a:solidFill>
-                    <a:schemeClr val="tx1"/>
-                  </a:solidFill>
-                  <a:latin typeface="Source Sans Pro" panose="020B0503030403020204" pitchFamily="34" charset="0"/>
-                  <a:ea typeface="Source Sans Pro" panose="020B0503030403020204" pitchFamily="34" charset="0"/>
-                </a:rPr>
-                <a:t>Scheduler</a:t>
-              </a:r>
-            </a:p>
-            <a:p>
-              <a:r>
-                <a:rPr lang="en-US" sz="1000" dirty="0">
-                  <a:solidFill>
-                    <a:schemeClr val="tx1"/>
-                  </a:solidFill>
-                  <a:latin typeface="Source Sans Pro" panose="020B0503030403020204" pitchFamily="34" charset="0"/>
-                  <a:ea typeface="Source Sans Pro" panose="020B0503030403020204" pitchFamily="34" charset="0"/>
-                </a:rPr>
-                <a:t>• Green Threads Policy</a:t>
-              </a:r>
-            </a:p>
-            <a:p>
-              <a:r>
-                <a:rPr lang="en-US" sz="1000" dirty="0">
-                  <a:solidFill>
-                    <a:schemeClr val="tx1"/>
-                  </a:solidFill>
-                  <a:latin typeface="Source Sans Pro" panose="020B0503030403020204" pitchFamily="34" charset="0"/>
-                  <a:ea typeface="Source Sans Pro" panose="020B0503030403020204" pitchFamily="34" charset="0"/>
-                </a:rPr>
-                <a:t>• Synchronization Monitors</a:t>
-              </a:r>
-            </a:p>
-          </p:txBody>
-        </p:sp>
-        <p:sp>
-          <p:nvSpPr>
-            <p:cNvPr id="78" name="Rounded Rectangle 64">
-              <a:extLst>
-                <a:ext uri="{FF2B5EF4-FFF2-40B4-BE49-F238E27FC236}">
-                  <a16:creationId xmlns:a16="http://schemas.microsoft.com/office/drawing/2014/main" id="{72E5D810-D4D8-244A-A685-F6BA86677516}"/>
-                </a:ext>
-              </a:extLst>
-            </p:cNvPr>
-            <p:cNvSpPr/>
-            <p:nvPr/>
-          </p:nvSpPr>
-          <p:spPr>
-            <a:xfrm>
-              <a:off x="7210620" y="1988646"/>
-              <a:ext cx="1835999" cy="1032215"/>
-            </a:xfrm>
-            <a:prstGeom prst="roundRect">
-              <a:avLst>
-                <a:gd name="adj" fmla="val 10061"/>
-              </a:avLst>
-            </a:prstGeom>
-            <a:solidFill>
-              <a:schemeClr val="bg1"/>
-            </a:solidFill>
-            <a:ln w="12700">
-              <a:solidFill>
-                <a:schemeClr val="accent1"/>
-              </a:solidFill>
-            </a:ln>
-            <a:effectLst/>
-          </p:spPr>
-          <p:style>
-            <a:lnRef idx="2">
-              <a:schemeClr val="dk1"/>
-            </a:lnRef>
-            <a:fillRef idx="1">
-              <a:schemeClr val="lt1"/>
-            </a:fillRef>
-            <a:effectRef idx="0">
-              <a:schemeClr val="dk1"/>
-            </a:effectRef>
-            <a:fontRef idx="minor">
-              <a:schemeClr val="dk1"/>
-            </a:fontRef>
-          </p:style>
-          <p:txBody>
-            <a:bodyPr wrap="square" lIns="72000" tIns="36000" rIns="36000" bIns="36000" rtlCol="0" anchor="ctr">
-              <a:noAutofit/>
-            </a:bodyPr>
-            <a:lstStyle/>
-            <a:p>
-              <a:pPr algn="ctr"/>
-              <a:r>
-                <a:rPr lang="en-GB" sz="1200" b="1" dirty="0">
-                  <a:solidFill>
-                    <a:schemeClr val="tx1"/>
-                  </a:solidFill>
-                  <a:latin typeface="Source Sans Pro" panose="020B0503030403020204" pitchFamily="34" charset="0"/>
-                  <a:ea typeface="Source Sans Pro" panose="020B0503030403020204" pitchFamily="34" charset="0"/>
-                </a:rPr>
-                <a:t>Multi-Sandbox Mode(*)</a:t>
-              </a:r>
-            </a:p>
-            <a:p>
-              <a:r>
-                <a:rPr lang="en-US" sz="1000" dirty="0">
-                  <a:solidFill>
-                    <a:schemeClr val="tx1"/>
-                  </a:solidFill>
-                  <a:latin typeface="Source Sans Pro" panose="020B0503030403020204" pitchFamily="34" charset="0"/>
-                  <a:ea typeface="Source Sans Pro" panose="020B0503030403020204" pitchFamily="34" charset="0"/>
-                </a:rPr>
-                <a:t>• App Execution Control</a:t>
-              </a:r>
-            </a:p>
-            <a:p>
-              <a:r>
-                <a:rPr lang="en-US" sz="1000" dirty="0">
-                  <a:solidFill>
-                    <a:schemeClr val="tx1"/>
-                  </a:solidFill>
-                  <a:latin typeface="Source Sans Pro" panose="020B0503030403020204" pitchFamily="34" charset="0"/>
-                  <a:ea typeface="Source Sans Pro" panose="020B0503030403020204" pitchFamily="34" charset="0"/>
-                </a:rPr>
-                <a:t>• CPU Control</a:t>
-              </a:r>
-            </a:p>
-            <a:p>
-              <a:r>
-                <a:rPr lang="en-US" sz="1000" dirty="0">
-                  <a:solidFill>
-                    <a:schemeClr val="tx1"/>
-                  </a:solidFill>
-                  <a:latin typeface="Source Sans Pro" panose="020B0503030403020204" pitchFamily="34" charset="0"/>
-                  <a:ea typeface="Source Sans Pro" panose="020B0503030403020204" pitchFamily="34" charset="0"/>
-                </a:rPr>
-                <a:t>• RAM Control</a:t>
-              </a:r>
-            </a:p>
-          </p:txBody>
-        </p:sp>
-        <p:sp>
-          <p:nvSpPr>
-            <p:cNvPr id="79" name="Rounded Rectangle 64">
-              <a:extLst>
-                <a:ext uri="{FF2B5EF4-FFF2-40B4-BE49-F238E27FC236}">
-                  <a16:creationId xmlns:a16="http://schemas.microsoft.com/office/drawing/2014/main" id="{2CA119AF-F873-2E4E-8528-57BFB2194CE1}"/>
-                </a:ext>
-              </a:extLst>
-            </p:cNvPr>
-            <p:cNvSpPr/>
-            <p:nvPr/>
-          </p:nvSpPr>
-          <p:spPr>
-            <a:xfrm>
-              <a:off x="3265955" y="2020396"/>
-              <a:ext cx="1835999" cy="1040509"/>
-            </a:xfrm>
-            <a:prstGeom prst="roundRect">
-              <a:avLst>
-                <a:gd name="adj" fmla="val 8984"/>
-              </a:avLst>
-            </a:prstGeom>
-            <a:solidFill>
-              <a:schemeClr val="bg1"/>
-            </a:solidFill>
-            <a:ln w="12700">
-              <a:solidFill>
-                <a:schemeClr val="accent1"/>
-              </a:solidFill>
-            </a:ln>
-            <a:effectLst/>
-          </p:spPr>
-          <p:style>
-            <a:lnRef idx="2">
-              <a:schemeClr val="dk1"/>
-            </a:lnRef>
-            <a:fillRef idx="1">
-              <a:schemeClr val="lt1"/>
-            </a:fillRef>
-            <a:effectRef idx="0">
-              <a:schemeClr val="dk1"/>
-            </a:effectRef>
-            <a:fontRef idx="minor">
-              <a:schemeClr val="dk1"/>
-            </a:fontRef>
-          </p:style>
-          <p:txBody>
-            <a:bodyPr wrap="square" lIns="72000" tIns="36000" rIns="36000" bIns="36000" rtlCol="0" anchor="ctr">
-              <a:noAutofit/>
-            </a:bodyPr>
-            <a:lstStyle/>
-            <a:p>
-              <a:pPr algn="ctr"/>
-              <a:r>
-                <a:rPr lang="en-US" sz="1200" b="1" dirty="0">
-                  <a:solidFill>
-                    <a:schemeClr val="tx1"/>
-                  </a:solidFill>
-                  <a:latin typeface="Source Sans Pro" panose="020B0503030403020204" pitchFamily="34" charset="0"/>
-                  <a:ea typeface="Source Sans Pro" panose="020B0503030403020204" pitchFamily="34" charset="0"/>
-                </a:rPr>
-                <a:t>Exceptions Manager</a:t>
-              </a:r>
-            </a:p>
-            <a:p>
-              <a:r>
-                <a:rPr lang="en-US" sz="1000" dirty="0">
-                  <a:solidFill>
-                    <a:schemeClr val="tx1"/>
-                  </a:solidFill>
-                  <a:latin typeface="Source Sans Pro" panose="020B0503030403020204" pitchFamily="34" charset="0"/>
-                  <a:ea typeface="Source Sans Pro" panose="020B0503030403020204" pitchFamily="34" charset="0"/>
-                </a:rPr>
-                <a:t>• Zero Division &amp; Null Pointer </a:t>
-              </a:r>
-            </a:p>
-            <a:p>
-              <a:r>
-                <a:rPr lang="en-US" sz="1000" dirty="0">
-                  <a:solidFill>
-                    <a:schemeClr val="tx1"/>
-                  </a:solidFill>
-                  <a:latin typeface="Source Sans Pro" panose="020B0503030403020204" pitchFamily="34" charset="0"/>
-                  <a:ea typeface="Source Sans Pro" panose="020B0503030403020204" pitchFamily="34" charset="0"/>
-                </a:rPr>
-                <a:t>• Array Index Out of Bounds</a:t>
-              </a:r>
-            </a:p>
-            <a:p>
-              <a:r>
-                <a:rPr lang="en-US" sz="1000" dirty="0">
-                  <a:solidFill>
-                    <a:schemeClr val="tx1"/>
-                  </a:solidFill>
-                  <a:latin typeface="Source Sans Pro" panose="020B0503030403020204" pitchFamily="34" charset="0"/>
-                  <a:ea typeface="Source Sans Pro" panose="020B0503030403020204" pitchFamily="34" charset="0"/>
-                </a:rPr>
-                <a:t>• Invalid Reference Cast</a:t>
-              </a:r>
-            </a:p>
-            <a:p>
-              <a:r>
-                <a:rPr lang="en-US" sz="1000" dirty="0">
-                  <a:solidFill>
-                    <a:schemeClr val="tx1"/>
-                  </a:solidFill>
-                  <a:latin typeface="Source Sans Pro" panose="020B0503030403020204" pitchFamily="34" charset="0"/>
-                  <a:ea typeface="Source Sans Pro" panose="020B0503030403020204" pitchFamily="34" charset="0"/>
-                </a:rPr>
-                <a:t>• Stack &amp; Memory Overflow</a:t>
-              </a:r>
-            </a:p>
-            <a:p>
-              <a:r>
-                <a:rPr lang="en-US" sz="1000" dirty="0">
-                  <a:solidFill>
-                    <a:schemeClr val="tx1"/>
-                  </a:solidFill>
-                  <a:latin typeface="Source Sans Pro" panose="020B0503030403020204" pitchFamily="34" charset="0"/>
-                  <a:ea typeface="Source Sans Pro" panose="020B0503030403020204" pitchFamily="34" charset="0"/>
-                </a:rPr>
-                <a:t>• Catch &amp; Finally Semantic </a:t>
-              </a:r>
-            </a:p>
-          </p:txBody>
-        </p:sp>
-        <p:sp>
-          <p:nvSpPr>
-            <p:cNvPr id="80" name="Rounded Rectangle 64">
-              <a:extLst>
-                <a:ext uri="{FF2B5EF4-FFF2-40B4-BE49-F238E27FC236}">
-                  <a16:creationId xmlns:a16="http://schemas.microsoft.com/office/drawing/2014/main" id="{CDBB7CAD-57FF-D045-B64E-5682765F0518}"/>
-                </a:ext>
-              </a:extLst>
-            </p:cNvPr>
-            <p:cNvSpPr/>
-            <p:nvPr/>
-          </p:nvSpPr>
-          <p:spPr>
-            <a:xfrm>
-              <a:off x="6426200" y="1186701"/>
-              <a:ext cx="1799892" cy="614336"/>
-            </a:xfrm>
-            <a:prstGeom prst="roundRect">
-              <a:avLst>
-                <a:gd name="adj" fmla="val 14022"/>
-              </a:avLst>
-            </a:prstGeom>
-            <a:solidFill>
-              <a:schemeClr val="bg1"/>
-            </a:solidFill>
-            <a:ln w="12700">
-              <a:solidFill>
-                <a:schemeClr val="accent1"/>
-              </a:solidFill>
-            </a:ln>
-            <a:effectLst/>
-          </p:spPr>
-          <p:style>
-            <a:lnRef idx="2">
-              <a:schemeClr val="dk1"/>
-            </a:lnRef>
-            <a:fillRef idx="1">
-              <a:schemeClr val="lt1"/>
-            </a:fillRef>
-            <a:effectRef idx="0">
-              <a:schemeClr val="dk1"/>
-            </a:effectRef>
-            <a:fontRef idx="minor">
-              <a:schemeClr val="dk1"/>
-            </a:fontRef>
-          </p:style>
-          <p:txBody>
-            <a:bodyPr wrap="square" lIns="36000" tIns="36000" rIns="36000" bIns="36000" rtlCol="0" anchor="ctr">
-              <a:spAutoFit/>
-            </a:bodyPr>
-            <a:lstStyle/>
-            <a:p>
-              <a:pPr algn="ctr"/>
-              <a:r>
-                <a:rPr lang="en-GB" sz="1200" b="1" dirty="0">
-                  <a:solidFill>
-                    <a:schemeClr val="tx1"/>
-                  </a:solidFill>
-                  <a:latin typeface="Source Sans Pro" panose="020B0503030403020204" pitchFamily="34" charset="0"/>
-                  <a:ea typeface="Source Sans Pro" panose="020B0503030403020204" pitchFamily="34" charset="0"/>
-                </a:rPr>
-                <a:t>Dynamic Loader(*)</a:t>
-              </a:r>
-            </a:p>
-            <a:p>
-              <a:r>
-                <a:rPr lang="en-US" sz="1000" dirty="0">
-                  <a:solidFill>
-                    <a:schemeClr val="tx1"/>
-                  </a:solidFill>
-                  <a:latin typeface="Source Sans Pro" panose="020B0503030403020204" pitchFamily="34" charset="0"/>
-                  <a:ea typeface="Source Sans Pro" panose="020B0503030403020204" pitchFamily="34" charset="0"/>
-                </a:rPr>
-                <a:t>• Streaming Linker </a:t>
-              </a:r>
-            </a:p>
-            <a:p>
-              <a:r>
-                <a:rPr lang="en-US" sz="1000" dirty="0">
-                  <a:solidFill>
-                    <a:schemeClr val="tx1"/>
-                  </a:solidFill>
-                  <a:latin typeface="Source Sans Pro" panose="020B0503030403020204" pitchFamily="34" charset="0"/>
-                  <a:ea typeface="Source Sans Pro" panose="020B0503030403020204" pitchFamily="34" charset="0"/>
-                </a:rPr>
-                <a:t>• with/without symbols</a:t>
-              </a:r>
-            </a:p>
-          </p:txBody>
-        </p:sp>
-        <p:sp>
-          <p:nvSpPr>
-            <p:cNvPr id="81" name="Rounded Rectangle 64">
-              <a:extLst>
-                <a:ext uri="{FF2B5EF4-FFF2-40B4-BE49-F238E27FC236}">
-                  <a16:creationId xmlns:a16="http://schemas.microsoft.com/office/drawing/2014/main" id="{A1515842-3512-0E4B-BFAD-3B78CC0F79D2}"/>
-                </a:ext>
-              </a:extLst>
-            </p:cNvPr>
-            <p:cNvSpPr/>
-            <p:nvPr/>
-          </p:nvSpPr>
-          <p:spPr>
-            <a:xfrm>
-              <a:off x="3264031" y="3165941"/>
-              <a:ext cx="1835999" cy="630733"/>
-            </a:xfrm>
-            <a:prstGeom prst="roundRect">
-              <a:avLst>
-                <a:gd name="adj" fmla="val 19127"/>
-              </a:avLst>
-            </a:prstGeom>
-            <a:solidFill>
-              <a:schemeClr val="bg1"/>
-            </a:solidFill>
-            <a:ln w="12700">
-              <a:solidFill>
-                <a:schemeClr val="accent1"/>
-              </a:solidFill>
-            </a:ln>
-            <a:effectLst/>
-          </p:spPr>
-          <p:style>
-            <a:lnRef idx="2">
-              <a:schemeClr val="dk1"/>
-            </a:lnRef>
-            <a:fillRef idx="1">
-              <a:schemeClr val="lt1"/>
-            </a:fillRef>
-            <a:effectRef idx="0">
-              <a:schemeClr val="dk1"/>
-            </a:effectRef>
-            <a:fontRef idx="minor">
-              <a:schemeClr val="dk1"/>
-            </a:fontRef>
-          </p:style>
-          <p:txBody>
-            <a:bodyPr wrap="square" lIns="72000" tIns="36000" rIns="36000" bIns="36000" rtlCol="0" anchor="ctr">
-              <a:spAutoFit/>
-            </a:bodyPr>
-            <a:lstStyle/>
-            <a:p>
-              <a:pPr algn="ctr"/>
-              <a:r>
-                <a:rPr lang="en-GB" sz="1200" b="1" dirty="0">
-                  <a:solidFill>
-                    <a:schemeClr val="tx1"/>
-                  </a:solidFill>
-                  <a:latin typeface="Source Sans Pro" panose="020B0503030403020204" pitchFamily="34" charset="0"/>
-                  <a:ea typeface="Source Sans Pro" panose="020B0503030403020204" pitchFamily="34" charset="0"/>
-                </a:rPr>
-                <a:t>Native Interface</a:t>
-              </a:r>
-            </a:p>
-            <a:p>
-              <a:r>
-                <a:rPr lang="en-US" sz="1000" dirty="0">
-                  <a:solidFill>
-                    <a:schemeClr val="tx1"/>
-                  </a:solidFill>
-                  <a:latin typeface="Source Sans Pro" panose="020B0503030403020204" pitchFamily="34" charset="0"/>
-                  <a:ea typeface="Source Sans Pro" panose="020B0503030403020204" pitchFamily="34" charset="0"/>
-                </a:rPr>
-                <a:t>• Procedure Call Standard ABI</a:t>
-              </a:r>
-            </a:p>
-            <a:p>
-              <a:r>
-                <a:rPr lang="en-US" sz="1000" dirty="0">
-                  <a:solidFill>
-                    <a:schemeClr val="tx1"/>
-                  </a:solidFill>
-                  <a:latin typeface="Source Sans Pro" panose="020B0503030403020204" pitchFamily="34" charset="0"/>
-                  <a:ea typeface="Source Sans Pro" panose="020B0503030403020204" pitchFamily="34" charset="0"/>
-                </a:rPr>
-                <a:t>• Native Resources Manager</a:t>
-              </a:r>
-            </a:p>
-          </p:txBody>
-        </p:sp>
-        <p:sp>
-          <p:nvSpPr>
-            <p:cNvPr id="82" name="Rounded Rectangle 64">
-              <a:extLst>
-                <a:ext uri="{FF2B5EF4-FFF2-40B4-BE49-F238E27FC236}">
-                  <a16:creationId xmlns:a16="http://schemas.microsoft.com/office/drawing/2014/main" id="{E2D7539F-9236-6446-AB93-37D436E13DD1}"/>
-                </a:ext>
-              </a:extLst>
-            </p:cNvPr>
-            <p:cNvSpPr/>
-            <p:nvPr/>
-          </p:nvSpPr>
-          <p:spPr>
-            <a:xfrm>
-              <a:off x="5215416" y="2144560"/>
-              <a:ext cx="1841706" cy="1649785"/>
-            </a:xfrm>
-            <a:prstGeom prst="roundRect">
-              <a:avLst>
-                <a:gd name="adj" fmla="val 6348"/>
-              </a:avLst>
-            </a:prstGeom>
-            <a:solidFill>
-              <a:schemeClr val="bg1"/>
-            </a:solidFill>
-            <a:ln w="12700">
-              <a:solidFill>
-                <a:schemeClr val="accent1"/>
-              </a:solidFill>
-            </a:ln>
-            <a:effectLst/>
-          </p:spPr>
-          <p:style>
-            <a:lnRef idx="2">
-              <a:schemeClr val="dk1"/>
-            </a:lnRef>
-            <a:fillRef idx="1">
-              <a:schemeClr val="lt1"/>
-            </a:fillRef>
-            <a:effectRef idx="0">
-              <a:schemeClr val="dk1"/>
-            </a:effectRef>
-            <a:fontRef idx="minor">
-              <a:schemeClr val="dk1"/>
-            </a:fontRef>
-          </p:style>
-          <p:txBody>
-            <a:bodyPr wrap="square" lIns="72000" tIns="36000" rIns="36000" bIns="36000" rtlCol="0" anchor="ctr">
-              <a:noAutofit/>
-            </a:bodyPr>
-            <a:lstStyle/>
-            <a:p>
-              <a:pPr algn="ctr"/>
-              <a:r>
-                <a:rPr lang="en-GB" sz="1200" b="1" dirty="0">
-                  <a:solidFill>
-                    <a:schemeClr val="tx1"/>
-                  </a:solidFill>
-                  <a:latin typeface="Source Sans Pro" panose="020B0503030403020204" pitchFamily="34" charset="0"/>
-                  <a:ea typeface="Source Sans Pro" panose="020B0503030403020204" pitchFamily="34" charset="0"/>
-                </a:rPr>
-                <a:t>Processing Unit</a:t>
-              </a:r>
-            </a:p>
-            <a:p>
-              <a:endParaRPr lang="en-GB" sz="1000" dirty="0">
-                <a:solidFill>
-                  <a:schemeClr val="tx1"/>
-                </a:solidFill>
-                <a:latin typeface="Source Sans Pro" panose="020B0503030403020204" pitchFamily="34" charset="0"/>
-                <a:ea typeface="Source Sans Pro" panose="020B0503030403020204" pitchFamily="34" charset="0"/>
-              </a:endParaRPr>
-            </a:p>
-            <a:p>
-              <a:r>
-                <a:rPr lang="en-US" sz="1000" dirty="0">
-                  <a:solidFill>
-                    <a:schemeClr val="tx1"/>
-                  </a:solidFill>
-                  <a:latin typeface="Source Sans Pro" panose="020B0503030403020204" pitchFamily="34" charset="0"/>
-                  <a:ea typeface="Source Sans Pro" panose="020B0503030403020204" pitchFamily="34" charset="0"/>
-                </a:rPr>
-                <a:t>• High Density Instructions (ISA)</a:t>
-              </a:r>
-            </a:p>
-            <a:p>
-              <a:r>
-                <a:rPr lang="en-US" sz="1000" dirty="0">
-                  <a:solidFill>
-                    <a:schemeClr val="tx1"/>
-                  </a:solidFill>
-                  <a:latin typeface="Source Sans Pro" panose="020B0503030403020204" pitchFamily="34" charset="0"/>
-                  <a:ea typeface="Source Sans Pro" panose="020B0503030403020204" pitchFamily="34" charset="0"/>
-                </a:rPr>
-                <a:t>• FPU 32-bit &amp; 64-bit</a:t>
-              </a:r>
-            </a:p>
-            <a:p>
-              <a:r>
-                <a:rPr lang="en-US" sz="1000" dirty="0">
-                  <a:solidFill>
-                    <a:schemeClr val="tx1"/>
-                  </a:solidFill>
-                  <a:latin typeface="Source Sans Pro" panose="020B0503030403020204" pitchFamily="34" charset="0"/>
-                  <a:ea typeface="Source Sans Pro" panose="020B0503030403020204" pitchFamily="34" charset="0"/>
-                </a:rPr>
-                <a:t>• 16-bit Pointers(*)</a:t>
-              </a:r>
-            </a:p>
-            <a:p>
-              <a:r>
-                <a:rPr lang="en-US" sz="1000" dirty="0">
-                  <a:solidFill>
-                    <a:schemeClr val="tx1"/>
-                  </a:solidFill>
-                  <a:latin typeface="Source Sans Pro" panose="020B0503030403020204" pitchFamily="34" charset="0"/>
-                  <a:ea typeface="Source Sans Pro" panose="020B0503030403020204" pitchFamily="34" charset="0"/>
-                </a:rPr>
-                <a:t>• Software MPU</a:t>
-              </a:r>
-            </a:p>
-          </p:txBody>
-        </p:sp>
-      </p:grpSp>
       <p:sp>
         <p:nvSpPr>
           <p:cNvPr id="86" name="Rectangle: Rounded Corners 25">
@@ -8292,12 +8009,12 @@
         </p:nvSpPr>
         <p:spPr>
           <a:xfrm>
-            <a:off x="3142763" y="232615"/>
-            <a:ext cx="6059389" cy="1342172"/>
+            <a:off x="2788886" y="136460"/>
+            <a:ext cx="9115372" cy="1447634"/>
           </a:xfrm>
           <a:prstGeom prst="roundRect">
             <a:avLst>
-              <a:gd name="adj" fmla="val 18368"/>
+              <a:gd name="adj" fmla="val 11217"/>
             </a:avLst>
           </a:prstGeom>
           <a:solidFill>
@@ -8358,12 +8075,463 @@
         </p:nvSpPr>
         <p:spPr>
           <a:xfrm>
-            <a:off x="3282234" y="629093"/>
-            <a:ext cx="1931860" cy="858585"/>
+            <a:off x="2928356" y="509640"/>
+            <a:ext cx="4217535" cy="987346"/>
           </a:xfrm>
           <a:prstGeom prst="roundRect">
             <a:avLst>
               <a:gd name="adj" fmla="val 22586"/>
+            </a:avLst>
+          </a:prstGeom>
+          <a:solidFill>
+            <a:schemeClr val="bg1"/>
+          </a:solidFill>
+          <a:ln w="12700">
+            <a:noFill/>
+          </a:ln>
+          <a:effectLst/>
+        </p:spPr>
+        <p:style>
+          <a:lnRef idx="2">
+            <a:schemeClr val="dk1"/>
+          </a:lnRef>
+          <a:fillRef idx="1">
+            <a:schemeClr val="lt1"/>
+          </a:fillRef>
+          <a:effectRef idx="0">
+            <a:schemeClr val="dk1"/>
+          </a:effectRef>
+          <a:fontRef idx="minor">
+            <a:schemeClr val="dk1"/>
+          </a:fontRef>
+        </p:style>
+        <p:txBody>
+          <a:bodyPr wrap="square" tIns="36000" bIns="36000" rtlCol="0" anchor="t">
+            <a:noAutofit/>
+          </a:bodyPr>
+          <a:lstStyle/>
+          <a:p>
+            <a:pPr algn="ctr"/>
+            <a:r>
+              <a:rPr lang="en-GB" sz="1200" b="1" dirty="0">
+                <a:solidFill>
+                  <a:schemeClr val="tx1"/>
+                </a:solidFill>
+                <a:latin typeface="Source Sans Pro" panose="020B0503030403020204" pitchFamily="34" charset="0"/>
+                <a:ea typeface="Source Sans Pro" panose="020B0503030403020204" pitchFamily="34" charset="0"/>
+              </a:rPr>
+              <a:t>Code</a:t>
+            </a:r>
+          </a:p>
+          <a:p>
+            <a:pPr marL="171450" indent="-171450">
+              <a:buFont typeface="Arial" panose="020B0604020202020204" pitchFamily="34" charset="0"/>
+              <a:buChar char="•"/>
+            </a:pPr>
+            <a:r>
+              <a:rPr lang="en-US" sz="1000" dirty="0">
+                <a:solidFill>
+                  <a:schemeClr val="tx1"/>
+                </a:solidFill>
+                <a:latin typeface="Source Sans Pro" panose="020B0503030403020204" pitchFamily="34" charset="0"/>
+                <a:ea typeface="Source Sans Pro" panose="020B0503030403020204" pitchFamily="34" charset="0"/>
+              </a:rPr>
+              <a:t>Execution In Place (XIP)</a:t>
+            </a:r>
+          </a:p>
+          <a:p>
+            <a:pPr marL="171450" indent="-171450">
+              <a:buFont typeface="Arial" panose="020B0604020202020204" pitchFamily="34" charset="0"/>
+              <a:buChar char="•"/>
+            </a:pPr>
+            <a:r>
+              <a:rPr lang="en-US" sz="1000" dirty="0">
+                <a:solidFill>
+                  <a:srgbClr val="4B5357"/>
+                </a:solidFill>
+                <a:latin typeface="Source Sans Pro" panose="020B0503030403020204" pitchFamily="34" charset="0"/>
+                <a:ea typeface="Source Sans Pro" panose="020B0503030403020204" pitchFamily="34" charset="0"/>
+              </a:rPr>
+              <a:t>Linked to any </a:t>
+            </a:r>
+            <a:r>
+              <a:rPr lang="en-US" sz="1000" dirty="0">
+                <a:solidFill>
+                  <a:schemeClr val="tx1"/>
+                </a:solidFill>
+                <a:latin typeface="Source Sans Pro" panose="020B0503030403020204" pitchFamily="34" charset="0"/>
+                <a:ea typeface="Source Sans Pro" panose="020B0503030403020204" pitchFamily="34" charset="0"/>
+              </a:rPr>
+              <a:t>byte-addressable memory (</a:t>
+            </a:r>
+            <a:r>
+              <a:rPr lang="en-US" sz="1000" dirty="0">
+                <a:solidFill>
+                  <a:srgbClr val="4B5357"/>
+                </a:solidFill>
+                <a:latin typeface="Source Sans Pro" panose="020B0503030403020204" pitchFamily="34" charset="0"/>
+                <a:ea typeface="Source Sans Pro" panose="020B0503030403020204" pitchFamily="34" charset="0"/>
+              </a:rPr>
+              <a:t>RAM or Flash)</a:t>
+            </a:r>
+          </a:p>
+          <a:p>
+            <a:pPr marL="171450" indent="-171450">
+              <a:buFont typeface="Arial" panose="020B0604020202020204" pitchFamily="34" charset="0"/>
+              <a:buChar char="•"/>
+            </a:pPr>
+            <a:endParaRPr lang="en-US" sz="1000" dirty="0">
+              <a:solidFill>
+                <a:schemeClr val="tx1"/>
+              </a:solidFill>
+              <a:latin typeface="Source Sans Pro" panose="020B0503030403020204" pitchFamily="34" charset="0"/>
+              <a:ea typeface="Source Sans Pro" panose="020B0503030403020204" pitchFamily="34" charset="0"/>
+            </a:endParaRPr>
+          </a:p>
+        </p:txBody>
+      </p:sp>
+      <p:sp>
+        <p:nvSpPr>
+          <p:cNvPr id="91" name="Rectangle: Rounded Corners 28">
+            <a:extLst>
+              <a:ext uri="{FF2B5EF4-FFF2-40B4-BE49-F238E27FC236}">
+                <a16:creationId xmlns:a16="http://schemas.microsoft.com/office/drawing/2014/main" id="{80F92206-2787-1C4D-BC9E-CB585DD15340}"/>
+              </a:ext>
+            </a:extLst>
+          </p:cNvPr>
+          <p:cNvSpPr/>
+          <p:nvPr/>
+        </p:nvSpPr>
+        <p:spPr>
+          <a:xfrm>
+            <a:off x="220972" y="3332731"/>
+            <a:ext cx="2156338" cy="3156001"/>
+          </a:xfrm>
+          <a:prstGeom prst="roundRect">
+            <a:avLst>
+              <a:gd name="adj" fmla="val 6661"/>
+            </a:avLst>
+          </a:prstGeom>
+          <a:solidFill>
+            <a:schemeClr val="tx2">
+              <a:lumMod val="20000"/>
+              <a:lumOff val="80000"/>
+            </a:schemeClr>
+          </a:solidFill>
+          <a:ln>
+            <a:noFill/>
+          </a:ln>
+        </p:spPr>
+        <p:style>
+          <a:lnRef idx="2">
+            <a:schemeClr val="accent1">
+              <a:shade val="50000"/>
+            </a:schemeClr>
+          </a:lnRef>
+          <a:fillRef idx="1">
+            <a:schemeClr val="accent1"/>
+          </a:fillRef>
+          <a:effectRef idx="0">
+            <a:schemeClr val="accent1"/>
+          </a:effectRef>
+          <a:fontRef idx="minor">
+            <a:schemeClr val="lt1"/>
+          </a:fontRef>
+        </p:style>
+        <p:txBody>
+          <a:bodyPr rtlCol="0" anchor="t"/>
+          <a:lstStyle/>
+          <a:p>
+            <a:pPr algn="ctr"/>
+            <a:r>
+              <a:rPr lang="en-US" sz="1200" b="1" dirty="0">
+                <a:solidFill>
+                  <a:schemeClr val="tx1"/>
+                </a:solidFill>
+                <a:latin typeface="Source Sans Pro" panose="020B0503030403020204" pitchFamily="34" charset="0"/>
+                <a:ea typeface="Source Sans Pro" panose="020B0503030403020204" pitchFamily="34" charset="0"/>
+              </a:rPr>
+              <a:t>DEBUG INTERFACE</a:t>
+            </a:r>
+          </a:p>
+        </p:txBody>
+      </p:sp>
+      <p:sp>
+        <p:nvSpPr>
+          <p:cNvPr id="92" name="Rounded Rectangle 64">
+            <a:extLst>
+              <a:ext uri="{FF2B5EF4-FFF2-40B4-BE49-F238E27FC236}">
+                <a16:creationId xmlns:a16="http://schemas.microsoft.com/office/drawing/2014/main" id="{5C22A8EC-AA3D-524E-93BE-1E61FC51FAEE}"/>
+              </a:ext>
+            </a:extLst>
+          </p:cNvPr>
+          <p:cNvSpPr/>
+          <p:nvPr/>
+        </p:nvSpPr>
+        <p:spPr>
+          <a:xfrm>
+            <a:off x="389004" y="3694786"/>
+            <a:ext cx="1800000" cy="263845"/>
+          </a:xfrm>
+          <a:prstGeom prst="roundRect">
+            <a:avLst>
+              <a:gd name="adj" fmla="val 25033"/>
+            </a:avLst>
+          </a:prstGeom>
+          <a:solidFill>
+            <a:schemeClr val="bg1"/>
+          </a:solidFill>
+          <a:ln w="12700">
+            <a:noFill/>
+          </a:ln>
+          <a:effectLst/>
+        </p:spPr>
+        <p:style>
+          <a:lnRef idx="2">
+            <a:schemeClr val="dk1"/>
+          </a:lnRef>
+          <a:fillRef idx="1">
+            <a:schemeClr val="lt1"/>
+          </a:fillRef>
+          <a:effectRef idx="0">
+            <a:schemeClr val="dk1"/>
+          </a:effectRef>
+          <a:fontRef idx="minor">
+            <a:schemeClr val="dk1"/>
+          </a:fontRef>
+        </p:style>
+        <p:txBody>
+          <a:bodyPr wrap="square" tIns="36000" bIns="36000" rtlCol="0" anchor="ctr">
+            <a:spAutoFit/>
+          </a:bodyPr>
+          <a:lstStyle/>
+          <a:p>
+            <a:pPr algn="ctr"/>
+            <a:r>
+              <a:rPr lang="en-GB" sz="1000" b="1" dirty="0">
+                <a:solidFill>
+                  <a:schemeClr val="tx1"/>
+                </a:solidFill>
+                <a:latin typeface="Source Sans Pro" panose="020B0503030403020204" pitchFamily="34" charset="0"/>
+                <a:ea typeface="Source Sans Pro" panose="020B0503030403020204" pitchFamily="34" charset="0"/>
+              </a:rPr>
+              <a:t>Debugger Proxy</a:t>
+            </a:r>
+          </a:p>
+        </p:txBody>
+      </p:sp>
+      <p:sp>
+        <p:nvSpPr>
+          <p:cNvPr id="93" name="Rounded Rectangle 64">
+            <a:extLst>
+              <a:ext uri="{FF2B5EF4-FFF2-40B4-BE49-F238E27FC236}">
+                <a16:creationId xmlns:a16="http://schemas.microsoft.com/office/drawing/2014/main" id="{A4E77C73-F199-6D47-9802-F489C52F248C}"/>
+              </a:ext>
+            </a:extLst>
+          </p:cNvPr>
+          <p:cNvSpPr/>
+          <p:nvPr/>
+        </p:nvSpPr>
+        <p:spPr>
+          <a:xfrm>
+            <a:off x="389002" y="4064732"/>
+            <a:ext cx="1800000" cy="259463"/>
+          </a:xfrm>
+          <a:prstGeom prst="roundRect">
+            <a:avLst>
+              <a:gd name="adj" fmla="val 26257"/>
+            </a:avLst>
+          </a:prstGeom>
+          <a:solidFill>
+            <a:schemeClr val="bg1"/>
+          </a:solidFill>
+          <a:ln w="12700">
+            <a:noFill/>
+          </a:ln>
+          <a:effectLst/>
+        </p:spPr>
+        <p:style>
+          <a:lnRef idx="2">
+            <a:schemeClr val="dk1"/>
+          </a:lnRef>
+          <a:fillRef idx="1">
+            <a:schemeClr val="lt1"/>
+          </a:fillRef>
+          <a:effectRef idx="0">
+            <a:schemeClr val="dk1"/>
+          </a:effectRef>
+          <a:fontRef idx="minor">
+            <a:schemeClr val="dk1"/>
+          </a:fontRef>
+        </p:style>
+        <p:txBody>
+          <a:bodyPr wrap="square" tIns="36000" bIns="36000" rtlCol="0" anchor="ctr">
+            <a:spAutoFit/>
+          </a:bodyPr>
+          <a:lstStyle/>
+          <a:p>
+            <a:pPr algn="ctr"/>
+            <a:r>
+              <a:rPr lang="en-GB" sz="1000" b="1" dirty="0">
+                <a:solidFill>
+                  <a:schemeClr val="tx1"/>
+                </a:solidFill>
+                <a:latin typeface="Source Sans Pro" panose="020B0503030403020204" pitchFamily="34" charset="0"/>
+                <a:ea typeface="Source Sans Pro" panose="020B0503030403020204" pitchFamily="34" charset="0"/>
+              </a:rPr>
+              <a:t>Integrity Check</a:t>
+            </a:r>
+          </a:p>
+        </p:txBody>
+      </p:sp>
+      <p:sp>
+        <p:nvSpPr>
+          <p:cNvPr id="94" name="Rounded Rectangle 64">
+            <a:extLst>
+              <a:ext uri="{FF2B5EF4-FFF2-40B4-BE49-F238E27FC236}">
+                <a16:creationId xmlns:a16="http://schemas.microsoft.com/office/drawing/2014/main" id="{213108D2-5926-FB42-B8BC-139A14481E01}"/>
+              </a:ext>
+            </a:extLst>
+          </p:cNvPr>
+          <p:cNvSpPr/>
+          <p:nvPr/>
+        </p:nvSpPr>
+        <p:spPr>
+          <a:xfrm>
+            <a:off x="389003" y="4428418"/>
+            <a:ext cx="1800000" cy="259463"/>
+          </a:xfrm>
+          <a:prstGeom prst="roundRect">
+            <a:avLst>
+              <a:gd name="adj" fmla="val 22912"/>
+            </a:avLst>
+          </a:prstGeom>
+          <a:solidFill>
+            <a:schemeClr val="bg1"/>
+          </a:solidFill>
+          <a:ln w="12700">
+            <a:noFill/>
+          </a:ln>
+          <a:effectLst/>
+        </p:spPr>
+        <p:style>
+          <a:lnRef idx="2">
+            <a:schemeClr val="dk1"/>
+          </a:lnRef>
+          <a:fillRef idx="1">
+            <a:schemeClr val="lt1"/>
+          </a:fillRef>
+          <a:effectRef idx="0">
+            <a:schemeClr val="dk1"/>
+          </a:effectRef>
+          <a:fontRef idx="minor">
+            <a:schemeClr val="dk1"/>
+          </a:fontRef>
+        </p:style>
+        <p:txBody>
+          <a:bodyPr wrap="square" tIns="36000" bIns="36000" rtlCol="0" anchor="ctr">
+            <a:spAutoFit/>
+          </a:bodyPr>
+          <a:lstStyle/>
+          <a:p>
+            <a:pPr algn="ctr"/>
+            <a:r>
+              <a:rPr lang="en-GB" sz="1000" b="1" dirty="0">
+                <a:solidFill>
+                  <a:schemeClr val="tx1"/>
+                </a:solidFill>
+                <a:latin typeface="Source Sans Pro" panose="020B0503030403020204" pitchFamily="34" charset="0"/>
+                <a:ea typeface="Source Sans Pro" panose="020B0503030403020204" pitchFamily="34" charset="0"/>
+              </a:rPr>
+              <a:t>Core Dump</a:t>
+            </a:r>
+          </a:p>
+        </p:txBody>
+      </p:sp>
+      <p:sp>
+        <p:nvSpPr>
+          <p:cNvPr id="95" name="Rounded Rectangle 64">
+            <a:extLst>
+              <a:ext uri="{FF2B5EF4-FFF2-40B4-BE49-F238E27FC236}">
+                <a16:creationId xmlns:a16="http://schemas.microsoft.com/office/drawing/2014/main" id="{9183D5D0-EDC8-D843-BB7B-F2F69FC0DFDA}"/>
+              </a:ext>
+            </a:extLst>
+          </p:cNvPr>
+          <p:cNvSpPr/>
+          <p:nvPr/>
+        </p:nvSpPr>
+        <p:spPr>
+          <a:xfrm>
+            <a:off x="387084" y="4796173"/>
+            <a:ext cx="1800000" cy="259463"/>
+          </a:xfrm>
+          <a:prstGeom prst="roundRect">
+            <a:avLst>
+              <a:gd name="adj" fmla="val 24136"/>
+            </a:avLst>
+          </a:prstGeom>
+          <a:solidFill>
+            <a:schemeClr val="bg1"/>
+          </a:solidFill>
+          <a:ln w="12700">
+            <a:noFill/>
+          </a:ln>
+          <a:effectLst/>
+        </p:spPr>
+        <p:style>
+          <a:lnRef idx="2">
+            <a:schemeClr val="dk1"/>
+          </a:lnRef>
+          <a:fillRef idx="1">
+            <a:schemeClr val="lt1"/>
+          </a:fillRef>
+          <a:effectRef idx="0">
+            <a:schemeClr val="dk1"/>
+          </a:effectRef>
+          <a:fontRef idx="minor">
+            <a:schemeClr val="dk1"/>
+          </a:fontRef>
+        </p:style>
+        <p:txBody>
+          <a:bodyPr wrap="square" tIns="36000" bIns="36000" rtlCol="0" anchor="ctr">
+            <a:spAutoFit/>
+          </a:bodyPr>
+          <a:lstStyle/>
+          <a:p>
+            <a:pPr algn="ctr"/>
+            <a:r>
+              <a:rPr lang="en-GB" sz="1000" b="1" dirty="0">
+                <a:solidFill>
+                  <a:schemeClr val="tx1"/>
+                </a:solidFill>
+                <a:latin typeface="Source Sans Pro" panose="020B0503030403020204" pitchFamily="34" charset="0"/>
+                <a:ea typeface="Source Sans Pro" panose="020B0503030403020204" pitchFamily="34" charset="0"/>
+              </a:rPr>
+              <a:t>Heap Dump</a:t>
+            </a:r>
+          </a:p>
+        </p:txBody>
+      </p:sp>
+      <p:sp>
+        <p:nvSpPr>
+          <p:cNvPr id="96" name="Rounded Rectangle 64">
+            <a:extLst>
+              <a:ext uri="{FF2B5EF4-FFF2-40B4-BE49-F238E27FC236}">
+                <a16:creationId xmlns:a16="http://schemas.microsoft.com/office/drawing/2014/main" id="{385682CC-690C-3144-B485-992DF77ADF66}"/>
+              </a:ext>
+            </a:extLst>
+          </p:cNvPr>
+          <p:cNvSpPr/>
+          <p:nvPr/>
+        </p:nvSpPr>
+        <p:spPr>
+          <a:xfrm>
+            <a:off x="387084" y="5163928"/>
+            <a:ext cx="1800000" cy="360000"/>
+          </a:xfrm>
+          <a:prstGeom prst="roundRect">
+            <a:avLst>
+              <a:gd name="adj" fmla="val 19058"/>
             </a:avLst>
           </a:prstGeom>
           <a:solidFill>
@@ -8396,57 +8564,37 @@
           <a:p>
             <a:pPr algn="ctr"/>
             <a:r>
-              <a:rPr lang="en-GB" sz="1200" b="1" dirty="0">
+              <a:rPr lang="en-GB" sz="1000" b="1" dirty="0">
                 <a:solidFill>
                   <a:schemeClr val="tx1"/>
                 </a:solidFill>
                 <a:latin typeface="Source Sans Pro" panose="020B0503030403020204" pitchFamily="34" charset="0"/>
                 <a:ea typeface="Source Sans Pro" panose="020B0503030403020204" pitchFamily="34" charset="0"/>
               </a:rPr>
-              <a:t>Code</a:t>
+              <a:t>Task/Threads </a:t>
             </a:r>
           </a:p>
           <a:p>
             <a:pPr algn="ctr"/>
-            <a:endParaRPr lang="en-GB" sz="1200" b="1" dirty="0">
-              <a:solidFill>
-                <a:schemeClr val="tx1"/>
-              </a:solidFill>
-              <a:latin typeface="Source Sans Pro" panose="020B0503030403020204" pitchFamily="34" charset="0"/>
-              <a:ea typeface="Source Sans Pro" panose="020B0503030403020204" pitchFamily="34" charset="0"/>
-            </a:endParaRPr>
-          </a:p>
-          <a:p>
-            <a:pPr algn="ctr"/>
-            <a:r>
-              <a:rPr lang="en-US" sz="1000" dirty="0">
+            <a:r>
+              <a:rPr lang="en-GB" sz="1000" b="1" dirty="0">
                 <a:solidFill>
                   <a:schemeClr val="tx1"/>
                 </a:solidFill>
                 <a:latin typeface="Source Sans Pro" panose="020B0503030403020204" pitchFamily="34" charset="0"/>
                 <a:ea typeface="Source Sans Pro" panose="020B0503030403020204" pitchFamily="34" charset="0"/>
               </a:rPr>
-              <a:t>Execution In Place (XIP)</a:t>
-            </a:r>
-          </a:p>
-          <a:p>
-            <a:pPr algn="ctr"/>
-            <a:endParaRPr lang="en-US" sz="1000" dirty="0">
-              <a:solidFill>
-                <a:schemeClr val="tx1"/>
-              </a:solidFill>
-              <a:latin typeface="Source Sans Pro" panose="020B0503030403020204" pitchFamily="34" charset="0"/>
-              <a:ea typeface="Source Sans Pro" panose="020B0503030403020204" pitchFamily="34" charset="0"/>
-            </a:endParaRPr>
+              <a:t>Execution Tracing</a:t>
+            </a:r>
           </a:p>
         </p:txBody>
       </p:sp>
       <p:sp>
         <p:nvSpPr>
-          <p:cNvPr id="91" name="Rectangle: Rounded Corners 28">
+          <p:cNvPr id="97" name="Rounded Rectangle 64">
             <a:extLst>
               <a:ext uri="{FF2B5EF4-FFF2-40B4-BE49-F238E27FC236}">
-                <a16:creationId xmlns:a16="http://schemas.microsoft.com/office/drawing/2014/main" id="{80F92206-2787-1C4D-BC9E-CB585DD15340}"/>
+                <a16:creationId xmlns:a16="http://schemas.microsoft.com/office/drawing/2014/main" id="{4719CA8E-D4A2-164F-8F44-AF0E6A443AB5}"/>
               </a:ext>
             </a:extLst>
           </p:cNvPr>
@@ -8455,78 +8603,12 @@
         </p:nvSpPr>
         <p:spPr>
           <a:xfrm>
-            <a:off x="615534" y="1651176"/>
-            <a:ext cx="2156338" cy="3156001"/>
+            <a:off x="387085" y="5613360"/>
+            <a:ext cx="1800000" cy="748163"/>
           </a:xfrm>
           <a:prstGeom prst="roundRect">
             <a:avLst>
-              <a:gd name="adj" fmla="val 6661"/>
-            </a:avLst>
-          </a:prstGeom>
-          <a:solidFill>
-            <a:schemeClr val="tx2">
-              <a:lumMod val="20000"/>
-              <a:lumOff val="80000"/>
-            </a:schemeClr>
-          </a:solidFill>
-          <a:ln>
-            <a:noFill/>
-          </a:ln>
-        </p:spPr>
-        <p:style>
-          <a:lnRef idx="2">
-            <a:schemeClr val="accent1">
-              <a:shade val="50000"/>
-            </a:schemeClr>
-          </a:lnRef>
-          <a:fillRef idx="1">
-            <a:schemeClr val="accent1"/>
-          </a:fillRef>
-          <a:effectRef idx="0">
-            <a:schemeClr val="accent1"/>
-          </a:effectRef>
-          <a:fontRef idx="minor">
-            <a:schemeClr val="lt1"/>
-          </a:fontRef>
-        </p:style>
-        <p:txBody>
-          <a:bodyPr rtlCol="0" anchor="t"/>
-          <a:lstStyle/>
-          <a:p>
-            <a:pPr algn="ctr"/>
-            <a:r>
-              <a:rPr lang="en-US" sz="1200" b="1" dirty="0">
-                <a:solidFill>
-                  <a:schemeClr val="tx1"/>
-                </a:solidFill>
-                <a:latin typeface="Source Sans Pro" panose="020B0503030403020204" pitchFamily="34" charset="0"/>
-                <a:ea typeface="Source Sans Pro" panose="020B0503030403020204" pitchFamily="34" charset="0"/>
-              </a:rPr>
-              <a:t>DEBUG INTERFACE</a:t>
-            </a:r>
-          </a:p>
-        </p:txBody>
-      </p:sp>
-      <p:sp>
-        <p:nvSpPr>
-          <p:cNvPr id="92" name="Rounded Rectangle 64">
-            <a:extLst>
-              <a:ext uri="{FF2B5EF4-FFF2-40B4-BE49-F238E27FC236}">
-                <a16:creationId xmlns:a16="http://schemas.microsoft.com/office/drawing/2014/main" id="{5C22A8EC-AA3D-524E-93BE-1E61FC51FAEE}"/>
-              </a:ext>
-            </a:extLst>
-          </p:cNvPr>
-          <p:cNvSpPr/>
-          <p:nvPr/>
-        </p:nvSpPr>
-        <p:spPr>
-          <a:xfrm>
-            <a:off x="783566" y="2013231"/>
-            <a:ext cx="1800000" cy="263845"/>
-          </a:xfrm>
-          <a:prstGeom prst="roundRect">
-            <a:avLst>
-              <a:gd name="adj" fmla="val 25033"/>
+              <a:gd name="adj" fmla="val 14724"/>
             </a:avLst>
           </a:prstGeom>
           <a:solidFill>
@@ -8566,339 +8648,6 @@
                 <a:latin typeface="Source Sans Pro" panose="020B0503030403020204" pitchFamily="34" charset="0"/>
                 <a:ea typeface="Source Sans Pro" panose="020B0503030403020204" pitchFamily="34" charset="0"/>
               </a:rPr>
-              <a:t>Debugger Proxy</a:t>
-            </a:r>
-          </a:p>
-        </p:txBody>
-      </p:sp>
-      <p:sp>
-        <p:nvSpPr>
-          <p:cNvPr id="93" name="Rounded Rectangle 64">
-            <a:extLst>
-              <a:ext uri="{FF2B5EF4-FFF2-40B4-BE49-F238E27FC236}">
-                <a16:creationId xmlns:a16="http://schemas.microsoft.com/office/drawing/2014/main" id="{A4E77C73-F199-6D47-9802-F489C52F248C}"/>
-              </a:ext>
-            </a:extLst>
-          </p:cNvPr>
-          <p:cNvSpPr/>
-          <p:nvPr/>
-        </p:nvSpPr>
-        <p:spPr>
-          <a:xfrm>
-            <a:off x="783564" y="2383177"/>
-            <a:ext cx="1800000" cy="259463"/>
-          </a:xfrm>
-          <a:prstGeom prst="roundRect">
-            <a:avLst>
-              <a:gd name="adj" fmla="val 26257"/>
-            </a:avLst>
-          </a:prstGeom>
-          <a:solidFill>
-            <a:schemeClr val="bg1"/>
-          </a:solidFill>
-          <a:ln w="12700">
-            <a:noFill/>
-          </a:ln>
-          <a:effectLst/>
-        </p:spPr>
-        <p:style>
-          <a:lnRef idx="2">
-            <a:schemeClr val="dk1"/>
-          </a:lnRef>
-          <a:fillRef idx="1">
-            <a:schemeClr val="lt1"/>
-          </a:fillRef>
-          <a:effectRef idx="0">
-            <a:schemeClr val="dk1"/>
-          </a:effectRef>
-          <a:fontRef idx="minor">
-            <a:schemeClr val="dk1"/>
-          </a:fontRef>
-        </p:style>
-        <p:txBody>
-          <a:bodyPr wrap="square" tIns="36000" bIns="36000" rtlCol="0" anchor="ctr">
-            <a:spAutoFit/>
-          </a:bodyPr>
-          <a:lstStyle/>
-          <a:p>
-            <a:pPr algn="ctr"/>
-            <a:r>
-              <a:rPr lang="en-GB" sz="1000" b="1" dirty="0">
-                <a:solidFill>
-                  <a:schemeClr val="tx1"/>
-                </a:solidFill>
-                <a:latin typeface="Source Sans Pro" panose="020B0503030403020204" pitchFamily="34" charset="0"/>
-                <a:ea typeface="Source Sans Pro" panose="020B0503030403020204" pitchFamily="34" charset="0"/>
-              </a:rPr>
-              <a:t>Integrity Check</a:t>
-            </a:r>
-          </a:p>
-        </p:txBody>
-      </p:sp>
-      <p:sp>
-        <p:nvSpPr>
-          <p:cNvPr id="94" name="Rounded Rectangle 64">
-            <a:extLst>
-              <a:ext uri="{FF2B5EF4-FFF2-40B4-BE49-F238E27FC236}">
-                <a16:creationId xmlns:a16="http://schemas.microsoft.com/office/drawing/2014/main" id="{213108D2-5926-FB42-B8BC-139A14481E01}"/>
-              </a:ext>
-            </a:extLst>
-          </p:cNvPr>
-          <p:cNvSpPr/>
-          <p:nvPr/>
-        </p:nvSpPr>
-        <p:spPr>
-          <a:xfrm>
-            <a:off x="783565" y="2746863"/>
-            <a:ext cx="1800000" cy="259463"/>
-          </a:xfrm>
-          <a:prstGeom prst="roundRect">
-            <a:avLst>
-              <a:gd name="adj" fmla="val 22912"/>
-            </a:avLst>
-          </a:prstGeom>
-          <a:solidFill>
-            <a:schemeClr val="bg1"/>
-          </a:solidFill>
-          <a:ln w="12700">
-            <a:noFill/>
-          </a:ln>
-          <a:effectLst/>
-        </p:spPr>
-        <p:style>
-          <a:lnRef idx="2">
-            <a:schemeClr val="dk1"/>
-          </a:lnRef>
-          <a:fillRef idx="1">
-            <a:schemeClr val="lt1"/>
-          </a:fillRef>
-          <a:effectRef idx="0">
-            <a:schemeClr val="dk1"/>
-          </a:effectRef>
-          <a:fontRef idx="minor">
-            <a:schemeClr val="dk1"/>
-          </a:fontRef>
-        </p:style>
-        <p:txBody>
-          <a:bodyPr wrap="square" tIns="36000" bIns="36000" rtlCol="0" anchor="ctr">
-            <a:spAutoFit/>
-          </a:bodyPr>
-          <a:lstStyle/>
-          <a:p>
-            <a:pPr algn="ctr"/>
-            <a:r>
-              <a:rPr lang="en-GB" sz="1000" b="1" dirty="0">
-                <a:solidFill>
-                  <a:schemeClr val="tx1"/>
-                </a:solidFill>
-                <a:latin typeface="Source Sans Pro" panose="020B0503030403020204" pitchFamily="34" charset="0"/>
-                <a:ea typeface="Source Sans Pro" panose="020B0503030403020204" pitchFamily="34" charset="0"/>
-              </a:rPr>
-              <a:t>Core Dump</a:t>
-            </a:r>
-          </a:p>
-        </p:txBody>
-      </p:sp>
-      <p:sp>
-        <p:nvSpPr>
-          <p:cNvPr id="95" name="Rounded Rectangle 64">
-            <a:extLst>
-              <a:ext uri="{FF2B5EF4-FFF2-40B4-BE49-F238E27FC236}">
-                <a16:creationId xmlns:a16="http://schemas.microsoft.com/office/drawing/2014/main" id="{9183D5D0-EDC8-D843-BB7B-F2F69FC0DFDA}"/>
-              </a:ext>
-            </a:extLst>
-          </p:cNvPr>
-          <p:cNvSpPr/>
-          <p:nvPr/>
-        </p:nvSpPr>
-        <p:spPr>
-          <a:xfrm>
-            <a:off x="781646" y="3114618"/>
-            <a:ext cx="1800000" cy="259463"/>
-          </a:xfrm>
-          <a:prstGeom prst="roundRect">
-            <a:avLst>
-              <a:gd name="adj" fmla="val 24136"/>
-            </a:avLst>
-          </a:prstGeom>
-          <a:solidFill>
-            <a:schemeClr val="bg1"/>
-          </a:solidFill>
-          <a:ln w="12700">
-            <a:noFill/>
-          </a:ln>
-          <a:effectLst/>
-        </p:spPr>
-        <p:style>
-          <a:lnRef idx="2">
-            <a:schemeClr val="dk1"/>
-          </a:lnRef>
-          <a:fillRef idx="1">
-            <a:schemeClr val="lt1"/>
-          </a:fillRef>
-          <a:effectRef idx="0">
-            <a:schemeClr val="dk1"/>
-          </a:effectRef>
-          <a:fontRef idx="minor">
-            <a:schemeClr val="dk1"/>
-          </a:fontRef>
-        </p:style>
-        <p:txBody>
-          <a:bodyPr wrap="square" tIns="36000" bIns="36000" rtlCol="0" anchor="ctr">
-            <a:spAutoFit/>
-          </a:bodyPr>
-          <a:lstStyle/>
-          <a:p>
-            <a:pPr algn="ctr"/>
-            <a:r>
-              <a:rPr lang="en-GB" sz="1000" b="1" dirty="0">
-                <a:solidFill>
-                  <a:schemeClr val="tx1"/>
-                </a:solidFill>
-                <a:latin typeface="Source Sans Pro" panose="020B0503030403020204" pitchFamily="34" charset="0"/>
-                <a:ea typeface="Source Sans Pro" panose="020B0503030403020204" pitchFamily="34" charset="0"/>
-              </a:rPr>
-              <a:t>Heap Dump</a:t>
-            </a:r>
-          </a:p>
-        </p:txBody>
-      </p:sp>
-      <p:sp>
-        <p:nvSpPr>
-          <p:cNvPr id="96" name="Rounded Rectangle 64">
-            <a:extLst>
-              <a:ext uri="{FF2B5EF4-FFF2-40B4-BE49-F238E27FC236}">
-                <a16:creationId xmlns:a16="http://schemas.microsoft.com/office/drawing/2014/main" id="{385682CC-690C-3144-B485-992DF77ADF66}"/>
-              </a:ext>
-            </a:extLst>
-          </p:cNvPr>
-          <p:cNvSpPr/>
-          <p:nvPr/>
-        </p:nvSpPr>
-        <p:spPr>
-          <a:xfrm>
-            <a:off x="781646" y="3482373"/>
-            <a:ext cx="1800000" cy="360000"/>
-          </a:xfrm>
-          <a:prstGeom prst="roundRect">
-            <a:avLst>
-              <a:gd name="adj" fmla="val 19058"/>
-            </a:avLst>
-          </a:prstGeom>
-          <a:solidFill>
-            <a:schemeClr val="bg1"/>
-          </a:solidFill>
-          <a:ln w="12700">
-            <a:noFill/>
-          </a:ln>
-          <a:effectLst/>
-        </p:spPr>
-        <p:style>
-          <a:lnRef idx="2">
-            <a:schemeClr val="dk1"/>
-          </a:lnRef>
-          <a:fillRef idx="1">
-            <a:schemeClr val="lt1"/>
-          </a:fillRef>
-          <a:effectRef idx="0">
-            <a:schemeClr val="dk1"/>
-          </a:effectRef>
-          <a:fontRef idx="minor">
-            <a:schemeClr val="dk1"/>
-          </a:fontRef>
-        </p:style>
-        <p:txBody>
-          <a:bodyPr wrap="square" tIns="36000" bIns="36000" rtlCol="0" anchor="ctr">
-            <a:noAutofit/>
-          </a:bodyPr>
-          <a:lstStyle/>
-          <a:p>
-            <a:pPr algn="ctr"/>
-            <a:r>
-              <a:rPr lang="en-GB" sz="1000" b="1" dirty="0">
-                <a:solidFill>
-                  <a:schemeClr val="tx1"/>
-                </a:solidFill>
-                <a:latin typeface="Source Sans Pro" panose="020B0503030403020204" pitchFamily="34" charset="0"/>
-                <a:ea typeface="Source Sans Pro" panose="020B0503030403020204" pitchFamily="34" charset="0"/>
-              </a:rPr>
-              <a:t>Task/Threads </a:t>
-            </a:r>
-          </a:p>
-          <a:p>
-            <a:pPr algn="ctr"/>
-            <a:r>
-              <a:rPr lang="en-GB" sz="1000" b="1" dirty="0">
-                <a:solidFill>
-                  <a:schemeClr val="tx1"/>
-                </a:solidFill>
-                <a:latin typeface="Source Sans Pro" panose="020B0503030403020204" pitchFamily="34" charset="0"/>
-                <a:ea typeface="Source Sans Pro" panose="020B0503030403020204" pitchFamily="34" charset="0"/>
-              </a:rPr>
-              <a:t>Execution Tracing</a:t>
-            </a:r>
-          </a:p>
-        </p:txBody>
-      </p:sp>
-      <p:sp>
-        <p:nvSpPr>
-          <p:cNvPr id="97" name="Rounded Rectangle 64">
-            <a:extLst>
-              <a:ext uri="{FF2B5EF4-FFF2-40B4-BE49-F238E27FC236}">
-                <a16:creationId xmlns:a16="http://schemas.microsoft.com/office/drawing/2014/main" id="{4719CA8E-D4A2-164F-8F44-AF0E6A443AB5}"/>
-              </a:ext>
-            </a:extLst>
-          </p:cNvPr>
-          <p:cNvSpPr/>
-          <p:nvPr/>
-        </p:nvSpPr>
-        <p:spPr>
-          <a:xfrm>
-            <a:off x="781647" y="3931805"/>
-            <a:ext cx="1800000" cy="748163"/>
-          </a:xfrm>
-          <a:prstGeom prst="roundRect">
-            <a:avLst>
-              <a:gd name="adj" fmla="val 14724"/>
-            </a:avLst>
-          </a:prstGeom>
-          <a:solidFill>
-            <a:schemeClr val="bg1"/>
-          </a:solidFill>
-          <a:ln w="12700">
-            <a:noFill/>
-          </a:ln>
-          <a:effectLst/>
-        </p:spPr>
-        <p:style>
-          <a:lnRef idx="2">
-            <a:schemeClr val="dk1"/>
-          </a:lnRef>
-          <a:fillRef idx="1">
-            <a:schemeClr val="lt1"/>
-          </a:fillRef>
-          <a:effectRef idx="0">
-            <a:schemeClr val="dk1"/>
-          </a:effectRef>
-          <a:fontRef idx="minor">
-            <a:schemeClr val="dk1"/>
-          </a:fontRef>
-        </p:style>
-        <p:txBody>
-          <a:bodyPr wrap="square" tIns="36000" bIns="36000" rtlCol="0" anchor="ctr">
-            <a:spAutoFit/>
-          </a:bodyPr>
-          <a:lstStyle/>
-          <a:p>
-            <a:pPr algn="ctr"/>
-            <a:r>
-              <a:rPr lang="en-GB" sz="1000" b="1" dirty="0">
-                <a:solidFill>
-                  <a:schemeClr val="tx1"/>
-                </a:solidFill>
-                <a:latin typeface="Source Sans Pro" panose="020B0503030403020204" pitchFamily="34" charset="0"/>
-                <a:ea typeface="Source Sans Pro" panose="020B0503030403020204" pitchFamily="34" charset="0"/>
-              </a:rPr>
               <a:t>Advanced Profiling</a:t>
             </a:r>
           </a:p>
@@ -8951,15 +8700,13 @@
           </p:cNvPr>
           <p:cNvCxnSpPr>
             <a:cxnSpLocks/>
-            <a:stCxn id="91" idx="3"/>
-            <a:endCxn id="2" idx="1"/>
           </p:cNvCxnSpPr>
           <p:nvPr/>
         </p:nvCxnSpPr>
         <p:spPr>
           <a:xfrm>
-            <a:off x="2771872" y="3229177"/>
-            <a:ext cx="370891" cy="1333"/>
+            <a:off x="2357032" y="4232859"/>
+            <a:ext cx="414796" cy="0"/>
           </a:xfrm>
           <a:prstGeom prst="straightConnector1">
             <a:avLst/>
@@ -8995,15 +8742,13 @@
           </p:cNvPr>
           <p:cNvCxnSpPr>
             <a:cxnSpLocks/>
-            <a:stCxn id="86" idx="2"/>
-            <a:endCxn id="2" idx="0"/>
           </p:cNvCxnSpPr>
           <p:nvPr/>
         </p:nvCxnSpPr>
         <p:spPr>
           <a:xfrm>
-            <a:off x="6172458" y="1574787"/>
-            <a:ext cx="6364" cy="277228"/>
+            <a:off x="4950331" y="1576653"/>
+            <a:ext cx="0" cy="301242"/>
           </a:xfrm>
           <a:prstGeom prst="straightConnector1">
             <a:avLst/>
@@ -9040,13 +8785,12 @@
           <p:cNvCxnSpPr>
             <a:cxnSpLocks/>
             <a:stCxn id="2" idx="2"/>
-            <a:endCxn id="4" idx="0"/>
           </p:cNvCxnSpPr>
           <p:nvPr/>
         </p:nvCxnSpPr>
         <p:spPr>
           <a:xfrm>
-            <a:off x="6178822" y="4609004"/>
+            <a:off x="4950331" y="4954060"/>
             <a:ext cx="0" cy="273674"/>
           </a:xfrm>
           <a:prstGeom prst="straightConnector1">
@@ -9072,45 +8816,6 @@
           </a:fontRef>
         </p:style>
       </p:cxnSp>
-      <p:pic>
-        <p:nvPicPr>
-          <p:cNvPr id="152" name="Picture 151">
-            <a:extLst>
-              <a:ext uri="{FF2B5EF4-FFF2-40B4-BE49-F238E27FC236}">
-                <a16:creationId xmlns:a16="http://schemas.microsoft.com/office/drawing/2014/main" id="{1B1A000E-F51C-FF47-9A46-628E89225D93}"/>
-              </a:ext>
-            </a:extLst>
-          </p:cNvPr>
-          <p:cNvPicPr>
-            <a:picLocks noChangeAspect="1"/>
-          </p:cNvPicPr>
-          <p:nvPr/>
-        </p:nvPicPr>
-        <p:blipFill>
-          <a:blip r:embed="rId2" cstate="print">
-            <a:extLst>
-              <a:ext uri="{28A0092B-C50C-407E-A947-70E740481C1C}">
-                <a14:useLocalDpi xmlns:a14="http://schemas.microsoft.com/office/drawing/2010/main" val="0"/>
-              </a:ext>
-            </a:extLst>
-          </a:blip>
-          <a:stretch>
-            <a:fillRect/>
-          </a:stretch>
-        </p:blipFill>
-        <p:spPr>
-          <a:xfrm>
-            <a:off x="2977119" y="1703820"/>
-            <a:ext cx="680280" cy="685740"/>
-          </a:xfrm>
-          <a:prstGeom prst="rect">
-            <a:avLst/>
-          </a:prstGeom>
-          <a:ln w="19050">
-            <a:noFill/>
-          </a:ln>
-        </p:spPr>
-      </p:pic>
       <p:sp>
         <p:nvSpPr>
           <p:cNvPr id="153" name="TextBox 152">
@@ -9125,7 +8830,7 @@
         </p:nvSpPr>
         <p:spPr>
           <a:xfrm>
-            <a:off x="3109873" y="4554555"/>
+            <a:off x="2738938" y="4899611"/>
             <a:ext cx="1318672" cy="246221"/>
           </a:xfrm>
           <a:prstGeom prst="rect">
@@ -9167,8 +8872,8 @@
         </p:nvSpPr>
         <p:spPr>
           <a:xfrm>
-            <a:off x="9573407" y="2481743"/>
-            <a:ext cx="1949684" cy="1845054"/>
+            <a:off x="220972" y="136460"/>
+            <a:ext cx="2174886" cy="3035577"/>
           </a:xfrm>
           <a:prstGeom prst="roundRect">
             <a:avLst>
@@ -9233,8 +8938,8 @@
         </p:nvSpPr>
         <p:spPr>
           <a:xfrm>
-            <a:off x="9638438" y="3433276"/>
-            <a:ext cx="1800000" cy="259463"/>
+            <a:off x="398686" y="1490033"/>
+            <a:ext cx="1800001" cy="266037"/>
           </a:xfrm>
           <a:prstGeom prst="roundRect">
             <a:avLst>
@@ -9297,8 +9002,8 @@
         </p:nvSpPr>
         <p:spPr>
           <a:xfrm>
-            <a:off x="9638438" y="2779101"/>
-            <a:ext cx="1800000" cy="268228"/>
+            <a:off x="398686" y="839145"/>
+            <a:ext cx="1800001" cy="268228"/>
           </a:xfrm>
           <a:prstGeom prst="roundRect">
             <a:avLst>
@@ -9361,8 +9066,8 @@
         </p:nvSpPr>
         <p:spPr>
           <a:xfrm>
-            <a:off x="9638438" y="3779440"/>
-            <a:ext cx="1800000" cy="360000"/>
+            <a:off x="398684" y="1794287"/>
+            <a:ext cx="1800003" cy="450394"/>
           </a:xfrm>
           <a:prstGeom prst="roundRect">
             <a:avLst>
@@ -9436,8 +9141,8 @@
         </p:nvSpPr>
         <p:spPr>
           <a:xfrm>
-            <a:off x="9638438" y="3104334"/>
-            <a:ext cx="1800000" cy="248505"/>
+            <a:off x="398686" y="1164378"/>
+            <a:ext cx="1800001" cy="248505"/>
           </a:xfrm>
           <a:prstGeom prst="roundRect">
             <a:avLst>
@@ -9497,13 +9202,12 @@
           </p:cNvPr>
           <p:cNvCxnSpPr>
             <a:cxnSpLocks/>
-            <a:endCxn id="154" idx="1"/>
           </p:cNvCxnSpPr>
           <p:nvPr/>
         </p:nvCxnSpPr>
         <p:spPr>
           <a:xfrm>
-            <a:off x="9202152" y="3404270"/>
+            <a:off x="2395858" y="2870283"/>
             <a:ext cx="371255" cy="0"/>
           </a:xfrm>
           <a:prstGeom prst="straightConnector1">
@@ -9543,7 +9247,7 @@
         </p:nvSpPr>
         <p:spPr>
           <a:xfrm>
-            <a:off x="4272456" y="1904454"/>
+            <a:off x="2917149" y="2223849"/>
             <a:ext cx="2055252" cy="760757"/>
           </a:xfrm>
           <a:prstGeom prst="roundRect">
@@ -9645,7 +9349,7 @@
         </p:nvSpPr>
         <p:spPr>
           <a:xfrm>
-            <a:off x="4356148" y="5242237"/>
+            <a:off x="3985213" y="5587293"/>
             <a:ext cx="1301702" cy="759600"/>
           </a:xfrm>
           <a:prstGeom prst="roundRect">
@@ -9742,8 +9446,8 @@
         </p:nvSpPr>
         <p:spPr>
           <a:xfrm>
-            <a:off x="5353565" y="629093"/>
-            <a:ext cx="3714110" cy="854232"/>
+            <a:off x="7318227" y="498997"/>
+            <a:ext cx="4491683" cy="982993"/>
           </a:xfrm>
           <a:prstGeom prst="roundRect">
             <a:avLst>
@@ -9870,6 +9574,1401 @@
           </a:p>
         </p:txBody>
       </p:sp>
+      <p:sp>
+        <p:nvSpPr>
+          <p:cNvPr id="22" name="Rounded Rectangle 64">
+            <a:extLst>
+              <a:ext uri="{FF2B5EF4-FFF2-40B4-BE49-F238E27FC236}">
+                <a16:creationId xmlns:a16="http://schemas.microsoft.com/office/drawing/2014/main" id="{CA91C84F-8868-E76E-9DE1-DA92EFA5A1CA}"/>
+              </a:ext>
+            </a:extLst>
+          </p:cNvPr>
+          <p:cNvSpPr/>
+          <p:nvPr/>
+        </p:nvSpPr>
+        <p:spPr>
+          <a:xfrm>
+            <a:off x="7301170" y="1877896"/>
+            <a:ext cx="4603086" cy="1614334"/>
+          </a:xfrm>
+          <a:prstGeom prst="roundRect">
+            <a:avLst>
+              <a:gd name="adj" fmla="val 7133"/>
+            </a:avLst>
+          </a:prstGeom>
+          <a:solidFill>
+            <a:schemeClr val="bg1">
+              <a:lumMod val="75000"/>
+            </a:schemeClr>
+          </a:solidFill>
+          <a:ln w="19050">
+            <a:solidFill>
+              <a:schemeClr val="tx1">
+                <a:lumMod val="50000"/>
+              </a:schemeClr>
+            </a:solidFill>
+          </a:ln>
+          <a:effectLst/>
+        </p:spPr>
+        <p:style>
+          <a:lnRef idx="2">
+            <a:schemeClr val="dk1"/>
+          </a:lnRef>
+          <a:fillRef idx="1">
+            <a:schemeClr val="lt1"/>
+          </a:fillRef>
+          <a:effectRef idx="0">
+            <a:schemeClr val="dk1"/>
+          </a:effectRef>
+          <a:fontRef idx="minor">
+            <a:schemeClr val="dk1"/>
+          </a:fontRef>
+        </p:style>
+        <p:txBody>
+          <a:bodyPr wrap="square" tIns="36000" bIns="36000" rtlCol="0" anchor="t">
+            <a:noAutofit/>
+          </a:bodyPr>
+          <a:lstStyle/>
+          <a:p>
+            <a:pPr algn="ctr"/>
+            <a:endParaRPr lang="en-US" sz="1000" dirty="0">
+              <a:solidFill>
+                <a:schemeClr val="bg1"/>
+              </a:solidFill>
+              <a:latin typeface="Source Sans Pro" panose="020B0503030403020204" pitchFamily="34" charset="0"/>
+              <a:ea typeface="Source Sans Pro" panose="020B0503030403020204" pitchFamily="34" charset="0"/>
+            </a:endParaRPr>
+          </a:p>
+        </p:txBody>
+      </p:sp>
+      <p:sp>
+        <p:nvSpPr>
+          <p:cNvPr id="16" name="Rounded Rectangle 64">
+            <a:extLst>
+              <a:ext uri="{FF2B5EF4-FFF2-40B4-BE49-F238E27FC236}">
+                <a16:creationId xmlns:a16="http://schemas.microsoft.com/office/drawing/2014/main" id="{21C1CF18-5060-21BE-3DE9-B057DF52417D}"/>
+              </a:ext>
+            </a:extLst>
+          </p:cNvPr>
+          <p:cNvSpPr/>
+          <p:nvPr/>
+        </p:nvSpPr>
+        <p:spPr>
+          <a:xfrm>
+            <a:off x="7548906" y="2151570"/>
+            <a:ext cx="2124533" cy="1240816"/>
+          </a:xfrm>
+          <a:prstGeom prst="roundRect">
+            <a:avLst>
+              <a:gd name="adj" fmla="val 10061"/>
+            </a:avLst>
+          </a:prstGeom>
+          <a:solidFill>
+            <a:schemeClr val="bg1"/>
+          </a:solidFill>
+          <a:ln w="12700">
+            <a:solidFill>
+              <a:schemeClr val="accent1"/>
+            </a:solidFill>
+          </a:ln>
+          <a:effectLst/>
+        </p:spPr>
+        <p:style>
+          <a:lnRef idx="2">
+            <a:schemeClr val="dk1"/>
+          </a:lnRef>
+          <a:fillRef idx="1">
+            <a:schemeClr val="lt1"/>
+          </a:fillRef>
+          <a:effectRef idx="0">
+            <a:schemeClr val="dk1"/>
+          </a:effectRef>
+          <a:fontRef idx="minor">
+            <a:schemeClr val="dk1"/>
+          </a:fontRef>
+        </p:style>
+        <p:txBody>
+          <a:bodyPr wrap="square" lIns="72000" tIns="36000" rIns="36000" bIns="36000" rtlCol="0" anchor="t">
+            <a:noAutofit/>
+          </a:bodyPr>
+          <a:lstStyle/>
+          <a:p>
+            <a:pPr marL="0" marR="0" lvl="0" indent="0" algn="ctr" defTabSz="914377" rtl="0" eaLnBrk="1" fontAlgn="auto" latinLnBrk="0" hangingPunct="1">
+              <a:lnSpc>
+                <a:spcPct val="100000"/>
+              </a:lnSpc>
+              <a:spcBef>
+                <a:spcPts val="0"/>
+              </a:spcBef>
+              <a:spcAft>
+                <a:spcPts val="0"/>
+              </a:spcAft>
+              <a:buClrTx/>
+              <a:buSzTx/>
+              <a:buFontTx/>
+              <a:buNone/>
+              <a:tabLst/>
+              <a:defRPr/>
+            </a:pPr>
+            <a:r>
+              <a:rPr lang="en-GB" sz="1200" b="1" dirty="0">
+                <a:solidFill>
+                  <a:schemeClr val="tx1"/>
+                </a:solidFill>
+                <a:latin typeface="Source Sans Pro" panose="020B0503030403020204" pitchFamily="34" charset="0"/>
+                <a:ea typeface="Source Sans Pro" panose="020B0503030403020204" pitchFamily="34" charset="0"/>
+              </a:rPr>
+              <a:t>Multi-Sandbox Unit</a:t>
+            </a:r>
+            <a:endParaRPr lang="en-US" sz="1000" dirty="0">
+              <a:solidFill>
+                <a:srgbClr val="4B5357"/>
+              </a:solidFill>
+              <a:latin typeface="Source Sans Pro" panose="020B0503030403020204" pitchFamily="34" charset="0"/>
+              <a:ea typeface="Source Sans Pro" panose="020B0503030403020204" pitchFamily="34" charset="0"/>
+            </a:endParaRPr>
+          </a:p>
+          <a:p>
+            <a:pPr marL="0" marR="0" lvl="0" indent="0" defTabSz="914377" rtl="0" eaLnBrk="1" fontAlgn="auto" latinLnBrk="0" hangingPunct="1">
+              <a:lnSpc>
+                <a:spcPct val="100000"/>
+              </a:lnSpc>
+              <a:spcBef>
+                <a:spcPts val="0"/>
+              </a:spcBef>
+              <a:spcAft>
+                <a:spcPts val="0"/>
+              </a:spcAft>
+              <a:buClrTx/>
+              <a:buSzTx/>
+              <a:buFontTx/>
+              <a:buNone/>
+              <a:tabLst/>
+              <a:defRPr/>
+            </a:pPr>
+            <a:r>
+              <a:rPr kumimoji="0" lang="en-US" sz="1000" b="0" i="0" u="none" strike="noStrike" kern="1200" cap="none" spc="0" normalizeH="0" baseline="0" noProof="0" dirty="0">
+                <a:ln>
+                  <a:noFill/>
+                </a:ln>
+                <a:solidFill>
+                  <a:srgbClr val="4B5357"/>
+                </a:solidFill>
+                <a:effectLst/>
+                <a:uLnTx/>
+                <a:uFillTx/>
+                <a:latin typeface="Source Sans Pro" panose="020B0503030403020204" pitchFamily="34" charset="0"/>
+                <a:ea typeface="Source Sans Pro" panose="020B0503030403020204" pitchFamily="34" charset="0"/>
+                <a:cs typeface="+mn-cs"/>
+              </a:rPr>
+              <a:t>• </a:t>
+            </a:r>
+            <a:r>
+              <a:rPr lang="en-US" sz="1000" dirty="0">
+                <a:solidFill>
+                  <a:srgbClr val="4B5357"/>
+                </a:solidFill>
+                <a:latin typeface="Source Sans Pro" panose="020B0503030403020204" pitchFamily="34" charset="0"/>
+                <a:ea typeface="Source Sans Pro" panose="020B0503030403020204" pitchFamily="34" charset="0"/>
+              </a:rPr>
+              <a:t>Extended ISA  (Sandboxes firewall)</a:t>
+            </a:r>
+          </a:p>
+          <a:p>
+            <a:pPr marL="0" marR="0" lvl="0" indent="0" defTabSz="914377" rtl="0" eaLnBrk="1" fontAlgn="auto" latinLnBrk="0" hangingPunct="1">
+              <a:lnSpc>
+                <a:spcPct val="100000"/>
+              </a:lnSpc>
+              <a:spcBef>
+                <a:spcPts val="0"/>
+              </a:spcBef>
+              <a:spcAft>
+                <a:spcPts val="0"/>
+              </a:spcAft>
+              <a:buClrTx/>
+              <a:buSzTx/>
+              <a:buFontTx/>
+              <a:buNone/>
+              <a:tabLst/>
+              <a:defRPr/>
+            </a:pPr>
+            <a:r>
+              <a:rPr kumimoji="0" lang="en-US" sz="1000" b="0" i="0" u="none" strike="noStrike" kern="1200" cap="none" spc="0" normalizeH="0" baseline="0" noProof="0" dirty="0">
+                <a:ln>
+                  <a:noFill/>
+                </a:ln>
+                <a:solidFill>
+                  <a:srgbClr val="4B5357"/>
+                </a:solidFill>
+                <a:effectLst/>
+                <a:uLnTx/>
+                <a:uFillTx/>
+                <a:latin typeface="Source Sans Pro" panose="020B0503030403020204" pitchFamily="34" charset="0"/>
+                <a:ea typeface="Source Sans Pro" panose="020B0503030403020204" pitchFamily="34" charset="0"/>
+                <a:cs typeface="+mn-cs"/>
+              </a:rPr>
+              <a:t>• Identification </a:t>
+            </a:r>
+            <a:r>
+              <a:rPr lang="en-US" sz="1000" dirty="0">
+                <a:solidFill>
+                  <a:srgbClr val="4B5357"/>
+                </a:solidFill>
+                <a:latin typeface="Source Sans Pro" panose="020B0503030403020204" pitchFamily="34" charset="0"/>
+                <a:ea typeface="Source Sans Pro" panose="020B0503030403020204" pitchFamily="34" charset="0"/>
+              </a:rPr>
+              <a:t>for </a:t>
+            </a:r>
+            <a:r>
+              <a:rPr kumimoji="0" lang="en-US" sz="1000" b="0" i="0" u="none" strike="noStrike" kern="1200" cap="none" spc="0" normalizeH="0" baseline="0" noProof="0" dirty="0">
+                <a:ln>
+                  <a:noFill/>
+                </a:ln>
+                <a:solidFill>
+                  <a:srgbClr val="4B5357"/>
+                </a:solidFill>
+                <a:effectLst/>
+                <a:uLnTx/>
+                <a:uFillTx/>
+                <a:latin typeface="Source Sans Pro" panose="020B0503030403020204" pitchFamily="34" charset="0"/>
+                <a:ea typeface="Source Sans Pro" panose="020B0503030403020204" pitchFamily="34" charset="0"/>
+                <a:cs typeface="+mn-cs"/>
+              </a:rPr>
+              <a:t>Objects, Threads, Code</a:t>
+            </a:r>
+          </a:p>
+          <a:p>
+            <a:pPr marL="0" marR="0" lvl="0" indent="0" defTabSz="914377" rtl="0" eaLnBrk="1" fontAlgn="auto" latinLnBrk="0" hangingPunct="1">
+              <a:lnSpc>
+                <a:spcPct val="100000"/>
+              </a:lnSpc>
+              <a:spcBef>
+                <a:spcPts val="0"/>
+              </a:spcBef>
+              <a:spcAft>
+                <a:spcPts val="0"/>
+              </a:spcAft>
+              <a:buClrTx/>
+              <a:buSzTx/>
+              <a:buFontTx/>
+              <a:buNone/>
+              <a:tabLst/>
+              <a:defRPr/>
+            </a:pPr>
+            <a:r>
+              <a:rPr kumimoji="0" lang="en-US" sz="1000" b="0" i="0" u="none" strike="noStrike" kern="1200" cap="none" spc="0" normalizeH="0" baseline="0" noProof="0" dirty="0">
+                <a:ln>
+                  <a:noFill/>
+                </a:ln>
+                <a:solidFill>
+                  <a:srgbClr val="4B5357"/>
+                </a:solidFill>
+                <a:effectLst/>
+                <a:uLnTx/>
+                <a:uFillTx/>
+                <a:latin typeface="Source Sans Pro" panose="020B0503030403020204" pitchFamily="34" charset="0"/>
+                <a:ea typeface="Source Sans Pro" panose="020B0503030403020204" pitchFamily="34" charset="0"/>
+                <a:cs typeface="+mn-cs"/>
+              </a:rPr>
+              <a:t>• </a:t>
+            </a:r>
+            <a:r>
+              <a:rPr lang="en-US" sz="1000" dirty="0">
+                <a:solidFill>
+                  <a:srgbClr val="4B5357"/>
+                </a:solidFill>
+                <a:latin typeface="Source Sans Pro" panose="020B0503030403020204" pitchFamily="34" charset="0"/>
+                <a:ea typeface="Source Sans Pro" panose="020B0503030403020204" pitchFamily="34" charset="0"/>
+              </a:rPr>
+              <a:t>Kernel Mode</a:t>
+            </a:r>
+            <a:endParaRPr kumimoji="0" lang="en-US" sz="1000" b="0" i="0" u="none" strike="noStrike" kern="1200" cap="none" spc="0" normalizeH="0" baseline="0" noProof="0" dirty="0">
+              <a:ln>
+                <a:noFill/>
+              </a:ln>
+              <a:solidFill>
+                <a:srgbClr val="4B5357"/>
+              </a:solidFill>
+              <a:effectLst/>
+              <a:uLnTx/>
+              <a:uFillTx/>
+              <a:latin typeface="Source Sans Pro" panose="020B0503030403020204" pitchFamily="34" charset="0"/>
+              <a:ea typeface="Source Sans Pro" panose="020B0503030403020204" pitchFamily="34" charset="0"/>
+              <a:cs typeface="+mn-cs"/>
+            </a:endParaRPr>
+          </a:p>
+          <a:p>
+            <a:pPr marL="0" marR="0" lvl="0" indent="0" defTabSz="914377" rtl="0" eaLnBrk="1" fontAlgn="auto" latinLnBrk="0" hangingPunct="1">
+              <a:lnSpc>
+                <a:spcPct val="100000"/>
+              </a:lnSpc>
+              <a:spcBef>
+                <a:spcPts val="0"/>
+              </a:spcBef>
+              <a:spcAft>
+                <a:spcPts val="0"/>
+              </a:spcAft>
+              <a:buClrTx/>
+              <a:buSzTx/>
+              <a:buFontTx/>
+              <a:buNone/>
+              <a:tabLst/>
+              <a:defRPr/>
+            </a:pPr>
+            <a:r>
+              <a:rPr kumimoji="0" lang="en-US" sz="1000" b="0" i="0" u="none" strike="noStrike" kern="1200" cap="none" spc="0" normalizeH="0" baseline="0" noProof="0" dirty="0">
+                <a:ln>
+                  <a:noFill/>
+                </a:ln>
+                <a:solidFill>
+                  <a:srgbClr val="4B5357"/>
+                </a:solidFill>
+                <a:effectLst/>
+                <a:uLnTx/>
+                <a:uFillTx/>
+                <a:latin typeface="Source Sans Pro" panose="020B0503030403020204" pitchFamily="34" charset="0"/>
+                <a:ea typeface="Source Sans Pro" panose="020B0503030403020204" pitchFamily="34" charset="0"/>
+                <a:cs typeface="+mn-cs"/>
+              </a:rPr>
+              <a:t>• Caller context Awareness</a:t>
+            </a:r>
+          </a:p>
+          <a:p>
+            <a:pPr marL="0" marR="0" lvl="0" indent="0" algn="l" defTabSz="914377" rtl="0" eaLnBrk="1" fontAlgn="auto" latinLnBrk="0" hangingPunct="1">
+              <a:lnSpc>
+                <a:spcPct val="100000"/>
+              </a:lnSpc>
+              <a:spcBef>
+                <a:spcPts val="0"/>
+              </a:spcBef>
+              <a:spcAft>
+                <a:spcPts val="0"/>
+              </a:spcAft>
+              <a:buClrTx/>
+              <a:buSzTx/>
+              <a:buFontTx/>
+              <a:buNone/>
+              <a:tabLst/>
+              <a:defRPr/>
+            </a:pPr>
+            <a:r>
+              <a:rPr kumimoji="0" lang="en-US" sz="1000" b="0" i="0" u="none" strike="noStrike" kern="1200" cap="none" spc="0" normalizeH="0" baseline="0" noProof="0" dirty="0">
+                <a:ln>
+                  <a:noFill/>
+                </a:ln>
+                <a:solidFill>
+                  <a:srgbClr val="4B5357"/>
+                </a:solidFill>
+                <a:effectLst/>
+                <a:uLnTx/>
+                <a:uFillTx/>
+                <a:latin typeface="Source Sans Pro" panose="020B0503030403020204" pitchFamily="34" charset="0"/>
+                <a:ea typeface="Source Sans Pro" panose="020B0503030403020204" pitchFamily="34" charset="0"/>
+                <a:cs typeface="+mn-cs"/>
+              </a:rPr>
+              <a:t>• Shared </a:t>
+            </a:r>
+            <a:r>
+              <a:rPr lang="en-US" sz="1000" dirty="0">
+                <a:solidFill>
+                  <a:srgbClr val="4B5357"/>
+                </a:solidFill>
+                <a:latin typeface="Source Sans Pro" panose="020B0503030403020204" pitchFamily="34" charset="0"/>
+                <a:ea typeface="Source Sans Pro" panose="020B0503030403020204" pitchFamily="34" charset="0"/>
+              </a:rPr>
+              <a:t>interfaces</a:t>
+            </a:r>
+            <a:endParaRPr kumimoji="0" lang="en-US" sz="1000" b="0" i="0" u="none" strike="noStrike" kern="1200" cap="none" spc="0" normalizeH="0" baseline="0" noProof="0" dirty="0">
+              <a:ln>
+                <a:noFill/>
+              </a:ln>
+              <a:solidFill>
+                <a:srgbClr val="4B5357"/>
+              </a:solidFill>
+              <a:effectLst/>
+              <a:uLnTx/>
+              <a:uFillTx/>
+              <a:latin typeface="Source Sans Pro" panose="020B0503030403020204" pitchFamily="34" charset="0"/>
+              <a:ea typeface="Source Sans Pro" panose="020B0503030403020204" pitchFamily="34" charset="0"/>
+              <a:cs typeface="+mn-cs"/>
+            </a:endParaRPr>
+          </a:p>
+        </p:txBody>
+      </p:sp>
+      <p:pic>
+        <p:nvPicPr>
+          <p:cNvPr id="21" name="Picture 20">
+            <a:extLst>
+              <a:ext uri="{FF2B5EF4-FFF2-40B4-BE49-F238E27FC236}">
+                <a16:creationId xmlns:a16="http://schemas.microsoft.com/office/drawing/2014/main" id="{7ECACBEA-95D4-81A9-45F3-289A2D34328F}"/>
+              </a:ext>
+            </a:extLst>
+          </p:cNvPr>
+          <p:cNvPicPr>
+            <a:picLocks noChangeAspect="1"/>
+          </p:cNvPicPr>
+          <p:nvPr/>
+        </p:nvPicPr>
+        <p:blipFill>
+          <a:blip r:embed="rId2"/>
+          <a:stretch>
+            <a:fillRect/>
+          </a:stretch>
+        </p:blipFill>
+        <p:spPr>
+          <a:xfrm>
+            <a:off x="7147846" y="1573159"/>
+            <a:ext cx="680280" cy="680280"/>
+          </a:xfrm>
+          <a:prstGeom prst="rect">
+            <a:avLst/>
+          </a:prstGeom>
+        </p:spPr>
+      </p:pic>
+      <p:sp>
+        <p:nvSpPr>
+          <p:cNvPr id="23" name="Rounded Rectangle 64">
+            <a:extLst>
+              <a:ext uri="{FF2B5EF4-FFF2-40B4-BE49-F238E27FC236}">
+                <a16:creationId xmlns:a16="http://schemas.microsoft.com/office/drawing/2014/main" id="{CDBB7CAD-57FF-D045-B64E-5682765F0518}"/>
+              </a:ext>
+            </a:extLst>
+          </p:cNvPr>
+          <p:cNvSpPr/>
+          <p:nvPr/>
+        </p:nvSpPr>
+        <p:spPr>
+          <a:xfrm>
+            <a:off x="9921176" y="1946631"/>
+            <a:ext cx="1799892" cy="614336"/>
+          </a:xfrm>
+          <a:prstGeom prst="roundRect">
+            <a:avLst>
+              <a:gd name="adj" fmla="val 14022"/>
+            </a:avLst>
+          </a:prstGeom>
+          <a:solidFill>
+            <a:schemeClr val="bg1"/>
+          </a:solidFill>
+          <a:ln w="12700">
+            <a:solidFill>
+              <a:schemeClr val="accent1"/>
+            </a:solidFill>
+          </a:ln>
+          <a:effectLst/>
+        </p:spPr>
+        <p:style>
+          <a:lnRef idx="2">
+            <a:schemeClr val="dk1"/>
+          </a:lnRef>
+          <a:fillRef idx="1">
+            <a:schemeClr val="lt1"/>
+          </a:fillRef>
+          <a:effectRef idx="0">
+            <a:schemeClr val="dk1"/>
+          </a:effectRef>
+          <a:fontRef idx="minor">
+            <a:schemeClr val="dk1"/>
+          </a:fontRef>
+        </p:style>
+        <p:txBody>
+          <a:bodyPr wrap="square" lIns="36000" tIns="36000" rIns="36000" bIns="36000" rtlCol="0" anchor="ctr">
+            <a:spAutoFit/>
+          </a:bodyPr>
+          <a:lstStyle/>
+          <a:p>
+            <a:pPr algn="ctr"/>
+            <a:r>
+              <a:rPr lang="en-GB" sz="1200" b="1" dirty="0">
+                <a:solidFill>
+                  <a:schemeClr val="tx1"/>
+                </a:solidFill>
+                <a:latin typeface="Source Sans Pro" panose="020B0503030403020204" pitchFamily="34" charset="0"/>
+                <a:ea typeface="Source Sans Pro" panose="020B0503030403020204" pitchFamily="34" charset="0"/>
+              </a:rPr>
+              <a:t>Dynamic App Loader</a:t>
+            </a:r>
+          </a:p>
+          <a:p>
+            <a:r>
+              <a:rPr lang="en-US" sz="1000" dirty="0">
+                <a:solidFill>
+                  <a:schemeClr val="tx1"/>
+                </a:solidFill>
+                <a:latin typeface="Source Sans Pro" panose="020B0503030403020204" pitchFamily="34" charset="0"/>
+                <a:ea typeface="Source Sans Pro" panose="020B0503030403020204" pitchFamily="34" charset="0"/>
+              </a:rPr>
+              <a:t>• Streaming Linker </a:t>
+            </a:r>
+          </a:p>
+          <a:p>
+            <a:r>
+              <a:rPr lang="en-US" sz="1000" dirty="0">
+                <a:solidFill>
+                  <a:schemeClr val="tx1"/>
+                </a:solidFill>
+                <a:latin typeface="Source Sans Pro" panose="020B0503030403020204" pitchFamily="34" charset="0"/>
+                <a:ea typeface="Source Sans Pro" panose="020B0503030403020204" pitchFamily="34" charset="0"/>
+              </a:rPr>
+              <a:t>• with/without symbols</a:t>
+            </a:r>
+          </a:p>
+        </p:txBody>
+      </p:sp>
+      <p:pic>
+        <p:nvPicPr>
+          <p:cNvPr id="152" name="Picture 151">
+            <a:extLst>
+              <a:ext uri="{FF2B5EF4-FFF2-40B4-BE49-F238E27FC236}">
+                <a16:creationId xmlns:a16="http://schemas.microsoft.com/office/drawing/2014/main" id="{1B1A000E-F51C-FF47-9A46-628E89225D93}"/>
+              </a:ext>
+            </a:extLst>
+          </p:cNvPr>
+          <p:cNvPicPr>
+            <a:picLocks noChangeAspect="1"/>
+          </p:cNvPicPr>
+          <p:nvPr/>
+        </p:nvPicPr>
+        <p:blipFill>
+          <a:blip r:embed="rId3" cstate="print">
+            <a:extLst>
+              <a:ext uri="{28A0092B-C50C-407E-A947-70E740481C1C}">
+                <a14:useLocalDpi xmlns:a14="http://schemas.microsoft.com/office/drawing/2010/main" val="0"/>
+              </a:ext>
+            </a:extLst>
+          </a:blip>
+          <a:stretch>
+            <a:fillRect/>
+          </a:stretch>
+        </p:blipFill>
+        <p:spPr>
+          <a:xfrm>
+            <a:off x="2424287" y="1553584"/>
+            <a:ext cx="680280" cy="685740"/>
+          </a:xfrm>
+          <a:prstGeom prst="rect">
+            <a:avLst/>
+          </a:prstGeom>
+          <a:ln w="19050">
+            <a:noFill/>
+          </a:ln>
+        </p:spPr>
+      </p:pic>
+      <p:sp>
+        <p:nvSpPr>
+          <p:cNvPr id="36" name="Rounded Rectangle 64">
+            <a:extLst>
+              <a:ext uri="{FF2B5EF4-FFF2-40B4-BE49-F238E27FC236}">
+                <a16:creationId xmlns:a16="http://schemas.microsoft.com/office/drawing/2014/main" id="{C1E27E64-DB0E-3AC8-2BC2-0B6701B165CE}"/>
+              </a:ext>
+            </a:extLst>
+          </p:cNvPr>
+          <p:cNvSpPr/>
+          <p:nvPr/>
+        </p:nvSpPr>
+        <p:spPr>
+          <a:xfrm>
+            <a:off x="7249130" y="3689398"/>
+            <a:ext cx="4655125" cy="1264401"/>
+          </a:xfrm>
+          <a:prstGeom prst="roundRect">
+            <a:avLst>
+              <a:gd name="adj" fmla="val 7133"/>
+            </a:avLst>
+          </a:prstGeom>
+          <a:solidFill>
+            <a:schemeClr val="bg1">
+              <a:lumMod val="75000"/>
+            </a:schemeClr>
+          </a:solidFill>
+          <a:ln w="19050">
+            <a:solidFill>
+              <a:schemeClr val="tx1">
+                <a:lumMod val="50000"/>
+              </a:schemeClr>
+            </a:solidFill>
+          </a:ln>
+          <a:effectLst/>
+        </p:spPr>
+        <p:style>
+          <a:lnRef idx="2">
+            <a:schemeClr val="dk1"/>
+          </a:lnRef>
+          <a:fillRef idx="1">
+            <a:schemeClr val="lt1"/>
+          </a:fillRef>
+          <a:effectRef idx="0">
+            <a:schemeClr val="dk1"/>
+          </a:effectRef>
+          <a:fontRef idx="minor">
+            <a:schemeClr val="dk1"/>
+          </a:fontRef>
+        </p:style>
+        <p:txBody>
+          <a:bodyPr wrap="square" tIns="36000" bIns="36000" rtlCol="0" anchor="t">
+            <a:noAutofit/>
+          </a:bodyPr>
+          <a:lstStyle/>
+          <a:p>
+            <a:pPr algn="ctr"/>
+            <a:endParaRPr lang="en-US" sz="1000" dirty="0">
+              <a:solidFill>
+                <a:schemeClr val="bg1"/>
+              </a:solidFill>
+              <a:latin typeface="Source Sans Pro" panose="020B0503030403020204" pitchFamily="34" charset="0"/>
+              <a:ea typeface="Source Sans Pro" panose="020B0503030403020204" pitchFamily="34" charset="0"/>
+            </a:endParaRPr>
+          </a:p>
+        </p:txBody>
+      </p:sp>
+      <p:sp>
+        <p:nvSpPr>
+          <p:cNvPr id="34" name="Rounded Rectangle 64">
+            <a:extLst>
+              <a:ext uri="{FF2B5EF4-FFF2-40B4-BE49-F238E27FC236}">
+                <a16:creationId xmlns:a16="http://schemas.microsoft.com/office/drawing/2014/main" id="{AD2A244C-FDDC-FB2D-C08B-6C354A527A4E}"/>
+              </a:ext>
+            </a:extLst>
+          </p:cNvPr>
+          <p:cNvSpPr/>
+          <p:nvPr/>
+        </p:nvSpPr>
+        <p:spPr>
+          <a:xfrm>
+            <a:off x="8579599" y="3850771"/>
+            <a:ext cx="2046227" cy="857423"/>
+          </a:xfrm>
+          <a:prstGeom prst="roundRect">
+            <a:avLst>
+              <a:gd name="adj" fmla="val 10061"/>
+            </a:avLst>
+          </a:prstGeom>
+          <a:solidFill>
+            <a:schemeClr val="bg1"/>
+          </a:solidFill>
+          <a:ln w="12700">
+            <a:solidFill>
+              <a:schemeClr val="accent1"/>
+            </a:solidFill>
+          </a:ln>
+          <a:effectLst/>
+        </p:spPr>
+        <p:style>
+          <a:lnRef idx="2">
+            <a:schemeClr val="dk1"/>
+          </a:lnRef>
+          <a:fillRef idx="1">
+            <a:schemeClr val="lt1"/>
+          </a:fillRef>
+          <a:effectRef idx="0">
+            <a:schemeClr val="dk1"/>
+          </a:effectRef>
+          <a:fontRef idx="minor">
+            <a:schemeClr val="dk1"/>
+          </a:fontRef>
+        </p:style>
+        <p:txBody>
+          <a:bodyPr wrap="square" lIns="72000" tIns="36000" rIns="36000" bIns="36000" rtlCol="0" anchor="ctr">
+            <a:noAutofit/>
+          </a:bodyPr>
+          <a:lstStyle/>
+          <a:p>
+            <a:pPr marL="0" marR="0" lvl="0" indent="0" algn="ctr" defTabSz="914377" rtl="0" eaLnBrk="1" fontAlgn="auto" latinLnBrk="0" hangingPunct="1">
+              <a:lnSpc>
+                <a:spcPct val="100000"/>
+              </a:lnSpc>
+              <a:spcBef>
+                <a:spcPts val="0"/>
+              </a:spcBef>
+              <a:spcAft>
+                <a:spcPts val="0"/>
+              </a:spcAft>
+              <a:buClrTx/>
+              <a:buSzTx/>
+              <a:buFontTx/>
+              <a:buNone/>
+              <a:tabLst/>
+              <a:defRPr/>
+            </a:pPr>
+            <a:r>
+              <a:rPr lang="en-GB" sz="1200" b="1" dirty="0">
+                <a:solidFill>
+                  <a:srgbClr val="4B5357"/>
+                </a:solidFill>
+                <a:latin typeface="Source Sans Pro" panose="020B0503030403020204" pitchFamily="34" charset="0"/>
+                <a:ea typeface="Source Sans Pro" panose="020B0503030403020204" pitchFamily="34" charset="0"/>
+              </a:rPr>
+              <a:t>Multi-Lang</a:t>
+            </a:r>
+            <a:r>
+              <a:rPr kumimoji="0" lang="en-GB" sz="1200" b="1" i="0" u="none" strike="noStrike" kern="1200" cap="none" spc="0" normalizeH="0" baseline="0" noProof="0" dirty="0">
+                <a:ln>
+                  <a:noFill/>
+                </a:ln>
+                <a:solidFill>
+                  <a:srgbClr val="4B5357"/>
+                </a:solidFill>
+                <a:effectLst/>
+                <a:uLnTx/>
+                <a:uFillTx/>
+                <a:latin typeface="Source Sans Pro" panose="020B0503030403020204" pitchFamily="34" charset="0"/>
+                <a:ea typeface="Source Sans Pro" panose="020B0503030403020204" pitchFamily="34" charset="0"/>
+                <a:cs typeface="+mn-cs"/>
+              </a:rPr>
+              <a:t> Unit</a:t>
+            </a:r>
+          </a:p>
+          <a:p>
+            <a:pPr marL="0" marR="0" lvl="0" indent="0" algn="l" defTabSz="914377" rtl="0" eaLnBrk="1" fontAlgn="auto" latinLnBrk="0" hangingPunct="1">
+              <a:lnSpc>
+                <a:spcPct val="100000"/>
+              </a:lnSpc>
+              <a:spcBef>
+                <a:spcPts val="0"/>
+              </a:spcBef>
+              <a:spcAft>
+                <a:spcPts val="0"/>
+              </a:spcAft>
+              <a:buClrTx/>
+              <a:buSzTx/>
+              <a:buFontTx/>
+              <a:buNone/>
+              <a:tabLst/>
+              <a:defRPr/>
+            </a:pPr>
+            <a:r>
+              <a:rPr kumimoji="0" lang="en-US" sz="1000" b="0" i="0" u="none" strike="noStrike" kern="1200" cap="none" spc="0" normalizeH="0" baseline="0" noProof="0" dirty="0">
+                <a:ln>
+                  <a:noFill/>
+                </a:ln>
+                <a:solidFill>
+                  <a:srgbClr val="4B5357"/>
+                </a:solidFill>
+                <a:effectLst/>
+                <a:uLnTx/>
+                <a:uFillTx/>
+                <a:latin typeface="Source Sans Pro" panose="020B0503030403020204" pitchFamily="34" charset="0"/>
+                <a:ea typeface="Source Sans Pro" panose="020B0503030403020204" pitchFamily="34" charset="0"/>
+                <a:cs typeface="+mn-cs"/>
+              </a:rPr>
+              <a:t>• </a:t>
+            </a:r>
+            <a:r>
+              <a:rPr lang="en-US" sz="1000" dirty="0">
+                <a:solidFill>
+                  <a:srgbClr val="4B5357"/>
+                </a:solidFill>
+                <a:latin typeface="Source Sans Pro" panose="020B0503030403020204" pitchFamily="34" charset="0"/>
+                <a:ea typeface="Source Sans Pro" panose="020B0503030403020204" pitchFamily="34" charset="0"/>
+              </a:rPr>
+              <a:t>E</a:t>
+            </a:r>
+            <a:r>
+              <a:rPr kumimoji="0" lang="en-US" sz="1000" b="0" i="0" u="none" strike="noStrike" kern="1200" cap="none" spc="0" normalizeH="0" baseline="0" dirty="0">
+                <a:ln>
+                  <a:noFill/>
+                </a:ln>
+                <a:solidFill>
+                  <a:srgbClr val="4B5357"/>
+                </a:solidFill>
+                <a:effectLst/>
+                <a:uLnTx/>
+                <a:uFillTx/>
+                <a:latin typeface="Source Sans Pro" panose="020B0503030403020204" pitchFamily="34" charset="0"/>
+                <a:ea typeface="Source Sans Pro" panose="020B0503030403020204" pitchFamily="34" charset="0"/>
+                <a:cs typeface="+mn-cs"/>
+              </a:rPr>
+              <a:t>xtended</a:t>
+            </a:r>
+            <a:r>
+              <a:rPr kumimoji="0" lang="en-US" sz="1000" b="0" i="0" u="none" strike="noStrike" kern="1200" cap="none" spc="0" normalizeH="0" baseline="0" noProof="0" dirty="0">
+                <a:ln>
+                  <a:noFill/>
+                </a:ln>
+                <a:solidFill>
+                  <a:srgbClr val="4B5357"/>
+                </a:solidFill>
+                <a:effectLst/>
+                <a:uLnTx/>
+                <a:uFillTx/>
+                <a:latin typeface="Source Sans Pro" panose="020B0503030403020204" pitchFamily="34" charset="0"/>
+                <a:ea typeface="Source Sans Pro" panose="020B0503030403020204" pitchFamily="34" charset="0"/>
+                <a:cs typeface="+mn-cs"/>
+              </a:rPr>
+              <a:t> ISA (linear memory R/W)</a:t>
+            </a:r>
+          </a:p>
+          <a:p>
+            <a:pPr marL="0" marR="0" lvl="0" indent="0" algn="l" defTabSz="914377" rtl="0" eaLnBrk="1" fontAlgn="auto" latinLnBrk="0" hangingPunct="1">
+              <a:lnSpc>
+                <a:spcPct val="100000"/>
+              </a:lnSpc>
+              <a:spcBef>
+                <a:spcPts val="0"/>
+              </a:spcBef>
+              <a:spcAft>
+                <a:spcPts val="0"/>
+              </a:spcAft>
+              <a:buClrTx/>
+              <a:buSzTx/>
+              <a:buFontTx/>
+              <a:buNone/>
+              <a:tabLst/>
+              <a:defRPr/>
+            </a:pPr>
+            <a:r>
+              <a:rPr kumimoji="0" lang="en-US" sz="1000" b="0" i="0" u="none" strike="noStrike" kern="1200" cap="none" spc="0" normalizeH="0" baseline="0" noProof="0" dirty="0">
+                <a:ln>
+                  <a:noFill/>
+                </a:ln>
+                <a:solidFill>
+                  <a:srgbClr val="4B5357"/>
+                </a:solidFill>
+                <a:effectLst/>
+                <a:uLnTx/>
+                <a:uFillTx/>
+                <a:latin typeface="Source Sans Pro" panose="020B0503030403020204" pitchFamily="34" charset="0"/>
+                <a:ea typeface="Source Sans Pro" panose="020B0503030403020204" pitchFamily="34" charset="0"/>
+                <a:cs typeface="+mn-cs"/>
+              </a:rPr>
+              <a:t>• Multi-Modules</a:t>
+            </a:r>
+          </a:p>
+          <a:p>
+            <a:pPr marL="0" marR="0" lvl="0" indent="0" algn="l" defTabSz="914377" rtl="0" eaLnBrk="1" fontAlgn="auto" latinLnBrk="0" hangingPunct="1">
+              <a:lnSpc>
+                <a:spcPct val="100000"/>
+              </a:lnSpc>
+              <a:spcBef>
+                <a:spcPts val="0"/>
+              </a:spcBef>
+              <a:spcAft>
+                <a:spcPts val="0"/>
+              </a:spcAft>
+              <a:buClrTx/>
+              <a:buSzTx/>
+              <a:buFontTx/>
+              <a:buNone/>
+              <a:tabLst/>
+              <a:defRPr/>
+            </a:pPr>
+            <a:r>
+              <a:rPr kumimoji="0" lang="en-US" sz="1000" b="0" i="0" u="none" strike="noStrike" kern="1200" cap="none" spc="0" normalizeH="0" baseline="0" noProof="0" dirty="0">
+                <a:ln>
+                  <a:noFill/>
+                </a:ln>
+                <a:solidFill>
+                  <a:srgbClr val="4B5357"/>
+                </a:solidFill>
+                <a:effectLst/>
+                <a:uLnTx/>
+                <a:uFillTx/>
+                <a:latin typeface="Source Sans Pro" panose="020B0503030403020204" pitchFamily="34" charset="0"/>
+                <a:ea typeface="Source Sans Pro" panose="020B0503030403020204" pitchFamily="34" charset="0"/>
+                <a:cs typeface="+mn-cs"/>
+              </a:rPr>
+              <a:t>• Multi-Module Instances</a:t>
+            </a:r>
+          </a:p>
+          <a:p>
+            <a:pPr marL="0" marR="0" lvl="0" indent="0" algn="l" defTabSz="914377" rtl="0" eaLnBrk="1" fontAlgn="auto" latinLnBrk="0" hangingPunct="1">
+              <a:lnSpc>
+                <a:spcPct val="100000"/>
+              </a:lnSpc>
+              <a:spcBef>
+                <a:spcPts val="0"/>
+              </a:spcBef>
+              <a:spcAft>
+                <a:spcPts val="0"/>
+              </a:spcAft>
+              <a:buClrTx/>
+              <a:buSzTx/>
+              <a:buFontTx/>
+              <a:buNone/>
+              <a:tabLst/>
+              <a:defRPr/>
+            </a:pPr>
+            <a:r>
+              <a:rPr kumimoji="0" lang="en-US" sz="1000" b="0" i="0" u="none" strike="noStrike" kern="1200" cap="none" spc="0" normalizeH="0" baseline="0" noProof="0" dirty="0">
+                <a:ln>
+                  <a:noFill/>
+                </a:ln>
+                <a:solidFill>
+                  <a:srgbClr val="4B5357"/>
+                </a:solidFill>
+                <a:effectLst/>
+                <a:uLnTx/>
+                <a:uFillTx/>
+                <a:latin typeface="Source Sans Pro" panose="020B0503030403020204" pitchFamily="34" charset="0"/>
+                <a:ea typeface="Source Sans Pro" panose="020B0503030403020204" pitchFamily="34" charset="0"/>
+                <a:cs typeface="+mn-cs"/>
+              </a:rPr>
+              <a:t>• Unified multi-thread’s stack</a:t>
+            </a:r>
+          </a:p>
+        </p:txBody>
+      </p:sp>
+      <p:pic>
+        <p:nvPicPr>
+          <p:cNvPr id="35" name="Picture 34">
+            <a:extLst>
+              <a:ext uri="{FF2B5EF4-FFF2-40B4-BE49-F238E27FC236}">
+                <a16:creationId xmlns:a16="http://schemas.microsoft.com/office/drawing/2014/main" id="{59880678-F352-D7C7-B93F-24DEBBCEF078}"/>
+              </a:ext>
+            </a:extLst>
+          </p:cNvPr>
+          <p:cNvPicPr>
+            <a:picLocks noChangeAspect="1"/>
+          </p:cNvPicPr>
+          <p:nvPr/>
+        </p:nvPicPr>
+        <p:blipFill>
+          <a:blip r:embed="rId4"/>
+          <a:stretch>
+            <a:fillRect/>
+          </a:stretch>
+        </p:blipFill>
+        <p:spPr>
+          <a:xfrm>
+            <a:off x="7183212" y="3466100"/>
+            <a:ext cx="680280" cy="680280"/>
+          </a:xfrm>
+          <a:prstGeom prst="rect">
+            <a:avLst/>
+          </a:prstGeom>
+        </p:spPr>
+      </p:pic>
+      <p:sp>
+        <p:nvSpPr>
+          <p:cNvPr id="38" name="Rounded Rectangle 64">
+            <a:extLst>
+              <a:ext uri="{FF2B5EF4-FFF2-40B4-BE49-F238E27FC236}">
+                <a16:creationId xmlns:a16="http://schemas.microsoft.com/office/drawing/2014/main" id="{29F42E51-9D1B-EC86-8B51-99DECE17AD8E}"/>
+              </a:ext>
+            </a:extLst>
+          </p:cNvPr>
+          <p:cNvSpPr/>
+          <p:nvPr/>
+        </p:nvSpPr>
+        <p:spPr>
+          <a:xfrm>
+            <a:off x="8788394" y="5568933"/>
+            <a:ext cx="1934239" cy="759600"/>
+          </a:xfrm>
+          <a:prstGeom prst="roundRect">
+            <a:avLst>
+              <a:gd name="adj" fmla="val 13402"/>
+            </a:avLst>
+          </a:prstGeom>
+          <a:solidFill>
+            <a:schemeClr val="bg1"/>
+          </a:solidFill>
+          <a:ln w="12700">
+            <a:noFill/>
+          </a:ln>
+          <a:effectLst/>
+        </p:spPr>
+        <p:style>
+          <a:lnRef idx="2">
+            <a:schemeClr val="dk1"/>
+          </a:lnRef>
+          <a:fillRef idx="1">
+            <a:schemeClr val="lt1"/>
+          </a:fillRef>
+          <a:effectRef idx="0">
+            <a:schemeClr val="dk1"/>
+          </a:effectRef>
+          <a:fontRef idx="minor">
+            <a:schemeClr val="dk1"/>
+          </a:fontRef>
+        </p:style>
+        <p:txBody>
+          <a:bodyPr wrap="square" lIns="36000" tIns="36000" rIns="36000" bIns="36000" rtlCol="0" anchor="ctr">
+            <a:noAutofit/>
+          </a:bodyPr>
+          <a:lstStyle/>
+          <a:p>
+            <a:pPr algn="ctr"/>
+            <a:r>
+              <a:rPr lang="en-GB" sz="1200" b="1" dirty="0">
+                <a:solidFill>
+                  <a:schemeClr val="tx1"/>
+                </a:solidFill>
+                <a:latin typeface="Source Sans Pro" panose="020B0503030403020204" pitchFamily="34" charset="0"/>
+                <a:ea typeface="Source Sans Pro" panose="020B0503030403020204" pitchFamily="34" charset="0"/>
+              </a:rPr>
+              <a:t>Linear Memories Heap</a:t>
+            </a:r>
+          </a:p>
+          <a:p>
+            <a:pPr>
+              <a:defRPr/>
+            </a:pPr>
+            <a:r>
+              <a:rPr lang="en-US" sz="1000" dirty="0">
+                <a:solidFill>
+                  <a:srgbClr val="4B5357"/>
+                </a:solidFill>
+                <a:latin typeface="Source Sans Pro" panose="020B0503030403020204" pitchFamily="34" charset="0"/>
+                <a:ea typeface="Source Sans Pro" panose="020B0503030403020204" pitchFamily="34" charset="0"/>
+              </a:rPr>
+              <a:t>• Zero Fragmentation</a:t>
+            </a:r>
+            <a:endParaRPr kumimoji="0" lang="en-US" sz="1000" b="0" i="0" u="none" strike="noStrike" kern="1200" cap="none" spc="0" normalizeH="0" baseline="0" noProof="0" dirty="0">
+              <a:ln>
+                <a:noFill/>
+              </a:ln>
+              <a:solidFill>
+                <a:srgbClr val="4B5357"/>
+              </a:solidFill>
+              <a:effectLst/>
+              <a:uLnTx/>
+              <a:uFillTx/>
+              <a:latin typeface="Source Sans Pro" panose="020B0503030403020204" pitchFamily="34" charset="0"/>
+              <a:ea typeface="Source Sans Pro" panose="020B0503030403020204" pitchFamily="34" charset="0"/>
+              <a:cs typeface="+mn-cs"/>
+            </a:endParaRPr>
+          </a:p>
+          <a:p>
+            <a:pPr algn="ctr"/>
+            <a:endParaRPr lang="en-US" sz="1000" dirty="0">
+              <a:solidFill>
+                <a:schemeClr val="tx1"/>
+              </a:solidFill>
+              <a:latin typeface="Source Sans Pro" panose="020B0503030403020204" pitchFamily="34" charset="0"/>
+              <a:ea typeface="Source Sans Pro" panose="020B0503030403020204" pitchFamily="34" charset="0"/>
+            </a:endParaRPr>
+          </a:p>
+        </p:txBody>
+      </p:sp>
+      <p:cxnSp>
+        <p:nvCxnSpPr>
+          <p:cNvPr id="46" name="Straight Arrow Connector 45">
+            <a:extLst>
+              <a:ext uri="{FF2B5EF4-FFF2-40B4-BE49-F238E27FC236}">
+                <a16:creationId xmlns:a16="http://schemas.microsoft.com/office/drawing/2014/main" id="{B097ED9C-916B-98E3-AB07-633D2A1ED9D9}"/>
+              </a:ext>
+            </a:extLst>
+          </p:cNvPr>
+          <p:cNvCxnSpPr>
+            <a:cxnSpLocks/>
+          </p:cNvCxnSpPr>
+          <p:nvPr/>
+        </p:nvCxnSpPr>
+        <p:spPr>
+          <a:xfrm>
+            <a:off x="9439246" y="1576653"/>
+            <a:ext cx="0" cy="301242"/>
+          </a:xfrm>
+          <a:prstGeom prst="straightConnector1">
+            <a:avLst/>
+          </a:prstGeom>
+          <a:ln>
+            <a:headEnd type="triangle"/>
+            <a:tailEnd type="triangle"/>
+          </a:ln>
+        </p:spPr>
+        <p:style>
+          <a:lnRef idx="1">
+            <a:schemeClr val="accent1"/>
+          </a:lnRef>
+          <a:fillRef idx="0">
+            <a:schemeClr val="accent1"/>
+          </a:fillRef>
+          <a:effectRef idx="0">
+            <a:schemeClr val="accent1"/>
+          </a:effectRef>
+          <a:fontRef idx="minor">
+            <a:schemeClr val="tx1"/>
+          </a:fontRef>
+        </p:style>
+      </p:cxnSp>
+      <p:sp>
+        <p:nvSpPr>
+          <p:cNvPr id="47" name="Rounded Rectangle 64">
+            <a:extLst>
+              <a:ext uri="{FF2B5EF4-FFF2-40B4-BE49-F238E27FC236}">
+                <a16:creationId xmlns:a16="http://schemas.microsoft.com/office/drawing/2014/main" id="{ADC7F58B-55FD-889B-3343-E735C07A9090}"/>
+              </a:ext>
+            </a:extLst>
+          </p:cNvPr>
+          <p:cNvSpPr/>
+          <p:nvPr/>
+        </p:nvSpPr>
+        <p:spPr>
+          <a:xfrm>
+            <a:off x="9921176" y="2665448"/>
+            <a:ext cx="1799892" cy="710568"/>
+          </a:xfrm>
+          <a:prstGeom prst="roundRect">
+            <a:avLst>
+              <a:gd name="adj" fmla="val 10061"/>
+            </a:avLst>
+          </a:prstGeom>
+          <a:solidFill>
+            <a:schemeClr val="bg1"/>
+          </a:solidFill>
+          <a:ln w="12700">
+            <a:solidFill>
+              <a:schemeClr val="accent1"/>
+            </a:solidFill>
+          </a:ln>
+          <a:effectLst/>
+        </p:spPr>
+        <p:style>
+          <a:lnRef idx="2">
+            <a:schemeClr val="dk1"/>
+          </a:lnRef>
+          <a:fillRef idx="1">
+            <a:schemeClr val="lt1"/>
+          </a:fillRef>
+          <a:effectRef idx="0">
+            <a:schemeClr val="dk1"/>
+          </a:effectRef>
+          <a:fontRef idx="minor">
+            <a:schemeClr val="dk1"/>
+          </a:fontRef>
+        </p:style>
+        <p:txBody>
+          <a:bodyPr wrap="square" lIns="72000" tIns="36000" rIns="36000" bIns="36000" rtlCol="0" anchor="t">
+            <a:noAutofit/>
+          </a:bodyPr>
+          <a:lstStyle/>
+          <a:p>
+            <a:pPr marL="0" marR="0" lvl="0" indent="0" algn="ctr" defTabSz="914377" rtl="0" eaLnBrk="1" fontAlgn="auto" latinLnBrk="0" hangingPunct="1">
+              <a:lnSpc>
+                <a:spcPct val="100000"/>
+              </a:lnSpc>
+              <a:spcBef>
+                <a:spcPts val="0"/>
+              </a:spcBef>
+              <a:spcAft>
+                <a:spcPts val="0"/>
+              </a:spcAft>
+              <a:buClrTx/>
+              <a:buSzTx/>
+              <a:buFontTx/>
+              <a:buNone/>
+              <a:tabLst/>
+              <a:defRPr/>
+            </a:pPr>
+            <a:r>
+              <a:rPr lang="en-GB" sz="1200" b="1" dirty="0">
+                <a:solidFill>
+                  <a:schemeClr val="tx1"/>
+                </a:solidFill>
+                <a:latin typeface="Source Sans Pro" panose="020B0503030403020204" pitchFamily="34" charset="0"/>
+                <a:ea typeface="Source Sans Pro" panose="020B0503030403020204" pitchFamily="34" charset="0"/>
+              </a:rPr>
+              <a:t>Execution Control</a:t>
+            </a:r>
+            <a:endParaRPr lang="en-US" sz="1000" dirty="0">
+              <a:solidFill>
+                <a:srgbClr val="4B5357"/>
+              </a:solidFill>
+              <a:latin typeface="Source Sans Pro" panose="020B0503030403020204" pitchFamily="34" charset="0"/>
+              <a:ea typeface="Source Sans Pro" panose="020B0503030403020204" pitchFamily="34" charset="0"/>
+            </a:endParaRPr>
+          </a:p>
+          <a:p>
+            <a:pPr marL="0" marR="0" lvl="0" indent="0" algn="l" defTabSz="914377" rtl="0" eaLnBrk="1" fontAlgn="auto" latinLnBrk="0" hangingPunct="1">
+              <a:lnSpc>
+                <a:spcPct val="100000"/>
+              </a:lnSpc>
+              <a:spcBef>
+                <a:spcPts val="0"/>
+              </a:spcBef>
+              <a:spcAft>
+                <a:spcPts val="0"/>
+              </a:spcAft>
+              <a:buClrTx/>
+              <a:buSzTx/>
+              <a:buFontTx/>
+              <a:buNone/>
+              <a:tabLst/>
+              <a:defRPr/>
+            </a:pPr>
+            <a:r>
+              <a:rPr kumimoji="0" lang="en-US" sz="1000" b="0" i="0" u="none" strike="noStrike" kern="1200" cap="none" spc="0" normalizeH="0" baseline="0" noProof="0" dirty="0">
+                <a:ln>
+                  <a:noFill/>
+                </a:ln>
+                <a:solidFill>
+                  <a:srgbClr val="4B5357"/>
+                </a:solidFill>
+                <a:effectLst/>
+                <a:uLnTx/>
+                <a:uFillTx/>
+                <a:latin typeface="Source Sans Pro" panose="020B0503030403020204" pitchFamily="34" charset="0"/>
+                <a:ea typeface="Source Sans Pro" panose="020B0503030403020204" pitchFamily="34" charset="0"/>
+                <a:cs typeface="+mn-cs"/>
+              </a:rPr>
+              <a:t>•</a:t>
+            </a:r>
+            <a:r>
+              <a:rPr lang="en-US" sz="1000" dirty="0">
+                <a:solidFill>
+                  <a:srgbClr val="4B5357"/>
+                </a:solidFill>
+                <a:latin typeface="Source Sans Pro" panose="020B0503030403020204" pitchFamily="34" charset="0"/>
+                <a:ea typeface="Source Sans Pro" panose="020B0503030403020204" pitchFamily="34" charset="0"/>
+              </a:rPr>
+              <a:t> Start &amp; Stop (Hot kill)</a:t>
+            </a:r>
+          </a:p>
+          <a:p>
+            <a:pPr marL="0" marR="0" lvl="0" indent="0" algn="l" defTabSz="914377" rtl="0" eaLnBrk="1" fontAlgn="auto" latinLnBrk="0" hangingPunct="1">
+              <a:lnSpc>
+                <a:spcPct val="100000"/>
+              </a:lnSpc>
+              <a:spcBef>
+                <a:spcPts val="0"/>
+              </a:spcBef>
+              <a:spcAft>
+                <a:spcPts val="0"/>
+              </a:spcAft>
+              <a:buClrTx/>
+              <a:buSzTx/>
+              <a:buFontTx/>
+              <a:buNone/>
+              <a:tabLst/>
+              <a:defRPr/>
+            </a:pPr>
+            <a:r>
+              <a:rPr kumimoji="0" lang="en-US" sz="1000" b="0" i="0" u="none" strike="noStrike" kern="1200" cap="none" spc="0" normalizeH="0" baseline="0" noProof="0" dirty="0">
+                <a:ln>
+                  <a:noFill/>
+                </a:ln>
+                <a:solidFill>
+                  <a:srgbClr val="4B5357"/>
+                </a:solidFill>
+                <a:effectLst/>
+                <a:uLnTx/>
+                <a:uFillTx/>
+                <a:latin typeface="Source Sans Pro" panose="020B0503030403020204" pitchFamily="34" charset="0"/>
+                <a:ea typeface="Source Sans Pro" panose="020B0503030403020204" pitchFamily="34" charset="0"/>
+                <a:cs typeface="+mn-cs"/>
+              </a:rPr>
+              <a:t>• CPU Control</a:t>
+            </a:r>
+          </a:p>
+          <a:p>
+            <a:pPr marL="0" marR="0" lvl="0" indent="0" algn="l" defTabSz="914377" rtl="0" eaLnBrk="1" fontAlgn="auto" latinLnBrk="0" hangingPunct="1">
+              <a:lnSpc>
+                <a:spcPct val="100000"/>
+              </a:lnSpc>
+              <a:spcBef>
+                <a:spcPts val="0"/>
+              </a:spcBef>
+              <a:spcAft>
+                <a:spcPts val="0"/>
+              </a:spcAft>
+              <a:buClrTx/>
+              <a:buSzTx/>
+              <a:buFontTx/>
+              <a:buNone/>
+              <a:tabLst/>
+              <a:defRPr/>
+            </a:pPr>
+            <a:r>
+              <a:rPr kumimoji="0" lang="en-US" sz="1000" b="0" i="0" u="none" strike="noStrike" kern="1200" cap="none" spc="0" normalizeH="0" baseline="0" noProof="0" dirty="0">
+                <a:ln>
+                  <a:noFill/>
+                </a:ln>
+                <a:solidFill>
+                  <a:srgbClr val="4B5357"/>
+                </a:solidFill>
+                <a:effectLst/>
+                <a:uLnTx/>
+                <a:uFillTx/>
+                <a:latin typeface="Source Sans Pro" panose="020B0503030403020204" pitchFamily="34" charset="0"/>
+                <a:ea typeface="Source Sans Pro" panose="020B0503030403020204" pitchFamily="34" charset="0"/>
+                <a:cs typeface="+mn-cs"/>
+              </a:rPr>
+              <a:t>• RAM Control</a:t>
+            </a:r>
+            <a:endParaRPr lang="en-US" sz="1000" dirty="0">
+              <a:solidFill>
+                <a:srgbClr val="4B5357"/>
+              </a:solidFill>
+              <a:latin typeface="Source Sans Pro" panose="020B0503030403020204" pitchFamily="34" charset="0"/>
+              <a:ea typeface="Source Sans Pro" panose="020B0503030403020204" pitchFamily="34" charset="0"/>
+            </a:endParaRPr>
+          </a:p>
+        </p:txBody>
+      </p:sp>
+      <p:cxnSp>
+        <p:nvCxnSpPr>
+          <p:cNvPr id="48" name="Straight Arrow Connector 47">
+            <a:extLst>
+              <a:ext uri="{FF2B5EF4-FFF2-40B4-BE49-F238E27FC236}">
+                <a16:creationId xmlns:a16="http://schemas.microsoft.com/office/drawing/2014/main" id="{AF8B3A82-6113-9815-21FC-8CDC1E7835C1}"/>
+              </a:ext>
+            </a:extLst>
+          </p:cNvPr>
+          <p:cNvCxnSpPr>
+            <a:cxnSpLocks/>
+          </p:cNvCxnSpPr>
+          <p:nvPr/>
+        </p:nvCxnSpPr>
+        <p:spPr>
+          <a:xfrm>
+            <a:off x="8527418" y="4953799"/>
+            <a:ext cx="0" cy="273674"/>
+          </a:xfrm>
+          <a:prstGeom prst="straightConnector1">
+            <a:avLst/>
+          </a:prstGeom>
+          <a:ln>
+            <a:headEnd type="triangle"/>
+            <a:tailEnd type="triangle"/>
+          </a:ln>
+        </p:spPr>
+        <p:style>
+          <a:lnRef idx="1">
+            <a:schemeClr val="accent1"/>
+          </a:lnRef>
+          <a:fillRef idx="0">
+            <a:schemeClr val="accent1"/>
+          </a:fillRef>
+          <a:effectRef idx="0">
+            <a:schemeClr val="accent1"/>
+          </a:effectRef>
+          <a:fontRef idx="minor">
+            <a:schemeClr val="tx1"/>
+          </a:fontRef>
+        </p:style>
+      </p:cxnSp>
+      <p:pic>
+        <p:nvPicPr>
+          <p:cNvPr id="51" name="Picture 50">
+            <a:extLst>
+              <a:ext uri="{FF2B5EF4-FFF2-40B4-BE49-F238E27FC236}">
+                <a16:creationId xmlns:a16="http://schemas.microsoft.com/office/drawing/2014/main" id="{BCAB5313-D1B7-9B3F-E7E3-22B107EDFAD2}"/>
+              </a:ext>
+            </a:extLst>
+          </p:cNvPr>
+          <p:cNvPicPr>
+            <a:picLocks noChangeAspect="1"/>
+          </p:cNvPicPr>
+          <p:nvPr/>
+        </p:nvPicPr>
+        <p:blipFill>
+          <a:blip r:embed="rId4"/>
+          <a:stretch>
+            <a:fillRect/>
+          </a:stretch>
+        </p:blipFill>
+        <p:spPr>
+          <a:xfrm>
+            <a:off x="10314630" y="5913064"/>
+            <a:ext cx="408003" cy="408003"/>
+          </a:xfrm>
+          <a:prstGeom prst="rect">
+            <a:avLst/>
+          </a:prstGeom>
+        </p:spPr>
+      </p:pic>
     </p:spTree>
     <p:extLst>
       <p:ext uri="{BB962C8B-B14F-4D97-AF65-F5344CB8AC3E}">

--- a/VEEPortingGuide/images/mjvm_block-diagram.pptx
+++ b/VEEPortingGuide/images/mjvm_block-diagram.pptx
@@ -9966,17 +9966,17 @@
                 <a:ea typeface="Source Sans Pro" panose="020B0503030403020204" pitchFamily="34" charset="0"/>
                 <a:cs typeface="+mn-cs"/>
               </a:rPr>
-              <a:t>• Shared </a:t>
-            </a:r>
-            <a:r>
-              <a:rPr lang="en-US" sz="1000" dirty="0">
+              <a:t>• Shared I</a:t>
+            </a:r>
+            <a:r>
+              <a:rPr lang="en-US" sz="1000" dirty="0" err="1">
                 <a:solidFill>
                   <a:srgbClr val="4B5357"/>
                 </a:solidFill>
                 <a:latin typeface="Source Sans Pro" panose="020B0503030403020204" pitchFamily="34" charset="0"/>
                 <a:ea typeface="Source Sans Pro" panose="020B0503030403020204" pitchFamily="34" charset="0"/>
               </a:rPr>
-              <a:t>interfaces</a:t>
+              <a:t>nterfaces</a:t>
             </a:r>
             <a:endParaRPr kumimoji="0" lang="en-US" sz="1000" b="0" i="0" u="none" strike="noStrike" kern="1200" cap="none" spc="0" normalizeH="0" baseline="0" noProof="0" dirty="0">
               <a:ln>
@@ -10235,8 +10235,8 @@
         </p:nvSpPr>
         <p:spPr>
           <a:xfrm>
-            <a:off x="8579599" y="3850771"/>
-            <a:ext cx="2046227" cy="857423"/>
+            <a:off x="7703649" y="3988943"/>
+            <a:ext cx="1944070" cy="857423"/>
           </a:xfrm>
           <a:prstGeom prst="roundRect">
             <a:avLst>
@@ -10268,54 +10268,21 @@
           </a:fontRef>
         </p:style>
         <p:txBody>
-          <a:bodyPr wrap="square" lIns="72000" tIns="36000" rIns="36000" bIns="36000" rtlCol="0" anchor="ctr">
+          <a:bodyPr wrap="square" lIns="72000" tIns="36000" rIns="36000" bIns="36000" rtlCol="0" anchor="t">
             <a:noAutofit/>
           </a:bodyPr>
           <a:lstStyle/>
           <a:p>
-            <a:pPr marL="0" marR="0" lvl="0" indent="0" algn="ctr" defTabSz="914377" rtl="0" eaLnBrk="1" fontAlgn="auto" latinLnBrk="0" hangingPunct="1">
-              <a:lnSpc>
-                <a:spcPct val="100000"/>
-              </a:lnSpc>
-              <a:spcBef>
-                <a:spcPts val="0"/>
-              </a:spcBef>
-              <a:spcAft>
-                <a:spcPts val="0"/>
-              </a:spcAft>
-              <a:buClrTx/>
-              <a:buSzTx/>
-              <a:buFontTx/>
-              <a:buNone/>
-              <a:tabLst/>
-              <a:defRPr/>
-            </a:pPr>
+            <a:pPr algn="ctr"/>
             <a:r>
               <a:rPr lang="en-GB" sz="1200" b="1" dirty="0">
                 <a:solidFill>
-                  <a:srgbClr val="4B5357"/>
+                  <a:schemeClr val="tx1"/>
                 </a:solidFill>
                 <a:latin typeface="Source Sans Pro" panose="020B0503030403020204" pitchFamily="34" charset="0"/>
                 <a:ea typeface="Source Sans Pro" panose="020B0503030403020204" pitchFamily="34" charset="0"/>
               </a:rPr>
-              <a:t>Multi-Lang</a:t>
-            </a:r>
-            <a:r>
-              <a:rPr kumimoji="0" lang="en-GB" sz="1200" b="1" i="0" u="none" strike="noStrike" kern="1200" cap="none" spc="0" normalizeH="0" baseline="0" noProof="0" dirty="0">
-                <a:ln>
-                  <a:noFill/>
-                </a:ln>
-                <a:solidFill>
-                  <a:srgbClr val="4B5357"/>
-                </a:solidFill>
-                <a:effectLst/>
-                <a:uLnTx/>
-                <a:uFillTx/>
-                <a:latin typeface="Source Sans Pro" panose="020B0503030403020204" pitchFamily="34" charset="0"/>
-                <a:ea typeface="Source Sans Pro" panose="020B0503030403020204" pitchFamily="34" charset="0"/>
-                <a:cs typeface="+mn-cs"/>
-              </a:rPr>
-              <a:t> Unit</a:t>
+              <a:t>Extended Processing Unit</a:t>
             </a:r>
           </a:p>
           <a:p>
@@ -10361,10 +10328,10 @@
                 <a:latin typeface="Source Sans Pro" panose="020B0503030403020204" pitchFamily="34" charset="0"/>
                 <a:ea typeface="Source Sans Pro" panose="020B0503030403020204" pitchFamily="34" charset="0"/>
               </a:rPr>
-              <a:t>E</a:t>
-            </a:r>
-            <a:r>
-              <a:rPr kumimoji="0" lang="en-US" sz="1000" b="0" i="0" u="none" strike="noStrike" kern="1200" cap="none" spc="0" normalizeH="0" baseline="0" dirty="0">
+              <a:t>L</a:t>
+            </a:r>
+            <a:r>
+              <a:rPr kumimoji="0" lang="en-US" sz="1000" b="0" i="0" u="none" strike="noStrike" kern="1200" cap="none" spc="0" normalizeH="0" baseline="0" noProof="0" dirty="0" err="1">
                 <a:ln>
                   <a:noFill/>
                 </a:ln>
@@ -10378,7 +10345,7 @@
                 <a:ea typeface="Source Sans Pro" panose="020B0503030403020204" pitchFamily="34" charset="0"/>
                 <a:cs typeface="+mn-cs"/>
               </a:rPr>
-              <a:t>xtended</a:t>
+              <a:t>inear</a:t>
             </a:r>
             <a:r>
               <a:rPr kumimoji="0" lang="en-US" sz="1000" b="0" i="0" u="none" strike="noStrike" kern="1200" cap="none" spc="0" normalizeH="0" baseline="0" noProof="0" dirty="0">
@@ -10395,7 +10362,7 @@
                 <a:ea typeface="Source Sans Pro" panose="020B0503030403020204" pitchFamily="34" charset="0"/>
                 <a:cs typeface="+mn-cs"/>
               </a:rPr>
-              <a:t> ISA (linear memory R/W)</a:t>
+              <a:t> memory R/W</a:t>
             </a:r>
           </a:p>
           <a:p>
@@ -10431,7 +10398,7 @@
                 <a:ea typeface="Source Sans Pro" panose="020B0503030403020204" pitchFamily="34" charset="0"/>
                 <a:cs typeface="+mn-cs"/>
               </a:rPr>
-              <a:t>• Multi-Modules</a:t>
+              <a:t>• Unsigned types arithmetic</a:t>
             </a:r>
           </a:p>
           <a:p>
@@ -10467,44 +10434,32 @@
                 <a:ea typeface="Source Sans Pro" panose="020B0503030403020204" pitchFamily="34" charset="0"/>
                 <a:cs typeface="+mn-cs"/>
               </a:rPr>
-              <a:t>• Multi-Module Instances</a:t>
-            </a:r>
-          </a:p>
-          <a:p>
-            <a:pPr marL="0" marR="0" lvl="0" indent="0" algn="l" defTabSz="914377" rtl="0" eaLnBrk="1" fontAlgn="auto" latinLnBrk="0" hangingPunct="1">
-              <a:lnSpc>
-                <a:spcPct val="100000"/>
-              </a:lnSpc>
-              <a:spcBef>
-                <a:spcPts val="0"/>
-              </a:spcBef>
-              <a:spcAft>
-                <a:spcPts val="0"/>
-              </a:spcAft>
-              <a:buClrTx/>
-              <a:buSzTx/>
-              <a:buFontTx/>
-              <a:buNone/>
-              <a:tabLst/>
-              <a:defRPr/>
-            </a:pPr>
-            <a:r>
-              <a:rPr kumimoji="0" lang="en-US" sz="1000" b="0" i="0" u="none" strike="noStrike" kern="1200" cap="none" spc="0" normalizeH="0" baseline="0" noProof="0" dirty="0">
-                <a:ln>
-                  <a:noFill/>
-                </a:ln>
+              <a:t>•</a:t>
+            </a:r>
+            <a:r>
+              <a:rPr lang="en-US" sz="1000" dirty="0">
                 <a:solidFill>
                   <a:srgbClr val="4B5357"/>
                 </a:solidFill>
-                <a:effectLst/>
-                <a:uLnTx/>
-                <a:uFillTx/>
                 <a:latin typeface="Source Sans Pro" panose="020B0503030403020204" pitchFamily="34" charset="0"/>
                 <a:ea typeface="Source Sans Pro" panose="020B0503030403020204" pitchFamily="34" charset="0"/>
-                <a:cs typeface="+mn-cs"/>
-              </a:rPr>
-              <a:t>• Unified multi-thread’s stack</a:t>
-            </a:r>
+              </a:rPr>
+              <a:t> Atomics</a:t>
+            </a:r>
+            <a:endParaRPr kumimoji="0" lang="en-US" sz="1000" b="0" i="0" u="none" strike="noStrike" kern="1200" cap="none" spc="0" normalizeH="0" baseline="0" noProof="0" dirty="0">
+              <a:ln>
+                <a:noFill/>
+              </a:ln>
+              <a:solidFill>
+                <a:srgbClr val="4B5357"/>
+              </a:solidFill>
+              <a:effectLst/>
+              <a:uLnTx/>
+              <a:uFillTx/>
+              <a:latin typeface="Source Sans Pro" panose="020B0503030403020204" pitchFamily="34" charset="0"/>
+              <a:ea typeface="Source Sans Pro" panose="020B0503030403020204" pitchFamily="34" charset="0"/>
+              <a:cs typeface="+mn-cs"/>
+            </a:endParaRPr>
           </a:p>
         </p:txBody>
       </p:sp>
@@ -10969,6 +10924,127 @@
           </a:prstGeom>
         </p:spPr>
       </p:pic>
+      <p:sp>
+        <p:nvSpPr>
+          <p:cNvPr id="5" name="Rounded Rectangle 64">
+            <a:extLst>
+              <a:ext uri="{FF2B5EF4-FFF2-40B4-BE49-F238E27FC236}">
+                <a16:creationId xmlns:a16="http://schemas.microsoft.com/office/drawing/2014/main" id="{B684CC96-8F06-6878-3CB1-92C48EE2DCAC}"/>
+              </a:ext>
+            </a:extLst>
+          </p:cNvPr>
+          <p:cNvSpPr/>
+          <p:nvPr/>
+        </p:nvSpPr>
+        <p:spPr>
+          <a:xfrm>
+            <a:off x="9766597" y="3988943"/>
+            <a:ext cx="2009260" cy="599126"/>
+          </a:xfrm>
+          <a:prstGeom prst="roundRect">
+            <a:avLst>
+              <a:gd name="adj" fmla="val 10061"/>
+            </a:avLst>
+          </a:prstGeom>
+          <a:solidFill>
+            <a:schemeClr val="bg1"/>
+          </a:solidFill>
+          <a:ln w="12700">
+            <a:solidFill>
+              <a:schemeClr val="accent1"/>
+            </a:solidFill>
+          </a:ln>
+          <a:effectLst/>
+        </p:spPr>
+        <p:style>
+          <a:lnRef idx="2">
+            <a:schemeClr val="dk1"/>
+          </a:lnRef>
+          <a:fillRef idx="1">
+            <a:schemeClr val="lt1"/>
+          </a:fillRef>
+          <a:effectRef idx="0">
+            <a:schemeClr val="dk1"/>
+          </a:effectRef>
+          <a:fontRef idx="minor">
+            <a:schemeClr val="dk1"/>
+          </a:fontRef>
+        </p:style>
+        <p:txBody>
+          <a:bodyPr wrap="square" lIns="72000" tIns="36000" rIns="36000" bIns="36000" rtlCol="0" anchor="t">
+            <a:noAutofit/>
+          </a:bodyPr>
+          <a:lstStyle/>
+          <a:p>
+            <a:pPr algn="ctr"/>
+            <a:r>
+              <a:rPr lang="en-GB" sz="1200" b="1" dirty="0">
+                <a:solidFill>
+                  <a:schemeClr val="tx1"/>
+                </a:solidFill>
+                <a:latin typeface="Source Sans Pro" panose="020B0503030403020204" pitchFamily="34" charset="0"/>
+                <a:ea typeface="Source Sans Pro" panose="020B0503030403020204" pitchFamily="34" charset="0"/>
+              </a:rPr>
+              <a:t>Extended Scheduler</a:t>
+            </a:r>
+          </a:p>
+          <a:p>
+            <a:r>
+              <a:rPr kumimoji="0" lang="en-US" sz="1000" b="0" i="0" u="none" strike="noStrike" kern="1200" cap="none" spc="0" normalizeH="0" baseline="0" noProof="0" dirty="0">
+                <a:ln>
+                  <a:noFill/>
+                </a:ln>
+                <a:solidFill>
+                  <a:srgbClr val="4B5357"/>
+                </a:solidFill>
+                <a:effectLst/>
+                <a:uLnTx/>
+                <a:uFillTx/>
+                <a:latin typeface="Source Sans Pro" panose="020B0503030403020204" pitchFamily="34" charset="0"/>
+                <a:ea typeface="Source Sans Pro" panose="020B0503030403020204" pitchFamily="34" charset="0"/>
+                <a:cs typeface="+mn-cs"/>
+              </a:rPr>
+              <a:t>• Multi-Module (Code &amp; Instances)</a:t>
+            </a:r>
+          </a:p>
+          <a:p>
+            <a:pPr marL="0" marR="0" lvl="0" indent="0" defTabSz="914377" rtl="0" eaLnBrk="1" fontAlgn="auto" latinLnBrk="0" hangingPunct="1">
+              <a:lnSpc>
+                <a:spcPct val="100000"/>
+              </a:lnSpc>
+              <a:spcBef>
+                <a:spcPts val="0"/>
+              </a:spcBef>
+              <a:spcAft>
+                <a:spcPts val="0"/>
+              </a:spcAft>
+              <a:buClrTx/>
+              <a:buSzTx/>
+              <a:buFontTx/>
+              <a:buNone/>
+              <a:tabLst/>
+              <a:defRPr/>
+            </a:pPr>
+            <a:r>
+              <a:rPr kumimoji="0" lang="en-US" sz="1000" b="0" i="0" u="none" strike="noStrike" kern="1200" cap="none" spc="0" normalizeH="0" baseline="0" noProof="0" dirty="0">
+                <a:ln>
+                  <a:noFill/>
+                </a:ln>
+                <a:solidFill>
+                  <a:srgbClr val="4B5357"/>
+                </a:solidFill>
+                <a:effectLst/>
+                <a:uLnTx/>
+                <a:uFillTx/>
+                <a:latin typeface="Source Sans Pro" panose="020B0503030403020204" pitchFamily="34" charset="0"/>
+                <a:ea typeface="Source Sans Pro" panose="020B0503030403020204" pitchFamily="34" charset="0"/>
+                <a:cs typeface="+mn-cs"/>
+              </a:rPr>
+              <a:t>• Unified multi-thread’s stack</a:t>
+            </a:r>
+          </a:p>
+        </p:txBody>
+      </p:sp>
     </p:spTree>
     <p:extLst>
       <p:ext uri="{BB962C8B-B14F-4D97-AF65-F5344CB8AC3E}">
